--- a/trunk/ haptic-glove --username sreekar/Results/Results.pptx
+++ b/trunk/ haptic-glove --username sreekar/Results/Results.pptx
@@ -4,6 +4,10 @@
   <p:sldMasterIdLst>
     <p:sldMasterId id="2147483648" r:id="rId1"/>
   </p:sldMasterIdLst>
+  <p:sldIdLst>
+    <p:sldId id="256" r:id="rId2"/>
+    <p:sldId id="257" r:id="rId3"/>
+  </p:sldIdLst>
   <p:sldSz cx="9144000" cy="6858000" type="screen4x3"/>
   <p:notesSz cx="6858000" cy="9144000"/>
   <p:defaultTextStyle>
@@ -286,7 +290,7 @@
             <a:fld id="{1D8BD707-D9CF-40AE-B4C6-C98DA3205C09}" type="datetimeFigureOut">
               <a:rPr lang="en-US" smtClean="0"/>
               <a:pPr/>
-              <a:t>9/18/2006</a:t>
+              <a:t>11/28/2009</a:t>
             </a:fld>
             <a:endParaRPr lang="en-US"/>
           </a:p>
@@ -453,7 +457,7 @@
             <a:fld id="{1D8BD707-D9CF-40AE-B4C6-C98DA3205C09}" type="datetimeFigureOut">
               <a:rPr lang="en-US" smtClean="0"/>
               <a:pPr/>
-              <a:t>9/18/2006</a:t>
+              <a:t>11/28/2009</a:t>
             </a:fld>
             <a:endParaRPr lang="en-US"/>
           </a:p>
@@ -630,7 +634,7 @@
             <a:fld id="{1D8BD707-D9CF-40AE-B4C6-C98DA3205C09}" type="datetimeFigureOut">
               <a:rPr lang="en-US" smtClean="0"/>
               <a:pPr/>
-              <a:t>9/18/2006</a:t>
+              <a:t>11/28/2009</a:t>
             </a:fld>
             <a:endParaRPr lang="en-US"/>
           </a:p>
@@ -797,7 +801,7 @@
             <a:fld id="{1D8BD707-D9CF-40AE-B4C6-C98DA3205C09}" type="datetimeFigureOut">
               <a:rPr lang="en-US" smtClean="0"/>
               <a:pPr/>
-              <a:t>9/18/2006</a:t>
+              <a:t>11/28/2009</a:t>
             </a:fld>
             <a:endParaRPr lang="en-US"/>
           </a:p>
@@ -1040,7 +1044,7 @@
             <a:fld id="{1D8BD707-D9CF-40AE-B4C6-C98DA3205C09}" type="datetimeFigureOut">
               <a:rPr lang="en-US" smtClean="0"/>
               <a:pPr/>
-              <a:t>9/18/2006</a:t>
+              <a:t>11/28/2009</a:t>
             </a:fld>
             <a:endParaRPr lang="en-US"/>
           </a:p>
@@ -1325,7 +1329,7 @@
             <a:fld id="{1D8BD707-D9CF-40AE-B4C6-C98DA3205C09}" type="datetimeFigureOut">
               <a:rPr lang="en-US" smtClean="0"/>
               <a:pPr/>
-              <a:t>9/18/2006</a:t>
+              <a:t>11/28/2009</a:t>
             </a:fld>
             <a:endParaRPr lang="en-US"/>
           </a:p>
@@ -1744,7 +1748,7 @@
             <a:fld id="{1D8BD707-D9CF-40AE-B4C6-C98DA3205C09}" type="datetimeFigureOut">
               <a:rPr lang="en-US" smtClean="0"/>
               <a:pPr/>
-              <a:t>9/18/2006</a:t>
+              <a:t>11/28/2009</a:t>
             </a:fld>
             <a:endParaRPr lang="en-US"/>
           </a:p>
@@ -1859,7 +1863,7 @@
             <a:fld id="{1D8BD707-D9CF-40AE-B4C6-C98DA3205C09}" type="datetimeFigureOut">
               <a:rPr lang="en-US" smtClean="0"/>
               <a:pPr/>
-              <a:t>9/18/2006</a:t>
+              <a:t>11/28/2009</a:t>
             </a:fld>
             <a:endParaRPr lang="en-US"/>
           </a:p>
@@ -1951,7 +1955,7 @@
             <a:fld id="{1D8BD707-D9CF-40AE-B4C6-C98DA3205C09}" type="datetimeFigureOut">
               <a:rPr lang="en-US" smtClean="0"/>
               <a:pPr/>
-              <a:t>9/18/2006</a:t>
+              <a:t>11/28/2009</a:t>
             </a:fld>
             <a:endParaRPr lang="en-US"/>
           </a:p>
@@ -2225,7 +2229,7 @@
             <a:fld id="{1D8BD707-D9CF-40AE-B4C6-C98DA3205C09}" type="datetimeFigureOut">
               <a:rPr lang="en-US" smtClean="0"/>
               <a:pPr/>
-              <a:t>9/18/2006</a:t>
+              <a:t>11/28/2009</a:t>
             </a:fld>
             <a:endParaRPr lang="en-US"/>
           </a:p>
@@ -2475,7 +2479,7 @@
             <a:fld id="{1D8BD707-D9CF-40AE-B4C6-C98DA3205C09}" type="datetimeFigureOut">
               <a:rPr lang="en-US" smtClean="0"/>
               <a:pPr/>
-              <a:t>9/18/2006</a:t>
+              <a:t>11/28/2009</a:t>
             </a:fld>
             <a:endParaRPr lang="en-US"/>
           </a:p>
@@ -2685,7 +2689,7 @@
             <a:fld id="{1D8BD707-D9CF-40AE-B4C6-C98DA3205C09}" type="datetimeFigureOut">
               <a:rPr lang="en-US" smtClean="0"/>
               <a:pPr/>
-              <a:t>9/18/2006</a:t>
+              <a:t>11/28/2009</a:t>
             </a:fld>
             <a:endParaRPr lang="en-US"/>
           </a:p>
@@ -3037,6 +3041,4318 @@
     </p:otherStyle>
   </p:txStyles>
 </p:sldMaster>
+</file>
+
+<file path=ppt/slides/slide1.xml><?xml version="1.0" encoding="utf-8"?>
+<p:sld xmlns:a="http://schemas.openxmlformats.org/drawingml/2006/main" xmlns:r="http://schemas.openxmlformats.org/officeDocument/2006/relationships" xmlns:p="http://schemas.openxmlformats.org/presentationml/2006/main">
+  <p:cSld>
+    <p:spTree>
+      <p:nvGrpSpPr>
+        <p:cNvPr id="1" name=""/>
+        <p:cNvGrpSpPr/>
+        <p:nvPr/>
+      </p:nvGrpSpPr>
+      <p:grpSpPr>
+        <a:xfrm>
+          <a:off x="0" y="0"/>
+          <a:ext cx="0" cy="0"/>
+          <a:chOff x="0" y="0"/>
+          <a:chExt cx="0" cy="0"/>
+        </a:xfrm>
+      </p:grpSpPr>
+      <p:pic>
+        <p:nvPicPr>
+          <p:cNvPr id="45" name="Picture 44" descr="ConfusionMatrix.tif"/>
+          <p:cNvPicPr>
+            <a:picLocks noChangeAspect="1"/>
+          </p:cNvPicPr>
+          <p:nvPr/>
+        </p:nvPicPr>
+        <p:blipFill>
+          <a:blip r:embed="rId2" cstate="print"/>
+          <a:stretch>
+            <a:fillRect/>
+          </a:stretch>
+        </p:blipFill>
+        <p:spPr>
+          <a:xfrm>
+            <a:off x="1600200" y="1143000"/>
+            <a:ext cx="6400800" cy="4800600"/>
+          </a:xfrm>
+          <a:prstGeom prst="rect">
+            <a:avLst/>
+          </a:prstGeom>
+        </p:spPr>
+      </p:pic>
+      <p:sp>
+        <p:nvSpPr>
+          <p:cNvPr id="48" name="TextBox 47"/>
+          <p:cNvSpPr txBox="1"/>
+          <p:nvPr/>
+        </p:nvSpPr>
+        <p:spPr>
+          <a:xfrm>
+            <a:off x="2565400" y="1587500"/>
+            <a:ext cx="457200" cy="381000"/>
+          </a:xfrm>
+          <a:prstGeom prst="rect">
+            <a:avLst/>
+          </a:prstGeom>
+          <a:noFill/>
+        </p:spPr>
+        <p:txBody>
+          <a:bodyPr wrap="square" rtlCol="0">
+            <a:spAutoFit/>
+          </a:bodyPr>
+          <a:lstStyle/>
+          <a:p>
+            <a:pPr algn="ctr"/>
+            <a:r>
+              <a:rPr lang="en-US" b="1" dirty="0" smtClean="0">
+                <a:solidFill>
+                  <a:schemeClr val="bg2"/>
+                </a:solidFill>
+                <a:latin typeface="Times New Roman" pitchFamily="18" charset="0"/>
+                <a:cs typeface="Times New Roman" pitchFamily="18" charset="0"/>
+              </a:rPr>
+              <a:t>86</a:t>
+            </a:r>
+            <a:endParaRPr lang="en-US" b="1" dirty="0">
+              <a:solidFill>
+                <a:schemeClr val="bg2"/>
+              </a:solidFill>
+              <a:latin typeface="Times New Roman" pitchFamily="18" charset="0"/>
+              <a:cs typeface="Times New Roman" pitchFamily="18" charset="0"/>
+            </a:endParaRPr>
+          </a:p>
+        </p:txBody>
+      </p:sp>
+      <p:sp>
+        <p:nvSpPr>
+          <p:cNvPr id="49" name="TextBox 48"/>
+          <p:cNvSpPr txBox="1"/>
+          <p:nvPr/>
+        </p:nvSpPr>
+        <p:spPr>
+          <a:xfrm>
+            <a:off x="2590800" y="2133600"/>
+            <a:ext cx="457200" cy="381000"/>
+          </a:xfrm>
+          <a:prstGeom prst="rect">
+            <a:avLst/>
+          </a:prstGeom>
+          <a:noFill/>
+        </p:spPr>
+        <p:txBody>
+          <a:bodyPr wrap="square" rtlCol="0">
+            <a:spAutoFit/>
+          </a:bodyPr>
+          <a:lstStyle/>
+          <a:p>
+            <a:pPr algn="ctr"/>
+            <a:r>
+              <a:rPr lang="en-US" b="1" dirty="0" smtClean="0">
+                <a:solidFill>
+                  <a:schemeClr val="bg2"/>
+                </a:solidFill>
+                <a:latin typeface="Times New Roman" pitchFamily="18" charset="0"/>
+                <a:cs typeface="Times New Roman" pitchFamily="18" charset="0"/>
+              </a:rPr>
+              <a:t>0</a:t>
+            </a:r>
+            <a:endParaRPr lang="en-US" b="1" dirty="0">
+              <a:solidFill>
+                <a:schemeClr val="bg2"/>
+              </a:solidFill>
+              <a:latin typeface="Times New Roman" pitchFamily="18" charset="0"/>
+              <a:cs typeface="Times New Roman" pitchFamily="18" charset="0"/>
+            </a:endParaRPr>
+          </a:p>
+        </p:txBody>
+      </p:sp>
+      <p:sp>
+        <p:nvSpPr>
+          <p:cNvPr id="50" name="TextBox 49"/>
+          <p:cNvSpPr txBox="1"/>
+          <p:nvPr/>
+        </p:nvSpPr>
+        <p:spPr>
+          <a:xfrm>
+            <a:off x="2590800" y="2667000"/>
+            <a:ext cx="457200" cy="381000"/>
+          </a:xfrm>
+          <a:prstGeom prst="rect">
+            <a:avLst/>
+          </a:prstGeom>
+          <a:noFill/>
+        </p:spPr>
+        <p:txBody>
+          <a:bodyPr wrap="square" rtlCol="0">
+            <a:spAutoFit/>
+          </a:bodyPr>
+          <a:lstStyle/>
+          <a:p>
+            <a:pPr algn="ctr"/>
+            <a:r>
+              <a:rPr lang="en-US" b="1" dirty="0" smtClean="0">
+                <a:solidFill>
+                  <a:schemeClr val="bg2"/>
+                </a:solidFill>
+                <a:latin typeface="Times New Roman" pitchFamily="18" charset="0"/>
+                <a:cs typeface="Times New Roman" pitchFamily="18" charset="0"/>
+              </a:rPr>
+              <a:t>0</a:t>
+            </a:r>
+            <a:endParaRPr lang="en-US" b="1" dirty="0">
+              <a:solidFill>
+                <a:schemeClr val="bg2"/>
+              </a:solidFill>
+              <a:latin typeface="Times New Roman" pitchFamily="18" charset="0"/>
+              <a:cs typeface="Times New Roman" pitchFamily="18" charset="0"/>
+            </a:endParaRPr>
+          </a:p>
+        </p:txBody>
+      </p:sp>
+      <p:sp>
+        <p:nvSpPr>
+          <p:cNvPr id="51" name="TextBox 50"/>
+          <p:cNvSpPr txBox="1"/>
+          <p:nvPr/>
+        </p:nvSpPr>
+        <p:spPr>
+          <a:xfrm>
+            <a:off x="2590800" y="3225800"/>
+            <a:ext cx="457200" cy="381000"/>
+          </a:xfrm>
+          <a:prstGeom prst="rect">
+            <a:avLst/>
+          </a:prstGeom>
+          <a:noFill/>
+        </p:spPr>
+        <p:txBody>
+          <a:bodyPr wrap="square" rtlCol="0">
+            <a:spAutoFit/>
+          </a:bodyPr>
+          <a:lstStyle/>
+          <a:p>
+            <a:pPr algn="ctr"/>
+            <a:r>
+              <a:rPr lang="en-US" b="1" dirty="0" smtClean="0">
+                <a:solidFill>
+                  <a:schemeClr val="bg2"/>
+                </a:solidFill>
+                <a:latin typeface="Times New Roman" pitchFamily="18" charset="0"/>
+                <a:cs typeface="Times New Roman" pitchFamily="18" charset="0"/>
+              </a:rPr>
+              <a:t>0</a:t>
+            </a:r>
+            <a:endParaRPr lang="en-US" b="1" dirty="0">
+              <a:solidFill>
+                <a:schemeClr val="bg2"/>
+              </a:solidFill>
+              <a:latin typeface="Times New Roman" pitchFamily="18" charset="0"/>
+              <a:cs typeface="Times New Roman" pitchFamily="18" charset="0"/>
+            </a:endParaRPr>
+          </a:p>
+        </p:txBody>
+      </p:sp>
+      <p:sp>
+        <p:nvSpPr>
+          <p:cNvPr id="52" name="TextBox 51"/>
+          <p:cNvSpPr txBox="1"/>
+          <p:nvPr/>
+        </p:nvSpPr>
+        <p:spPr>
+          <a:xfrm>
+            <a:off x="2590800" y="3810000"/>
+            <a:ext cx="457200" cy="381000"/>
+          </a:xfrm>
+          <a:prstGeom prst="rect">
+            <a:avLst/>
+          </a:prstGeom>
+          <a:noFill/>
+        </p:spPr>
+        <p:txBody>
+          <a:bodyPr wrap="square" rtlCol="0">
+            <a:spAutoFit/>
+          </a:bodyPr>
+          <a:lstStyle/>
+          <a:p>
+            <a:pPr algn="ctr"/>
+            <a:r>
+              <a:rPr lang="en-US" b="1" dirty="0" smtClean="0">
+                <a:solidFill>
+                  <a:schemeClr val="bg2"/>
+                </a:solidFill>
+                <a:latin typeface="Times New Roman" pitchFamily="18" charset="0"/>
+                <a:cs typeface="Times New Roman" pitchFamily="18" charset="0"/>
+              </a:rPr>
+              <a:t>6</a:t>
+            </a:r>
+            <a:endParaRPr lang="en-US" b="1" dirty="0">
+              <a:solidFill>
+                <a:schemeClr val="bg2"/>
+              </a:solidFill>
+              <a:latin typeface="Times New Roman" pitchFamily="18" charset="0"/>
+              <a:cs typeface="Times New Roman" pitchFamily="18" charset="0"/>
+            </a:endParaRPr>
+          </a:p>
+        </p:txBody>
+      </p:sp>
+      <p:sp>
+        <p:nvSpPr>
+          <p:cNvPr id="53" name="TextBox 52"/>
+          <p:cNvSpPr txBox="1"/>
+          <p:nvPr/>
+        </p:nvSpPr>
+        <p:spPr>
+          <a:xfrm>
+            <a:off x="2590800" y="4343400"/>
+            <a:ext cx="457200" cy="381000"/>
+          </a:xfrm>
+          <a:prstGeom prst="rect">
+            <a:avLst/>
+          </a:prstGeom>
+          <a:noFill/>
+        </p:spPr>
+        <p:txBody>
+          <a:bodyPr wrap="square" rtlCol="0">
+            <a:spAutoFit/>
+          </a:bodyPr>
+          <a:lstStyle/>
+          <a:p>
+            <a:pPr algn="ctr"/>
+            <a:r>
+              <a:rPr lang="en-US" b="1" dirty="0" smtClean="0">
+                <a:solidFill>
+                  <a:schemeClr val="bg2"/>
+                </a:solidFill>
+                <a:latin typeface="Times New Roman" pitchFamily="18" charset="0"/>
+                <a:cs typeface="Times New Roman" pitchFamily="18" charset="0"/>
+              </a:rPr>
+              <a:t>9</a:t>
+            </a:r>
+            <a:endParaRPr lang="en-US" b="1" dirty="0">
+              <a:solidFill>
+                <a:schemeClr val="bg2"/>
+              </a:solidFill>
+              <a:latin typeface="Times New Roman" pitchFamily="18" charset="0"/>
+              <a:cs typeface="Times New Roman" pitchFamily="18" charset="0"/>
+            </a:endParaRPr>
+          </a:p>
+        </p:txBody>
+      </p:sp>
+      <p:sp>
+        <p:nvSpPr>
+          <p:cNvPr id="54" name="TextBox 53"/>
+          <p:cNvSpPr txBox="1"/>
+          <p:nvPr/>
+        </p:nvSpPr>
+        <p:spPr>
+          <a:xfrm>
+            <a:off x="2590800" y="4953000"/>
+            <a:ext cx="457200" cy="381000"/>
+          </a:xfrm>
+          <a:prstGeom prst="rect">
+            <a:avLst/>
+          </a:prstGeom>
+          <a:noFill/>
+        </p:spPr>
+        <p:txBody>
+          <a:bodyPr wrap="square" rtlCol="0">
+            <a:spAutoFit/>
+          </a:bodyPr>
+          <a:lstStyle/>
+          <a:p>
+            <a:pPr algn="ctr"/>
+            <a:r>
+              <a:rPr lang="en-US" b="1" dirty="0" smtClean="0">
+                <a:solidFill>
+                  <a:schemeClr val="bg2"/>
+                </a:solidFill>
+                <a:latin typeface="Times New Roman" pitchFamily="18" charset="0"/>
+                <a:cs typeface="Times New Roman" pitchFamily="18" charset="0"/>
+              </a:rPr>
+              <a:t>2</a:t>
+            </a:r>
+            <a:endParaRPr lang="en-US" b="1" dirty="0">
+              <a:solidFill>
+                <a:schemeClr val="bg2"/>
+              </a:solidFill>
+              <a:latin typeface="Times New Roman" pitchFamily="18" charset="0"/>
+              <a:cs typeface="Times New Roman" pitchFamily="18" charset="0"/>
+            </a:endParaRPr>
+          </a:p>
+        </p:txBody>
+      </p:sp>
+      <p:sp>
+        <p:nvSpPr>
+          <p:cNvPr id="55" name="TextBox 54"/>
+          <p:cNvSpPr txBox="1"/>
+          <p:nvPr/>
+        </p:nvSpPr>
+        <p:spPr>
+          <a:xfrm>
+            <a:off x="3098800" y="1587500"/>
+            <a:ext cx="457200" cy="381000"/>
+          </a:xfrm>
+          <a:prstGeom prst="rect">
+            <a:avLst/>
+          </a:prstGeom>
+          <a:noFill/>
+        </p:spPr>
+        <p:txBody>
+          <a:bodyPr wrap="square" rtlCol="0">
+            <a:spAutoFit/>
+          </a:bodyPr>
+          <a:lstStyle/>
+          <a:p>
+            <a:pPr algn="ctr"/>
+            <a:r>
+              <a:rPr lang="en-US" b="1" dirty="0" smtClean="0">
+                <a:solidFill>
+                  <a:schemeClr val="bg2"/>
+                </a:solidFill>
+                <a:latin typeface="Times New Roman" pitchFamily="18" charset="0"/>
+                <a:cs typeface="Times New Roman" pitchFamily="18" charset="0"/>
+              </a:rPr>
+              <a:t>0</a:t>
+            </a:r>
+            <a:endParaRPr lang="en-US" b="1" dirty="0">
+              <a:solidFill>
+                <a:schemeClr val="bg2"/>
+              </a:solidFill>
+              <a:latin typeface="Times New Roman" pitchFamily="18" charset="0"/>
+              <a:cs typeface="Times New Roman" pitchFamily="18" charset="0"/>
+            </a:endParaRPr>
+          </a:p>
+        </p:txBody>
+      </p:sp>
+      <p:sp>
+        <p:nvSpPr>
+          <p:cNvPr id="56" name="TextBox 55"/>
+          <p:cNvSpPr txBox="1"/>
+          <p:nvPr/>
+        </p:nvSpPr>
+        <p:spPr>
+          <a:xfrm>
+            <a:off x="3124200" y="2133600"/>
+            <a:ext cx="457200" cy="381000"/>
+          </a:xfrm>
+          <a:prstGeom prst="rect">
+            <a:avLst/>
+          </a:prstGeom>
+          <a:noFill/>
+        </p:spPr>
+        <p:txBody>
+          <a:bodyPr wrap="square" rtlCol="0">
+            <a:spAutoFit/>
+          </a:bodyPr>
+          <a:lstStyle/>
+          <a:p>
+            <a:pPr algn="ctr"/>
+            <a:r>
+              <a:rPr lang="en-US" b="1" dirty="0" smtClean="0">
+                <a:solidFill>
+                  <a:schemeClr val="bg2"/>
+                </a:solidFill>
+                <a:latin typeface="Times New Roman" pitchFamily="18" charset="0"/>
+                <a:cs typeface="Times New Roman" pitchFamily="18" charset="0"/>
+              </a:rPr>
+              <a:t>96</a:t>
+            </a:r>
+            <a:endParaRPr lang="en-US" b="1" dirty="0">
+              <a:solidFill>
+                <a:schemeClr val="bg2"/>
+              </a:solidFill>
+              <a:latin typeface="Times New Roman" pitchFamily="18" charset="0"/>
+              <a:cs typeface="Times New Roman" pitchFamily="18" charset="0"/>
+            </a:endParaRPr>
+          </a:p>
+        </p:txBody>
+      </p:sp>
+      <p:sp>
+        <p:nvSpPr>
+          <p:cNvPr id="57" name="TextBox 56"/>
+          <p:cNvSpPr txBox="1"/>
+          <p:nvPr/>
+        </p:nvSpPr>
+        <p:spPr>
+          <a:xfrm>
+            <a:off x="3124200" y="2667000"/>
+            <a:ext cx="457200" cy="381000"/>
+          </a:xfrm>
+          <a:prstGeom prst="rect">
+            <a:avLst/>
+          </a:prstGeom>
+          <a:noFill/>
+        </p:spPr>
+        <p:txBody>
+          <a:bodyPr wrap="square" rtlCol="0">
+            <a:spAutoFit/>
+          </a:bodyPr>
+          <a:lstStyle/>
+          <a:p>
+            <a:pPr algn="ctr"/>
+            <a:r>
+              <a:rPr lang="en-US" b="1" dirty="0" smtClean="0">
+                <a:solidFill>
+                  <a:schemeClr val="bg2"/>
+                </a:solidFill>
+                <a:latin typeface="Times New Roman" pitchFamily="18" charset="0"/>
+                <a:cs typeface="Times New Roman" pitchFamily="18" charset="0"/>
+              </a:rPr>
+              <a:t>1</a:t>
+            </a:r>
+            <a:endParaRPr lang="en-US" b="1" dirty="0">
+              <a:solidFill>
+                <a:schemeClr val="bg2"/>
+              </a:solidFill>
+              <a:latin typeface="Times New Roman" pitchFamily="18" charset="0"/>
+              <a:cs typeface="Times New Roman" pitchFamily="18" charset="0"/>
+            </a:endParaRPr>
+          </a:p>
+        </p:txBody>
+      </p:sp>
+      <p:sp>
+        <p:nvSpPr>
+          <p:cNvPr id="58" name="TextBox 57"/>
+          <p:cNvSpPr txBox="1"/>
+          <p:nvPr/>
+        </p:nvSpPr>
+        <p:spPr>
+          <a:xfrm>
+            <a:off x="3124200" y="3225800"/>
+            <a:ext cx="457200" cy="381000"/>
+          </a:xfrm>
+          <a:prstGeom prst="rect">
+            <a:avLst/>
+          </a:prstGeom>
+          <a:noFill/>
+        </p:spPr>
+        <p:txBody>
+          <a:bodyPr wrap="square" rtlCol="0">
+            <a:spAutoFit/>
+          </a:bodyPr>
+          <a:lstStyle/>
+          <a:p>
+            <a:pPr algn="ctr"/>
+            <a:r>
+              <a:rPr lang="en-US" b="1" dirty="0" smtClean="0">
+                <a:solidFill>
+                  <a:schemeClr val="bg2"/>
+                </a:solidFill>
+                <a:latin typeface="Times New Roman" pitchFamily="18" charset="0"/>
+                <a:cs typeface="Times New Roman" pitchFamily="18" charset="0"/>
+              </a:rPr>
+              <a:t>0</a:t>
+            </a:r>
+            <a:endParaRPr lang="en-US" b="1" dirty="0">
+              <a:solidFill>
+                <a:schemeClr val="bg2"/>
+              </a:solidFill>
+              <a:latin typeface="Times New Roman" pitchFamily="18" charset="0"/>
+              <a:cs typeface="Times New Roman" pitchFamily="18" charset="0"/>
+            </a:endParaRPr>
+          </a:p>
+        </p:txBody>
+      </p:sp>
+      <p:sp>
+        <p:nvSpPr>
+          <p:cNvPr id="59" name="TextBox 58"/>
+          <p:cNvSpPr txBox="1"/>
+          <p:nvPr/>
+        </p:nvSpPr>
+        <p:spPr>
+          <a:xfrm>
+            <a:off x="3124200" y="3810000"/>
+            <a:ext cx="457200" cy="381000"/>
+          </a:xfrm>
+          <a:prstGeom prst="rect">
+            <a:avLst/>
+          </a:prstGeom>
+          <a:noFill/>
+        </p:spPr>
+        <p:txBody>
+          <a:bodyPr wrap="square" rtlCol="0">
+            <a:spAutoFit/>
+          </a:bodyPr>
+          <a:lstStyle/>
+          <a:p>
+            <a:pPr algn="ctr"/>
+            <a:r>
+              <a:rPr lang="en-US" b="1" dirty="0" smtClean="0">
+                <a:solidFill>
+                  <a:schemeClr val="bg2"/>
+                </a:solidFill>
+                <a:latin typeface="Times New Roman" pitchFamily="18" charset="0"/>
+                <a:cs typeface="Times New Roman" pitchFamily="18" charset="0"/>
+              </a:rPr>
+              <a:t>0</a:t>
+            </a:r>
+            <a:endParaRPr lang="en-US" b="1" dirty="0">
+              <a:solidFill>
+                <a:schemeClr val="bg2"/>
+              </a:solidFill>
+              <a:latin typeface="Times New Roman" pitchFamily="18" charset="0"/>
+              <a:cs typeface="Times New Roman" pitchFamily="18" charset="0"/>
+            </a:endParaRPr>
+          </a:p>
+        </p:txBody>
+      </p:sp>
+      <p:sp>
+        <p:nvSpPr>
+          <p:cNvPr id="60" name="TextBox 59"/>
+          <p:cNvSpPr txBox="1"/>
+          <p:nvPr/>
+        </p:nvSpPr>
+        <p:spPr>
+          <a:xfrm>
+            <a:off x="3124200" y="4343400"/>
+            <a:ext cx="457200" cy="381000"/>
+          </a:xfrm>
+          <a:prstGeom prst="rect">
+            <a:avLst/>
+          </a:prstGeom>
+          <a:noFill/>
+        </p:spPr>
+        <p:txBody>
+          <a:bodyPr wrap="square" rtlCol="0">
+            <a:spAutoFit/>
+          </a:bodyPr>
+          <a:lstStyle/>
+          <a:p>
+            <a:pPr algn="ctr"/>
+            <a:r>
+              <a:rPr lang="en-US" b="1" dirty="0" smtClean="0">
+                <a:solidFill>
+                  <a:schemeClr val="bg2"/>
+                </a:solidFill>
+                <a:latin typeface="Times New Roman" pitchFamily="18" charset="0"/>
+                <a:cs typeface="Times New Roman" pitchFamily="18" charset="0"/>
+              </a:rPr>
+              <a:t>0</a:t>
+            </a:r>
+            <a:endParaRPr lang="en-US" b="1" dirty="0">
+              <a:solidFill>
+                <a:schemeClr val="bg2"/>
+              </a:solidFill>
+              <a:latin typeface="Times New Roman" pitchFamily="18" charset="0"/>
+              <a:cs typeface="Times New Roman" pitchFamily="18" charset="0"/>
+            </a:endParaRPr>
+          </a:p>
+        </p:txBody>
+      </p:sp>
+      <p:sp>
+        <p:nvSpPr>
+          <p:cNvPr id="61" name="TextBox 60"/>
+          <p:cNvSpPr txBox="1"/>
+          <p:nvPr/>
+        </p:nvSpPr>
+        <p:spPr>
+          <a:xfrm>
+            <a:off x="3124200" y="4953000"/>
+            <a:ext cx="457200" cy="381000"/>
+          </a:xfrm>
+          <a:prstGeom prst="rect">
+            <a:avLst/>
+          </a:prstGeom>
+          <a:noFill/>
+        </p:spPr>
+        <p:txBody>
+          <a:bodyPr wrap="square" rtlCol="0">
+            <a:spAutoFit/>
+          </a:bodyPr>
+          <a:lstStyle/>
+          <a:p>
+            <a:pPr algn="ctr"/>
+            <a:r>
+              <a:rPr lang="en-US" b="1" dirty="0" smtClean="0">
+                <a:solidFill>
+                  <a:schemeClr val="bg2"/>
+                </a:solidFill>
+                <a:latin typeface="Times New Roman" pitchFamily="18" charset="0"/>
+                <a:cs typeface="Times New Roman" pitchFamily="18" charset="0"/>
+              </a:rPr>
+              <a:t>0</a:t>
+            </a:r>
+            <a:endParaRPr lang="en-US" b="1" dirty="0">
+              <a:solidFill>
+                <a:schemeClr val="bg2"/>
+              </a:solidFill>
+              <a:latin typeface="Times New Roman" pitchFamily="18" charset="0"/>
+              <a:cs typeface="Times New Roman" pitchFamily="18" charset="0"/>
+            </a:endParaRPr>
+          </a:p>
+        </p:txBody>
+      </p:sp>
+      <p:sp>
+        <p:nvSpPr>
+          <p:cNvPr id="62" name="TextBox 61"/>
+          <p:cNvSpPr txBox="1"/>
+          <p:nvPr/>
+        </p:nvSpPr>
+        <p:spPr>
+          <a:xfrm>
+            <a:off x="3708400" y="1600200"/>
+            <a:ext cx="457200" cy="381000"/>
+          </a:xfrm>
+          <a:prstGeom prst="rect">
+            <a:avLst/>
+          </a:prstGeom>
+          <a:noFill/>
+        </p:spPr>
+        <p:txBody>
+          <a:bodyPr wrap="square" rtlCol="0">
+            <a:spAutoFit/>
+          </a:bodyPr>
+          <a:lstStyle/>
+          <a:p>
+            <a:pPr algn="ctr"/>
+            <a:r>
+              <a:rPr lang="en-US" b="1" dirty="0" smtClean="0">
+                <a:solidFill>
+                  <a:schemeClr val="bg2"/>
+                </a:solidFill>
+                <a:latin typeface="Times New Roman" pitchFamily="18" charset="0"/>
+                <a:cs typeface="Times New Roman" pitchFamily="18" charset="0"/>
+              </a:rPr>
+              <a:t>0</a:t>
+            </a:r>
+            <a:endParaRPr lang="en-US" b="1" dirty="0">
+              <a:solidFill>
+                <a:schemeClr val="bg2"/>
+              </a:solidFill>
+              <a:latin typeface="Times New Roman" pitchFamily="18" charset="0"/>
+              <a:cs typeface="Times New Roman" pitchFamily="18" charset="0"/>
+            </a:endParaRPr>
+          </a:p>
+        </p:txBody>
+      </p:sp>
+      <p:sp>
+        <p:nvSpPr>
+          <p:cNvPr id="63" name="TextBox 62"/>
+          <p:cNvSpPr txBox="1"/>
+          <p:nvPr/>
+        </p:nvSpPr>
+        <p:spPr>
+          <a:xfrm>
+            <a:off x="3733800" y="2146300"/>
+            <a:ext cx="457200" cy="369332"/>
+          </a:xfrm>
+          <a:prstGeom prst="rect">
+            <a:avLst/>
+          </a:prstGeom>
+          <a:noFill/>
+        </p:spPr>
+        <p:txBody>
+          <a:bodyPr wrap="square" rtlCol="0">
+            <a:spAutoFit/>
+          </a:bodyPr>
+          <a:lstStyle/>
+          <a:p>
+            <a:pPr algn="ctr"/>
+            <a:r>
+              <a:rPr lang="en-US" b="1" dirty="0" smtClean="0">
+                <a:solidFill>
+                  <a:schemeClr val="bg2"/>
+                </a:solidFill>
+                <a:latin typeface="Times New Roman" pitchFamily="18" charset="0"/>
+                <a:cs typeface="Times New Roman" pitchFamily="18" charset="0"/>
+              </a:rPr>
+              <a:t>2</a:t>
+            </a:r>
+            <a:endParaRPr lang="en-US" b="1" dirty="0">
+              <a:solidFill>
+                <a:schemeClr val="bg2"/>
+              </a:solidFill>
+              <a:latin typeface="Times New Roman" pitchFamily="18" charset="0"/>
+              <a:cs typeface="Times New Roman" pitchFamily="18" charset="0"/>
+            </a:endParaRPr>
+          </a:p>
+        </p:txBody>
+      </p:sp>
+      <p:sp>
+        <p:nvSpPr>
+          <p:cNvPr id="64" name="TextBox 63"/>
+          <p:cNvSpPr txBox="1"/>
+          <p:nvPr/>
+        </p:nvSpPr>
+        <p:spPr>
+          <a:xfrm>
+            <a:off x="3733800" y="2679700"/>
+            <a:ext cx="457200" cy="381000"/>
+          </a:xfrm>
+          <a:prstGeom prst="rect">
+            <a:avLst/>
+          </a:prstGeom>
+          <a:noFill/>
+        </p:spPr>
+        <p:txBody>
+          <a:bodyPr wrap="square" rtlCol="0">
+            <a:spAutoFit/>
+          </a:bodyPr>
+          <a:lstStyle/>
+          <a:p>
+            <a:pPr algn="ctr"/>
+            <a:r>
+              <a:rPr lang="en-US" b="1" dirty="0" smtClean="0">
+                <a:solidFill>
+                  <a:schemeClr val="bg2"/>
+                </a:solidFill>
+                <a:latin typeface="Times New Roman" pitchFamily="18" charset="0"/>
+                <a:cs typeface="Times New Roman" pitchFamily="18" charset="0"/>
+              </a:rPr>
+              <a:t>98</a:t>
+            </a:r>
+            <a:endParaRPr lang="en-US" b="1" dirty="0">
+              <a:solidFill>
+                <a:schemeClr val="bg2"/>
+              </a:solidFill>
+              <a:latin typeface="Times New Roman" pitchFamily="18" charset="0"/>
+              <a:cs typeface="Times New Roman" pitchFamily="18" charset="0"/>
+            </a:endParaRPr>
+          </a:p>
+        </p:txBody>
+      </p:sp>
+      <p:sp>
+        <p:nvSpPr>
+          <p:cNvPr id="65" name="TextBox 64"/>
+          <p:cNvSpPr txBox="1"/>
+          <p:nvPr/>
+        </p:nvSpPr>
+        <p:spPr>
+          <a:xfrm>
+            <a:off x="3733800" y="3238500"/>
+            <a:ext cx="457200" cy="381000"/>
+          </a:xfrm>
+          <a:prstGeom prst="rect">
+            <a:avLst/>
+          </a:prstGeom>
+          <a:noFill/>
+        </p:spPr>
+        <p:txBody>
+          <a:bodyPr wrap="square" rtlCol="0">
+            <a:spAutoFit/>
+          </a:bodyPr>
+          <a:lstStyle/>
+          <a:p>
+            <a:pPr algn="ctr"/>
+            <a:r>
+              <a:rPr lang="en-US" b="1" dirty="0" smtClean="0">
+                <a:solidFill>
+                  <a:schemeClr val="bg2"/>
+                </a:solidFill>
+                <a:latin typeface="Times New Roman" pitchFamily="18" charset="0"/>
+                <a:cs typeface="Times New Roman" pitchFamily="18" charset="0"/>
+              </a:rPr>
+              <a:t>0</a:t>
+            </a:r>
+            <a:endParaRPr lang="en-US" b="1" dirty="0">
+              <a:solidFill>
+                <a:schemeClr val="bg2"/>
+              </a:solidFill>
+              <a:latin typeface="Times New Roman" pitchFamily="18" charset="0"/>
+              <a:cs typeface="Times New Roman" pitchFamily="18" charset="0"/>
+            </a:endParaRPr>
+          </a:p>
+        </p:txBody>
+      </p:sp>
+      <p:sp>
+        <p:nvSpPr>
+          <p:cNvPr id="66" name="TextBox 65"/>
+          <p:cNvSpPr txBox="1"/>
+          <p:nvPr/>
+        </p:nvSpPr>
+        <p:spPr>
+          <a:xfrm>
+            <a:off x="3733800" y="3822700"/>
+            <a:ext cx="457200" cy="381000"/>
+          </a:xfrm>
+          <a:prstGeom prst="rect">
+            <a:avLst/>
+          </a:prstGeom>
+          <a:noFill/>
+        </p:spPr>
+        <p:txBody>
+          <a:bodyPr wrap="square" rtlCol="0">
+            <a:spAutoFit/>
+          </a:bodyPr>
+          <a:lstStyle/>
+          <a:p>
+            <a:pPr algn="ctr"/>
+            <a:r>
+              <a:rPr lang="en-US" b="1" dirty="0" smtClean="0">
+                <a:solidFill>
+                  <a:schemeClr val="bg2"/>
+                </a:solidFill>
+                <a:latin typeface="Times New Roman" pitchFamily="18" charset="0"/>
+                <a:cs typeface="Times New Roman" pitchFamily="18" charset="0"/>
+              </a:rPr>
+              <a:t>0</a:t>
+            </a:r>
+            <a:endParaRPr lang="en-US" b="1" dirty="0">
+              <a:solidFill>
+                <a:schemeClr val="bg2"/>
+              </a:solidFill>
+              <a:latin typeface="Times New Roman" pitchFamily="18" charset="0"/>
+              <a:cs typeface="Times New Roman" pitchFamily="18" charset="0"/>
+            </a:endParaRPr>
+          </a:p>
+        </p:txBody>
+      </p:sp>
+      <p:sp>
+        <p:nvSpPr>
+          <p:cNvPr id="67" name="TextBox 66"/>
+          <p:cNvSpPr txBox="1"/>
+          <p:nvPr/>
+        </p:nvSpPr>
+        <p:spPr>
+          <a:xfrm>
+            <a:off x="3733800" y="4356100"/>
+            <a:ext cx="457200" cy="381000"/>
+          </a:xfrm>
+          <a:prstGeom prst="rect">
+            <a:avLst/>
+          </a:prstGeom>
+          <a:noFill/>
+        </p:spPr>
+        <p:txBody>
+          <a:bodyPr wrap="square" rtlCol="0">
+            <a:spAutoFit/>
+          </a:bodyPr>
+          <a:lstStyle/>
+          <a:p>
+            <a:pPr algn="ctr"/>
+            <a:r>
+              <a:rPr lang="en-US" b="1" dirty="0" smtClean="0">
+                <a:solidFill>
+                  <a:schemeClr val="bg2"/>
+                </a:solidFill>
+                <a:latin typeface="Times New Roman" pitchFamily="18" charset="0"/>
+                <a:cs typeface="Times New Roman" pitchFamily="18" charset="0"/>
+              </a:rPr>
+              <a:t>2</a:t>
+            </a:r>
+            <a:endParaRPr lang="en-US" b="1" dirty="0">
+              <a:solidFill>
+                <a:schemeClr val="bg2"/>
+              </a:solidFill>
+              <a:latin typeface="Times New Roman" pitchFamily="18" charset="0"/>
+              <a:cs typeface="Times New Roman" pitchFamily="18" charset="0"/>
+            </a:endParaRPr>
+          </a:p>
+        </p:txBody>
+      </p:sp>
+      <p:sp>
+        <p:nvSpPr>
+          <p:cNvPr id="68" name="TextBox 67"/>
+          <p:cNvSpPr txBox="1"/>
+          <p:nvPr/>
+        </p:nvSpPr>
+        <p:spPr>
+          <a:xfrm>
+            <a:off x="3733800" y="4965700"/>
+            <a:ext cx="457200" cy="381000"/>
+          </a:xfrm>
+          <a:prstGeom prst="rect">
+            <a:avLst/>
+          </a:prstGeom>
+          <a:noFill/>
+        </p:spPr>
+        <p:txBody>
+          <a:bodyPr wrap="square" rtlCol="0">
+            <a:spAutoFit/>
+          </a:bodyPr>
+          <a:lstStyle/>
+          <a:p>
+            <a:pPr algn="ctr"/>
+            <a:r>
+              <a:rPr lang="en-US" b="1" dirty="0" smtClean="0">
+                <a:solidFill>
+                  <a:schemeClr val="bg2"/>
+                </a:solidFill>
+                <a:latin typeface="Times New Roman" pitchFamily="18" charset="0"/>
+                <a:cs typeface="Times New Roman" pitchFamily="18" charset="0"/>
+              </a:rPr>
+              <a:t>1</a:t>
+            </a:r>
+            <a:endParaRPr lang="en-US" b="1" dirty="0">
+              <a:solidFill>
+                <a:schemeClr val="bg2"/>
+              </a:solidFill>
+              <a:latin typeface="Times New Roman" pitchFamily="18" charset="0"/>
+              <a:cs typeface="Times New Roman" pitchFamily="18" charset="0"/>
+            </a:endParaRPr>
+          </a:p>
+        </p:txBody>
+      </p:sp>
+      <p:sp>
+        <p:nvSpPr>
+          <p:cNvPr id="69" name="TextBox 68"/>
+          <p:cNvSpPr txBox="1"/>
+          <p:nvPr/>
+        </p:nvSpPr>
+        <p:spPr>
+          <a:xfrm>
+            <a:off x="4318000" y="1587500"/>
+            <a:ext cx="457200" cy="381000"/>
+          </a:xfrm>
+          <a:prstGeom prst="rect">
+            <a:avLst/>
+          </a:prstGeom>
+          <a:noFill/>
+        </p:spPr>
+        <p:txBody>
+          <a:bodyPr wrap="square" rtlCol="0">
+            <a:spAutoFit/>
+          </a:bodyPr>
+          <a:lstStyle/>
+          <a:p>
+            <a:pPr algn="ctr"/>
+            <a:r>
+              <a:rPr lang="en-US" b="1" dirty="0" smtClean="0">
+                <a:solidFill>
+                  <a:schemeClr val="bg2"/>
+                </a:solidFill>
+                <a:latin typeface="Times New Roman" pitchFamily="18" charset="0"/>
+                <a:cs typeface="Times New Roman" pitchFamily="18" charset="0"/>
+              </a:rPr>
+              <a:t>1</a:t>
+            </a:r>
+            <a:endParaRPr lang="en-US" b="1" dirty="0">
+              <a:solidFill>
+                <a:schemeClr val="bg2"/>
+              </a:solidFill>
+              <a:latin typeface="Times New Roman" pitchFamily="18" charset="0"/>
+              <a:cs typeface="Times New Roman" pitchFamily="18" charset="0"/>
+            </a:endParaRPr>
+          </a:p>
+        </p:txBody>
+      </p:sp>
+      <p:sp>
+        <p:nvSpPr>
+          <p:cNvPr id="70" name="TextBox 69"/>
+          <p:cNvSpPr txBox="1"/>
+          <p:nvPr/>
+        </p:nvSpPr>
+        <p:spPr>
+          <a:xfrm>
+            <a:off x="4343400" y="2133600"/>
+            <a:ext cx="457200" cy="381000"/>
+          </a:xfrm>
+          <a:prstGeom prst="rect">
+            <a:avLst/>
+          </a:prstGeom>
+          <a:noFill/>
+        </p:spPr>
+        <p:txBody>
+          <a:bodyPr wrap="square" rtlCol="0">
+            <a:spAutoFit/>
+          </a:bodyPr>
+          <a:lstStyle/>
+          <a:p>
+            <a:pPr algn="ctr"/>
+            <a:r>
+              <a:rPr lang="en-US" b="1" dirty="0" smtClean="0">
+                <a:solidFill>
+                  <a:schemeClr val="bg2"/>
+                </a:solidFill>
+                <a:latin typeface="Times New Roman" pitchFamily="18" charset="0"/>
+                <a:cs typeface="Times New Roman" pitchFamily="18" charset="0"/>
+              </a:rPr>
+              <a:t>0</a:t>
+            </a:r>
+            <a:endParaRPr lang="en-US" b="1" dirty="0">
+              <a:solidFill>
+                <a:schemeClr val="bg2"/>
+              </a:solidFill>
+              <a:latin typeface="Times New Roman" pitchFamily="18" charset="0"/>
+              <a:cs typeface="Times New Roman" pitchFamily="18" charset="0"/>
+            </a:endParaRPr>
+          </a:p>
+        </p:txBody>
+      </p:sp>
+      <p:sp>
+        <p:nvSpPr>
+          <p:cNvPr id="71" name="TextBox 70"/>
+          <p:cNvSpPr txBox="1"/>
+          <p:nvPr/>
+        </p:nvSpPr>
+        <p:spPr>
+          <a:xfrm>
+            <a:off x="4343400" y="2667000"/>
+            <a:ext cx="457200" cy="381000"/>
+          </a:xfrm>
+          <a:prstGeom prst="rect">
+            <a:avLst/>
+          </a:prstGeom>
+          <a:noFill/>
+        </p:spPr>
+        <p:txBody>
+          <a:bodyPr wrap="square" rtlCol="0">
+            <a:spAutoFit/>
+          </a:bodyPr>
+          <a:lstStyle/>
+          <a:p>
+            <a:pPr algn="ctr"/>
+            <a:r>
+              <a:rPr lang="en-US" b="1" dirty="0" smtClean="0">
+                <a:solidFill>
+                  <a:schemeClr val="bg2"/>
+                </a:solidFill>
+                <a:latin typeface="Times New Roman" pitchFamily="18" charset="0"/>
+                <a:cs typeface="Times New Roman" pitchFamily="18" charset="0"/>
+              </a:rPr>
+              <a:t>0</a:t>
+            </a:r>
+            <a:endParaRPr lang="en-US" b="1" dirty="0">
+              <a:solidFill>
+                <a:schemeClr val="bg2"/>
+              </a:solidFill>
+              <a:latin typeface="Times New Roman" pitchFamily="18" charset="0"/>
+              <a:cs typeface="Times New Roman" pitchFamily="18" charset="0"/>
+            </a:endParaRPr>
+          </a:p>
+        </p:txBody>
+      </p:sp>
+      <p:sp>
+        <p:nvSpPr>
+          <p:cNvPr id="72" name="TextBox 71"/>
+          <p:cNvSpPr txBox="1"/>
+          <p:nvPr/>
+        </p:nvSpPr>
+        <p:spPr>
+          <a:xfrm>
+            <a:off x="4343400" y="3225800"/>
+            <a:ext cx="457200" cy="381000"/>
+          </a:xfrm>
+          <a:prstGeom prst="rect">
+            <a:avLst/>
+          </a:prstGeom>
+          <a:noFill/>
+        </p:spPr>
+        <p:txBody>
+          <a:bodyPr wrap="square" rtlCol="0">
+            <a:spAutoFit/>
+          </a:bodyPr>
+          <a:lstStyle/>
+          <a:p>
+            <a:pPr algn="ctr"/>
+            <a:r>
+              <a:rPr lang="en-US" b="1" dirty="0" smtClean="0">
+                <a:solidFill>
+                  <a:schemeClr val="bg2"/>
+                </a:solidFill>
+                <a:latin typeface="Times New Roman" pitchFamily="18" charset="0"/>
+                <a:cs typeface="Times New Roman" pitchFamily="18" charset="0"/>
+              </a:rPr>
+              <a:t>90</a:t>
+            </a:r>
+            <a:endParaRPr lang="en-US" b="1" dirty="0">
+              <a:solidFill>
+                <a:schemeClr val="bg2"/>
+              </a:solidFill>
+              <a:latin typeface="Times New Roman" pitchFamily="18" charset="0"/>
+              <a:cs typeface="Times New Roman" pitchFamily="18" charset="0"/>
+            </a:endParaRPr>
+          </a:p>
+        </p:txBody>
+      </p:sp>
+      <p:sp>
+        <p:nvSpPr>
+          <p:cNvPr id="73" name="TextBox 72"/>
+          <p:cNvSpPr txBox="1"/>
+          <p:nvPr/>
+        </p:nvSpPr>
+        <p:spPr>
+          <a:xfrm>
+            <a:off x="4343400" y="3810000"/>
+            <a:ext cx="457200" cy="381000"/>
+          </a:xfrm>
+          <a:prstGeom prst="rect">
+            <a:avLst/>
+          </a:prstGeom>
+          <a:noFill/>
+        </p:spPr>
+        <p:txBody>
+          <a:bodyPr wrap="square" rtlCol="0">
+            <a:spAutoFit/>
+          </a:bodyPr>
+          <a:lstStyle/>
+          <a:p>
+            <a:pPr algn="ctr"/>
+            <a:r>
+              <a:rPr lang="en-US" b="1" dirty="0" smtClean="0">
+                <a:solidFill>
+                  <a:schemeClr val="bg2"/>
+                </a:solidFill>
+                <a:latin typeface="Times New Roman" pitchFamily="18" charset="0"/>
+                <a:cs typeface="Times New Roman" pitchFamily="18" charset="0"/>
+              </a:rPr>
+              <a:t>2</a:t>
+            </a:r>
+            <a:endParaRPr lang="en-US" b="1" dirty="0">
+              <a:solidFill>
+                <a:schemeClr val="bg2"/>
+              </a:solidFill>
+              <a:latin typeface="Times New Roman" pitchFamily="18" charset="0"/>
+              <a:cs typeface="Times New Roman" pitchFamily="18" charset="0"/>
+            </a:endParaRPr>
+          </a:p>
+        </p:txBody>
+      </p:sp>
+      <p:sp>
+        <p:nvSpPr>
+          <p:cNvPr id="74" name="TextBox 73"/>
+          <p:cNvSpPr txBox="1"/>
+          <p:nvPr/>
+        </p:nvSpPr>
+        <p:spPr>
+          <a:xfrm>
+            <a:off x="4343400" y="4343400"/>
+            <a:ext cx="457200" cy="381000"/>
+          </a:xfrm>
+          <a:prstGeom prst="rect">
+            <a:avLst/>
+          </a:prstGeom>
+          <a:noFill/>
+        </p:spPr>
+        <p:txBody>
+          <a:bodyPr wrap="square" rtlCol="0">
+            <a:spAutoFit/>
+          </a:bodyPr>
+          <a:lstStyle/>
+          <a:p>
+            <a:pPr algn="ctr"/>
+            <a:r>
+              <a:rPr lang="en-US" b="1" dirty="0" smtClean="0">
+                <a:solidFill>
+                  <a:schemeClr val="bg2"/>
+                </a:solidFill>
+                <a:latin typeface="Times New Roman" pitchFamily="18" charset="0"/>
+                <a:cs typeface="Times New Roman" pitchFamily="18" charset="0"/>
+              </a:rPr>
+              <a:t>1</a:t>
+            </a:r>
+            <a:endParaRPr lang="en-US" b="1" dirty="0">
+              <a:solidFill>
+                <a:schemeClr val="bg2"/>
+              </a:solidFill>
+              <a:latin typeface="Times New Roman" pitchFamily="18" charset="0"/>
+              <a:cs typeface="Times New Roman" pitchFamily="18" charset="0"/>
+            </a:endParaRPr>
+          </a:p>
+        </p:txBody>
+      </p:sp>
+      <p:sp>
+        <p:nvSpPr>
+          <p:cNvPr id="75" name="TextBox 74"/>
+          <p:cNvSpPr txBox="1"/>
+          <p:nvPr/>
+        </p:nvSpPr>
+        <p:spPr>
+          <a:xfrm>
+            <a:off x="4343400" y="4953000"/>
+            <a:ext cx="457200" cy="381000"/>
+          </a:xfrm>
+          <a:prstGeom prst="rect">
+            <a:avLst/>
+          </a:prstGeom>
+          <a:noFill/>
+        </p:spPr>
+        <p:txBody>
+          <a:bodyPr wrap="square" rtlCol="0">
+            <a:spAutoFit/>
+          </a:bodyPr>
+          <a:lstStyle/>
+          <a:p>
+            <a:pPr algn="ctr"/>
+            <a:r>
+              <a:rPr lang="en-US" b="1" dirty="0" smtClean="0">
+                <a:solidFill>
+                  <a:schemeClr val="bg2"/>
+                </a:solidFill>
+                <a:latin typeface="Times New Roman" pitchFamily="18" charset="0"/>
+                <a:cs typeface="Times New Roman" pitchFamily="18" charset="0"/>
+              </a:rPr>
+              <a:t>3</a:t>
+            </a:r>
+            <a:endParaRPr lang="en-US" b="1" dirty="0">
+              <a:solidFill>
+                <a:schemeClr val="bg2"/>
+              </a:solidFill>
+              <a:latin typeface="Times New Roman" pitchFamily="18" charset="0"/>
+              <a:cs typeface="Times New Roman" pitchFamily="18" charset="0"/>
+            </a:endParaRPr>
+          </a:p>
+        </p:txBody>
+      </p:sp>
+      <p:sp>
+        <p:nvSpPr>
+          <p:cNvPr id="76" name="TextBox 75"/>
+          <p:cNvSpPr txBox="1"/>
+          <p:nvPr/>
+        </p:nvSpPr>
+        <p:spPr>
+          <a:xfrm>
+            <a:off x="4927600" y="1600200"/>
+            <a:ext cx="457200" cy="381000"/>
+          </a:xfrm>
+          <a:prstGeom prst="rect">
+            <a:avLst/>
+          </a:prstGeom>
+          <a:noFill/>
+        </p:spPr>
+        <p:txBody>
+          <a:bodyPr wrap="square" rtlCol="0">
+            <a:spAutoFit/>
+          </a:bodyPr>
+          <a:lstStyle/>
+          <a:p>
+            <a:pPr algn="ctr"/>
+            <a:r>
+              <a:rPr lang="en-US" b="1" dirty="0" smtClean="0">
+                <a:solidFill>
+                  <a:schemeClr val="bg2"/>
+                </a:solidFill>
+                <a:latin typeface="Times New Roman" pitchFamily="18" charset="0"/>
+                <a:cs typeface="Times New Roman" pitchFamily="18" charset="0"/>
+              </a:rPr>
+              <a:t>0</a:t>
+            </a:r>
+            <a:endParaRPr lang="en-US" b="1" dirty="0">
+              <a:solidFill>
+                <a:schemeClr val="bg2"/>
+              </a:solidFill>
+              <a:latin typeface="Times New Roman" pitchFamily="18" charset="0"/>
+              <a:cs typeface="Times New Roman" pitchFamily="18" charset="0"/>
+            </a:endParaRPr>
+          </a:p>
+        </p:txBody>
+      </p:sp>
+      <p:sp>
+        <p:nvSpPr>
+          <p:cNvPr id="77" name="TextBox 76"/>
+          <p:cNvSpPr txBox="1"/>
+          <p:nvPr/>
+        </p:nvSpPr>
+        <p:spPr>
+          <a:xfrm>
+            <a:off x="4953000" y="2146300"/>
+            <a:ext cx="457200" cy="381000"/>
+          </a:xfrm>
+          <a:prstGeom prst="rect">
+            <a:avLst/>
+          </a:prstGeom>
+          <a:noFill/>
+        </p:spPr>
+        <p:txBody>
+          <a:bodyPr wrap="square" rtlCol="0">
+            <a:spAutoFit/>
+          </a:bodyPr>
+          <a:lstStyle/>
+          <a:p>
+            <a:pPr algn="ctr"/>
+            <a:r>
+              <a:rPr lang="en-US" b="1" dirty="0" smtClean="0">
+                <a:solidFill>
+                  <a:schemeClr val="bg2"/>
+                </a:solidFill>
+                <a:latin typeface="Times New Roman" pitchFamily="18" charset="0"/>
+                <a:cs typeface="Times New Roman" pitchFamily="18" charset="0"/>
+              </a:rPr>
+              <a:t>2</a:t>
+            </a:r>
+            <a:endParaRPr lang="en-US" b="1" dirty="0">
+              <a:solidFill>
+                <a:schemeClr val="bg2"/>
+              </a:solidFill>
+              <a:latin typeface="Times New Roman" pitchFamily="18" charset="0"/>
+              <a:cs typeface="Times New Roman" pitchFamily="18" charset="0"/>
+            </a:endParaRPr>
+          </a:p>
+        </p:txBody>
+      </p:sp>
+      <p:sp>
+        <p:nvSpPr>
+          <p:cNvPr id="78" name="TextBox 77"/>
+          <p:cNvSpPr txBox="1"/>
+          <p:nvPr/>
+        </p:nvSpPr>
+        <p:spPr>
+          <a:xfrm>
+            <a:off x="4953000" y="2679700"/>
+            <a:ext cx="457200" cy="381000"/>
+          </a:xfrm>
+          <a:prstGeom prst="rect">
+            <a:avLst/>
+          </a:prstGeom>
+          <a:noFill/>
+        </p:spPr>
+        <p:txBody>
+          <a:bodyPr wrap="square" rtlCol="0">
+            <a:spAutoFit/>
+          </a:bodyPr>
+          <a:lstStyle/>
+          <a:p>
+            <a:pPr algn="ctr"/>
+            <a:r>
+              <a:rPr lang="en-US" b="1" dirty="0" smtClean="0">
+                <a:solidFill>
+                  <a:schemeClr val="bg2"/>
+                </a:solidFill>
+                <a:latin typeface="Times New Roman" pitchFamily="18" charset="0"/>
+                <a:cs typeface="Times New Roman" pitchFamily="18" charset="0"/>
+              </a:rPr>
+              <a:t>0</a:t>
+            </a:r>
+            <a:endParaRPr lang="en-US" b="1" dirty="0">
+              <a:solidFill>
+                <a:schemeClr val="bg2"/>
+              </a:solidFill>
+              <a:latin typeface="Times New Roman" pitchFamily="18" charset="0"/>
+              <a:cs typeface="Times New Roman" pitchFamily="18" charset="0"/>
+            </a:endParaRPr>
+          </a:p>
+        </p:txBody>
+      </p:sp>
+      <p:sp>
+        <p:nvSpPr>
+          <p:cNvPr id="79" name="TextBox 78"/>
+          <p:cNvSpPr txBox="1"/>
+          <p:nvPr/>
+        </p:nvSpPr>
+        <p:spPr>
+          <a:xfrm>
+            <a:off x="4953000" y="3238500"/>
+            <a:ext cx="457200" cy="381000"/>
+          </a:xfrm>
+          <a:prstGeom prst="rect">
+            <a:avLst/>
+          </a:prstGeom>
+          <a:noFill/>
+        </p:spPr>
+        <p:txBody>
+          <a:bodyPr wrap="square" rtlCol="0">
+            <a:spAutoFit/>
+          </a:bodyPr>
+          <a:lstStyle/>
+          <a:p>
+            <a:pPr algn="ctr"/>
+            <a:r>
+              <a:rPr lang="en-US" b="1" dirty="0" smtClean="0">
+                <a:solidFill>
+                  <a:schemeClr val="bg2"/>
+                </a:solidFill>
+                <a:latin typeface="Times New Roman" pitchFamily="18" charset="0"/>
+                <a:cs typeface="Times New Roman" pitchFamily="18" charset="0"/>
+              </a:rPr>
+              <a:t>4</a:t>
+            </a:r>
+            <a:endParaRPr lang="en-US" b="1" dirty="0">
+              <a:solidFill>
+                <a:schemeClr val="bg2"/>
+              </a:solidFill>
+              <a:latin typeface="Times New Roman" pitchFamily="18" charset="0"/>
+              <a:cs typeface="Times New Roman" pitchFamily="18" charset="0"/>
+            </a:endParaRPr>
+          </a:p>
+        </p:txBody>
+      </p:sp>
+      <p:sp>
+        <p:nvSpPr>
+          <p:cNvPr id="80" name="TextBox 79"/>
+          <p:cNvSpPr txBox="1"/>
+          <p:nvPr/>
+        </p:nvSpPr>
+        <p:spPr>
+          <a:xfrm>
+            <a:off x="4953000" y="3822700"/>
+            <a:ext cx="457200" cy="381000"/>
+          </a:xfrm>
+          <a:prstGeom prst="rect">
+            <a:avLst/>
+          </a:prstGeom>
+          <a:noFill/>
+        </p:spPr>
+        <p:txBody>
+          <a:bodyPr wrap="square" rtlCol="0">
+            <a:spAutoFit/>
+          </a:bodyPr>
+          <a:lstStyle/>
+          <a:p>
+            <a:pPr algn="ctr"/>
+            <a:r>
+              <a:rPr lang="en-US" b="1" dirty="0" smtClean="0">
+                <a:solidFill>
+                  <a:schemeClr val="bg2"/>
+                </a:solidFill>
+                <a:latin typeface="Times New Roman" pitchFamily="18" charset="0"/>
+                <a:cs typeface="Times New Roman" pitchFamily="18" charset="0"/>
+              </a:rPr>
+              <a:t>80</a:t>
+            </a:r>
+            <a:endParaRPr lang="en-US" b="1" dirty="0">
+              <a:solidFill>
+                <a:schemeClr val="bg2"/>
+              </a:solidFill>
+              <a:latin typeface="Times New Roman" pitchFamily="18" charset="0"/>
+              <a:cs typeface="Times New Roman" pitchFamily="18" charset="0"/>
+            </a:endParaRPr>
+          </a:p>
+        </p:txBody>
+      </p:sp>
+      <p:sp>
+        <p:nvSpPr>
+          <p:cNvPr id="81" name="TextBox 80"/>
+          <p:cNvSpPr txBox="1"/>
+          <p:nvPr/>
+        </p:nvSpPr>
+        <p:spPr>
+          <a:xfrm>
+            <a:off x="4953000" y="4356100"/>
+            <a:ext cx="457200" cy="381000"/>
+          </a:xfrm>
+          <a:prstGeom prst="rect">
+            <a:avLst/>
+          </a:prstGeom>
+          <a:noFill/>
+        </p:spPr>
+        <p:txBody>
+          <a:bodyPr wrap="square" rtlCol="0">
+            <a:spAutoFit/>
+          </a:bodyPr>
+          <a:lstStyle/>
+          <a:p>
+            <a:pPr algn="ctr"/>
+            <a:r>
+              <a:rPr lang="en-US" b="1" dirty="0" smtClean="0">
+                <a:solidFill>
+                  <a:schemeClr val="bg2"/>
+                </a:solidFill>
+                <a:latin typeface="Times New Roman" pitchFamily="18" charset="0"/>
+                <a:cs typeface="Times New Roman" pitchFamily="18" charset="0"/>
+              </a:rPr>
+              <a:t>1</a:t>
+            </a:r>
+            <a:endParaRPr lang="en-US" b="1" dirty="0">
+              <a:solidFill>
+                <a:schemeClr val="bg2"/>
+              </a:solidFill>
+              <a:latin typeface="Times New Roman" pitchFamily="18" charset="0"/>
+              <a:cs typeface="Times New Roman" pitchFamily="18" charset="0"/>
+            </a:endParaRPr>
+          </a:p>
+        </p:txBody>
+      </p:sp>
+      <p:sp>
+        <p:nvSpPr>
+          <p:cNvPr id="82" name="TextBox 81"/>
+          <p:cNvSpPr txBox="1"/>
+          <p:nvPr/>
+        </p:nvSpPr>
+        <p:spPr>
+          <a:xfrm>
+            <a:off x="4953000" y="4965700"/>
+            <a:ext cx="457200" cy="381000"/>
+          </a:xfrm>
+          <a:prstGeom prst="rect">
+            <a:avLst/>
+          </a:prstGeom>
+          <a:noFill/>
+        </p:spPr>
+        <p:txBody>
+          <a:bodyPr wrap="square" rtlCol="0">
+            <a:spAutoFit/>
+          </a:bodyPr>
+          <a:lstStyle/>
+          <a:p>
+            <a:pPr algn="ctr"/>
+            <a:r>
+              <a:rPr lang="en-US" b="1" dirty="0" smtClean="0">
+                <a:solidFill>
+                  <a:schemeClr val="bg2"/>
+                </a:solidFill>
+                <a:latin typeface="Times New Roman" pitchFamily="18" charset="0"/>
+                <a:cs typeface="Times New Roman" pitchFamily="18" charset="0"/>
+              </a:rPr>
+              <a:t>6</a:t>
+            </a:r>
+            <a:endParaRPr lang="en-US" b="1" dirty="0">
+              <a:solidFill>
+                <a:schemeClr val="bg2"/>
+              </a:solidFill>
+              <a:latin typeface="Times New Roman" pitchFamily="18" charset="0"/>
+              <a:cs typeface="Times New Roman" pitchFamily="18" charset="0"/>
+            </a:endParaRPr>
+          </a:p>
+        </p:txBody>
+      </p:sp>
+      <p:sp>
+        <p:nvSpPr>
+          <p:cNvPr id="83" name="TextBox 82"/>
+          <p:cNvSpPr txBox="1"/>
+          <p:nvPr/>
+        </p:nvSpPr>
+        <p:spPr>
+          <a:xfrm>
+            <a:off x="5486400" y="1587500"/>
+            <a:ext cx="457200" cy="381000"/>
+          </a:xfrm>
+          <a:prstGeom prst="rect">
+            <a:avLst/>
+          </a:prstGeom>
+          <a:noFill/>
+        </p:spPr>
+        <p:txBody>
+          <a:bodyPr wrap="square" rtlCol="0">
+            <a:spAutoFit/>
+          </a:bodyPr>
+          <a:lstStyle/>
+          <a:p>
+            <a:pPr algn="ctr"/>
+            <a:r>
+              <a:rPr lang="en-US" b="1" dirty="0" smtClean="0">
+                <a:solidFill>
+                  <a:schemeClr val="bg2"/>
+                </a:solidFill>
+                <a:latin typeface="Times New Roman" pitchFamily="18" charset="0"/>
+                <a:cs typeface="Times New Roman" pitchFamily="18" charset="0"/>
+              </a:rPr>
+              <a:t>13</a:t>
+            </a:r>
+            <a:endParaRPr lang="en-US" b="1" dirty="0">
+              <a:solidFill>
+                <a:schemeClr val="bg2"/>
+              </a:solidFill>
+              <a:latin typeface="Times New Roman" pitchFamily="18" charset="0"/>
+              <a:cs typeface="Times New Roman" pitchFamily="18" charset="0"/>
+            </a:endParaRPr>
+          </a:p>
+        </p:txBody>
+      </p:sp>
+      <p:sp>
+        <p:nvSpPr>
+          <p:cNvPr id="84" name="TextBox 83"/>
+          <p:cNvSpPr txBox="1"/>
+          <p:nvPr/>
+        </p:nvSpPr>
+        <p:spPr>
+          <a:xfrm>
+            <a:off x="5511800" y="2133600"/>
+            <a:ext cx="457200" cy="381000"/>
+          </a:xfrm>
+          <a:prstGeom prst="rect">
+            <a:avLst/>
+          </a:prstGeom>
+          <a:noFill/>
+        </p:spPr>
+        <p:txBody>
+          <a:bodyPr wrap="square" rtlCol="0">
+            <a:spAutoFit/>
+          </a:bodyPr>
+          <a:lstStyle/>
+          <a:p>
+            <a:pPr algn="ctr"/>
+            <a:r>
+              <a:rPr lang="en-US" b="1" dirty="0" smtClean="0">
+                <a:solidFill>
+                  <a:schemeClr val="bg2"/>
+                </a:solidFill>
+                <a:latin typeface="Times New Roman" pitchFamily="18" charset="0"/>
+                <a:cs typeface="Times New Roman" pitchFamily="18" charset="0"/>
+              </a:rPr>
+              <a:t>0</a:t>
+            </a:r>
+            <a:endParaRPr lang="en-US" b="1" dirty="0">
+              <a:solidFill>
+                <a:schemeClr val="bg2"/>
+              </a:solidFill>
+              <a:latin typeface="Times New Roman" pitchFamily="18" charset="0"/>
+              <a:cs typeface="Times New Roman" pitchFamily="18" charset="0"/>
+            </a:endParaRPr>
+          </a:p>
+        </p:txBody>
+      </p:sp>
+      <p:sp>
+        <p:nvSpPr>
+          <p:cNvPr id="85" name="TextBox 84"/>
+          <p:cNvSpPr txBox="1"/>
+          <p:nvPr/>
+        </p:nvSpPr>
+        <p:spPr>
+          <a:xfrm>
+            <a:off x="5511800" y="2667000"/>
+            <a:ext cx="457200" cy="381000"/>
+          </a:xfrm>
+          <a:prstGeom prst="rect">
+            <a:avLst/>
+          </a:prstGeom>
+          <a:noFill/>
+        </p:spPr>
+        <p:txBody>
+          <a:bodyPr wrap="square" rtlCol="0">
+            <a:spAutoFit/>
+          </a:bodyPr>
+          <a:lstStyle/>
+          <a:p>
+            <a:pPr algn="ctr"/>
+            <a:r>
+              <a:rPr lang="en-US" b="1" dirty="0" smtClean="0">
+                <a:solidFill>
+                  <a:schemeClr val="bg2"/>
+                </a:solidFill>
+                <a:latin typeface="Times New Roman" pitchFamily="18" charset="0"/>
+                <a:cs typeface="Times New Roman" pitchFamily="18" charset="0"/>
+              </a:rPr>
+              <a:t>1</a:t>
+            </a:r>
+            <a:endParaRPr lang="en-US" b="1" dirty="0">
+              <a:solidFill>
+                <a:schemeClr val="bg2"/>
+              </a:solidFill>
+              <a:latin typeface="Times New Roman" pitchFamily="18" charset="0"/>
+              <a:cs typeface="Times New Roman" pitchFamily="18" charset="0"/>
+            </a:endParaRPr>
+          </a:p>
+        </p:txBody>
+      </p:sp>
+      <p:sp>
+        <p:nvSpPr>
+          <p:cNvPr id="86" name="TextBox 85"/>
+          <p:cNvSpPr txBox="1"/>
+          <p:nvPr/>
+        </p:nvSpPr>
+        <p:spPr>
+          <a:xfrm>
+            <a:off x="5511800" y="3225800"/>
+            <a:ext cx="457200" cy="381000"/>
+          </a:xfrm>
+          <a:prstGeom prst="rect">
+            <a:avLst/>
+          </a:prstGeom>
+          <a:noFill/>
+        </p:spPr>
+        <p:txBody>
+          <a:bodyPr wrap="square" rtlCol="0">
+            <a:spAutoFit/>
+          </a:bodyPr>
+          <a:lstStyle/>
+          <a:p>
+            <a:pPr algn="ctr"/>
+            <a:r>
+              <a:rPr lang="en-US" b="1" dirty="0" smtClean="0">
+                <a:solidFill>
+                  <a:schemeClr val="bg2"/>
+                </a:solidFill>
+                <a:latin typeface="Times New Roman" pitchFamily="18" charset="0"/>
+                <a:cs typeface="Times New Roman" pitchFamily="18" charset="0"/>
+              </a:rPr>
+              <a:t>6</a:t>
+            </a:r>
+            <a:endParaRPr lang="en-US" b="1" dirty="0">
+              <a:solidFill>
+                <a:schemeClr val="bg2"/>
+              </a:solidFill>
+              <a:latin typeface="Times New Roman" pitchFamily="18" charset="0"/>
+              <a:cs typeface="Times New Roman" pitchFamily="18" charset="0"/>
+            </a:endParaRPr>
+          </a:p>
+        </p:txBody>
+      </p:sp>
+      <p:sp>
+        <p:nvSpPr>
+          <p:cNvPr id="87" name="TextBox 86"/>
+          <p:cNvSpPr txBox="1"/>
+          <p:nvPr/>
+        </p:nvSpPr>
+        <p:spPr>
+          <a:xfrm>
+            <a:off x="5511800" y="3810000"/>
+            <a:ext cx="457200" cy="381000"/>
+          </a:xfrm>
+          <a:prstGeom prst="rect">
+            <a:avLst/>
+          </a:prstGeom>
+          <a:noFill/>
+        </p:spPr>
+        <p:txBody>
+          <a:bodyPr wrap="square" rtlCol="0">
+            <a:spAutoFit/>
+          </a:bodyPr>
+          <a:lstStyle/>
+          <a:p>
+            <a:pPr algn="ctr"/>
+            <a:r>
+              <a:rPr lang="en-US" b="1" dirty="0" smtClean="0">
+                <a:solidFill>
+                  <a:schemeClr val="bg2"/>
+                </a:solidFill>
+                <a:latin typeface="Times New Roman" pitchFamily="18" charset="0"/>
+                <a:cs typeface="Times New Roman" pitchFamily="18" charset="0"/>
+              </a:rPr>
+              <a:t>10</a:t>
+            </a:r>
+            <a:endParaRPr lang="en-US" b="1" dirty="0">
+              <a:solidFill>
+                <a:schemeClr val="bg2"/>
+              </a:solidFill>
+              <a:latin typeface="Times New Roman" pitchFamily="18" charset="0"/>
+              <a:cs typeface="Times New Roman" pitchFamily="18" charset="0"/>
+            </a:endParaRPr>
+          </a:p>
+        </p:txBody>
+      </p:sp>
+      <p:sp>
+        <p:nvSpPr>
+          <p:cNvPr id="88" name="TextBox 87"/>
+          <p:cNvSpPr txBox="1"/>
+          <p:nvPr/>
+        </p:nvSpPr>
+        <p:spPr>
+          <a:xfrm>
+            <a:off x="5511800" y="4343400"/>
+            <a:ext cx="457200" cy="369332"/>
+          </a:xfrm>
+          <a:prstGeom prst="rect">
+            <a:avLst/>
+          </a:prstGeom>
+          <a:noFill/>
+        </p:spPr>
+        <p:txBody>
+          <a:bodyPr wrap="square" rtlCol="0">
+            <a:spAutoFit/>
+          </a:bodyPr>
+          <a:lstStyle/>
+          <a:p>
+            <a:pPr algn="ctr"/>
+            <a:r>
+              <a:rPr lang="en-US" b="1" dirty="0" smtClean="0">
+                <a:solidFill>
+                  <a:schemeClr val="bg2"/>
+                </a:solidFill>
+                <a:latin typeface="Times New Roman" pitchFamily="18" charset="0"/>
+                <a:cs typeface="Times New Roman" pitchFamily="18" charset="0"/>
+              </a:rPr>
+              <a:t>87</a:t>
+            </a:r>
+            <a:endParaRPr lang="en-US" b="1" dirty="0">
+              <a:solidFill>
+                <a:schemeClr val="bg2"/>
+              </a:solidFill>
+              <a:latin typeface="Times New Roman" pitchFamily="18" charset="0"/>
+              <a:cs typeface="Times New Roman" pitchFamily="18" charset="0"/>
+            </a:endParaRPr>
+          </a:p>
+        </p:txBody>
+      </p:sp>
+      <p:sp>
+        <p:nvSpPr>
+          <p:cNvPr id="89" name="TextBox 88"/>
+          <p:cNvSpPr txBox="1"/>
+          <p:nvPr/>
+        </p:nvSpPr>
+        <p:spPr>
+          <a:xfrm>
+            <a:off x="5511800" y="4953000"/>
+            <a:ext cx="457200" cy="381000"/>
+          </a:xfrm>
+          <a:prstGeom prst="rect">
+            <a:avLst/>
+          </a:prstGeom>
+          <a:noFill/>
+        </p:spPr>
+        <p:txBody>
+          <a:bodyPr wrap="square" rtlCol="0">
+            <a:spAutoFit/>
+          </a:bodyPr>
+          <a:lstStyle/>
+          <a:p>
+            <a:pPr algn="ctr"/>
+            <a:r>
+              <a:rPr lang="en-US" b="1" dirty="0" smtClean="0">
+                <a:solidFill>
+                  <a:schemeClr val="bg2"/>
+                </a:solidFill>
+                <a:latin typeface="Times New Roman" pitchFamily="18" charset="0"/>
+                <a:cs typeface="Times New Roman" pitchFamily="18" charset="0"/>
+              </a:rPr>
+              <a:t>1</a:t>
+            </a:r>
+            <a:endParaRPr lang="en-US" b="1" dirty="0">
+              <a:solidFill>
+                <a:schemeClr val="bg2"/>
+              </a:solidFill>
+              <a:latin typeface="Times New Roman" pitchFamily="18" charset="0"/>
+              <a:cs typeface="Times New Roman" pitchFamily="18" charset="0"/>
+            </a:endParaRPr>
+          </a:p>
+        </p:txBody>
+      </p:sp>
+      <p:sp>
+        <p:nvSpPr>
+          <p:cNvPr id="90" name="TextBox 89"/>
+          <p:cNvSpPr txBox="1"/>
+          <p:nvPr/>
+        </p:nvSpPr>
+        <p:spPr>
+          <a:xfrm>
+            <a:off x="6070600" y="1587500"/>
+            <a:ext cx="457200" cy="381000"/>
+          </a:xfrm>
+          <a:prstGeom prst="rect">
+            <a:avLst/>
+          </a:prstGeom>
+          <a:noFill/>
+        </p:spPr>
+        <p:txBody>
+          <a:bodyPr wrap="square" rtlCol="0">
+            <a:spAutoFit/>
+          </a:bodyPr>
+          <a:lstStyle/>
+          <a:p>
+            <a:pPr algn="ctr"/>
+            <a:r>
+              <a:rPr lang="en-US" b="1" dirty="0" smtClean="0">
+                <a:solidFill>
+                  <a:schemeClr val="bg2"/>
+                </a:solidFill>
+                <a:latin typeface="Times New Roman" pitchFamily="18" charset="0"/>
+                <a:cs typeface="Times New Roman" pitchFamily="18" charset="0"/>
+              </a:rPr>
+              <a:t>0</a:t>
+            </a:r>
+            <a:endParaRPr lang="en-US" b="1" dirty="0">
+              <a:solidFill>
+                <a:schemeClr val="bg2"/>
+              </a:solidFill>
+              <a:latin typeface="Times New Roman" pitchFamily="18" charset="0"/>
+              <a:cs typeface="Times New Roman" pitchFamily="18" charset="0"/>
+            </a:endParaRPr>
+          </a:p>
+        </p:txBody>
+      </p:sp>
+      <p:sp>
+        <p:nvSpPr>
+          <p:cNvPr id="91" name="TextBox 90"/>
+          <p:cNvSpPr txBox="1"/>
+          <p:nvPr/>
+        </p:nvSpPr>
+        <p:spPr>
+          <a:xfrm>
+            <a:off x="6096000" y="2133600"/>
+            <a:ext cx="457200" cy="381000"/>
+          </a:xfrm>
+          <a:prstGeom prst="rect">
+            <a:avLst/>
+          </a:prstGeom>
+          <a:noFill/>
+        </p:spPr>
+        <p:txBody>
+          <a:bodyPr wrap="square" rtlCol="0">
+            <a:spAutoFit/>
+          </a:bodyPr>
+          <a:lstStyle/>
+          <a:p>
+            <a:pPr algn="ctr"/>
+            <a:r>
+              <a:rPr lang="en-US" b="1" dirty="0" smtClean="0">
+                <a:solidFill>
+                  <a:schemeClr val="bg2"/>
+                </a:solidFill>
+                <a:latin typeface="Times New Roman" pitchFamily="18" charset="0"/>
+                <a:cs typeface="Times New Roman" pitchFamily="18" charset="0"/>
+              </a:rPr>
+              <a:t>1</a:t>
+            </a:r>
+            <a:endParaRPr lang="en-US" b="1" dirty="0">
+              <a:solidFill>
+                <a:schemeClr val="bg2"/>
+              </a:solidFill>
+              <a:latin typeface="Times New Roman" pitchFamily="18" charset="0"/>
+              <a:cs typeface="Times New Roman" pitchFamily="18" charset="0"/>
+            </a:endParaRPr>
+          </a:p>
+        </p:txBody>
+      </p:sp>
+      <p:sp>
+        <p:nvSpPr>
+          <p:cNvPr id="92" name="TextBox 91"/>
+          <p:cNvSpPr txBox="1"/>
+          <p:nvPr/>
+        </p:nvSpPr>
+        <p:spPr>
+          <a:xfrm>
+            <a:off x="6096000" y="2667000"/>
+            <a:ext cx="457200" cy="381000"/>
+          </a:xfrm>
+          <a:prstGeom prst="rect">
+            <a:avLst/>
+          </a:prstGeom>
+          <a:noFill/>
+        </p:spPr>
+        <p:txBody>
+          <a:bodyPr wrap="square" rtlCol="0">
+            <a:spAutoFit/>
+          </a:bodyPr>
+          <a:lstStyle/>
+          <a:p>
+            <a:pPr algn="ctr"/>
+            <a:r>
+              <a:rPr lang="en-US" b="1" dirty="0" smtClean="0">
+                <a:solidFill>
+                  <a:schemeClr val="bg2"/>
+                </a:solidFill>
+                <a:latin typeface="Times New Roman" pitchFamily="18" charset="0"/>
+                <a:cs typeface="Times New Roman" pitchFamily="18" charset="0"/>
+              </a:rPr>
+              <a:t>0</a:t>
+            </a:r>
+            <a:endParaRPr lang="en-US" b="1" dirty="0">
+              <a:solidFill>
+                <a:schemeClr val="bg2"/>
+              </a:solidFill>
+              <a:latin typeface="Times New Roman" pitchFamily="18" charset="0"/>
+              <a:cs typeface="Times New Roman" pitchFamily="18" charset="0"/>
+            </a:endParaRPr>
+          </a:p>
+        </p:txBody>
+      </p:sp>
+      <p:sp>
+        <p:nvSpPr>
+          <p:cNvPr id="93" name="TextBox 92"/>
+          <p:cNvSpPr txBox="1"/>
+          <p:nvPr/>
+        </p:nvSpPr>
+        <p:spPr>
+          <a:xfrm>
+            <a:off x="6096000" y="3225800"/>
+            <a:ext cx="457200" cy="381000"/>
+          </a:xfrm>
+          <a:prstGeom prst="rect">
+            <a:avLst/>
+          </a:prstGeom>
+          <a:noFill/>
+        </p:spPr>
+        <p:txBody>
+          <a:bodyPr wrap="square" rtlCol="0">
+            <a:spAutoFit/>
+          </a:bodyPr>
+          <a:lstStyle/>
+          <a:p>
+            <a:pPr algn="ctr"/>
+            <a:r>
+              <a:rPr lang="en-US" b="1" dirty="0" smtClean="0">
+                <a:solidFill>
+                  <a:schemeClr val="bg2"/>
+                </a:solidFill>
+                <a:latin typeface="Times New Roman" pitchFamily="18" charset="0"/>
+                <a:cs typeface="Times New Roman" pitchFamily="18" charset="0"/>
+              </a:rPr>
+              <a:t>0</a:t>
+            </a:r>
+            <a:endParaRPr lang="en-US" b="1" dirty="0">
+              <a:solidFill>
+                <a:schemeClr val="bg2"/>
+              </a:solidFill>
+              <a:latin typeface="Times New Roman" pitchFamily="18" charset="0"/>
+              <a:cs typeface="Times New Roman" pitchFamily="18" charset="0"/>
+            </a:endParaRPr>
+          </a:p>
+        </p:txBody>
+      </p:sp>
+      <p:sp>
+        <p:nvSpPr>
+          <p:cNvPr id="94" name="TextBox 93"/>
+          <p:cNvSpPr txBox="1"/>
+          <p:nvPr/>
+        </p:nvSpPr>
+        <p:spPr>
+          <a:xfrm>
+            <a:off x="6096000" y="3810000"/>
+            <a:ext cx="457200" cy="381000"/>
+          </a:xfrm>
+          <a:prstGeom prst="rect">
+            <a:avLst/>
+          </a:prstGeom>
+          <a:noFill/>
+        </p:spPr>
+        <p:txBody>
+          <a:bodyPr wrap="square" rtlCol="0">
+            <a:spAutoFit/>
+          </a:bodyPr>
+          <a:lstStyle/>
+          <a:p>
+            <a:pPr algn="ctr"/>
+            <a:r>
+              <a:rPr lang="en-US" b="1" dirty="0" smtClean="0">
+                <a:solidFill>
+                  <a:schemeClr val="bg2"/>
+                </a:solidFill>
+                <a:latin typeface="Times New Roman" pitchFamily="18" charset="0"/>
+                <a:cs typeface="Times New Roman" pitchFamily="18" charset="0"/>
+              </a:rPr>
+              <a:t>3</a:t>
+            </a:r>
+            <a:endParaRPr lang="en-US" b="1" dirty="0">
+              <a:solidFill>
+                <a:schemeClr val="bg2"/>
+              </a:solidFill>
+              <a:latin typeface="Times New Roman" pitchFamily="18" charset="0"/>
+              <a:cs typeface="Times New Roman" pitchFamily="18" charset="0"/>
+            </a:endParaRPr>
+          </a:p>
+        </p:txBody>
+      </p:sp>
+      <p:sp>
+        <p:nvSpPr>
+          <p:cNvPr id="95" name="TextBox 94"/>
+          <p:cNvSpPr txBox="1"/>
+          <p:nvPr/>
+        </p:nvSpPr>
+        <p:spPr>
+          <a:xfrm>
+            <a:off x="6096000" y="4343400"/>
+            <a:ext cx="457200" cy="381000"/>
+          </a:xfrm>
+          <a:prstGeom prst="rect">
+            <a:avLst/>
+          </a:prstGeom>
+          <a:noFill/>
+        </p:spPr>
+        <p:txBody>
+          <a:bodyPr wrap="square" rtlCol="0">
+            <a:spAutoFit/>
+          </a:bodyPr>
+          <a:lstStyle/>
+          <a:p>
+            <a:pPr algn="ctr"/>
+            <a:r>
+              <a:rPr lang="en-US" b="1" dirty="0" smtClean="0">
+                <a:solidFill>
+                  <a:schemeClr val="bg2"/>
+                </a:solidFill>
+                <a:latin typeface="Times New Roman" pitchFamily="18" charset="0"/>
+                <a:cs typeface="Times New Roman" pitchFamily="18" charset="0"/>
+              </a:rPr>
+              <a:t>1</a:t>
+            </a:r>
+            <a:endParaRPr lang="en-US" b="1" dirty="0">
+              <a:solidFill>
+                <a:schemeClr val="bg2"/>
+              </a:solidFill>
+              <a:latin typeface="Times New Roman" pitchFamily="18" charset="0"/>
+              <a:cs typeface="Times New Roman" pitchFamily="18" charset="0"/>
+            </a:endParaRPr>
+          </a:p>
+        </p:txBody>
+      </p:sp>
+      <p:sp>
+        <p:nvSpPr>
+          <p:cNvPr id="96" name="TextBox 95"/>
+          <p:cNvSpPr txBox="1"/>
+          <p:nvPr/>
+        </p:nvSpPr>
+        <p:spPr>
+          <a:xfrm>
+            <a:off x="6096000" y="4953000"/>
+            <a:ext cx="457200" cy="381000"/>
+          </a:xfrm>
+          <a:prstGeom prst="rect">
+            <a:avLst/>
+          </a:prstGeom>
+          <a:noFill/>
+        </p:spPr>
+        <p:txBody>
+          <a:bodyPr wrap="square" rtlCol="0">
+            <a:spAutoFit/>
+          </a:bodyPr>
+          <a:lstStyle/>
+          <a:p>
+            <a:pPr algn="ctr"/>
+            <a:r>
+              <a:rPr lang="en-US" b="1" dirty="0" smtClean="0">
+                <a:solidFill>
+                  <a:schemeClr val="bg2"/>
+                </a:solidFill>
+                <a:latin typeface="Times New Roman" pitchFamily="18" charset="0"/>
+                <a:cs typeface="Times New Roman" pitchFamily="18" charset="0"/>
+              </a:rPr>
+              <a:t>87</a:t>
+            </a:r>
+            <a:endParaRPr lang="en-US" b="1" dirty="0">
+              <a:solidFill>
+                <a:schemeClr val="bg2"/>
+              </a:solidFill>
+              <a:latin typeface="Times New Roman" pitchFamily="18" charset="0"/>
+              <a:cs typeface="Times New Roman" pitchFamily="18" charset="0"/>
+            </a:endParaRPr>
+          </a:p>
+        </p:txBody>
+      </p:sp>
+    </p:spTree>
+  </p:cSld>
+  <p:clrMapOvr>
+    <a:masterClrMapping/>
+  </p:clrMapOvr>
+</p:sld>
+</file>
+
+<file path=ppt/slides/slide2.xml><?xml version="1.0" encoding="utf-8"?>
+<p:sld xmlns:a="http://schemas.openxmlformats.org/drawingml/2006/main" xmlns:r="http://schemas.openxmlformats.org/officeDocument/2006/relationships" xmlns:p="http://schemas.openxmlformats.org/presentationml/2006/main">
+  <p:cSld>
+    <p:spTree>
+      <p:nvGrpSpPr>
+        <p:cNvPr id="1" name=""/>
+        <p:cNvGrpSpPr/>
+        <p:nvPr/>
+      </p:nvGrpSpPr>
+      <p:grpSpPr>
+        <a:xfrm>
+          <a:off x="0" y="0"/>
+          <a:ext cx="0" cy="0"/>
+          <a:chOff x="0" y="0"/>
+          <a:chExt cx="0" cy="0"/>
+        </a:xfrm>
+      </p:grpSpPr>
+      <p:pic>
+        <p:nvPicPr>
+          <p:cNvPr id="4" name="Picture 3" descr="TimeMatrix.tif"/>
+          <p:cNvPicPr>
+            <a:picLocks noChangeAspect="1"/>
+          </p:cNvPicPr>
+          <p:nvPr/>
+        </p:nvPicPr>
+        <p:blipFill>
+          <a:blip r:embed="rId2" cstate="print"/>
+          <a:stretch>
+            <a:fillRect/>
+          </a:stretch>
+        </p:blipFill>
+        <p:spPr>
+          <a:xfrm>
+            <a:off x="1600200" y="1143000"/>
+            <a:ext cx="6400800" cy="4800600"/>
+          </a:xfrm>
+          <a:prstGeom prst="rect">
+            <a:avLst/>
+          </a:prstGeom>
+        </p:spPr>
+      </p:pic>
+      <p:sp>
+        <p:nvSpPr>
+          <p:cNvPr id="105" name="TextBox 104"/>
+          <p:cNvSpPr txBox="1"/>
+          <p:nvPr/>
+        </p:nvSpPr>
+        <p:spPr>
+          <a:xfrm>
+            <a:off x="2514600" y="1587500"/>
+            <a:ext cx="548640" cy="307777"/>
+          </a:xfrm>
+          <a:prstGeom prst="rect">
+            <a:avLst/>
+          </a:prstGeom>
+          <a:noFill/>
+        </p:spPr>
+        <p:txBody>
+          <a:bodyPr wrap="square" rtlCol="0">
+            <a:spAutoFit/>
+          </a:bodyPr>
+          <a:lstStyle/>
+          <a:p>
+            <a:pPr algn="ctr"/>
+            <a:r>
+              <a:rPr lang="en-US" sz="1400" b="1" dirty="0" smtClean="0">
+                <a:solidFill>
+                  <a:srgbClr val="00B050"/>
+                </a:solidFill>
+                <a:latin typeface="Times New Roman" pitchFamily="18" charset="0"/>
+                <a:cs typeface="Times New Roman" pitchFamily="18" charset="0"/>
+              </a:rPr>
+              <a:t>2.3</a:t>
+            </a:r>
+            <a:endParaRPr lang="en-US" sz="1400" b="1" dirty="0">
+              <a:solidFill>
+                <a:srgbClr val="00B050"/>
+              </a:solidFill>
+              <a:latin typeface="Times New Roman" pitchFamily="18" charset="0"/>
+              <a:cs typeface="Times New Roman" pitchFamily="18" charset="0"/>
+            </a:endParaRPr>
+          </a:p>
+        </p:txBody>
+      </p:sp>
+      <p:sp>
+        <p:nvSpPr>
+          <p:cNvPr id="106" name="TextBox 105"/>
+          <p:cNvSpPr txBox="1"/>
+          <p:nvPr/>
+        </p:nvSpPr>
+        <p:spPr>
+          <a:xfrm>
+            <a:off x="2540000" y="2133600"/>
+            <a:ext cx="548640" cy="307777"/>
+          </a:xfrm>
+          <a:prstGeom prst="rect">
+            <a:avLst/>
+          </a:prstGeom>
+          <a:noFill/>
+        </p:spPr>
+        <p:txBody>
+          <a:bodyPr wrap="square" rtlCol="0">
+            <a:spAutoFit/>
+          </a:bodyPr>
+          <a:lstStyle/>
+          <a:p>
+            <a:pPr algn="ctr"/>
+            <a:r>
+              <a:rPr lang="en-US" sz="1400" b="1" dirty="0" smtClean="0">
+                <a:solidFill>
+                  <a:srgbClr val="00B050"/>
+                </a:solidFill>
+                <a:latin typeface="Times New Roman" pitchFamily="18" charset="0"/>
+                <a:cs typeface="Times New Roman" pitchFamily="18" charset="0"/>
+              </a:rPr>
+              <a:t>0</a:t>
+            </a:r>
+            <a:endParaRPr lang="en-US" sz="1400" b="1" dirty="0">
+              <a:solidFill>
+                <a:srgbClr val="00B050"/>
+              </a:solidFill>
+              <a:latin typeface="Times New Roman" pitchFamily="18" charset="0"/>
+              <a:cs typeface="Times New Roman" pitchFamily="18" charset="0"/>
+            </a:endParaRPr>
+          </a:p>
+        </p:txBody>
+      </p:sp>
+      <p:sp>
+        <p:nvSpPr>
+          <p:cNvPr id="107" name="TextBox 106"/>
+          <p:cNvSpPr txBox="1"/>
+          <p:nvPr/>
+        </p:nvSpPr>
+        <p:spPr>
+          <a:xfrm>
+            <a:off x="2540000" y="2667000"/>
+            <a:ext cx="548640" cy="307777"/>
+          </a:xfrm>
+          <a:prstGeom prst="rect">
+            <a:avLst/>
+          </a:prstGeom>
+          <a:noFill/>
+        </p:spPr>
+        <p:txBody>
+          <a:bodyPr wrap="square" rtlCol="0">
+            <a:spAutoFit/>
+          </a:bodyPr>
+          <a:lstStyle/>
+          <a:p>
+            <a:pPr algn="ctr"/>
+            <a:r>
+              <a:rPr lang="en-US" sz="1400" b="1" dirty="0" smtClean="0">
+                <a:solidFill>
+                  <a:srgbClr val="00B050"/>
+                </a:solidFill>
+                <a:latin typeface="Times New Roman" pitchFamily="18" charset="0"/>
+                <a:cs typeface="Times New Roman" pitchFamily="18" charset="0"/>
+              </a:rPr>
+              <a:t>0</a:t>
+            </a:r>
+            <a:endParaRPr lang="en-US" sz="1400" b="1" dirty="0">
+              <a:solidFill>
+                <a:srgbClr val="00B050"/>
+              </a:solidFill>
+              <a:latin typeface="Times New Roman" pitchFamily="18" charset="0"/>
+              <a:cs typeface="Times New Roman" pitchFamily="18" charset="0"/>
+            </a:endParaRPr>
+          </a:p>
+        </p:txBody>
+      </p:sp>
+      <p:sp>
+        <p:nvSpPr>
+          <p:cNvPr id="108" name="TextBox 107"/>
+          <p:cNvSpPr txBox="1"/>
+          <p:nvPr/>
+        </p:nvSpPr>
+        <p:spPr>
+          <a:xfrm>
+            <a:off x="2540000" y="3225800"/>
+            <a:ext cx="548640" cy="307777"/>
+          </a:xfrm>
+          <a:prstGeom prst="rect">
+            <a:avLst/>
+          </a:prstGeom>
+          <a:noFill/>
+        </p:spPr>
+        <p:txBody>
+          <a:bodyPr wrap="square" rtlCol="0">
+            <a:spAutoFit/>
+          </a:bodyPr>
+          <a:lstStyle/>
+          <a:p>
+            <a:pPr algn="ctr"/>
+            <a:r>
+              <a:rPr lang="en-US" sz="1400" b="1" dirty="0" smtClean="0">
+                <a:solidFill>
+                  <a:srgbClr val="00B050"/>
+                </a:solidFill>
+                <a:latin typeface="Times New Roman" pitchFamily="18" charset="0"/>
+                <a:cs typeface="Times New Roman" pitchFamily="18" charset="0"/>
+              </a:rPr>
+              <a:t>0</a:t>
+            </a:r>
+            <a:endParaRPr lang="en-US" sz="1400" b="1" dirty="0">
+              <a:solidFill>
+                <a:srgbClr val="00B050"/>
+              </a:solidFill>
+              <a:latin typeface="Times New Roman" pitchFamily="18" charset="0"/>
+              <a:cs typeface="Times New Roman" pitchFamily="18" charset="0"/>
+            </a:endParaRPr>
+          </a:p>
+        </p:txBody>
+      </p:sp>
+      <p:sp>
+        <p:nvSpPr>
+          <p:cNvPr id="109" name="TextBox 108"/>
+          <p:cNvSpPr txBox="1"/>
+          <p:nvPr/>
+        </p:nvSpPr>
+        <p:spPr>
+          <a:xfrm>
+            <a:off x="2540000" y="3810000"/>
+            <a:ext cx="548640" cy="307777"/>
+          </a:xfrm>
+          <a:prstGeom prst="rect">
+            <a:avLst/>
+          </a:prstGeom>
+          <a:noFill/>
+        </p:spPr>
+        <p:txBody>
+          <a:bodyPr wrap="square" rtlCol="0">
+            <a:spAutoFit/>
+          </a:bodyPr>
+          <a:lstStyle/>
+          <a:p>
+            <a:pPr algn="ctr"/>
+            <a:r>
+              <a:rPr lang="en-US" sz="1400" b="1" dirty="0" smtClean="0">
+                <a:solidFill>
+                  <a:srgbClr val="00B050"/>
+                </a:solidFill>
+                <a:latin typeface="Times New Roman" pitchFamily="18" charset="0"/>
+                <a:cs typeface="Times New Roman" pitchFamily="18" charset="0"/>
+              </a:rPr>
+              <a:t>6</a:t>
+            </a:r>
+            <a:endParaRPr lang="en-US" sz="1400" b="1" dirty="0">
+              <a:solidFill>
+                <a:srgbClr val="00B050"/>
+              </a:solidFill>
+              <a:latin typeface="Times New Roman" pitchFamily="18" charset="0"/>
+              <a:cs typeface="Times New Roman" pitchFamily="18" charset="0"/>
+            </a:endParaRPr>
+          </a:p>
+        </p:txBody>
+      </p:sp>
+      <p:sp>
+        <p:nvSpPr>
+          <p:cNvPr id="110" name="TextBox 109"/>
+          <p:cNvSpPr txBox="1"/>
+          <p:nvPr/>
+        </p:nvSpPr>
+        <p:spPr>
+          <a:xfrm>
+            <a:off x="2540000" y="4343400"/>
+            <a:ext cx="548640" cy="307777"/>
+          </a:xfrm>
+          <a:prstGeom prst="rect">
+            <a:avLst/>
+          </a:prstGeom>
+          <a:noFill/>
+        </p:spPr>
+        <p:txBody>
+          <a:bodyPr wrap="square" rtlCol="0">
+            <a:spAutoFit/>
+          </a:bodyPr>
+          <a:lstStyle/>
+          <a:p>
+            <a:pPr algn="ctr"/>
+            <a:r>
+              <a:rPr lang="en-US" sz="1400" b="1" dirty="0" smtClean="0">
+                <a:solidFill>
+                  <a:srgbClr val="00B050"/>
+                </a:solidFill>
+                <a:latin typeface="Times New Roman" pitchFamily="18" charset="0"/>
+                <a:cs typeface="Times New Roman" pitchFamily="18" charset="0"/>
+              </a:rPr>
+              <a:t>9</a:t>
+            </a:r>
+            <a:endParaRPr lang="en-US" sz="1400" b="1" dirty="0">
+              <a:solidFill>
+                <a:srgbClr val="00B050"/>
+              </a:solidFill>
+              <a:latin typeface="Times New Roman" pitchFamily="18" charset="0"/>
+              <a:cs typeface="Times New Roman" pitchFamily="18" charset="0"/>
+            </a:endParaRPr>
+          </a:p>
+        </p:txBody>
+      </p:sp>
+      <p:sp>
+        <p:nvSpPr>
+          <p:cNvPr id="111" name="TextBox 110"/>
+          <p:cNvSpPr txBox="1"/>
+          <p:nvPr/>
+        </p:nvSpPr>
+        <p:spPr>
+          <a:xfrm>
+            <a:off x="2540000" y="4953000"/>
+            <a:ext cx="548640" cy="307777"/>
+          </a:xfrm>
+          <a:prstGeom prst="rect">
+            <a:avLst/>
+          </a:prstGeom>
+          <a:noFill/>
+        </p:spPr>
+        <p:txBody>
+          <a:bodyPr wrap="square" rtlCol="0">
+            <a:spAutoFit/>
+          </a:bodyPr>
+          <a:lstStyle/>
+          <a:p>
+            <a:pPr algn="ctr"/>
+            <a:r>
+              <a:rPr lang="en-US" sz="1400" b="1" dirty="0" smtClean="0">
+                <a:solidFill>
+                  <a:srgbClr val="00B050"/>
+                </a:solidFill>
+                <a:latin typeface="Times New Roman" pitchFamily="18" charset="0"/>
+                <a:cs typeface="Times New Roman" pitchFamily="18" charset="0"/>
+              </a:rPr>
+              <a:t>2</a:t>
+            </a:r>
+            <a:endParaRPr lang="en-US" sz="1400" b="1" dirty="0">
+              <a:solidFill>
+                <a:srgbClr val="00B050"/>
+              </a:solidFill>
+              <a:latin typeface="Times New Roman" pitchFamily="18" charset="0"/>
+              <a:cs typeface="Times New Roman" pitchFamily="18" charset="0"/>
+            </a:endParaRPr>
+          </a:p>
+        </p:txBody>
+      </p:sp>
+      <p:sp>
+        <p:nvSpPr>
+          <p:cNvPr id="112" name="TextBox 111"/>
+          <p:cNvSpPr txBox="1"/>
+          <p:nvPr/>
+        </p:nvSpPr>
+        <p:spPr>
+          <a:xfrm>
+            <a:off x="3048000" y="1587500"/>
+            <a:ext cx="548640" cy="307777"/>
+          </a:xfrm>
+          <a:prstGeom prst="rect">
+            <a:avLst/>
+          </a:prstGeom>
+          <a:noFill/>
+        </p:spPr>
+        <p:txBody>
+          <a:bodyPr wrap="square" rtlCol="0">
+            <a:spAutoFit/>
+          </a:bodyPr>
+          <a:lstStyle/>
+          <a:p>
+            <a:pPr algn="ctr"/>
+            <a:r>
+              <a:rPr lang="en-US" sz="1400" b="1" dirty="0" smtClean="0">
+                <a:solidFill>
+                  <a:srgbClr val="00B050"/>
+                </a:solidFill>
+                <a:latin typeface="Times New Roman" pitchFamily="18" charset="0"/>
+                <a:cs typeface="Times New Roman" pitchFamily="18" charset="0"/>
+              </a:rPr>
+              <a:t>0</a:t>
+            </a:r>
+            <a:endParaRPr lang="en-US" sz="1400" b="1" dirty="0">
+              <a:solidFill>
+                <a:srgbClr val="00B050"/>
+              </a:solidFill>
+              <a:latin typeface="Times New Roman" pitchFamily="18" charset="0"/>
+              <a:cs typeface="Times New Roman" pitchFamily="18" charset="0"/>
+            </a:endParaRPr>
+          </a:p>
+        </p:txBody>
+      </p:sp>
+      <p:sp>
+        <p:nvSpPr>
+          <p:cNvPr id="113" name="TextBox 112"/>
+          <p:cNvSpPr txBox="1"/>
+          <p:nvPr/>
+        </p:nvSpPr>
+        <p:spPr>
+          <a:xfrm>
+            <a:off x="3073400" y="2133600"/>
+            <a:ext cx="548640" cy="307777"/>
+          </a:xfrm>
+          <a:prstGeom prst="rect">
+            <a:avLst/>
+          </a:prstGeom>
+          <a:noFill/>
+        </p:spPr>
+        <p:txBody>
+          <a:bodyPr wrap="square" rtlCol="0">
+            <a:spAutoFit/>
+          </a:bodyPr>
+          <a:lstStyle/>
+          <a:p>
+            <a:pPr algn="ctr"/>
+            <a:r>
+              <a:rPr lang="en-US" sz="1400" b="1" dirty="0" smtClean="0">
+                <a:solidFill>
+                  <a:srgbClr val="00B050"/>
+                </a:solidFill>
+                <a:latin typeface="Times New Roman" pitchFamily="18" charset="0"/>
+                <a:cs typeface="Times New Roman" pitchFamily="18" charset="0"/>
+              </a:rPr>
+              <a:t>96</a:t>
+            </a:r>
+            <a:endParaRPr lang="en-US" sz="1400" b="1" dirty="0">
+              <a:solidFill>
+                <a:srgbClr val="00B050"/>
+              </a:solidFill>
+              <a:latin typeface="Times New Roman" pitchFamily="18" charset="0"/>
+              <a:cs typeface="Times New Roman" pitchFamily="18" charset="0"/>
+            </a:endParaRPr>
+          </a:p>
+        </p:txBody>
+      </p:sp>
+      <p:sp>
+        <p:nvSpPr>
+          <p:cNvPr id="114" name="TextBox 113"/>
+          <p:cNvSpPr txBox="1"/>
+          <p:nvPr/>
+        </p:nvSpPr>
+        <p:spPr>
+          <a:xfrm>
+            <a:off x="3073400" y="2667000"/>
+            <a:ext cx="548640" cy="307777"/>
+          </a:xfrm>
+          <a:prstGeom prst="rect">
+            <a:avLst/>
+          </a:prstGeom>
+          <a:noFill/>
+        </p:spPr>
+        <p:txBody>
+          <a:bodyPr wrap="square" rtlCol="0">
+            <a:spAutoFit/>
+          </a:bodyPr>
+          <a:lstStyle/>
+          <a:p>
+            <a:pPr algn="ctr"/>
+            <a:r>
+              <a:rPr lang="en-US" sz="1400" b="1" dirty="0" smtClean="0">
+                <a:solidFill>
+                  <a:srgbClr val="00B050"/>
+                </a:solidFill>
+                <a:latin typeface="Times New Roman" pitchFamily="18" charset="0"/>
+                <a:cs typeface="Times New Roman" pitchFamily="18" charset="0"/>
+              </a:rPr>
+              <a:t>1</a:t>
+            </a:r>
+            <a:endParaRPr lang="en-US" sz="1400" b="1" dirty="0">
+              <a:solidFill>
+                <a:srgbClr val="00B050"/>
+              </a:solidFill>
+              <a:latin typeface="Times New Roman" pitchFamily="18" charset="0"/>
+              <a:cs typeface="Times New Roman" pitchFamily="18" charset="0"/>
+            </a:endParaRPr>
+          </a:p>
+        </p:txBody>
+      </p:sp>
+      <p:sp>
+        <p:nvSpPr>
+          <p:cNvPr id="115" name="TextBox 114"/>
+          <p:cNvSpPr txBox="1"/>
+          <p:nvPr/>
+        </p:nvSpPr>
+        <p:spPr>
+          <a:xfrm>
+            <a:off x="3073400" y="3225800"/>
+            <a:ext cx="548640" cy="307777"/>
+          </a:xfrm>
+          <a:prstGeom prst="rect">
+            <a:avLst/>
+          </a:prstGeom>
+          <a:noFill/>
+        </p:spPr>
+        <p:txBody>
+          <a:bodyPr wrap="square" rtlCol="0">
+            <a:spAutoFit/>
+          </a:bodyPr>
+          <a:lstStyle/>
+          <a:p>
+            <a:pPr algn="ctr"/>
+            <a:r>
+              <a:rPr lang="en-US" sz="1400" b="1" dirty="0" smtClean="0">
+                <a:solidFill>
+                  <a:srgbClr val="00B050"/>
+                </a:solidFill>
+                <a:latin typeface="Times New Roman" pitchFamily="18" charset="0"/>
+                <a:cs typeface="Times New Roman" pitchFamily="18" charset="0"/>
+              </a:rPr>
+              <a:t>0</a:t>
+            </a:r>
+            <a:endParaRPr lang="en-US" sz="1400" b="1" dirty="0">
+              <a:solidFill>
+                <a:srgbClr val="00B050"/>
+              </a:solidFill>
+              <a:latin typeface="Times New Roman" pitchFamily="18" charset="0"/>
+              <a:cs typeface="Times New Roman" pitchFamily="18" charset="0"/>
+            </a:endParaRPr>
+          </a:p>
+        </p:txBody>
+      </p:sp>
+      <p:sp>
+        <p:nvSpPr>
+          <p:cNvPr id="116" name="TextBox 115"/>
+          <p:cNvSpPr txBox="1"/>
+          <p:nvPr/>
+        </p:nvSpPr>
+        <p:spPr>
+          <a:xfrm>
+            <a:off x="3073400" y="3810000"/>
+            <a:ext cx="548640" cy="307777"/>
+          </a:xfrm>
+          <a:prstGeom prst="rect">
+            <a:avLst/>
+          </a:prstGeom>
+          <a:noFill/>
+        </p:spPr>
+        <p:txBody>
+          <a:bodyPr wrap="square" rtlCol="0">
+            <a:spAutoFit/>
+          </a:bodyPr>
+          <a:lstStyle/>
+          <a:p>
+            <a:pPr algn="ctr"/>
+            <a:r>
+              <a:rPr lang="en-US" sz="1400" b="1" dirty="0" smtClean="0">
+                <a:solidFill>
+                  <a:srgbClr val="00B050"/>
+                </a:solidFill>
+                <a:latin typeface="Times New Roman" pitchFamily="18" charset="0"/>
+                <a:cs typeface="Times New Roman" pitchFamily="18" charset="0"/>
+              </a:rPr>
+              <a:t>0</a:t>
+            </a:r>
+            <a:endParaRPr lang="en-US" sz="1400" b="1" dirty="0">
+              <a:solidFill>
+                <a:srgbClr val="00B050"/>
+              </a:solidFill>
+              <a:latin typeface="Times New Roman" pitchFamily="18" charset="0"/>
+              <a:cs typeface="Times New Roman" pitchFamily="18" charset="0"/>
+            </a:endParaRPr>
+          </a:p>
+        </p:txBody>
+      </p:sp>
+      <p:sp>
+        <p:nvSpPr>
+          <p:cNvPr id="117" name="TextBox 116"/>
+          <p:cNvSpPr txBox="1"/>
+          <p:nvPr/>
+        </p:nvSpPr>
+        <p:spPr>
+          <a:xfrm>
+            <a:off x="3073400" y="4343400"/>
+            <a:ext cx="548640" cy="307777"/>
+          </a:xfrm>
+          <a:prstGeom prst="rect">
+            <a:avLst/>
+          </a:prstGeom>
+          <a:noFill/>
+        </p:spPr>
+        <p:txBody>
+          <a:bodyPr wrap="square" rtlCol="0">
+            <a:spAutoFit/>
+          </a:bodyPr>
+          <a:lstStyle/>
+          <a:p>
+            <a:pPr algn="ctr"/>
+            <a:r>
+              <a:rPr lang="en-US" sz="1400" b="1" dirty="0" smtClean="0">
+                <a:solidFill>
+                  <a:srgbClr val="00B050"/>
+                </a:solidFill>
+                <a:latin typeface="Times New Roman" pitchFamily="18" charset="0"/>
+                <a:cs typeface="Times New Roman" pitchFamily="18" charset="0"/>
+              </a:rPr>
+              <a:t>0</a:t>
+            </a:r>
+            <a:endParaRPr lang="en-US" sz="1400" b="1" dirty="0">
+              <a:solidFill>
+                <a:srgbClr val="00B050"/>
+              </a:solidFill>
+              <a:latin typeface="Times New Roman" pitchFamily="18" charset="0"/>
+              <a:cs typeface="Times New Roman" pitchFamily="18" charset="0"/>
+            </a:endParaRPr>
+          </a:p>
+        </p:txBody>
+      </p:sp>
+      <p:sp>
+        <p:nvSpPr>
+          <p:cNvPr id="118" name="TextBox 117"/>
+          <p:cNvSpPr txBox="1"/>
+          <p:nvPr/>
+        </p:nvSpPr>
+        <p:spPr>
+          <a:xfrm>
+            <a:off x="3073400" y="4953000"/>
+            <a:ext cx="548640" cy="307777"/>
+          </a:xfrm>
+          <a:prstGeom prst="rect">
+            <a:avLst/>
+          </a:prstGeom>
+          <a:noFill/>
+        </p:spPr>
+        <p:txBody>
+          <a:bodyPr wrap="square" rtlCol="0">
+            <a:spAutoFit/>
+          </a:bodyPr>
+          <a:lstStyle/>
+          <a:p>
+            <a:pPr algn="ctr"/>
+            <a:r>
+              <a:rPr lang="en-US" sz="1400" b="1" dirty="0" smtClean="0">
+                <a:solidFill>
+                  <a:srgbClr val="00B050"/>
+                </a:solidFill>
+                <a:latin typeface="Times New Roman" pitchFamily="18" charset="0"/>
+                <a:cs typeface="Times New Roman" pitchFamily="18" charset="0"/>
+              </a:rPr>
+              <a:t>0</a:t>
+            </a:r>
+            <a:endParaRPr lang="en-US" sz="1400" b="1" dirty="0">
+              <a:solidFill>
+                <a:srgbClr val="00B050"/>
+              </a:solidFill>
+              <a:latin typeface="Times New Roman" pitchFamily="18" charset="0"/>
+              <a:cs typeface="Times New Roman" pitchFamily="18" charset="0"/>
+            </a:endParaRPr>
+          </a:p>
+        </p:txBody>
+      </p:sp>
+      <p:sp>
+        <p:nvSpPr>
+          <p:cNvPr id="119" name="TextBox 118"/>
+          <p:cNvSpPr txBox="1"/>
+          <p:nvPr/>
+        </p:nvSpPr>
+        <p:spPr>
+          <a:xfrm>
+            <a:off x="3657600" y="1600200"/>
+            <a:ext cx="548640" cy="307777"/>
+          </a:xfrm>
+          <a:prstGeom prst="rect">
+            <a:avLst/>
+          </a:prstGeom>
+          <a:noFill/>
+        </p:spPr>
+        <p:txBody>
+          <a:bodyPr wrap="square" rtlCol="0">
+            <a:spAutoFit/>
+          </a:bodyPr>
+          <a:lstStyle/>
+          <a:p>
+            <a:pPr algn="ctr"/>
+            <a:r>
+              <a:rPr lang="en-US" sz="1400" b="1" dirty="0" smtClean="0">
+                <a:solidFill>
+                  <a:srgbClr val="00B050"/>
+                </a:solidFill>
+                <a:latin typeface="Times New Roman" pitchFamily="18" charset="0"/>
+                <a:cs typeface="Times New Roman" pitchFamily="18" charset="0"/>
+              </a:rPr>
+              <a:t>0</a:t>
+            </a:r>
+            <a:endParaRPr lang="en-US" sz="1400" b="1" dirty="0">
+              <a:solidFill>
+                <a:srgbClr val="00B050"/>
+              </a:solidFill>
+              <a:latin typeface="Times New Roman" pitchFamily="18" charset="0"/>
+              <a:cs typeface="Times New Roman" pitchFamily="18" charset="0"/>
+            </a:endParaRPr>
+          </a:p>
+        </p:txBody>
+      </p:sp>
+      <p:sp>
+        <p:nvSpPr>
+          <p:cNvPr id="120" name="TextBox 119"/>
+          <p:cNvSpPr txBox="1"/>
+          <p:nvPr/>
+        </p:nvSpPr>
+        <p:spPr>
+          <a:xfrm>
+            <a:off x="3683000" y="2146300"/>
+            <a:ext cx="548640" cy="307777"/>
+          </a:xfrm>
+          <a:prstGeom prst="rect">
+            <a:avLst/>
+          </a:prstGeom>
+          <a:noFill/>
+        </p:spPr>
+        <p:txBody>
+          <a:bodyPr wrap="square" rtlCol="0">
+            <a:spAutoFit/>
+          </a:bodyPr>
+          <a:lstStyle/>
+          <a:p>
+            <a:pPr algn="ctr"/>
+            <a:r>
+              <a:rPr lang="en-US" sz="1400" b="1" dirty="0" smtClean="0">
+                <a:solidFill>
+                  <a:srgbClr val="00B050"/>
+                </a:solidFill>
+                <a:latin typeface="Times New Roman" pitchFamily="18" charset="0"/>
+                <a:cs typeface="Times New Roman" pitchFamily="18" charset="0"/>
+              </a:rPr>
+              <a:t>2</a:t>
+            </a:r>
+            <a:endParaRPr lang="en-US" sz="1400" b="1" dirty="0">
+              <a:solidFill>
+                <a:srgbClr val="00B050"/>
+              </a:solidFill>
+              <a:latin typeface="Times New Roman" pitchFamily="18" charset="0"/>
+              <a:cs typeface="Times New Roman" pitchFamily="18" charset="0"/>
+            </a:endParaRPr>
+          </a:p>
+        </p:txBody>
+      </p:sp>
+      <p:sp>
+        <p:nvSpPr>
+          <p:cNvPr id="121" name="TextBox 120"/>
+          <p:cNvSpPr txBox="1"/>
+          <p:nvPr/>
+        </p:nvSpPr>
+        <p:spPr>
+          <a:xfrm>
+            <a:off x="3683000" y="2679700"/>
+            <a:ext cx="548640" cy="307777"/>
+          </a:xfrm>
+          <a:prstGeom prst="rect">
+            <a:avLst/>
+          </a:prstGeom>
+          <a:noFill/>
+        </p:spPr>
+        <p:txBody>
+          <a:bodyPr wrap="square" rtlCol="0">
+            <a:spAutoFit/>
+          </a:bodyPr>
+          <a:lstStyle/>
+          <a:p>
+            <a:pPr algn="ctr"/>
+            <a:r>
+              <a:rPr lang="en-US" sz="1400" b="1" dirty="0" smtClean="0">
+                <a:solidFill>
+                  <a:srgbClr val="00B050"/>
+                </a:solidFill>
+                <a:latin typeface="Times New Roman" pitchFamily="18" charset="0"/>
+                <a:cs typeface="Times New Roman" pitchFamily="18" charset="0"/>
+              </a:rPr>
+              <a:t>98</a:t>
+            </a:r>
+            <a:endParaRPr lang="en-US" sz="1400" b="1" dirty="0">
+              <a:solidFill>
+                <a:srgbClr val="00B050"/>
+              </a:solidFill>
+              <a:latin typeface="Times New Roman" pitchFamily="18" charset="0"/>
+              <a:cs typeface="Times New Roman" pitchFamily="18" charset="0"/>
+            </a:endParaRPr>
+          </a:p>
+        </p:txBody>
+      </p:sp>
+      <p:sp>
+        <p:nvSpPr>
+          <p:cNvPr id="122" name="TextBox 121"/>
+          <p:cNvSpPr txBox="1"/>
+          <p:nvPr/>
+        </p:nvSpPr>
+        <p:spPr>
+          <a:xfrm>
+            <a:off x="3683000" y="3238500"/>
+            <a:ext cx="548640" cy="307777"/>
+          </a:xfrm>
+          <a:prstGeom prst="rect">
+            <a:avLst/>
+          </a:prstGeom>
+          <a:noFill/>
+        </p:spPr>
+        <p:txBody>
+          <a:bodyPr wrap="square" rtlCol="0">
+            <a:spAutoFit/>
+          </a:bodyPr>
+          <a:lstStyle/>
+          <a:p>
+            <a:pPr algn="ctr"/>
+            <a:r>
+              <a:rPr lang="en-US" sz="1400" b="1" dirty="0" smtClean="0">
+                <a:solidFill>
+                  <a:srgbClr val="00B050"/>
+                </a:solidFill>
+                <a:latin typeface="Times New Roman" pitchFamily="18" charset="0"/>
+                <a:cs typeface="Times New Roman" pitchFamily="18" charset="0"/>
+              </a:rPr>
+              <a:t>0</a:t>
+            </a:r>
+            <a:endParaRPr lang="en-US" sz="1400" b="1" dirty="0">
+              <a:solidFill>
+                <a:srgbClr val="00B050"/>
+              </a:solidFill>
+              <a:latin typeface="Times New Roman" pitchFamily="18" charset="0"/>
+              <a:cs typeface="Times New Roman" pitchFamily="18" charset="0"/>
+            </a:endParaRPr>
+          </a:p>
+        </p:txBody>
+      </p:sp>
+      <p:sp>
+        <p:nvSpPr>
+          <p:cNvPr id="123" name="TextBox 122"/>
+          <p:cNvSpPr txBox="1"/>
+          <p:nvPr/>
+        </p:nvSpPr>
+        <p:spPr>
+          <a:xfrm>
+            <a:off x="3683000" y="3822700"/>
+            <a:ext cx="548640" cy="307777"/>
+          </a:xfrm>
+          <a:prstGeom prst="rect">
+            <a:avLst/>
+          </a:prstGeom>
+          <a:noFill/>
+        </p:spPr>
+        <p:txBody>
+          <a:bodyPr wrap="square" rtlCol="0">
+            <a:spAutoFit/>
+          </a:bodyPr>
+          <a:lstStyle/>
+          <a:p>
+            <a:pPr algn="ctr"/>
+            <a:r>
+              <a:rPr lang="en-US" sz="1400" b="1" dirty="0" smtClean="0">
+                <a:solidFill>
+                  <a:srgbClr val="00B050"/>
+                </a:solidFill>
+                <a:latin typeface="Times New Roman" pitchFamily="18" charset="0"/>
+                <a:cs typeface="Times New Roman" pitchFamily="18" charset="0"/>
+              </a:rPr>
+              <a:t>0</a:t>
+            </a:r>
+            <a:endParaRPr lang="en-US" sz="1400" b="1" dirty="0">
+              <a:solidFill>
+                <a:srgbClr val="00B050"/>
+              </a:solidFill>
+              <a:latin typeface="Times New Roman" pitchFamily="18" charset="0"/>
+              <a:cs typeface="Times New Roman" pitchFamily="18" charset="0"/>
+            </a:endParaRPr>
+          </a:p>
+        </p:txBody>
+      </p:sp>
+      <p:sp>
+        <p:nvSpPr>
+          <p:cNvPr id="124" name="TextBox 123"/>
+          <p:cNvSpPr txBox="1"/>
+          <p:nvPr/>
+        </p:nvSpPr>
+        <p:spPr>
+          <a:xfrm>
+            <a:off x="3683000" y="4356100"/>
+            <a:ext cx="548640" cy="307777"/>
+          </a:xfrm>
+          <a:prstGeom prst="rect">
+            <a:avLst/>
+          </a:prstGeom>
+          <a:noFill/>
+        </p:spPr>
+        <p:txBody>
+          <a:bodyPr wrap="square" rtlCol="0">
+            <a:spAutoFit/>
+          </a:bodyPr>
+          <a:lstStyle/>
+          <a:p>
+            <a:pPr algn="ctr"/>
+            <a:r>
+              <a:rPr lang="en-US" sz="1400" b="1" dirty="0" smtClean="0">
+                <a:solidFill>
+                  <a:srgbClr val="00B050"/>
+                </a:solidFill>
+                <a:latin typeface="Times New Roman" pitchFamily="18" charset="0"/>
+                <a:cs typeface="Times New Roman" pitchFamily="18" charset="0"/>
+              </a:rPr>
+              <a:t>2</a:t>
+            </a:r>
+            <a:endParaRPr lang="en-US" sz="1400" b="1" dirty="0">
+              <a:solidFill>
+                <a:srgbClr val="00B050"/>
+              </a:solidFill>
+              <a:latin typeface="Times New Roman" pitchFamily="18" charset="0"/>
+              <a:cs typeface="Times New Roman" pitchFamily="18" charset="0"/>
+            </a:endParaRPr>
+          </a:p>
+        </p:txBody>
+      </p:sp>
+      <p:sp>
+        <p:nvSpPr>
+          <p:cNvPr id="125" name="TextBox 124"/>
+          <p:cNvSpPr txBox="1"/>
+          <p:nvPr/>
+        </p:nvSpPr>
+        <p:spPr>
+          <a:xfrm>
+            <a:off x="3683000" y="4965700"/>
+            <a:ext cx="548640" cy="307777"/>
+          </a:xfrm>
+          <a:prstGeom prst="rect">
+            <a:avLst/>
+          </a:prstGeom>
+          <a:noFill/>
+        </p:spPr>
+        <p:txBody>
+          <a:bodyPr wrap="square" rtlCol="0">
+            <a:spAutoFit/>
+          </a:bodyPr>
+          <a:lstStyle/>
+          <a:p>
+            <a:pPr algn="ctr"/>
+            <a:r>
+              <a:rPr lang="en-US" sz="1400" b="1" dirty="0" smtClean="0">
+                <a:solidFill>
+                  <a:srgbClr val="00B050"/>
+                </a:solidFill>
+                <a:latin typeface="Times New Roman" pitchFamily="18" charset="0"/>
+                <a:cs typeface="Times New Roman" pitchFamily="18" charset="0"/>
+              </a:rPr>
+              <a:t>1</a:t>
+            </a:r>
+            <a:endParaRPr lang="en-US" sz="1400" b="1" dirty="0">
+              <a:solidFill>
+                <a:srgbClr val="00B050"/>
+              </a:solidFill>
+              <a:latin typeface="Times New Roman" pitchFamily="18" charset="0"/>
+              <a:cs typeface="Times New Roman" pitchFamily="18" charset="0"/>
+            </a:endParaRPr>
+          </a:p>
+        </p:txBody>
+      </p:sp>
+      <p:sp>
+        <p:nvSpPr>
+          <p:cNvPr id="126" name="TextBox 125"/>
+          <p:cNvSpPr txBox="1"/>
+          <p:nvPr/>
+        </p:nvSpPr>
+        <p:spPr>
+          <a:xfrm>
+            <a:off x="4267200" y="1587500"/>
+            <a:ext cx="548640" cy="307777"/>
+          </a:xfrm>
+          <a:prstGeom prst="rect">
+            <a:avLst/>
+          </a:prstGeom>
+          <a:noFill/>
+        </p:spPr>
+        <p:txBody>
+          <a:bodyPr wrap="square" rtlCol="0">
+            <a:spAutoFit/>
+          </a:bodyPr>
+          <a:lstStyle/>
+          <a:p>
+            <a:pPr algn="ctr"/>
+            <a:r>
+              <a:rPr lang="en-US" sz="1400" b="1" dirty="0" smtClean="0">
+                <a:solidFill>
+                  <a:srgbClr val="00B050"/>
+                </a:solidFill>
+                <a:latin typeface="Times New Roman" pitchFamily="18" charset="0"/>
+                <a:cs typeface="Times New Roman" pitchFamily="18" charset="0"/>
+              </a:rPr>
+              <a:t>0</a:t>
+            </a:r>
+            <a:endParaRPr lang="en-US" sz="1400" b="1" dirty="0">
+              <a:solidFill>
+                <a:srgbClr val="00B050"/>
+              </a:solidFill>
+              <a:latin typeface="Times New Roman" pitchFamily="18" charset="0"/>
+              <a:cs typeface="Times New Roman" pitchFamily="18" charset="0"/>
+            </a:endParaRPr>
+          </a:p>
+        </p:txBody>
+      </p:sp>
+      <p:sp>
+        <p:nvSpPr>
+          <p:cNvPr id="127" name="TextBox 126"/>
+          <p:cNvSpPr txBox="1"/>
+          <p:nvPr/>
+        </p:nvSpPr>
+        <p:spPr>
+          <a:xfrm>
+            <a:off x="4292600" y="2133600"/>
+            <a:ext cx="548640" cy="307777"/>
+          </a:xfrm>
+          <a:prstGeom prst="rect">
+            <a:avLst/>
+          </a:prstGeom>
+          <a:noFill/>
+        </p:spPr>
+        <p:txBody>
+          <a:bodyPr wrap="square" rtlCol="0">
+            <a:spAutoFit/>
+          </a:bodyPr>
+          <a:lstStyle/>
+          <a:p>
+            <a:pPr algn="ctr"/>
+            <a:r>
+              <a:rPr lang="en-US" sz="1400" b="1" dirty="0" smtClean="0">
+                <a:solidFill>
+                  <a:srgbClr val="00B050"/>
+                </a:solidFill>
+                <a:latin typeface="Times New Roman" pitchFamily="18" charset="0"/>
+                <a:cs typeface="Times New Roman" pitchFamily="18" charset="0"/>
+              </a:rPr>
+              <a:t>0</a:t>
+            </a:r>
+            <a:endParaRPr lang="en-US" sz="1400" b="1" dirty="0">
+              <a:solidFill>
+                <a:srgbClr val="00B050"/>
+              </a:solidFill>
+              <a:latin typeface="Times New Roman" pitchFamily="18" charset="0"/>
+              <a:cs typeface="Times New Roman" pitchFamily="18" charset="0"/>
+            </a:endParaRPr>
+          </a:p>
+        </p:txBody>
+      </p:sp>
+      <p:sp>
+        <p:nvSpPr>
+          <p:cNvPr id="128" name="TextBox 127"/>
+          <p:cNvSpPr txBox="1"/>
+          <p:nvPr/>
+        </p:nvSpPr>
+        <p:spPr>
+          <a:xfrm>
+            <a:off x="4292600" y="2667000"/>
+            <a:ext cx="548640" cy="307777"/>
+          </a:xfrm>
+          <a:prstGeom prst="rect">
+            <a:avLst/>
+          </a:prstGeom>
+          <a:noFill/>
+        </p:spPr>
+        <p:txBody>
+          <a:bodyPr wrap="square" rtlCol="0">
+            <a:spAutoFit/>
+          </a:bodyPr>
+          <a:lstStyle/>
+          <a:p>
+            <a:pPr algn="ctr"/>
+            <a:r>
+              <a:rPr lang="en-US" sz="1400" b="1" dirty="0" smtClean="0">
+                <a:solidFill>
+                  <a:srgbClr val="00B050"/>
+                </a:solidFill>
+                <a:latin typeface="Times New Roman" pitchFamily="18" charset="0"/>
+                <a:cs typeface="Times New Roman" pitchFamily="18" charset="0"/>
+              </a:rPr>
+              <a:t>0</a:t>
+            </a:r>
+            <a:endParaRPr lang="en-US" sz="1400" b="1" dirty="0">
+              <a:solidFill>
+                <a:srgbClr val="00B050"/>
+              </a:solidFill>
+              <a:latin typeface="Times New Roman" pitchFamily="18" charset="0"/>
+              <a:cs typeface="Times New Roman" pitchFamily="18" charset="0"/>
+            </a:endParaRPr>
+          </a:p>
+        </p:txBody>
+      </p:sp>
+      <p:sp>
+        <p:nvSpPr>
+          <p:cNvPr id="129" name="TextBox 128"/>
+          <p:cNvSpPr txBox="1"/>
+          <p:nvPr/>
+        </p:nvSpPr>
+        <p:spPr>
+          <a:xfrm>
+            <a:off x="4292600" y="3225800"/>
+            <a:ext cx="548640" cy="307777"/>
+          </a:xfrm>
+          <a:prstGeom prst="rect">
+            <a:avLst/>
+          </a:prstGeom>
+          <a:noFill/>
+        </p:spPr>
+        <p:txBody>
+          <a:bodyPr wrap="square" rtlCol="0">
+            <a:spAutoFit/>
+          </a:bodyPr>
+          <a:lstStyle/>
+          <a:p>
+            <a:pPr algn="ctr"/>
+            <a:r>
+              <a:rPr lang="en-US" sz="1400" b="1" dirty="0" smtClean="0">
+                <a:solidFill>
+                  <a:srgbClr val="00B050"/>
+                </a:solidFill>
+                <a:latin typeface="Times New Roman" pitchFamily="18" charset="0"/>
+                <a:cs typeface="Times New Roman" pitchFamily="18" charset="0"/>
+              </a:rPr>
+              <a:t>90</a:t>
+            </a:r>
+            <a:endParaRPr lang="en-US" sz="1400" b="1" dirty="0">
+              <a:solidFill>
+                <a:srgbClr val="00B050"/>
+              </a:solidFill>
+              <a:latin typeface="Times New Roman" pitchFamily="18" charset="0"/>
+              <a:cs typeface="Times New Roman" pitchFamily="18" charset="0"/>
+            </a:endParaRPr>
+          </a:p>
+        </p:txBody>
+      </p:sp>
+      <p:sp>
+        <p:nvSpPr>
+          <p:cNvPr id="130" name="TextBox 129"/>
+          <p:cNvSpPr txBox="1"/>
+          <p:nvPr/>
+        </p:nvSpPr>
+        <p:spPr>
+          <a:xfrm>
+            <a:off x="4292600" y="3810000"/>
+            <a:ext cx="548640" cy="307777"/>
+          </a:xfrm>
+          <a:prstGeom prst="rect">
+            <a:avLst/>
+          </a:prstGeom>
+          <a:noFill/>
+        </p:spPr>
+        <p:txBody>
+          <a:bodyPr wrap="square" rtlCol="0">
+            <a:spAutoFit/>
+          </a:bodyPr>
+          <a:lstStyle/>
+          <a:p>
+            <a:pPr algn="ctr"/>
+            <a:r>
+              <a:rPr lang="en-US" sz="1400" b="1" dirty="0" smtClean="0">
+                <a:solidFill>
+                  <a:srgbClr val="00B050"/>
+                </a:solidFill>
+                <a:latin typeface="Times New Roman" pitchFamily="18" charset="0"/>
+                <a:cs typeface="Times New Roman" pitchFamily="18" charset="0"/>
+              </a:rPr>
+              <a:t>2</a:t>
+            </a:r>
+            <a:endParaRPr lang="en-US" sz="1400" b="1" dirty="0">
+              <a:solidFill>
+                <a:srgbClr val="00B050"/>
+              </a:solidFill>
+              <a:latin typeface="Times New Roman" pitchFamily="18" charset="0"/>
+              <a:cs typeface="Times New Roman" pitchFamily="18" charset="0"/>
+            </a:endParaRPr>
+          </a:p>
+        </p:txBody>
+      </p:sp>
+      <p:sp>
+        <p:nvSpPr>
+          <p:cNvPr id="131" name="TextBox 130"/>
+          <p:cNvSpPr txBox="1"/>
+          <p:nvPr/>
+        </p:nvSpPr>
+        <p:spPr>
+          <a:xfrm>
+            <a:off x="4292600" y="4343400"/>
+            <a:ext cx="548640" cy="307777"/>
+          </a:xfrm>
+          <a:prstGeom prst="rect">
+            <a:avLst/>
+          </a:prstGeom>
+          <a:noFill/>
+        </p:spPr>
+        <p:txBody>
+          <a:bodyPr wrap="square" rtlCol="0">
+            <a:spAutoFit/>
+          </a:bodyPr>
+          <a:lstStyle/>
+          <a:p>
+            <a:pPr algn="ctr"/>
+            <a:r>
+              <a:rPr lang="en-US" sz="1400" b="1" dirty="0" smtClean="0">
+                <a:solidFill>
+                  <a:srgbClr val="00B050"/>
+                </a:solidFill>
+                <a:latin typeface="Times New Roman" pitchFamily="18" charset="0"/>
+                <a:cs typeface="Times New Roman" pitchFamily="18" charset="0"/>
+              </a:rPr>
+              <a:t>1</a:t>
+            </a:r>
+            <a:endParaRPr lang="en-US" sz="1400" b="1" dirty="0">
+              <a:solidFill>
+                <a:srgbClr val="00B050"/>
+              </a:solidFill>
+              <a:latin typeface="Times New Roman" pitchFamily="18" charset="0"/>
+              <a:cs typeface="Times New Roman" pitchFamily="18" charset="0"/>
+            </a:endParaRPr>
+          </a:p>
+        </p:txBody>
+      </p:sp>
+      <p:sp>
+        <p:nvSpPr>
+          <p:cNvPr id="132" name="TextBox 131"/>
+          <p:cNvSpPr txBox="1"/>
+          <p:nvPr/>
+        </p:nvSpPr>
+        <p:spPr>
+          <a:xfrm>
+            <a:off x="4292600" y="4953000"/>
+            <a:ext cx="548640" cy="307777"/>
+          </a:xfrm>
+          <a:prstGeom prst="rect">
+            <a:avLst/>
+          </a:prstGeom>
+          <a:noFill/>
+        </p:spPr>
+        <p:txBody>
+          <a:bodyPr wrap="square" rtlCol="0">
+            <a:spAutoFit/>
+          </a:bodyPr>
+          <a:lstStyle/>
+          <a:p>
+            <a:pPr algn="ctr"/>
+            <a:r>
+              <a:rPr lang="en-US" sz="1400" b="1" dirty="0" smtClean="0">
+                <a:solidFill>
+                  <a:srgbClr val="00B050"/>
+                </a:solidFill>
+                <a:latin typeface="Times New Roman" pitchFamily="18" charset="0"/>
+                <a:cs typeface="Times New Roman" pitchFamily="18" charset="0"/>
+              </a:rPr>
+              <a:t>3</a:t>
+            </a:r>
+            <a:endParaRPr lang="en-US" sz="1400" b="1" dirty="0">
+              <a:solidFill>
+                <a:srgbClr val="00B050"/>
+              </a:solidFill>
+              <a:latin typeface="Times New Roman" pitchFamily="18" charset="0"/>
+              <a:cs typeface="Times New Roman" pitchFamily="18" charset="0"/>
+            </a:endParaRPr>
+          </a:p>
+        </p:txBody>
+      </p:sp>
+      <p:sp>
+        <p:nvSpPr>
+          <p:cNvPr id="133" name="TextBox 132"/>
+          <p:cNvSpPr txBox="1"/>
+          <p:nvPr/>
+        </p:nvSpPr>
+        <p:spPr>
+          <a:xfrm>
+            <a:off x="4876800" y="1600200"/>
+            <a:ext cx="548640" cy="523220"/>
+          </a:xfrm>
+          <a:prstGeom prst="rect">
+            <a:avLst/>
+          </a:prstGeom>
+          <a:noFill/>
+        </p:spPr>
+        <p:txBody>
+          <a:bodyPr wrap="square" rtlCol="0">
+            <a:spAutoFit/>
+          </a:bodyPr>
+          <a:lstStyle/>
+          <a:p>
+            <a:pPr algn="ctr"/>
+            <a:r>
+              <a:rPr lang="en-US" sz="1400" b="1" dirty="0" smtClean="0">
+                <a:solidFill>
+                  <a:srgbClr val="00B050"/>
+                </a:solidFill>
+                <a:latin typeface="Times New Roman" pitchFamily="18" charset="0"/>
+                <a:cs typeface="Times New Roman" pitchFamily="18" charset="0"/>
+              </a:rPr>
+              <a:t>2.17</a:t>
+            </a:r>
+            <a:endParaRPr lang="en-US" sz="1400" b="1" dirty="0">
+              <a:solidFill>
+                <a:srgbClr val="00B050"/>
+              </a:solidFill>
+              <a:latin typeface="Times New Roman" pitchFamily="18" charset="0"/>
+              <a:cs typeface="Times New Roman" pitchFamily="18" charset="0"/>
+            </a:endParaRPr>
+          </a:p>
+        </p:txBody>
+      </p:sp>
+      <p:sp>
+        <p:nvSpPr>
+          <p:cNvPr id="134" name="TextBox 133"/>
+          <p:cNvSpPr txBox="1"/>
+          <p:nvPr/>
+        </p:nvSpPr>
+        <p:spPr>
+          <a:xfrm>
+            <a:off x="4902200" y="2146300"/>
+            <a:ext cx="548640" cy="307777"/>
+          </a:xfrm>
+          <a:prstGeom prst="rect">
+            <a:avLst/>
+          </a:prstGeom>
+          <a:noFill/>
+        </p:spPr>
+        <p:txBody>
+          <a:bodyPr wrap="square" rtlCol="0">
+            <a:spAutoFit/>
+          </a:bodyPr>
+          <a:lstStyle/>
+          <a:p>
+            <a:pPr algn="ctr"/>
+            <a:r>
+              <a:rPr lang="en-US" sz="1400" b="1" dirty="0" smtClean="0">
+                <a:solidFill>
+                  <a:srgbClr val="00B050"/>
+                </a:solidFill>
+                <a:latin typeface="Times New Roman" pitchFamily="18" charset="0"/>
+                <a:cs typeface="Times New Roman" pitchFamily="18" charset="0"/>
+              </a:rPr>
+              <a:t>2</a:t>
+            </a:r>
+            <a:endParaRPr lang="en-US" sz="1400" b="1" dirty="0">
+              <a:solidFill>
+                <a:srgbClr val="00B050"/>
+              </a:solidFill>
+              <a:latin typeface="Times New Roman" pitchFamily="18" charset="0"/>
+              <a:cs typeface="Times New Roman" pitchFamily="18" charset="0"/>
+            </a:endParaRPr>
+          </a:p>
+        </p:txBody>
+      </p:sp>
+      <p:sp>
+        <p:nvSpPr>
+          <p:cNvPr id="135" name="TextBox 134"/>
+          <p:cNvSpPr txBox="1"/>
+          <p:nvPr/>
+        </p:nvSpPr>
+        <p:spPr>
+          <a:xfrm>
+            <a:off x="4902200" y="2679700"/>
+            <a:ext cx="548640" cy="307777"/>
+          </a:xfrm>
+          <a:prstGeom prst="rect">
+            <a:avLst/>
+          </a:prstGeom>
+          <a:noFill/>
+        </p:spPr>
+        <p:txBody>
+          <a:bodyPr wrap="square" rtlCol="0">
+            <a:spAutoFit/>
+          </a:bodyPr>
+          <a:lstStyle/>
+          <a:p>
+            <a:pPr algn="ctr"/>
+            <a:r>
+              <a:rPr lang="en-US" sz="1400" b="1" dirty="0" smtClean="0">
+                <a:solidFill>
+                  <a:srgbClr val="00B050"/>
+                </a:solidFill>
+                <a:latin typeface="Times New Roman" pitchFamily="18" charset="0"/>
+                <a:cs typeface="Times New Roman" pitchFamily="18" charset="0"/>
+              </a:rPr>
+              <a:t>0</a:t>
+            </a:r>
+            <a:endParaRPr lang="en-US" sz="1400" b="1" dirty="0">
+              <a:solidFill>
+                <a:srgbClr val="00B050"/>
+              </a:solidFill>
+              <a:latin typeface="Times New Roman" pitchFamily="18" charset="0"/>
+              <a:cs typeface="Times New Roman" pitchFamily="18" charset="0"/>
+            </a:endParaRPr>
+          </a:p>
+        </p:txBody>
+      </p:sp>
+      <p:sp>
+        <p:nvSpPr>
+          <p:cNvPr id="136" name="TextBox 135"/>
+          <p:cNvSpPr txBox="1"/>
+          <p:nvPr/>
+        </p:nvSpPr>
+        <p:spPr>
+          <a:xfrm>
+            <a:off x="4902200" y="3238500"/>
+            <a:ext cx="548640" cy="307777"/>
+          </a:xfrm>
+          <a:prstGeom prst="rect">
+            <a:avLst/>
+          </a:prstGeom>
+          <a:noFill/>
+        </p:spPr>
+        <p:txBody>
+          <a:bodyPr wrap="square" rtlCol="0">
+            <a:spAutoFit/>
+          </a:bodyPr>
+          <a:lstStyle/>
+          <a:p>
+            <a:pPr algn="ctr"/>
+            <a:r>
+              <a:rPr lang="en-US" sz="1400" b="1" dirty="0" smtClean="0">
+                <a:solidFill>
+                  <a:srgbClr val="00B050"/>
+                </a:solidFill>
+                <a:latin typeface="Times New Roman" pitchFamily="18" charset="0"/>
+                <a:cs typeface="Times New Roman" pitchFamily="18" charset="0"/>
+              </a:rPr>
+              <a:t>4</a:t>
+            </a:r>
+            <a:endParaRPr lang="en-US" sz="1400" b="1" dirty="0">
+              <a:solidFill>
+                <a:srgbClr val="00B050"/>
+              </a:solidFill>
+              <a:latin typeface="Times New Roman" pitchFamily="18" charset="0"/>
+              <a:cs typeface="Times New Roman" pitchFamily="18" charset="0"/>
+            </a:endParaRPr>
+          </a:p>
+        </p:txBody>
+      </p:sp>
+      <p:sp>
+        <p:nvSpPr>
+          <p:cNvPr id="137" name="TextBox 136"/>
+          <p:cNvSpPr txBox="1"/>
+          <p:nvPr/>
+        </p:nvSpPr>
+        <p:spPr>
+          <a:xfrm>
+            <a:off x="4902200" y="3822700"/>
+            <a:ext cx="548640" cy="307777"/>
+          </a:xfrm>
+          <a:prstGeom prst="rect">
+            <a:avLst/>
+          </a:prstGeom>
+          <a:noFill/>
+        </p:spPr>
+        <p:txBody>
+          <a:bodyPr wrap="square" rtlCol="0">
+            <a:spAutoFit/>
+          </a:bodyPr>
+          <a:lstStyle/>
+          <a:p>
+            <a:pPr algn="ctr"/>
+            <a:r>
+              <a:rPr lang="en-US" sz="1400" b="1" dirty="0" smtClean="0">
+                <a:solidFill>
+                  <a:srgbClr val="00B050"/>
+                </a:solidFill>
+                <a:latin typeface="Times New Roman" pitchFamily="18" charset="0"/>
+                <a:cs typeface="Times New Roman" pitchFamily="18" charset="0"/>
+              </a:rPr>
+              <a:t>80</a:t>
+            </a:r>
+            <a:endParaRPr lang="en-US" sz="1400" b="1" dirty="0">
+              <a:solidFill>
+                <a:srgbClr val="00B050"/>
+              </a:solidFill>
+              <a:latin typeface="Times New Roman" pitchFamily="18" charset="0"/>
+              <a:cs typeface="Times New Roman" pitchFamily="18" charset="0"/>
+            </a:endParaRPr>
+          </a:p>
+        </p:txBody>
+      </p:sp>
+      <p:sp>
+        <p:nvSpPr>
+          <p:cNvPr id="138" name="TextBox 137"/>
+          <p:cNvSpPr txBox="1"/>
+          <p:nvPr/>
+        </p:nvSpPr>
+        <p:spPr>
+          <a:xfrm>
+            <a:off x="4902200" y="4356100"/>
+            <a:ext cx="548640" cy="307777"/>
+          </a:xfrm>
+          <a:prstGeom prst="rect">
+            <a:avLst/>
+          </a:prstGeom>
+          <a:noFill/>
+        </p:spPr>
+        <p:txBody>
+          <a:bodyPr wrap="square" rtlCol="0">
+            <a:spAutoFit/>
+          </a:bodyPr>
+          <a:lstStyle/>
+          <a:p>
+            <a:pPr algn="ctr"/>
+            <a:r>
+              <a:rPr lang="en-US" sz="1400" b="1" dirty="0" smtClean="0">
+                <a:solidFill>
+                  <a:srgbClr val="00B050"/>
+                </a:solidFill>
+                <a:latin typeface="Times New Roman" pitchFamily="18" charset="0"/>
+                <a:cs typeface="Times New Roman" pitchFamily="18" charset="0"/>
+              </a:rPr>
+              <a:t>1</a:t>
+            </a:r>
+            <a:endParaRPr lang="en-US" sz="1400" b="1" dirty="0">
+              <a:solidFill>
+                <a:srgbClr val="00B050"/>
+              </a:solidFill>
+              <a:latin typeface="Times New Roman" pitchFamily="18" charset="0"/>
+              <a:cs typeface="Times New Roman" pitchFamily="18" charset="0"/>
+            </a:endParaRPr>
+          </a:p>
+        </p:txBody>
+      </p:sp>
+      <p:sp>
+        <p:nvSpPr>
+          <p:cNvPr id="139" name="TextBox 138"/>
+          <p:cNvSpPr txBox="1"/>
+          <p:nvPr/>
+        </p:nvSpPr>
+        <p:spPr>
+          <a:xfrm>
+            <a:off x="4902200" y="4965700"/>
+            <a:ext cx="548640" cy="307777"/>
+          </a:xfrm>
+          <a:prstGeom prst="rect">
+            <a:avLst/>
+          </a:prstGeom>
+          <a:noFill/>
+        </p:spPr>
+        <p:txBody>
+          <a:bodyPr wrap="square" rtlCol="0">
+            <a:spAutoFit/>
+          </a:bodyPr>
+          <a:lstStyle/>
+          <a:p>
+            <a:pPr algn="ctr"/>
+            <a:r>
+              <a:rPr lang="en-US" sz="1400" b="1" dirty="0" smtClean="0">
+                <a:solidFill>
+                  <a:srgbClr val="00B050"/>
+                </a:solidFill>
+                <a:latin typeface="Times New Roman" pitchFamily="18" charset="0"/>
+                <a:cs typeface="Times New Roman" pitchFamily="18" charset="0"/>
+              </a:rPr>
+              <a:t>6</a:t>
+            </a:r>
+            <a:endParaRPr lang="en-US" sz="1400" b="1" dirty="0">
+              <a:solidFill>
+                <a:srgbClr val="00B050"/>
+              </a:solidFill>
+              <a:latin typeface="Times New Roman" pitchFamily="18" charset="0"/>
+              <a:cs typeface="Times New Roman" pitchFamily="18" charset="0"/>
+            </a:endParaRPr>
+          </a:p>
+        </p:txBody>
+      </p:sp>
+      <p:sp>
+        <p:nvSpPr>
+          <p:cNvPr id="140" name="TextBox 139"/>
+          <p:cNvSpPr txBox="1"/>
+          <p:nvPr/>
+        </p:nvSpPr>
+        <p:spPr>
+          <a:xfrm>
+            <a:off x="5435600" y="1587500"/>
+            <a:ext cx="548640" cy="307777"/>
+          </a:xfrm>
+          <a:prstGeom prst="rect">
+            <a:avLst/>
+          </a:prstGeom>
+          <a:noFill/>
+        </p:spPr>
+        <p:txBody>
+          <a:bodyPr wrap="square" rtlCol="0">
+            <a:spAutoFit/>
+          </a:bodyPr>
+          <a:lstStyle/>
+          <a:p>
+            <a:pPr algn="ctr"/>
+            <a:r>
+              <a:rPr lang="en-US" sz="1400" b="1" dirty="0" smtClean="0">
+                <a:solidFill>
+                  <a:srgbClr val="00B050"/>
+                </a:solidFill>
+                <a:latin typeface="Times New Roman" pitchFamily="18" charset="0"/>
+                <a:cs typeface="Times New Roman" pitchFamily="18" charset="0"/>
+              </a:rPr>
+              <a:t>3.11</a:t>
+            </a:r>
+            <a:endParaRPr lang="en-US" sz="1400" b="1" dirty="0">
+              <a:solidFill>
+                <a:srgbClr val="00B050"/>
+              </a:solidFill>
+              <a:latin typeface="Times New Roman" pitchFamily="18" charset="0"/>
+              <a:cs typeface="Times New Roman" pitchFamily="18" charset="0"/>
+            </a:endParaRPr>
+          </a:p>
+        </p:txBody>
+      </p:sp>
+      <p:sp>
+        <p:nvSpPr>
+          <p:cNvPr id="141" name="TextBox 140"/>
+          <p:cNvSpPr txBox="1"/>
+          <p:nvPr/>
+        </p:nvSpPr>
+        <p:spPr>
+          <a:xfrm>
+            <a:off x="5461000" y="2133600"/>
+            <a:ext cx="548640" cy="307777"/>
+          </a:xfrm>
+          <a:prstGeom prst="rect">
+            <a:avLst/>
+          </a:prstGeom>
+          <a:noFill/>
+        </p:spPr>
+        <p:txBody>
+          <a:bodyPr wrap="square" rtlCol="0">
+            <a:spAutoFit/>
+          </a:bodyPr>
+          <a:lstStyle/>
+          <a:p>
+            <a:pPr algn="ctr"/>
+            <a:r>
+              <a:rPr lang="en-US" sz="1400" b="1" dirty="0" smtClean="0">
+                <a:solidFill>
+                  <a:srgbClr val="00B050"/>
+                </a:solidFill>
+                <a:latin typeface="Times New Roman" pitchFamily="18" charset="0"/>
+                <a:cs typeface="Times New Roman" pitchFamily="18" charset="0"/>
+              </a:rPr>
+              <a:t>0</a:t>
+            </a:r>
+            <a:endParaRPr lang="en-US" sz="1400" b="1" dirty="0">
+              <a:solidFill>
+                <a:srgbClr val="00B050"/>
+              </a:solidFill>
+              <a:latin typeface="Times New Roman" pitchFamily="18" charset="0"/>
+              <a:cs typeface="Times New Roman" pitchFamily="18" charset="0"/>
+            </a:endParaRPr>
+          </a:p>
+        </p:txBody>
+      </p:sp>
+      <p:sp>
+        <p:nvSpPr>
+          <p:cNvPr id="142" name="TextBox 141"/>
+          <p:cNvSpPr txBox="1"/>
+          <p:nvPr/>
+        </p:nvSpPr>
+        <p:spPr>
+          <a:xfrm>
+            <a:off x="5461000" y="2667000"/>
+            <a:ext cx="548640" cy="307777"/>
+          </a:xfrm>
+          <a:prstGeom prst="rect">
+            <a:avLst/>
+          </a:prstGeom>
+          <a:noFill/>
+        </p:spPr>
+        <p:txBody>
+          <a:bodyPr wrap="square" rtlCol="0">
+            <a:spAutoFit/>
+          </a:bodyPr>
+          <a:lstStyle/>
+          <a:p>
+            <a:pPr algn="ctr"/>
+            <a:r>
+              <a:rPr lang="en-US" sz="1400" b="1" dirty="0" smtClean="0">
+                <a:solidFill>
+                  <a:srgbClr val="00B050"/>
+                </a:solidFill>
+                <a:latin typeface="Times New Roman" pitchFamily="18" charset="0"/>
+                <a:cs typeface="Times New Roman" pitchFamily="18" charset="0"/>
+              </a:rPr>
+              <a:t>1</a:t>
+            </a:r>
+            <a:endParaRPr lang="en-US" sz="1400" b="1" dirty="0">
+              <a:solidFill>
+                <a:srgbClr val="00B050"/>
+              </a:solidFill>
+              <a:latin typeface="Times New Roman" pitchFamily="18" charset="0"/>
+              <a:cs typeface="Times New Roman" pitchFamily="18" charset="0"/>
+            </a:endParaRPr>
+          </a:p>
+        </p:txBody>
+      </p:sp>
+      <p:sp>
+        <p:nvSpPr>
+          <p:cNvPr id="143" name="TextBox 142"/>
+          <p:cNvSpPr txBox="1"/>
+          <p:nvPr/>
+        </p:nvSpPr>
+        <p:spPr>
+          <a:xfrm>
+            <a:off x="5461000" y="3225800"/>
+            <a:ext cx="548640" cy="307777"/>
+          </a:xfrm>
+          <a:prstGeom prst="rect">
+            <a:avLst/>
+          </a:prstGeom>
+          <a:noFill/>
+        </p:spPr>
+        <p:txBody>
+          <a:bodyPr wrap="square" rtlCol="0">
+            <a:spAutoFit/>
+          </a:bodyPr>
+          <a:lstStyle/>
+          <a:p>
+            <a:pPr algn="ctr"/>
+            <a:r>
+              <a:rPr lang="en-US" sz="1400" b="1" dirty="0" smtClean="0">
+                <a:solidFill>
+                  <a:srgbClr val="00B050"/>
+                </a:solidFill>
+                <a:latin typeface="Times New Roman" pitchFamily="18" charset="0"/>
+                <a:cs typeface="Times New Roman" pitchFamily="18" charset="0"/>
+              </a:rPr>
+              <a:t>6</a:t>
+            </a:r>
+            <a:endParaRPr lang="en-US" sz="1400" b="1" dirty="0">
+              <a:solidFill>
+                <a:srgbClr val="00B050"/>
+              </a:solidFill>
+              <a:latin typeface="Times New Roman" pitchFamily="18" charset="0"/>
+              <a:cs typeface="Times New Roman" pitchFamily="18" charset="0"/>
+            </a:endParaRPr>
+          </a:p>
+        </p:txBody>
+      </p:sp>
+      <p:sp>
+        <p:nvSpPr>
+          <p:cNvPr id="144" name="TextBox 143"/>
+          <p:cNvSpPr txBox="1"/>
+          <p:nvPr/>
+        </p:nvSpPr>
+        <p:spPr>
+          <a:xfrm>
+            <a:off x="5461000" y="3810000"/>
+            <a:ext cx="548640" cy="307777"/>
+          </a:xfrm>
+          <a:prstGeom prst="rect">
+            <a:avLst/>
+          </a:prstGeom>
+          <a:noFill/>
+        </p:spPr>
+        <p:txBody>
+          <a:bodyPr wrap="square" rtlCol="0">
+            <a:spAutoFit/>
+          </a:bodyPr>
+          <a:lstStyle/>
+          <a:p>
+            <a:pPr algn="ctr"/>
+            <a:r>
+              <a:rPr lang="en-US" sz="1400" b="1" dirty="0" smtClean="0">
+                <a:solidFill>
+                  <a:srgbClr val="00B050"/>
+                </a:solidFill>
+                <a:latin typeface="Times New Roman" pitchFamily="18" charset="0"/>
+                <a:cs typeface="Times New Roman" pitchFamily="18" charset="0"/>
+              </a:rPr>
+              <a:t>10</a:t>
+            </a:r>
+            <a:endParaRPr lang="en-US" sz="1400" b="1" dirty="0">
+              <a:solidFill>
+                <a:srgbClr val="00B050"/>
+              </a:solidFill>
+              <a:latin typeface="Times New Roman" pitchFamily="18" charset="0"/>
+              <a:cs typeface="Times New Roman" pitchFamily="18" charset="0"/>
+            </a:endParaRPr>
+          </a:p>
+        </p:txBody>
+      </p:sp>
+      <p:sp>
+        <p:nvSpPr>
+          <p:cNvPr id="145" name="TextBox 144"/>
+          <p:cNvSpPr txBox="1"/>
+          <p:nvPr/>
+        </p:nvSpPr>
+        <p:spPr>
+          <a:xfrm>
+            <a:off x="5461000" y="4343400"/>
+            <a:ext cx="548640" cy="307777"/>
+          </a:xfrm>
+          <a:prstGeom prst="rect">
+            <a:avLst/>
+          </a:prstGeom>
+          <a:noFill/>
+        </p:spPr>
+        <p:txBody>
+          <a:bodyPr wrap="square" rtlCol="0">
+            <a:spAutoFit/>
+          </a:bodyPr>
+          <a:lstStyle/>
+          <a:p>
+            <a:pPr algn="ctr"/>
+            <a:r>
+              <a:rPr lang="en-US" sz="1400" b="1" dirty="0" smtClean="0">
+                <a:solidFill>
+                  <a:srgbClr val="00B050"/>
+                </a:solidFill>
+                <a:latin typeface="Times New Roman" pitchFamily="18" charset="0"/>
+                <a:cs typeface="Times New Roman" pitchFamily="18" charset="0"/>
+              </a:rPr>
+              <a:t>87</a:t>
+            </a:r>
+            <a:endParaRPr lang="en-US" sz="1400" b="1" dirty="0">
+              <a:solidFill>
+                <a:srgbClr val="00B050"/>
+              </a:solidFill>
+              <a:latin typeface="Times New Roman" pitchFamily="18" charset="0"/>
+              <a:cs typeface="Times New Roman" pitchFamily="18" charset="0"/>
+            </a:endParaRPr>
+          </a:p>
+        </p:txBody>
+      </p:sp>
+      <p:sp>
+        <p:nvSpPr>
+          <p:cNvPr id="146" name="TextBox 145"/>
+          <p:cNvSpPr txBox="1"/>
+          <p:nvPr/>
+        </p:nvSpPr>
+        <p:spPr>
+          <a:xfrm>
+            <a:off x="5461000" y="4953000"/>
+            <a:ext cx="548640" cy="307777"/>
+          </a:xfrm>
+          <a:prstGeom prst="rect">
+            <a:avLst/>
+          </a:prstGeom>
+          <a:noFill/>
+        </p:spPr>
+        <p:txBody>
+          <a:bodyPr wrap="square" rtlCol="0">
+            <a:spAutoFit/>
+          </a:bodyPr>
+          <a:lstStyle/>
+          <a:p>
+            <a:pPr algn="ctr"/>
+            <a:r>
+              <a:rPr lang="en-US" sz="1400" b="1" dirty="0" smtClean="0">
+                <a:solidFill>
+                  <a:srgbClr val="00B050"/>
+                </a:solidFill>
+                <a:latin typeface="Times New Roman" pitchFamily="18" charset="0"/>
+                <a:cs typeface="Times New Roman" pitchFamily="18" charset="0"/>
+              </a:rPr>
+              <a:t>1</a:t>
+            </a:r>
+            <a:endParaRPr lang="en-US" sz="1400" b="1" dirty="0">
+              <a:solidFill>
+                <a:srgbClr val="00B050"/>
+              </a:solidFill>
+              <a:latin typeface="Times New Roman" pitchFamily="18" charset="0"/>
+              <a:cs typeface="Times New Roman" pitchFamily="18" charset="0"/>
+            </a:endParaRPr>
+          </a:p>
+        </p:txBody>
+      </p:sp>
+      <p:sp>
+        <p:nvSpPr>
+          <p:cNvPr id="147" name="TextBox 146"/>
+          <p:cNvSpPr txBox="1"/>
+          <p:nvPr/>
+        </p:nvSpPr>
+        <p:spPr>
+          <a:xfrm>
+            <a:off x="6019800" y="1587500"/>
+            <a:ext cx="548640" cy="307777"/>
+          </a:xfrm>
+          <a:prstGeom prst="rect">
+            <a:avLst/>
+          </a:prstGeom>
+          <a:noFill/>
+        </p:spPr>
+        <p:txBody>
+          <a:bodyPr wrap="square" rtlCol="0">
+            <a:spAutoFit/>
+          </a:bodyPr>
+          <a:lstStyle/>
+          <a:p>
+            <a:pPr algn="ctr"/>
+            <a:r>
+              <a:rPr lang="en-US" sz="1400" b="1" dirty="0" smtClean="0">
+                <a:solidFill>
+                  <a:srgbClr val="00B050"/>
+                </a:solidFill>
+                <a:latin typeface="Times New Roman" pitchFamily="18" charset="0"/>
+                <a:cs typeface="Times New Roman" pitchFamily="18" charset="0"/>
+              </a:rPr>
+              <a:t>2.68</a:t>
+            </a:r>
+            <a:endParaRPr lang="en-US" sz="1400" b="1" dirty="0">
+              <a:solidFill>
+                <a:srgbClr val="00B050"/>
+              </a:solidFill>
+              <a:latin typeface="Times New Roman" pitchFamily="18" charset="0"/>
+              <a:cs typeface="Times New Roman" pitchFamily="18" charset="0"/>
+            </a:endParaRPr>
+          </a:p>
+        </p:txBody>
+      </p:sp>
+      <p:sp>
+        <p:nvSpPr>
+          <p:cNvPr id="148" name="TextBox 147"/>
+          <p:cNvSpPr txBox="1"/>
+          <p:nvPr/>
+        </p:nvSpPr>
+        <p:spPr>
+          <a:xfrm>
+            <a:off x="6045200" y="2133600"/>
+            <a:ext cx="548640" cy="307777"/>
+          </a:xfrm>
+          <a:prstGeom prst="rect">
+            <a:avLst/>
+          </a:prstGeom>
+          <a:noFill/>
+        </p:spPr>
+        <p:txBody>
+          <a:bodyPr wrap="square" rtlCol="0">
+            <a:spAutoFit/>
+          </a:bodyPr>
+          <a:lstStyle/>
+          <a:p>
+            <a:pPr algn="ctr"/>
+            <a:r>
+              <a:rPr lang="en-US" sz="1400" b="1" dirty="0" smtClean="0">
+                <a:solidFill>
+                  <a:srgbClr val="00B050"/>
+                </a:solidFill>
+                <a:latin typeface="Times New Roman" pitchFamily="18" charset="0"/>
+                <a:cs typeface="Times New Roman" pitchFamily="18" charset="0"/>
+              </a:rPr>
+              <a:t>1</a:t>
+            </a:r>
+            <a:endParaRPr lang="en-US" sz="1400" b="1" dirty="0">
+              <a:solidFill>
+                <a:srgbClr val="00B050"/>
+              </a:solidFill>
+              <a:latin typeface="Times New Roman" pitchFamily="18" charset="0"/>
+              <a:cs typeface="Times New Roman" pitchFamily="18" charset="0"/>
+            </a:endParaRPr>
+          </a:p>
+        </p:txBody>
+      </p:sp>
+      <p:sp>
+        <p:nvSpPr>
+          <p:cNvPr id="149" name="TextBox 148"/>
+          <p:cNvSpPr txBox="1"/>
+          <p:nvPr/>
+        </p:nvSpPr>
+        <p:spPr>
+          <a:xfrm>
+            <a:off x="6045200" y="2667000"/>
+            <a:ext cx="548640" cy="307777"/>
+          </a:xfrm>
+          <a:prstGeom prst="rect">
+            <a:avLst/>
+          </a:prstGeom>
+          <a:noFill/>
+        </p:spPr>
+        <p:txBody>
+          <a:bodyPr wrap="square" rtlCol="0">
+            <a:spAutoFit/>
+          </a:bodyPr>
+          <a:lstStyle/>
+          <a:p>
+            <a:pPr algn="ctr"/>
+            <a:r>
+              <a:rPr lang="en-US" sz="1400" b="1" dirty="0" smtClean="0">
+                <a:solidFill>
+                  <a:srgbClr val="00B050"/>
+                </a:solidFill>
+                <a:latin typeface="Times New Roman" pitchFamily="18" charset="0"/>
+                <a:cs typeface="Times New Roman" pitchFamily="18" charset="0"/>
+              </a:rPr>
+              <a:t>0</a:t>
+            </a:r>
+            <a:endParaRPr lang="en-US" sz="1400" b="1" dirty="0">
+              <a:solidFill>
+                <a:srgbClr val="00B050"/>
+              </a:solidFill>
+              <a:latin typeface="Times New Roman" pitchFamily="18" charset="0"/>
+              <a:cs typeface="Times New Roman" pitchFamily="18" charset="0"/>
+            </a:endParaRPr>
+          </a:p>
+        </p:txBody>
+      </p:sp>
+      <p:sp>
+        <p:nvSpPr>
+          <p:cNvPr id="150" name="TextBox 149"/>
+          <p:cNvSpPr txBox="1"/>
+          <p:nvPr/>
+        </p:nvSpPr>
+        <p:spPr>
+          <a:xfrm>
+            <a:off x="6045200" y="3225800"/>
+            <a:ext cx="548640" cy="307777"/>
+          </a:xfrm>
+          <a:prstGeom prst="rect">
+            <a:avLst/>
+          </a:prstGeom>
+          <a:noFill/>
+        </p:spPr>
+        <p:txBody>
+          <a:bodyPr wrap="square" rtlCol="0">
+            <a:spAutoFit/>
+          </a:bodyPr>
+          <a:lstStyle/>
+          <a:p>
+            <a:pPr algn="ctr"/>
+            <a:r>
+              <a:rPr lang="en-US" sz="1400" b="1" dirty="0" smtClean="0">
+                <a:solidFill>
+                  <a:srgbClr val="00B050"/>
+                </a:solidFill>
+                <a:latin typeface="Times New Roman" pitchFamily="18" charset="0"/>
+                <a:cs typeface="Times New Roman" pitchFamily="18" charset="0"/>
+              </a:rPr>
+              <a:t>0</a:t>
+            </a:r>
+            <a:endParaRPr lang="en-US" sz="1400" b="1" dirty="0">
+              <a:solidFill>
+                <a:srgbClr val="00B050"/>
+              </a:solidFill>
+              <a:latin typeface="Times New Roman" pitchFamily="18" charset="0"/>
+              <a:cs typeface="Times New Roman" pitchFamily="18" charset="0"/>
+            </a:endParaRPr>
+          </a:p>
+        </p:txBody>
+      </p:sp>
+      <p:sp>
+        <p:nvSpPr>
+          <p:cNvPr id="151" name="TextBox 150"/>
+          <p:cNvSpPr txBox="1"/>
+          <p:nvPr/>
+        </p:nvSpPr>
+        <p:spPr>
+          <a:xfrm>
+            <a:off x="6045200" y="3810000"/>
+            <a:ext cx="548640" cy="307777"/>
+          </a:xfrm>
+          <a:prstGeom prst="rect">
+            <a:avLst/>
+          </a:prstGeom>
+          <a:noFill/>
+        </p:spPr>
+        <p:txBody>
+          <a:bodyPr wrap="square" rtlCol="0">
+            <a:spAutoFit/>
+          </a:bodyPr>
+          <a:lstStyle/>
+          <a:p>
+            <a:pPr algn="ctr"/>
+            <a:r>
+              <a:rPr lang="en-US" sz="1400" b="1" dirty="0" smtClean="0">
+                <a:solidFill>
+                  <a:srgbClr val="00B050"/>
+                </a:solidFill>
+                <a:latin typeface="Times New Roman" pitchFamily="18" charset="0"/>
+                <a:cs typeface="Times New Roman" pitchFamily="18" charset="0"/>
+              </a:rPr>
+              <a:t>3</a:t>
+            </a:r>
+            <a:endParaRPr lang="en-US" sz="1400" b="1" dirty="0">
+              <a:solidFill>
+                <a:srgbClr val="00B050"/>
+              </a:solidFill>
+              <a:latin typeface="Times New Roman" pitchFamily="18" charset="0"/>
+              <a:cs typeface="Times New Roman" pitchFamily="18" charset="0"/>
+            </a:endParaRPr>
+          </a:p>
+        </p:txBody>
+      </p:sp>
+      <p:sp>
+        <p:nvSpPr>
+          <p:cNvPr id="152" name="TextBox 151"/>
+          <p:cNvSpPr txBox="1"/>
+          <p:nvPr/>
+        </p:nvSpPr>
+        <p:spPr>
+          <a:xfrm>
+            <a:off x="6045200" y="4343400"/>
+            <a:ext cx="548640" cy="307777"/>
+          </a:xfrm>
+          <a:prstGeom prst="rect">
+            <a:avLst/>
+          </a:prstGeom>
+          <a:noFill/>
+        </p:spPr>
+        <p:txBody>
+          <a:bodyPr wrap="square" rtlCol="0">
+            <a:spAutoFit/>
+          </a:bodyPr>
+          <a:lstStyle/>
+          <a:p>
+            <a:pPr algn="ctr"/>
+            <a:r>
+              <a:rPr lang="en-US" sz="1400" b="1" dirty="0" smtClean="0">
+                <a:solidFill>
+                  <a:srgbClr val="00B050"/>
+                </a:solidFill>
+                <a:latin typeface="Times New Roman" pitchFamily="18" charset="0"/>
+                <a:cs typeface="Times New Roman" pitchFamily="18" charset="0"/>
+              </a:rPr>
+              <a:t>1</a:t>
+            </a:r>
+            <a:endParaRPr lang="en-US" sz="1400" b="1" dirty="0">
+              <a:solidFill>
+                <a:srgbClr val="00B050"/>
+              </a:solidFill>
+              <a:latin typeface="Times New Roman" pitchFamily="18" charset="0"/>
+              <a:cs typeface="Times New Roman" pitchFamily="18" charset="0"/>
+            </a:endParaRPr>
+          </a:p>
+        </p:txBody>
+      </p:sp>
+      <p:sp>
+        <p:nvSpPr>
+          <p:cNvPr id="153" name="TextBox 152"/>
+          <p:cNvSpPr txBox="1"/>
+          <p:nvPr/>
+        </p:nvSpPr>
+        <p:spPr>
+          <a:xfrm>
+            <a:off x="6045200" y="4953000"/>
+            <a:ext cx="548640" cy="307777"/>
+          </a:xfrm>
+          <a:prstGeom prst="rect">
+            <a:avLst/>
+          </a:prstGeom>
+          <a:noFill/>
+        </p:spPr>
+        <p:txBody>
+          <a:bodyPr wrap="square" rtlCol="0">
+            <a:spAutoFit/>
+          </a:bodyPr>
+          <a:lstStyle/>
+          <a:p>
+            <a:pPr algn="ctr"/>
+            <a:r>
+              <a:rPr lang="en-US" sz="1400" b="1" dirty="0" smtClean="0">
+                <a:solidFill>
+                  <a:srgbClr val="00B050"/>
+                </a:solidFill>
+                <a:latin typeface="Times New Roman" pitchFamily="18" charset="0"/>
+                <a:cs typeface="Times New Roman" pitchFamily="18" charset="0"/>
+              </a:rPr>
+              <a:t>87</a:t>
+            </a:r>
+            <a:endParaRPr lang="en-US" sz="1400" b="1" dirty="0">
+              <a:solidFill>
+                <a:srgbClr val="00B050"/>
+              </a:solidFill>
+              <a:latin typeface="Times New Roman" pitchFamily="18" charset="0"/>
+              <a:cs typeface="Times New Roman" pitchFamily="18" charset="0"/>
+            </a:endParaRPr>
+          </a:p>
+        </p:txBody>
+      </p:sp>
+    </p:spTree>
+  </p:cSld>
+  <p:clrMapOvr>
+    <a:masterClrMapping/>
+  </p:clrMapOvr>
+</p:sld>
 </file>
 
 <file path=ppt/theme/theme1.xml><?xml version="1.0" encoding="utf-8"?>

--- a/trunk/ haptic-glove --username sreekar/Results/Results.pptx
+++ b/trunk/ haptic-glove --username sreekar/Results/Results.pptx
@@ -5264,18 +5264,18 @@
           <a:p>
             <a:pPr algn="ctr"/>
             <a:r>
-              <a:rPr lang="en-US" sz="1400" b="1" dirty="0" smtClean="0">
-                <a:solidFill>
-                  <a:srgbClr val="00B050"/>
+              <a:rPr lang="en-US" sz="1400" dirty="0" smtClean="0">
+                <a:solidFill>
+                  <a:srgbClr val="7030A0"/>
                 </a:solidFill>
                 <a:latin typeface="Times New Roman" pitchFamily="18" charset="0"/>
                 <a:cs typeface="Times New Roman" pitchFamily="18" charset="0"/>
               </a:rPr>
               <a:t>2.3</a:t>
             </a:r>
-            <a:endParaRPr lang="en-US" sz="1400" b="1" dirty="0">
-              <a:solidFill>
-                <a:srgbClr val="00B050"/>
+            <a:endParaRPr lang="en-US" sz="1400" dirty="0">
+              <a:solidFill>
+                <a:srgbClr val="7030A0"/>
               </a:solidFill>
               <a:latin typeface="Times New Roman" pitchFamily="18" charset="0"/>
               <a:cs typeface="Times New Roman" pitchFamily="18" charset="0"/>
@@ -5307,18 +5307,18 @@
           <a:p>
             <a:pPr algn="ctr"/>
             <a:r>
-              <a:rPr lang="en-US" sz="1400" b="1" dirty="0" smtClean="0">
-                <a:solidFill>
-                  <a:srgbClr val="00B050"/>
+              <a:rPr lang="en-US" sz="1400" dirty="0" smtClean="0">
+                <a:solidFill>
+                  <a:srgbClr val="7030A0"/>
                 </a:solidFill>
                 <a:latin typeface="Times New Roman" pitchFamily="18" charset="0"/>
                 <a:cs typeface="Times New Roman" pitchFamily="18" charset="0"/>
               </a:rPr>
               <a:t>0</a:t>
             </a:r>
-            <a:endParaRPr lang="en-US" sz="1400" b="1" dirty="0">
-              <a:solidFill>
-                <a:srgbClr val="00B050"/>
+            <a:endParaRPr lang="en-US" sz="1400" dirty="0">
+              <a:solidFill>
+                <a:srgbClr val="7030A0"/>
               </a:solidFill>
               <a:latin typeface="Times New Roman" pitchFamily="18" charset="0"/>
               <a:cs typeface="Times New Roman" pitchFamily="18" charset="0"/>
@@ -5350,18 +5350,18 @@
           <a:p>
             <a:pPr algn="ctr"/>
             <a:r>
-              <a:rPr lang="en-US" sz="1400" b="1" dirty="0" smtClean="0">
-                <a:solidFill>
-                  <a:srgbClr val="00B050"/>
+              <a:rPr lang="en-US" sz="1400" dirty="0" smtClean="0">
+                <a:solidFill>
+                  <a:srgbClr val="7030A0"/>
                 </a:solidFill>
                 <a:latin typeface="Times New Roman" pitchFamily="18" charset="0"/>
                 <a:cs typeface="Times New Roman" pitchFamily="18" charset="0"/>
               </a:rPr>
               <a:t>0</a:t>
             </a:r>
-            <a:endParaRPr lang="en-US" sz="1400" b="1" dirty="0">
-              <a:solidFill>
-                <a:srgbClr val="00B050"/>
+            <a:endParaRPr lang="en-US" sz="1400" dirty="0">
+              <a:solidFill>
+                <a:srgbClr val="7030A0"/>
               </a:solidFill>
               <a:latin typeface="Times New Roman" pitchFamily="18" charset="0"/>
               <a:cs typeface="Times New Roman" pitchFamily="18" charset="0"/>
@@ -5393,18 +5393,18 @@
           <a:p>
             <a:pPr algn="ctr"/>
             <a:r>
-              <a:rPr lang="en-US" sz="1400" b="1" dirty="0" smtClean="0">
-                <a:solidFill>
-                  <a:srgbClr val="00B050"/>
-                </a:solidFill>
-                <a:latin typeface="Times New Roman" pitchFamily="18" charset="0"/>
-                <a:cs typeface="Times New Roman" pitchFamily="18" charset="0"/>
-              </a:rPr>
-              <a:t>0</a:t>
-            </a:r>
-            <a:endParaRPr lang="en-US" sz="1400" b="1" dirty="0">
-              <a:solidFill>
-                <a:srgbClr val="00B050"/>
+              <a:rPr lang="en-US" sz="1400" dirty="0" smtClean="0">
+                <a:solidFill>
+                  <a:srgbClr val="7030A0"/>
+                </a:solidFill>
+                <a:latin typeface="Times New Roman" pitchFamily="18" charset="0"/>
+                <a:cs typeface="Times New Roman" pitchFamily="18" charset="0"/>
+              </a:rPr>
+              <a:t>4.45</a:t>
+            </a:r>
+            <a:endParaRPr lang="en-US" sz="1400" dirty="0">
+              <a:solidFill>
+                <a:srgbClr val="7030A0"/>
               </a:solidFill>
               <a:latin typeface="Times New Roman" pitchFamily="18" charset="0"/>
               <a:cs typeface="Times New Roman" pitchFamily="18" charset="0"/>
@@ -5436,18 +5436,18 @@
           <a:p>
             <a:pPr algn="ctr"/>
             <a:r>
-              <a:rPr lang="en-US" sz="1400" b="1" dirty="0" smtClean="0">
-                <a:solidFill>
-                  <a:srgbClr val="00B050"/>
-                </a:solidFill>
-                <a:latin typeface="Times New Roman" pitchFamily="18" charset="0"/>
-                <a:cs typeface="Times New Roman" pitchFamily="18" charset="0"/>
-              </a:rPr>
-              <a:t>6</a:t>
-            </a:r>
-            <a:endParaRPr lang="en-US" sz="1400" b="1" dirty="0">
-              <a:solidFill>
-                <a:srgbClr val="00B050"/>
+              <a:rPr lang="en-US" sz="1400" dirty="0" smtClean="0">
+                <a:solidFill>
+                  <a:srgbClr val="7030A0"/>
+                </a:solidFill>
+                <a:latin typeface="Times New Roman" pitchFamily="18" charset="0"/>
+                <a:cs typeface="Times New Roman" pitchFamily="18" charset="0"/>
+              </a:rPr>
+              <a:t>0</a:t>
+            </a:r>
+            <a:endParaRPr lang="en-US" sz="1400" dirty="0">
+              <a:solidFill>
+                <a:srgbClr val="7030A0"/>
               </a:solidFill>
               <a:latin typeface="Times New Roman" pitchFamily="18" charset="0"/>
               <a:cs typeface="Times New Roman" pitchFamily="18" charset="0"/>
@@ -5479,18 +5479,18 @@
           <a:p>
             <a:pPr algn="ctr"/>
             <a:r>
-              <a:rPr lang="en-US" sz="1400" b="1" dirty="0" smtClean="0">
-                <a:solidFill>
-                  <a:srgbClr val="00B050"/>
-                </a:solidFill>
-                <a:latin typeface="Times New Roman" pitchFamily="18" charset="0"/>
-                <a:cs typeface="Times New Roman" pitchFamily="18" charset="0"/>
-              </a:rPr>
-              <a:t>9</a:t>
-            </a:r>
-            <a:endParaRPr lang="en-US" sz="1400" b="1" dirty="0">
-              <a:solidFill>
-                <a:srgbClr val="00B050"/>
+              <a:rPr lang="en-US" sz="1400" dirty="0" smtClean="0">
+                <a:solidFill>
+                  <a:srgbClr val="7030A0"/>
+                </a:solidFill>
+                <a:latin typeface="Times New Roman" pitchFamily="18" charset="0"/>
+                <a:cs typeface="Times New Roman" pitchFamily="18" charset="0"/>
+              </a:rPr>
+              <a:t>3</a:t>
+            </a:r>
+            <a:endParaRPr lang="en-US" sz="1400" dirty="0">
+              <a:solidFill>
+                <a:srgbClr val="7030A0"/>
               </a:solidFill>
               <a:latin typeface="Times New Roman" pitchFamily="18" charset="0"/>
               <a:cs typeface="Times New Roman" pitchFamily="18" charset="0"/>
@@ -5522,18 +5522,18 @@
           <a:p>
             <a:pPr algn="ctr"/>
             <a:r>
-              <a:rPr lang="en-US" sz="1400" b="1" dirty="0" smtClean="0">
-                <a:solidFill>
-                  <a:srgbClr val="00B050"/>
-                </a:solidFill>
-                <a:latin typeface="Times New Roman" pitchFamily="18" charset="0"/>
-                <a:cs typeface="Times New Roman" pitchFamily="18" charset="0"/>
-              </a:rPr>
-              <a:t>2</a:t>
-            </a:r>
-            <a:endParaRPr lang="en-US" sz="1400" b="1" dirty="0">
-              <a:solidFill>
-                <a:srgbClr val="00B050"/>
+              <a:rPr lang="en-US" sz="1400" dirty="0" smtClean="0">
+                <a:solidFill>
+                  <a:srgbClr val="7030A0"/>
+                </a:solidFill>
+                <a:latin typeface="Times New Roman" pitchFamily="18" charset="0"/>
+                <a:cs typeface="Times New Roman" pitchFamily="18" charset="0"/>
+              </a:rPr>
+              <a:t>0</a:t>
+            </a:r>
+            <a:endParaRPr lang="en-US" sz="1400" dirty="0">
+              <a:solidFill>
+                <a:srgbClr val="7030A0"/>
               </a:solidFill>
               <a:latin typeface="Times New Roman" pitchFamily="18" charset="0"/>
               <a:cs typeface="Times New Roman" pitchFamily="18" charset="0"/>
@@ -5565,18 +5565,18 @@
           <a:p>
             <a:pPr algn="ctr"/>
             <a:r>
-              <a:rPr lang="en-US" sz="1400" b="1" dirty="0" smtClean="0">
-                <a:solidFill>
-                  <a:srgbClr val="00B050"/>
+              <a:rPr lang="en-US" sz="1400" dirty="0" smtClean="0">
+                <a:solidFill>
+                  <a:srgbClr val="7030A0"/>
                 </a:solidFill>
                 <a:latin typeface="Times New Roman" pitchFamily="18" charset="0"/>
                 <a:cs typeface="Times New Roman" pitchFamily="18" charset="0"/>
               </a:rPr>
               <a:t>0</a:t>
             </a:r>
-            <a:endParaRPr lang="en-US" sz="1400" b="1" dirty="0">
-              <a:solidFill>
-                <a:srgbClr val="00B050"/>
+            <a:endParaRPr lang="en-US" sz="1400" dirty="0">
+              <a:solidFill>
+                <a:srgbClr val="7030A0"/>
               </a:solidFill>
               <a:latin typeface="Times New Roman" pitchFamily="18" charset="0"/>
               <a:cs typeface="Times New Roman" pitchFamily="18" charset="0"/>
@@ -5608,18 +5608,18 @@
           <a:p>
             <a:pPr algn="ctr"/>
             <a:r>
-              <a:rPr lang="en-US" sz="1400" b="1" dirty="0" smtClean="0">
-                <a:solidFill>
-                  <a:srgbClr val="00B050"/>
-                </a:solidFill>
-                <a:latin typeface="Times New Roman" pitchFamily="18" charset="0"/>
-                <a:cs typeface="Times New Roman" pitchFamily="18" charset="0"/>
-              </a:rPr>
-              <a:t>96</a:t>
-            </a:r>
-            <a:endParaRPr lang="en-US" sz="1400" b="1" dirty="0">
-              <a:solidFill>
-                <a:srgbClr val="00B050"/>
+              <a:rPr lang="en-US" sz="1400" dirty="0" smtClean="0">
+                <a:solidFill>
+                  <a:srgbClr val="7030A0"/>
+                </a:solidFill>
+                <a:latin typeface="Times New Roman" pitchFamily="18" charset="0"/>
+                <a:cs typeface="Times New Roman" pitchFamily="18" charset="0"/>
+              </a:rPr>
+              <a:t>1.9</a:t>
+            </a:r>
+            <a:endParaRPr lang="en-US" sz="1400" dirty="0">
+              <a:solidFill>
+                <a:srgbClr val="7030A0"/>
               </a:solidFill>
               <a:latin typeface="Times New Roman" pitchFamily="18" charset="0"/>
               <a:cs typeface="Times New Roman" pitchFamily="18" charset="0"/>
@@ -5651,18 +5651,18 @@
           <a:p>
             <a:pPr algn="ctr"/>
             <a:r>
-              <a:rPr lang="en-US" sz="1400" b="1" dirty="0" smtClean="0">
-                <a:solidFill>
-                  <a:srgbClr val="00B050"/>
-                </a:solidFill>
-                <a:latin typeface="Times New Roman" pitchFamily="18" charset="0"/>
-                <a:cs typeface="Times New Roman" pitchFamily="18" charset="0"/>
-              </a:rPr>
-              <a:t>1</a:t>
-            </a:r>
-            <a:endParaRPr lang="en-US" sz="1400" b="1" dirty="0">
-              <a:solidFill>
-                <a:srgbClr val="00B050"/>
+              <a:rPr lang="en-US" sz="1400" dirty="0" smtClean="0">
+                <a:solidFill>
+                  <a:srgbClr val="7030A0"/>
+                </a:solidFill>
+                <a:latin typeface="Times New Roman" pitchFamily="18" charset="0"/>
+                <a:cs typeface="Times New Roman" pitchFamily="18" charset="0"/>
+              </a:rPr>
+              <a:t>1.5</a:t>
+            </a:r>
+            <a:endParaRPr lang="en-US" sz="1400" dirty="0">
+              <a:solidFill>
+                <a:srgbClr val="7030A0"/>
               </a:solidFill>
               <a:latin typeface="Times New Roman" pitchFamily="18" charset="0"/>
               <a:cs typeface="Times New Roman" pitchFamily="18" charset="0"/>
@@ -5694,18 +5694,18 @@
           <a:p>
             <a:pPr algn="ctr"/>
             <a:r>
-              <a:rPr lang="en-US" sz="1400" b="1" dirty="0" smtClean="0">
-                <a:solidFill>
-                  <a:srgbClr val="00B050"/>
+              <a:rPr lang="en-US" sz="1400" dirty="0" smtClean="0">
+                <a:solidFill>
+                  <a:srgbClr val="7030A0"/>
                 </a:solidFill>
                 <a:latin typeface="Times New Roman" pitchFamily="18" charset="0"/>
                 <a:cs typeface="Times New Roman" pitchFamily="18" charset="0"/>
               </a:rPr>
               <a:t>0</a:t>
             </a:r>
-            <a:endParaRPr lang="en-US" sz="1400" b="1" dirty="0">
-              <a:solidFill>
-                <a:srgbClr val="00B050"/>
+            <a:endParaRPr lang="en-US" sz="1400" dirty="0">
+              <a:solidFill>
+                <a:srgbClr val="7030A0"/>
               </a:solidFill>
               <a:latin typeface="Times New Roman" pitchFamily="18" charset="0"/>
               <a:cs typeface="Times New Roman" pitchFamily="18" charset="0"/>
@@ -5737,18 +5737,18 @@
           <a:p>
             <a:pPr algn="ctr"/>
             <a:r>
-              <a:rPr lang="en-US" sz="1400" b="1" dirty="0" smtClean="0">
-                <a:solidFill>
-                  <a:srgbClr val="00B050"/>
-                </a:solidFill>
-                <a:latin typeface="Times New Roman" pitchFamily="18" charset="0"/>
-                <a:cs typeface="Times New Roman" pitchFamily="18" charset="0"/>
-              </a:rPr>
-              <a:t>0</a:t>
-            </a:r>
-            <a:endParaRPr lang="en-US" sz="1400" b="1" dirty="0">
-              <a:solidFill>
-                <a:srgbClr val="00B050"/>
+              <a:rPr lang="en-US" sz="1400" dirty="0" smtClean="0">
+                <a:solidFill>
+                  <a:srgbClr val="7030A0"/>
+                </a:solidFill>
+                <a:latin typeface="Times New Roman" pitchFamily="18" charset="0"/>
+                <a:cs typeface="Times New Roman" pitchFamily="18" charset="0"/>
+              </a:rPr>
+              <a:t>3.4</a:t>
+            </a:r>
+            <a:endParaRPr lang="en-US" sz="1400" dirty="0">
+              <a:solidFill>
+                <a:srgbClr val="7030A0"/>
               </a:solidFill>
               <a:latin typeface="Times New Roman" pitchFamily="18" charset="0"/>
               <a:cs typeface="Times New Roman" pitchFamily="18" charset="0"/>
@@ -5780,18 +5780,18 @@
           <a:p>
             <a:pPr algn="ctr"/>
             <a:r>
-              <a:rPr lang="en-US" sz="1400" b="1" dirty="0" smtClean="0">
-                <a:solidFill>
-                  <a:srgbClr val="00B050"/>
+              <a:rPr lang="en-US" sz="1400" dirty="0" smtClean="0">
+                <a:solidFill>
+                  <a:srgbClr val="7030A0"/>
                 </a:solidFill>
                 <a:latin typeface="Times New Roman" pitchFamily="18" charset="0"/>
                 <a:cs typeface="Times New Roman" pitchFamily="18" charset="0"/>
               </a:rPr>
               <a:t>0</a:t>
             </a:r>
-            <a:endParaRPr lang="en-US" sz="1400" b="1" dirty="0">
-              <a:solidFill>
-                <a:srgbClr val="00B050"/>
+            <a:endParaRPr lang="en-US" sz="1400" dirty="0">
+              <a:solidFill>
+                <a:srgbClr val="7030A0"/>
               </a:solidFill>
               <a:latin typeface="Times New Roman" pitchFamily="18" charset="0"/>
               <a:cs typeface="Times New Roman" pitchFamily="18" charset="0"/>
@@ -5823,18 +5823,18 @@
           <a:p>
             <a:pPr algn="ctr"/>
             <a:r>
-              <a:rPr lang="en-US" sz="1400" b="1" dirty="0" smtClean="0">
-                <a:solidFill>
-                  <a:srgbClr val="00B050"/>
-                </a:solidFill>
-                <a:latin typeface="Times New Roman" pitchFamily="18" charset="0"/>
-                <a:cs typeface="Times New Roman" pitchFamily="18" charset="0"/>
-              </a:rPr>
-              <a:t>0</a:t>
-            </a:r>
-            <a:endParaRPr lang="en-US" sz="1400" b="1" dirty="0">
-              <a:solidFill>
-                <a:srgbClr val="00B050"/>
+              <a:rPr lang="en-US" sz="1400" dirty="0" smtClean="0">
+                <a:solidFill>
+                  <a:srgbClr val="7030A0"/>
+                </a:solidFill>
+                <a:latin typeface="Times New Roman" pitchFamily="18" charset="0"/>
+                <a:cs typeface="Times New Roman" pitchFamily="18" charset="0"/>
+              </a:rPr>
+              <a:t>1.69</a:t>
+            </a:r>
+            <a:endParaRPr lang="en-US" sz="1400" dirty="0">
+              <a:solidFill>
+                <a:srgbClr val="7030A0"/>
               </a:solidFill>
               <a:latin typeface="Times New Roman" pitchFamily="18" charset="0"/>
               <a:cs typeface="Times New Roman" pitchFamily="18" charset="0"/>
@@ -5866,18 +5866,18 @@
           <a:p>
             <a:pPr algn="ctr"/>
             <a:r>
-              <a:rPr lang="en-US" sz="1400" b="1" dirty="0" smtClean="0">
-                <a:solidFill>
-                  <a:srgbClr val="00B050"/>
+              <a:rPr lang="en-US" sz="1400" dirty="0" smtClean="0">
+                <a:solidFill>
+                  <a:srgbClr val="7030A0"/>
                 </a:solidFill>
                 <a:latin typeface="Times New Roman" pitchFamily="18" charset="0"/>
                 <a:cs typeface="Times New Roman" pitchFamily="18" charset="0"/>
               </a:rPr>
               <a:t>0</a:t>
             </a:r>
-            <a:endParaRPr lang="en-US" sz="1400" b="1" dirty="0">
-              <a:solidFill>
-                <a:srgbClr val="00B050"/>
+            <a:endParaRPr lang="en-US" sz="1400" dirty="0">
+              <a:solidFill>
+                <a:srgbClr val="7030A0"/>
               </a:solidFill>
               <a:latin typeface="Times New Roman" pitchFamily="18" charset="0"/>
               <a:cs typeface="Times New Roman" pitchFamily="18" charset="0"/>
@@ -5909,18 +5909,18 @@
           <a:p>
             <a:pPr algn="ctr"/>
             <a:r>
-              <a:rPr lang="en-US" sz="1400" b="1" dirty="0" smtClean="0">
-                <a:solidFill>
-                  <a:srgbClr val="00B050"/>
-                </a:solidFill>
-                <a:latin typeface="Times New Roman" pitchFamily="18" charset="0"/>
-                <a:cs typeface="Times New Roman" pitchFamily="18" charset="0"/>
-              </a:rPr>
-              <a:t>2</a:t>
-            </a:r>
-            <a:endParaRPr lang="en-US" sz="1400" b="1" dirty="0">
-              <a:solidFill>
-                <a:srgbClr val="00B050"/>
+              <a:rPr lang="en-US" sz="1400" dirty="0" smtClean="0">
+                <a:solidFill>
+                  <a:srgbClr val="7030A0"/>
+                </a:solidFill>
+                <a:latin typeface="Times New Roman" pitchFamily="18" charset="0"/>
+                <a:cs typeface="Times New Roman" pitchFamily="18" charset="0"/>
+              </a:rPr>
+              <a:t>2.64</a:t>
+            </a:r>
+            <a:endParaRPr lang="en-US" sz="1400" dirty="0">
+              <a:solidFill>
+                <a:srgbClr val="7030A0"/>
               </a:solidFill>
               <a:latin typeface="Times New Roman" pitchFamily="18" charset="0"/>
               <a:cs typeface="Times New Roman" pitchFamily="18" charset="0"/>
@@ -5952,18 +5952,18 @@
           <a:p>
             <a:pPr algn="ctr"/>
             <a:r>
-              <a:rPr lang="en-US" sz="1400" b="1" dirty="0" smtClean="0">
-                <a:solidFill>
-                  <a:srgbClr val="00B050"/>
-                </a:solidFill>
-                <a:latin typeface="Times New Roman" pitchFamily="18" charset="0"/>
-                <a:cs typeface="Times New Roman" pitchFamily="18" charset="0"/>
-              </a:rPr>
-              <a:t>98</a:t>
-            </a:r>
-            <a:endParaRPr lang="en-US" sz="1400" b="1" dirty="0">
-              <a:solidFill>
-                <a:srgbClr val="00B050"/>
+              <a:rPr lang="en-US" sz="1400" dirty="0" smtClean="0">
+                <a:solidFill>
+                  <a:srgbClr val="7030A0"/>
+                </a:solidFill>
+                <a:latin typeface="Times New Roman" pitchFamily="18" charset="0"/>
+                <a:cs typeface="Times New Roman" pitchFamily="18" charset="0"/>
+              </a:rPr>
+              <a:t>1.68</a:t>
+            </a:r>
+            <a:endParaRPr lang="en-US" sz="1400" dirty="0">
+              <a:solidFill>
+                <a:srgbClr val="7030A0"/>
               </a:solidFill>
               <a:latin typeface="Times New Roman" pitchFamily="18" charset="0"/>
               <a:cs typeface="Times New Roman" pitchFamily="18" charset="0"/>
@@ -5995,18 +5995,18 @@
           <a:p>
             <a:pPr algn="ctr"/>
             <a:r>
-              <a:rPr lang="en-US" sz="1400" b="1" dirty="0" smtClean="0">
-                <a:solidFill>
-                  <a:srgbClr val="00B050"/>
+              <a:rPr lang="en-US" sz="1400" dirty="0" smtClean="0">
+                <a:solidFill>
+                  <a:srgbClr val="7030A0"/>
                 </a:solidFill>
                 <a:latin typeface="Times New Roman" pitchFamily="18" charset="0"/>
                 <a:cs typeface="Times New Roman" pitchFamily="18" charset="0"/>
               </a:rPr>
               <a:t>0</a:t>
             </a:r>
-            <a:endParaRPr lang="en-US" sz="1400" b="1" dirty="0">
-              <a:solidFill>
-                <a:srgbClr val="00B050"/>
+            <a:endParaRPr lang="en-US" sz="1400" dirty="0">
+              <a:solidFill>
+                <a:srgbClr val="7030A0"/>
               </a:solidFill>
               <a:latin typeface="Times New Roman" pitchFamily="18" charset="0"/>
               <a:cs typeface="Times New Roman" pitchFamily="18" charset="0"/>
@@ -6038,18 +6038,18 @@
           <a:p>
             <a:pPr algn="ctr"/>
             <a:r>
-              <a:rPr lang="en-US" sz="1400" b="1" dirty="0" smtClean="0">
-                <a:solidFill>
-                  <a:srgbClr val="00B050"/>
+              <a:rPr lang="en-US" sz="1400" dirty="0" smtClean="0">
+                <a:solidFill>
+                  <a:srgbClr val="7030A0"/>
                 </a:solidFill>
                 <a:latin typeface="Times New Roman" pitchFamily="18" charset="0"/>
                 <a:cs typeface="Times New Roman" pitchFamily="18" charset="0"/>
               </a:rPr>
               <a:t>0</a:t>
             </a:r>
-            <a:endParaRPr lang="en-US" sz="1400" b="1" dirty="0">
-              <a:solidFill>
-                <a:srgbClr val="00B050"/>
+            <a:endParaRPr lang="en-US" sz="1400" dirty="0">
+              <a:solidFill>
+                <a:srgbClr val="7030A0"/>
               </a:solidFill>
               <a:latin typeface="Times New Roman" pitchFamily="18" charset="0"/>
               <a:cs typeface="Times New Roman" pitchFamily="18" charset="0"/>
@@ -6081,18 +6081,18 @@
           <a:p>
             <a:pPr algn="ctr"/>
             <a:r>
-              <a:rPr lang="en-US" sz="1400" b="1" dirty="0" smtClean="0">
-                <a:solidFill>
-                  <a:srgbClr val="00B050"/>
-                </a:solidFill>
-                <a:latin typeface="Times New Roman" pitchFamily="18" charset="0"/>
-                <a:cs typeface="Times New Roman" pitchFamily="18" charset="0"/>
-              </a:rPr>
-              <a:t>2</a:t>
-            </a:r>
-            <a:endParaRPr lang="en-US" sz="1400" b="1" dirty="0">
-              <a:solidFill>
-                <a:srgbClr val="00B050"/>
+              <a:rPr lang="en-US" sz="1400" dirty="0" smtClean="0">
+                <a:solidFill>
+                  <a:srgbClr val="7030A0"/>
+                </a:solidFill>
+                <a:latin typeface="Times New Roman" pitchFamily="18" charset="0"/>
+                <a:cs typeface="Times New Roman" pitchFamily="18" charset="0"/>
+              </a:rPr>
+              <a:t>3.62</a:t>
+            </a:r>
+            <a:endParaRPr lang="en-US" sz="1400" dirty="0">
+              <a:solidFill>
+                <a:srgbClr val="7030A0"/>
               </a:solidFill>
               <a:latin typeface="Times New Roman" pitchFamily="18" charset="0"/>
               <a:cs typeface="Times New Roman" pitchFamily="18" charset="0"/>
@@ -6124,18 +6124,18 @@
           <a:p>
             <a:pPr algn="ctr"/>
             <a:r>
-              <a:rPr lang="en-US" sz="1400" b="1" dirty="0" smtClean="0">
-                <a:solidFill>
-                  <a:srgbClr val="00B050"/>
-                </a:solidFill>
-                <a:latin typeface="Times New Roman" pitchFamily="18" charset="0"/>
-                <a:cs typeface="Times New Roman" pitchFamily="18" charset="0"/>
-              </a:rPr>
-              <a:t>1</a:t>
-            </a:r>
-            <a:endParaRPr lang="en-US" sz="1400" b="1" dirty="0">
-              <a:solidFill>
-                <a:srgbClr val="00B050"/>
+              <a:rPr lang="en-US" sz="1400" dirty="0" smtClean="0">
+                <a:solidFill>
+                  <a:srgbClr val="7030A0"/>
+                </a:solidFill>
+                <a:latin typeface="Times New Roman" pitchFamily="18" charset="0"/>
+                <a:cs typeface="Times New Roman" pitchFamily="18" charset="0"/>
+              </a:rPr>
+              <a:t>0</a:t>
+            </a:r>
+            <a:endParaRPr lang="en-US" sz="1400" dirty="0">
+              <a:solidFill>
+                <a:srgbClr val="7030A0"/>
               </a:solidFill>
               <a:latin typeface="Times New Roman" pitchFamily="18" charset="0"/>
               <a:cs typeface="Times New Roman" pitchFamily="18" charset="0"/>
@@ -6167,18 +6167,18 @@
           <a:p>
             <a:pPr algn="ctr"/>
             <a:r>
-              <a:rPr lang="en-US" sz="1400" b="1" dirty="0" smtClean="0">
-                <a:solidFill>
-                  <a:srgbClr val="00B050"/>
+              <a:rPr lang="en-US" sz="1400" dirty="0" smtClean="0">
+                <a:solidFill>
+                  <a:srgbClr val="7030A0"/>
                 </a:solidFill>
                 <a:latin typeface="Times New Roman" pitchFamily="18" charset="0"/>
                 <a:cs typeface="Times New Roman" pitchFamily="18" charset="0"/>
               </a:rPr>
               <a:t>0</a:t>
             </a:r>
-            <a:endParaRPr lang="en-US" sz="1400" b="1" dirty="0">
-              <a:solidFill>
-                <a:srgbClr val="00B050"/>
+            <a:endParaRPr lang="en-US" sz="1400" dirty="0">
+              <a:solidFill>
+                <a:srgbClr val="7030A0"/>
               </a:solidFill>
               <a:latin typeface="Times New Roman" pitchFamily="18" charset="0"/>
               <a:cs typeface="Times New Roman" pitchFamily="18" charset="0"/>
@@ -6210,18 +6210,18 @@
           <a:p>
             <a:pPr algn="ctr"/>
             <a:r>
-              <a:rPr lang="en-US" sz="1400" b="1" dirty="0" smtClean="0">
-                <a:solidFill>
-                  <a:srgbClr val="00B050"/>
+              <a:rPr lang="en-US" sz="1400" dirty="0" smtClean="0">
+                <a:solidFill>
+                  <a:srgbClr val="7030A0"/>
                 </a:solidFill>
                 <a:latin typeface="Times New Roman" pitchFamily="18" charset="0"/>
                 <a:cs typeface="Times New Roman" pitchFamily="18" charset="0"/>
               </a:rPr>
               <a:t>0</a:t>
             </a:r>
-            <a:endParaRPr lang="en-US" sz="1400" b="1" dirty="0">
-              <a:solidFill>
-                <a:srgbClr val="00B050"/>
+            <a:endParaRPr lang="en-US" sz="1400" dirty="0">
+              <a:solidFill>
+                <a:srgbClr val="7030A0"/>
               </a:solidFill>
               <a:latin typeface="Times New Roman" pitchFamily="18" charset="0"/>
               <a:cs typeface="Times New Roman" pitchFamily="18" charset="0"/>
@@ -6253,18 +6253,18 @@
           <a:p>
             <a:pPr algn="ctr"/>
             <a:r>
-              <a:rPr lang="en-US" sz="1400" b="1" dirty="0" smtClean="0">
-                <a:solidFill>
-                  <a:srgbClr val="00B050"/>
+              <a:rPr lang="en-US" sz="1400" dirty="0" smtClean="0">
+                <a:solidFill>
+                  <a:srgbClr val="7030A0"/>
                 </a:solidFill>
                 <a:latin typeface="Times New Roman" pitchFamily="18" charset="0"/>
                 <a:cs typeface="Times New Roman" pitchFamily="18" charset="0"/>
               </a:rPr>
               <a:t>0</a:t>
             </a:r>
-            <a:endParaRPr lang="en-US" sz="1400" b="1" dirty="0">
-              <a:solidFill>
-                <a:srgbClr val="00B050"/>
+            <a:endParaRPr lang="en-US" sz="1400" dirty="0">
+              <a:solidFill>
+                <a:srgbClr val="7030A0"/>
               </a:solidFill>
               <a:latin typeface="Times New Roman" pitchFamily="18" charset="0"/>
               <a:cs typeface="Times New Roman" pitchFamily="18" charset="0"/>
@@ -6296,18 +6296,18 @@
           <a:p>
             <a:pPr algn="ctr"/>
             <a:r>
-              <a:rPr lang="en-US" sz="1400" b="1" dirty="0" smtClean="0">
-                <a:solidFill>
-                  <a:srgbClr val="00B050"/>
-                </a:solidFill>
-                <a:latin typeface="Times New Roman" pitchFamily="18" charset="0"/>
-                <a:cs typeface="Times New Roman" pitchFamily="18" charset="0"/>
-              </a:rPr>
-              <a:t>90</a:t>
-            </a:r>
-            <a:endParaRPr lang="en-US" sz="1400" b="1" dirty="0">
-              <a:solidFill>
-                <a:srgbClr val="00B050"/>
+              <a:rPr lang="en-US" sz="1400" dirty="0" smtClean="0">
+                <a:solidFill>
+                  <a:srgbClr val="7030A0"/>
+                </a:solidFill>
+                <a:latin typeface="Times New Roman" pitchFamily="18" charset="0"/>
+                <a:cs typeface="Times New Roman" pitchFamily="18" charset="0"/>
+              </a:rPr>
+              <a:t>2.12</a:t>
+            </a:r>
+            <a:endParaRPr lang="en-US" sz="1400" dirty="0">
+              <a:solidFill>
+                <a:srgbClr val="7030A0"/>
               </a:solidFill>
               <a:latin typeface="Times New Roman" pitchFamily="18" charset="0"/>
               <a:cs typeface="Times New Roman" pitchFamily="18" charset="0"/>
@@ -6339,18 +6339,18 @@
           <a:p>
             <a:pPr algn="ctr"/>
             <a:r>
-              <a:rPr lang="en-US" sz="1400" b="1" dirty="0" smtClean="0">
-                <a:solidFill>
-                  <a:srgbClr val="00B050"/>
-                </a:solidFill>
-                <a:latin typeface="Times New Roman" pitchFamily="18" charset="0"/>
-                <a:cs typeface="Times New Roman" pitchFamily="18" charset="0"/>
-              </a:rPr>
-              <a:t>2</a:t>
-            </a:r>
-            <a:endParaRPr lang="en-US" sz="1400" b="1" dirty="0">
-              <a:solidFill>
-                <a:srgbClr val="00B050"/>
+              <a:rPr lang="en-US" sz="1400" dirty="0" smtClean="0">
+                <a:solidFill>
+                  <a:srgbClr val="7030A0"/>
+                </a:solidFill>
+                <a:latin typeface="Times New Roman" pitchFamily="18" charset="0"/>
+                <a:cs typeface="Times New Roman" pitchFamily="18" charset="0"/>
+              </a:rPr>
+              <a:t>4.17</a:t>
+            </a:r>
+            <a:endParaRPr lang="en-US" sz="1400" dirty="0">
+              <a:solidFill>
+                <a:srgbClr val="7030A0"/>
               </a:solidFill>
               <a:latin typeface="Times New Roman" pitchFamily="18" charset="0"/>
               <a:cs typeface="Times New Roman" pitchFamily="18" charset="0"/>
@@ -6382,18 +6382,18 @@
           <a:p>
             <a:pPr algn="ctr"/>
             <a:r>
-              <a:rPr lang="en-US" sz="1400" b="1" dirty="0" smtClean="0">
-                <a:solidFill>
-                  <a:srgbClr val="00B050"/>
-                </a:solidFill>
-                <a:latin typeface="Times New Roman" pitchFamily="18" charset="0"/>
-                <a:cs typeface="Times New Roman" pitchFamily="18" charset="0"/>
-              </a:rPr>
-              <a:t>1</a:t>
-            </a:r>
-            <a:endParaRPr lang="en-US" sz="1400" b="1" dirty="0">
-              <a:solidFill>
-                <a:srgbClr val="00B050"/>
+              <a:rPr lang="en-US" sz="1400" dirty="0" smtClean="0">
+                <a:solidFill>
+                  <a:srgbClr val="7030A0"/>
+                </a:solidFill>
+                <a:latin typeface="Times New Roman" pitchFamily="18" charset="0"/>
+                <a:cs typeface="Times New Roman" pitchFamily="18" charset="0"/>
+              </a:rPr>
+              <a:t>2.8</a:t>
+            </a:r>
+            <a:endParaRPr lang="en-US" sz="1400" dirty="0">
+              <a:solidFill>
+                <a:srgbClr val="7030A0"/>
               </a:solidFill>
               <a:latin typeface="Times New Roman" pitchFamily="18" charset="0"/>
               <a:cs typeface="Times New Roman" pitchFamily="18" charset="0"/>
@@ -6425,18 +6425,18 @@
           <a:p>
             <a:pPr algn="ctr"/>
             <a:r>
-              <a:rPr lang="en-US" sz="1400" b="1" dirty="0" smtClean="0">
-                <a:solidFill>
-                  <a:srgbClr val="00B050"/>
-                </a:solidFill>
-                <a:latin typeface="Times New Roman" pitchFamily="18" charset="0"/>
-                <a:cs typeface="Times New Roman" pitchFamily="18" charset="0"/>
-              </a:rPr>
-              <a:t>3</a:t>
-            </a:r>
-            <a:endParaRPr lang="en-US" sz="1400" b="1" dirty="0">
-              <a:solidFill>
-                <a:srgbClr val="00B050"/>
+              <a:rPr lang="en-US" sz="1400" dirty="0" smtClean="0">
+                <a:solidFill>
+                  <a:srgbClr val="7030A0"/>
+                </a:solidFill>
+                <a:latin typeface="Times New Roman" pitchFamily="18" charset="0"/>
+                <a:cs typeface="Times New Roman" pitchFamily="18" charset="0"/>
+              </a:rPr>
+              <a:t>0</a:t>
+            </a:r>
+            <a:endParaRPr lang="en-US" sz="1400" dirty="0">
+              <a:solidFill>
+                <a:srgbClr val="7030A0"/>
               </a:solidFill>
               <a:latin typeface="Times New Roman" pitchFamily="18" charset="0"/>
               <a:cs typeface="Times New Roman" pitchFamily="18" charset="0"/>
@@ -6453,33 +6453,33 @@
         <p:spPr>
           <a:xfrm>
             <a:off x="4876800" y="1600200"/>
-            <a:ext cx="548640" cy="523220"/>
-          </a:xfrm>
-          <a:prstGeom prst="rect">
-            <a:avLst/>
-          </a:prstGeom>
-          <a:noFill/>
-        </p:spPr>
-        <p:txBody>
-          <a:bodyPr wrap="square" rtlCol="0">
-            <a:spAutoFit/>
-          </a:bodyPr>
-          <a:lstStyle/>
-          <a:p>
-            <a:pPr algn="ctr"/>
-            <a:r>
-              <a:rPr lang="en-US" sz="1400" b="1" dirty="0" smtClean="0">
-                <a:solidFill>
-                  <a:srgbClr val="00B050"/>
+            <a:ext cx="548640" cy="307777"/>
+          </a:xfrm>
+          <a:prstGeom prst="rect">
+            <a:avLst/>
+          </a:prstGeom>
+          <a:noFill/>
+        </p:spPr>
+        <p:txBody>
+          <a:bodyPr wrap="square" rtlCol="0">
+            <a:spAutoFit/>
+          </a:bodyPr>
+          <a:lstStyle/>
+          <a:p>
+            <a:pPr algn="ctr"/>
+            <a:r>
+              <a:rPr lang="en-US" sz="1400" dirty="0" smtClean="0">
+                <a:solidFill>
+                  <a:srgbClr val="7030A0"/>
                 </a:solidFill>
                 <a:latin typeface="Times New Roman" pitchFamily="18" charset="0"/>
                 <a:cs typeface="Times New Roman" pitchFamily="18" charset="0"/>
               </a:rPr>
               <a:t>2.17</a:t>
             </a:r>
-            <a:endParaRPr lang="en-US" sz="1400" b="1" dirty="0">
-              <a:solidFill>
-                <a:srgbClr val="00B050"/>
+            <a:endParaRPr lang="en-US" sz="1400" dirty="0">
+              <a:solidFill>
+                <a:srgbClr val="7030A0"/>
               </a:solidFill>
               <a:latin typeface="Times New Roman" pitchFamily="18" charset="0"/>
               <a:cs typeface="Times New Roman" pitchFamily="18" charset="0"/>
@@ -6511,18 +6511,18 @@
           <a:p>
             <a:pPr algn="ctr"/>
             <a:r>
-              <a:rPr lang="en-US" sz="1400" b="1" dirty="0" smtClean="0">
-                <a:solidFill>
-                  <a:srgbClr val="00B050"/>
-                </a:solidFill>
-                <a:latin typeface="Times New Roman" pitchFamily="18" charset="0"/>
-                <a:cs typeface="Times New Roman" pitchFamily="18" charset="0"/>
-              </a:rPr>
-              <a:t>2</a:t>
-            </a:r>
-            <a:endParaRPr lang="en-US" sz="1400" b="1" dirty="0">
-              <a:solidFill>
-                <a:srgbClr val="00B050"/>
+              <a:rPr lang="en-US" sz="1400" dirty="0" smtClean="0">
+                <a:solidFill>
+                  <a:srgbClr val="7030A0"/>
+                </a:solidFill>
+                <a:latin typeface="Times New Roman" pitchFamily="18" charset="0"/>
+                <a:cs typeface="Times New Roman" pitchFamily="18" charset="0"/>
+              </a:rPr>
+              <a:t>0</a:t>
+            </a:r>
+            <a:endParaRPr lang="en-US" sz="1400" dirty="0">
+              <a:solidFill>
+                <a:srgbClr val="7030A0"/>
               </a:solidFill>
               <a:latin typeface="Times New Roman" pitchFamily="18" charset="0"/>
               <a:cs typeface="Times New Roman" pitchFamily="18" charset="0"/>
@@ -6554,18 +6554,18 @@
           <a:p>
             <a:pPr algn="ctr"/>
             <a:r>
-              <a:rPr lang="en-US" sz="1400" b="1" dirty="0" smtClean="0">
-                <a:solidFill>
-                  <a:srgbClr val="00B050"/>
+              <a:rPr lang="en-US" sz="1400" dirty="0" smtClean="0">
+                <a:solidFill>
+                  <a:srgbClr val="7030A0"/>
                 </a:solidFill>
                 <a:latin typeface="Times New Roman" pitchFamily="18" charset="0"/>
                 <a:cs typeface="Times New Roman" pitchFamily="18" charset="0"/>
               </a:rPr>
               <a:t>0</a:t>
             </a:r>
-            <a:endParaRPr lang="en-US" sz="1400" b="1" dirty="0">
-              <a:solidFill>
-                <a:srgbClr val="00B050"/>
+            <a:endParaRPr lang="en-US" sz="1400" dirty="0">
+              <a:solidFill>
+                <a:srgbClr val="7030A0"/>
               </a:solidFill>
               <a:latin typeface="Times New Roman" pitchFamily="18" charset="0"/>
               <a:cs typeface="Times New Roman" pitchFamily="18" charset="0"/>
@@ -6597,18 +6597,18 @@
           <a:p>
             <a:pPr algn="ctr"/>
             <a:r>
-              <a:rPr lang="en-US" sz="1400" b="1" dirty="0" smtClean="0">
-                <a:solidFill>
-                  <a:srgbClr val="00B050"/>
-                </a:solidFill>
-                <a:latin typeface="Times New Roman" pitchFamily="18" charset="0"/>
-                <a:cs typeface="Times New Roman" pitchFamily="18" charset="0"/>
-              </a:rPr>
-              <a:t>4</a:t>
-            </a:r>
-            <a:endParaRPr lang="en-US" sz="1400" b="1" dirty="0">
-              <a:solidFill>
-                <a:srgbClr val="00B050"/>
+              <a:rPr lang="en-US" sz="1400" dirty="0" smtClean="0">
+                <a:solidFill>
+                  <a:srgbClr val="7030A0"/>
+                </a:solidFill>
+                <a:latin typeface="Times New Roman" pitchFamily="18" charset="0"/>
+                <a:cs typeface="Times New Roman" pitchFamily="18" charset="0"/>
+              </a:rPr>
+              <a:t>2.32</a:t>
+            </a:r>
+            <a:endParaRPr lang="en-US" sz="1400" dirty="0">
+              <a:solidFill>
+                <a:srgbClr val="7030A0"/>
               </a:solidFill>
               <a:latin typeface="Times New Roman" pitchFamily="18" charset="0"/>
               <a:cs typeface="Times New Roman" pitchFamily="18" charset="0"/>
@@ -6640,18 +6640,18 @@
           <a:p>
             <a:pPr algn="ctr"/>
             <a:r>
-              <a:rPr lang="en-US" sz="1400" b="1" dirty="0" smtClean="0">
-                <a:solidFill>
-                  <a:srgbClr val="00B050"/>
-                </a:solidFill>
-                <a:latin typeface="Times New Roman" pitchFamily="18" charset="0"/>
-                <a:cs typeface="Times New Roman" pitchFamily="18" charset="0"/>
-              </a:rPr>
-              <a:t>80</a:t>
-            </a:r>
-            <a:endParaRPr lang="en-US" sz="1400" b="1" dirty="0">
-              <a:solidFill>
-                <a:srgbClr val="00B050"/>
+              <a:rPr lang="en-US" sz="1400" dirty="0" smtClean="0">
+                <a:solidFill>
+                  <a:srgbClr val="7030A0"/>
+                </a:solidFill>
+                <a:latin typeface="Times New Roman" pitchFamily="18" charset="0"/>
+                <a:cs typeface="Times New Roman" pitchFamily="18" charset="0"/>
+              </a:rPr>
+              <a:t>2.7</a:t>
+            </a:r>
+            <a:endParaRPr lang="en-US" sz="1400" dirty="0">
+              <a:solidFill>
+                <a:srgbClr val="7030A0"/>
               </a:solidFill>
               <a:latin typeface="Times New Roman" pitchFamily="18" charset="0"/>
               <a:cs typeface="Times New Roman" pitchFamily="18" charset="0"/>
@@ -6683,18 +6683,18 @@
           <a:p>
             <a:pPr algn="ctr"/>
             <a:r>
-              <a:rPr lang="en-US" sz="1400" b="1" dirty="0" smtClean="0">
-                <a:solidFill>
-                  <a:srgbClr val="00B050"/>
-                </a:solidFill>
-                <a:latin typeface="Times New Roman" pitchFamily="18" charset="0"/>
-                <a:cs typeface="Times New Roman" pitchFamily="18" charset="0"/>
-              </a:rPr>
-              <a:t>1</a:t>
-            </a:r>
-            <a:endParaRPr lang="en-US" sz="1400" b="1" dirty="0">
-              <a:solidFill>
-                <a:srgbClr val="00B050"/>
+              <a:rPr lang="en-US" sz="1400" dirty="0" smtClean="0">
+                <a:solidFill>
+                  <a:srgbClr val="7030A0"/>
+                </a:solidFill>
+                <a:latin typeface="Times New Roman" pitchFamily="18" charset="0"/>
+                <a:cs typeface="Times New Roman" pitchFamily="18" charset="0"/>
+              </a:rPr>
+              <a:t>2.8</a:t>
+            </a:r>
+            <a:endParaRPr lang="en-US" sz="1400" dirty="0">
+              <a:solidFill>
+                <a:srgbClr val="7030A0"/>
               </a:solidFill>
               <a:latin typeface="Times New Roman" pitchFamily="18" charset="0"/>
               <a:cs typeface="Times New Roman" pitchFamily="18" charset="0"/>
@@ -6726,18 +6726,18 @@
           <a:p>
             <a:pPr algn="ctr"/>
             <a:r>
-              <a:rPr lang="en-US" sz="1400" b="1" dirty="0" smtClean="0">
-                <a:solidFill>
-                  <a:srgbClr val="00B050"/>
-                </a:solidFill>
-                <a:latin typeface="Times New Roman" pitchFamily="18" charset="0"/>
-                <a:cs typeface="Times New Roman" pitchFamily="18" charset="0"/>
-              </a:rPr>
-              <a:t>6</a:t>
-            </a:r>
-            <a:endParaRPr lang="en-US" sz="1400" b="1" dirty="0">
-              <a:solidFill>
-                <a:srgbClr val="00B050"/>
+              <a:rPr lang="en-US" sz="1400" dirty="0" smtClean="0">
+                <a:solidFill>
+                  <a:srgbClr val="7030A0"/>
+                </a:solidFill>
+                <a:latin typeface="Times New Roman" pitchFamily="18" charset="0"/>
+                <a:cs typeface="Times New Roman" pitchFamily="18" charset="0"/>
+              </a:rPr>
+              <a:t>3.06</a:t>
+            </a:r>
+            <a:endParaRPr lang="en-US" sz="1400" dirty="0">
+              <a:solidFill>
+                <a:srgbClr val="7030A0"/>
               </a:solidFill>
               <a:latin typeface="Times New Roman" pitchFamily="18" charset="0"/>
               <a:cs typeface="Times New Roman" pitchFamily="18" charset="0"/>
@@ -6769,18 +6769,18 @@
           <a:p>
             <a:pPr algn="ctr"/>
             <a:r>
-              <a:rPr lang="en-US" sz="1400" b="1" dirty="0" smtClean="0">
-                <a:solidFill>
-                  <a:srgbClr val="00B050"/>
+              <a:rPr lang="en-US" sz="1400" dirty="0" smtClean="0">
+                <a:solidFill>
+                  <a:srgbClr val="7030A0"/>
                 </a:solidFill>
                 <a:latin typeface="Times New Roman" pitchFamily="18" charset="0"/>
                 <a:cs typeface="Times New Roman" pitchFamily="18" charset="0"/>
               </a:rPr>
               <a:t>3.11</a:t>
             </a:r>
-            <a:endParaRPr lang="en-US" sz="1400" b="1" dirty="0">
-              <a:solidFill>
-                <a:srgbClr val="00B050"/>
+            <a:endParaRPr lang="en-US" sz="1400" dirty="0">
+              <a:solidFill>
+                <a:srgbClr val="7030A0"/>
               </a:solidFill>
               <a:latin typeface="Times New Roman" pitchFamily="18" charset="0"/>
               <a:cs typeface="Times New Roman" pitchFamily="18" charset="0"/>
@@ -6812,18 +6812,18 @@
           <a:p>
             <a:pPr algn="ctr"/>
             <a:r>
-              <a:rPr lang="en-US" sz="1400" b="1" dirty="0" smtClean="0">
-                <a:solidFill>
-                  <a:srgbClr val="00B050"/>
+              <a:rPr lang="en-US" sz="1400" dirty="0" smtClean="0">
+                <a:solidFill>
+                  <a:srgbClr val="7030A0"/>
                 </a:solidFill>
                 <a:latin typeface="Times New Roman" pitchFamily="18" charset="0"/>
                 <a:cs typeface="Times New Roman" pitchFamily="18" charset="0"/>
               </a:rPr>
               <a:t>0</a:t>
             </a:r>
-            <a:endParaRPr lang="en-US" sz="1400" b="1" dirty="0">
-              <a:solidFill>
-                <a:srgbClr val="00B050"/>
+            <a:endParaRPr lang="en-US" sz="1400" dirty="0">
+              <a:solidFill>
+                <a:srgbClr val="7030A0"/>
               </a:solidFill>
               <a:latin typeface="Times New Roman" pitchFamily="18" charset="0"/>
               <a:cs typeface="Times New Roman" pitchFamily="18" charset="0"/>
@@ -6855,18 +6855,18 @@
           <a:p>
             <a:pPr algn="ctr"/>
             <a:r>
-              <a:rPr lang="en-US" sz="1400" b="1" dirty="0" smtClean="0">
-                <a:solidFill>
-                  <a:srgbClr val="00B050"/>
-                </a:solidFill>
-                <a:latin typeface="Times New Roman" pitchFamily="18" charset="0"/>
-                <a:cs typeface="Times New Roman" pitchFamily="18" charset="0"/>
-              </a:rPr>
-              <a:t>1</a:t>
-            </a:r>
-            <a:endParaRPr lang="en-US" sz="1400" b="1" dirty="0">
-              <a:solidFill>
-                <a:srgbClr val="00B050"/>
+              <a:rPr lang="en-US" sz="1400" dirty="0" smtClean="0">
+                <a:solidFill>
+                  <a:srgbClr val="7030A0"/>
+                </a:solidFill>
+                <a:latin typeface="Times New Roman" pitchFamily="18" charset="0"/>
+                <a:cs typeface="Times New Roman" pitchFamily="18" charset="0"/>
+              </a:rPr>
+              <a:t>2.71</a:t>
+            </a:r>
+            <a:endParaRPr lang="en-US" sz="1400" dirty="0">
+              <a:solidFill>
+                <a:srgbClr val="7030A0"/>
               </a:solidFill>
               <a:latin typeface="Times New Roman" pitchFamily="18" charset="0"/>
               <a:cs typeface="Times New Roman" pitchFamily="18" charset="0"/>
@@ -6898,18 +6898,18 @@
           <a:p>
             <a:pPr algn="ctr"/>
             <a:r>
-              <a:rPr lang="en-US" sz="1400" b="1" dirty="0" smtClean="0">
-                <a:solidFill>
-                  <a:srgbClr val="00B050"/>
-                </a:solidFill>
-                <a:latin typeface="Times New Roman" pitchFamily="18" charset="0"/>
-                <a:cs typeface="Times New Roman" pitchFamily="18" charset="0"/>
-              </a:rPr>
-              <a:t>6</a:t>
-            </a:r>
-            <a:endParaRPr lang="en-US" sz="1400" b="1" dirty="0">
-              <a:solidFill>
-                <a:srgbClr val="00B050"/>
+              <a:rPr lang="en-US" sz="1400" dirty="0" smtClean="0">
+                <a:solidFill>
+                  <a:srgbClr val="7030A0"/>
+                </a:solidFill>
+                <a:latin typeface="Times New Roman" pitchFamily="18" charset="0"/>
+                <a:cs typeface="Times New Roman" pitchFamily="18" charset="0"/>
+              </a:rPr>
+              <a:t>4.82</a:t>
+            </a:r>
+            <a:endParaRPr lang="en-US" sz="1400" dirty="0">
+              <a:solidFill>
+                <a:srgbClr val="7030A0"/>
               </a:solidFill>
               <a:latin typeface="Times New Roman" pitchFamily="18" charset="0"/>
               <a:cs typeface="Times New Roman" pitchFamily="18" charset="0"/>
@@ -6941,18 +6941,18 @@
           <a:p>
             <a:pPr algn="ctr"/>
             <a:r>
-              <a:rPr lang="en-US" sz="1400" b="1" dirty="0" smtClean="0">
-                <a:solidFill>
-                  <a:srgbClr val="00B050"/>
-                </a:solidFill>
-                <a:latin typeface="Times New Roman" pitchFamily="18" charset="0"/>
-                <a:cs typeface="Times New Roman" pitchFamily="18" charset="0"/>
-              </a:rPr>
-              <a:t>10</a:t>
-            </a:r>
-            <a:endParaRPr lang="en-US" sz="1400" b="1" dirty="0">
-              <a:solidFill>
-                <a:srgbClr val="00B050"/>
+              <a:rPr lang="en-US" sz="1400" dirty="0" smtClean="0">
+                <a:solidFill>
+                  <a:srgbClr val="7030A0"/>
+                </a:solidFill>
+                <a:latin typeface="Times New Roman" pitchFamily="18" charset="0"/>
+                <a:cs typeface="Times New Roman" pitchFamily="18" charset="0"/>
+              </a:rPr>
+              <a:t>3.48</a:t>
+            </a:r>
+            <a:endParaRPr lang="en-US" sz="1400" dirty="0">
+              <a:solidFill>
+                <a:srgbClr val="7030A0"/>
               </a:solidFill>
               <a:latin typeface="Times New Roman" pitchFamily="18" charset="0"/>
               <a:cs typeface="Times New Roman" pitchFamily="18" charset="0"/>
@@ -6984,18 +6984,18 @@
           <a:p>
             <a:pPr algn="ctr"/>
             <a:r>
-              <a:rPr lang="en-US" sz="1400" b="1" dirty="0" smtClean="0">
-                <a:solidFill>
-                  <a:srgbClr val="00B050"/>
-                </a:solidFill>
-                <a:latin typeface="Times New Roman" pitchFamily="18" charset="0"/>
-                <a:cs typeface="Times New Roman" pitchFamily="18" charset="0"/>
-              </a:rPr>
-              <a:t>87</a:t>
-            </a:r>
-            <a:endParaRPr lang="en-US" sz="1400" b="1" dirty="0">
-              <a:solidFill>
-                <a:srgbClr val="00B050"/>
+              <a:rPr lang="en-US" sz="1400" dirty="0" smtClean="0">
+                <a:solidFill>
+                  <a:srgbClr val="7030A0"/>
+                </a:solidFill>
+                <a:latin typeface="Times New Roman" pitchFamily="18" charset="0"/>
+                <a:cs typeface="Times New Roman" pitchFamily="18" charset="0"/>
+              </a:rPr>
+              <a:t>2.6</a:t>
+            </a:r>
+            <a:endParaRPr lang="en-US" sz="1400" dirty="0">
+              <a:solidFill>
+                <a:srgbClr val="7030A0"/>
               </a:solidFill>
               <a:latin typeface="Times New Roman" pitchFamily="18" charset="0"/>
               <a:cs typeface="Times New Roman" pitchFamily="18" charset="0"/>
@@ -7027,18 +7027,18 @@
           <a:p>
             <a:pPr algn="ctr"/>
             <a:r>
-              <a:rPr lang="en-US" sz="1400" b="1" dirty="0" smtClean="0">
-                <a:solidFill>
-                  <a:srgbClr val="00B050"/>
-                </a:solidFill>
-                <a:latin typeface="Times New Roman" pitchFamily="18" charset="0"/>
-                <a:cs typeface="Times New Roman" pitchFamily="18" charset="0"/>
-              </a:rPr>
-              <a:t>1</a:t>
-            </a:r>
-            <a:endParaRPr lang="en-US" sz="1400" b="1" dirty="0">
-              <a:solidFill>
-                <a:srgbClr val="00B050"/>
+              <a:rPr lang="en-US" sz="1400" dirty="0" smtClean="0">
+                <a:solidFill>
+                  <a:srgbClr val="7030A0"/>
+                </a:solidFill>
+                <a:latin typeface="Times New Roman" pitchFamily="18" charset="0"/>
+                <a:cs typeface="Times New Roman" pitchFamily="18" charset="0"/>
+              </a:rPr>
+              <a:t>2.45</a:t>
+            </a:r>
+            <a:endParaRPr lang="en-US" sz="1400" dirty="0">
+              <a:solidFill>
+                <a:srgbClr val="7030A0"/>
               </a:solidFill>
               <a:latin typeface="Times New Roman" pitchFamily="18" charset="0"/>
               <a:cs typeface="Times New Roman" pitchFamily="18" charset="0"/>
@@ -7070,18 +7070,18 @@
           <a:p>
             <a:pPr algn="ctr"/>
             <a:r>
-              <a:rPr lang="en-US" sz="1400" b="1" dirty="0" smtClean="0">
-                <a:solidFill>
-                  <a:srgbClr val="00B050"/>
+              <a:rPr lang="en-US" sz="1400" dirty="0" smtClean="0">
+                <a:solidFill>
+                  <a:srgbClr val="7030A0"/>
                 </a:solidFill>
                 <a:latin typeface="Times New Roman" pitchFamily="18" charset="0"/>
                 <a:cs typeface="Times New Roman" pitchFamily="18" charset="0"/>
               </a:rPr>
               <a:t>2.68</a:t>
             </a:r>
-            <a:endParaRPr lang="en-US" sz="1400" b="1" dirty="0">
-              <a:solidFill>
-                <a:srgbClr val="00B050"/>
+            <a:endParaRPr lang="en-US" sz="1400" dirty="0">
+              <a:solidFill>
+                <a:srgbClr val="7030A0"/>
               </a:solidFill>
               <a:latin typeface="Times New Roman" pitchFamily="18" charset="0"/>
               <a:cs typeface="Times New Roman" pitchFamily="18" charset="0"/>
@@ -7113,18 +7113,18 @@
           <a:p>
             <a:pPr algn="ctr"/>
             <a:r>
-              <a:rPr lang="en-US" sz="1400" b="1" dirty="0" smtClean="0">
-                <a:solidFill>
-                  <a:srgbClr val="00B050"/>
-                </a:solidFill>
-                <a:latin typeface="Times New Roman" pitchFamily="18" charset="0"/>
-                <a:cs typeface="Times New Roman" pitchFamily="18" charset="0"/>
-              </a:rPr>
-              <a:t>1</a:t>
-            </a:r>
-            <a:endParaRPr lang="en-US" sz="1400" b="1" dirty="0">
-              <a:solidFill>
-                <a:srgbClr val="00B050"/>
+              <a:rPr lang="en-US" sz="1400" dirty="0" smtClean="0">
+                <a:solidFill>
+                  <a:srgbClr val="7030A0"/>
+                </a:solidFill>
+                <a:latin typeface="Times New Roman" pitchFamily="18" charset="0"/>
+                <a:cs typeface="Times New Roman" pitchFamily="18" charset="0"/>
+              </a:rPr>
+              <a:t>0</a:t>
+            </a:r>
+            <a:endParaRPr lang="en-US" sz="1400" dirty="0">
+              <a:solidFill>
+                <a:srgbClr val="7030A0"/>
               </a:solidFill>
               <a:latin typeface="Times New Roman" pitchFamily="18" charset="0"/>
               <a:cs typeface="Times New Roman" pitchFamily="18" charset="0"/>
@@ -7156,18 +7156,18 @@
           <a:p>
             <a:pPr algn="ctr"/>
             <a:r>
-              <a:rPr lang="en-US" sz="1400" b="1" dirty="0" smtClean="0">
-                <a:solidFill>
-                  <a:srgbClr val="00B050"/>
-                </a:solidFill>
-                <a:latin typeface="Times New Roman" pitchFamily="18" charset="0"/>
-                <a:cs typeface="Times New Roman" pitchFamily="18" charset="0"/>
-              </a:rPr>
-              <a:t>0</a:t>
-            </a:r>
-            <a:endParaRPr lang="en-US" sz="1400" b="1" dirty="0">
-              <a:solidFill>
-                <a:srgbClr val="00B050"/>
+              <a:rPr lang="en-US" sz="1400" dirty="0" smtClean="0">
+                <a:solidFill>
+                  <a:srgbClr val="7030A0"/>
+                </a:solidFill>
+                <a:latin typeface="Times New Roman" pitchFamily="18" charset="0"/>
+                <a:cs typeface="Times New Roman" pitchFamily="18" charset="0"/>
+              </a:rPr>
+              <a:t>2.93</a:t>
+            </a:r>
+            <a:endParaRPr lang="en-US" sz="1400" dirty="0">
+              <a:solidFill>
+                <a:srgbClr val="7030A0"/>
               </a:solidFill>
               <a:latin typeface="Times New Roman" pitchFamily="18" charset="0"/>
               <a:cs typeface="Times New Roman" pitchFamily="18" charset="0"/>
@@ -7199,18 +7199,18 @@
           <a:p>
             <a:pPr algn="ctr"/>
             <a:r>
-              <a:rPr lang="en-US" sz="1400" b="1" dirty="0" smtClean="0">
-                <a:solidFill>
-                  <a:srgbClr val="00B050"/>
-                </a:solidFill>
-                <a:latin typeface="Times New Roman" pitchFamily="18" charset="0"/>
-                <a:cs typeface="Times New Roman" pitchFamily="18" charset="0"/>
-              </a:rPr>
-              <a:t>0</a:t>
-            </a:r>
-            <a:endParaRPr lang="en-US" sz="1400" b="1" dirty="0">
-              <a:solidFill>
-                <a:srgbClr val="00B050"/>
+              <a:rPr lang="en-US" sz="1400" dirty="0" smtClean="0">
+                <a:solidFill>
+                  <a:srgbClr val="7030A0"/>
+                </a:solidFill>
+                <a:latin typeface="Times New Roman" pitchFamily="18" charset="0"/>
+                <a:cs typeface="Times New Roman" pitchFamily="18" charset="0"/>
+              </a:rPr>
+              <a:t>4.53</a:t>
+            </a:r>
+            <a:endParaRPr lang="en-US" sz="1400" dirty="0">
+              <a:solidFill>
+                <a:srgbClr val="7030A0"/>
               </a:solidFill>
               <a:latin typeface="Times New Roman" pitchFamily="18" charset="0"/>
               <a:cs typeface="Times New Roman" pitchFamily="18" charset="0"/>
@@ -7242,18 +7242,18 @@
           <a:p>
             <a:pPr algn="ctr"/>
             <a:r>
-              <a:rPr lang="en-US" sz="1400" b="1" dirty="0" smtClean="0">
-                <a:solidFill>
-                  <a:srgbClr val="00B050"/>
-                </a:solidFill>
-                <a:latin typeface="Times New Roman" pitchFamily="18" charset="0"/>
-                <a:cs typeface="Times New Roman" pitchFamily="18" charset="0"/>
-              </a:rPr>
-              <a:t>3</a:t>
-            </a:r>
-            <a:endParaRPr lang="en-US" sz="1400" b="1" dirty="0">
-              <a:solidFill>
-                <a:srgbClr val="00B050"/>
+              <a:rPr lang="en-US" sz="1400" dirty="0" smtClean="0">
+                <a:solidFill>
+                  <a:srgbClr val="7030A0"/>
+                </a:solidFill>
+                <a:latin typeface="Times New Roman" pitchFamily="18" charset="0"/>
+                <a:cs typeface="Times New Roman" pitchFamily="18" charset="0"/>
+              </a:rPr>
+              <a:t>3.56</a:t>
+            </a:r>
+            <a:endParaRPr lang="en-US" sz="1400" dirty="0">
+              <a:solidFill>
+                <a:srgbClr val="7030A0"/>
               </a:solidFill>
               <a:latin typeface="Times New Roman" pitchFamily="18" charset="0"/>
               <a:cs typeface="Times New Roman" pitchFamily="18" charset="0"/>
@@ -7285,18 +7285,18 @@
           <a:p>
             <a:pPr algn="ctr"/>
             <a:r>
-              <a:rPr lang="en-US" sz="1400" b="1" dirty="0" smtClean="0">
-                <a:solidFill>
-                  <a:srgbClr val="00B050"/>
-                </a:solidFill>
-                <a:latin typeface="Times New Roman" pitchFamily="18" charset="0"/>
-                <a:cs typeface="Times New Roman" pitchFamily="18" charset="0"/>
-              </a:rPr>
-              <a:t>1</a:t>
-            </a:r>
-            <a:endParaRPr lang="en-US" sz="1400" b="1" dirty="0">
-              <a:solidFill>
-                <a:srgbClr val="00B050"/>
+              <a:rPr lang="en-US" sz="1400" dirty="0" smtClean="0">
+                <a:solidFill>
+                  <a:srgbClr val="7030A0"/>
+                </a:solidFill>
+                <a:latin typeface="Times New Roman" pitchFamily="18" charset="0"/>
+                <a:cs typeface="Times New Roman" pitchFamily="18" charset="0"/>
+              </a:rPr>
+              <a:t>3.57</a:t>
+            </a:r>
+            <a:endParaRPr lang="en-US" sz="1400" dirty="0">
+              <a:solidFill>
+                <a:srgbClr val="7030A0"/>
               </a:solidFill>
               <a:latin typeface="Times New Roman" pitchFamily="18" charset="0"/>
               <a:cs typeface="Times New Roman" pitchFamily="18" charset="0"/>
@@ -7328,18 +7328,18 @@
           <a:p>
             <a:pPr algn="ctr"/>
             <a:r>
-              <a:rPr lang="en-US" sz="1400" b="1" dirty="0" smtClean="0">
-                <a:solidFill>
-                  <a:srgbClr val="00B050"/>
-                </a:solidFill>
-                <a:latin typeface="Times New Roman" pitchFamily="18" charset="0"/>
-                <a:cs typeface="Times New Roman" pitchFamily="18" charset="0"/>
-              </a:rPr>
-              <a:t>87</a:t>
-            </a:r>
-            <a:endParaRPr lang="en-US" sz="1400" b="1" dirty="0">
-              <a:solidFill>
-                <a:srgbClr val="00B050"/>
+              <a:rPr lang="en-US" sz="1400" dirty="0" smtClean="0">
+                <a:solidFill>
+                  <a:srgbClr val="7030A0"/>
+                </a:solidFill>
+                <a:latin typeface="Times New Roman" pitchFamily="18" charset="0"/>
+                <a:cs typeface="Times New Roman" pitchFamily="18" charset="0"/>
+              </a:rPr>
+              <a:t>2.25</a:t>
+            </a:r>
+            <a:endParaRPr lang="en-US" sz="1400" dirty="0">
+              <a:solidFill>
+                <a:srgbClr val="7030A0"/>
               </a:solidFill>
               <a:latin typeface="Times New Roman" pitchFamily="18" charset="0"/>
               <a:cs typeface="Times New Roman" pitchFamily="18" charset="0"/>

--- a/trunk/ haptic-glove --username sreekar/Results/Results.pptx
+++ b/trunk/ haptic-glove --username sreekar/Results/Results.pptx
@@ -5218,7 +5218,7 @@
       </p:grpSpPr>
       <p:pic>
         <p:nvPicPr>
-          <p:cNvPr id="4" name="Picture 3" descr="TimeMatrix.tif"/>
+          <p:cNvPr id="52" name="Picture 51" descr="TimeMatrix.tif"/>
           <p:cNvPicPr>
             <a:picLocks noChangeAspect="1"/>
           </p:cNvPicPr>
@@ -5232,7 +5232,7 @@
         </p:blipFill>
         <p:spPr>
           <a:xfrm>
-            <a:off x="1600200" y="1143000"/>
+            <a:off x="1600200" y="1150960"/>
             <a:ext cx="6400800" cy="4800600"/>
           </a:xfrm>
           <a:prstGeom prst="rect">
@@ -5265,17 +5265,798 @@
             <a:pPr algn="ctr"/>
             <a:r>
               <a:rPr lang="en-US" sz="1400" dirty="0" smtClean="0">
+                <a:latin typeface="Times New Roman" pitchFamily="18" charset="0"/>
+                <a:cs typeface="Times New Roman" pitchFamily="18" charset="0"/>
+              </a:rPr>
+              <a:t>2.3</a:t>
+            </a:r>
+            <a:endParaRPr lang="en-US" sz="1400" dirty="0">
+              <a:latin typeface="Times New Roman" pitchFamily="18" charset="0"/>
+              <a:cs typeface="Times New Roman" pitchFamily="18" charset="0"/>
+            </a:endParaRPr>
+          </a:p>
+        </p:txBody>
+      </p:sp>
+      <p:sp>
+        <p:nvSpPr>
+          <p:cNvPr id="106" name="TextBox 105"/>
+          <p:cNvSpPr txBox="1"/>
+          <p:nvPr/>
+        </p:nvSpPr>
+        <p:spPr>
+          <a:xfrm>
+            <a:off x="2540000" y="2133600"/>
+            <a:ext cx="548640" cy="307777"/>
+          </a:xfrm>
+          <a:prstGeom prst="rect">
+            <a:avLst/>
+          </a:prstGeom>
+          <a:noFill/>
+        </p:spPr>
+        <p:txBody>
+          <a:bodyPr wrap="square" rtlCol="0">
+            <a:spAutoFit/>
+          </a:bodyPr>
+          <a:lstStyle/>
+          <a:p>
+            <a:pPr algn="ctr"/>
+            <a:r>
+              <a:rPr lang="en-US" sz="1400" dirty="0" smtClean="0">
+                <a:latin typeface="Times New Roman" pitchFamily="18" charset="0"/>
+                <a:cs typeface="Times New Roman" pitchFamily="18" charset="0"/>
+              </a:rPr>
+              <a:t>0</a:t>
+            </a:r>
+            <a:endParaRPr lang="en-US" sz="1400" dirty="0">
+              <a:latin typeface="Times New Roman" pitchFamily="18" charset="0"/>
+              <a:cs typeface="Times New Roman" pitchFamily="18" charset="0"/>
+            </a:endParaRPr>
+          </a:p>
+        </p:txBody>
+      </p:sp>
+      <p:sp>
+        <p:nvSpPr>
+          <p:cNvPr id="107" name="TextBox 106"/>
+          <p:cNvSpPr txBox="1"/>
+          <p:nvPr/>
+        </p:nvSpPr>
+        <p:spPr>
+          <a:xfrm>
+            <a:off x="2540000" y="2667000"/>
+            <a:ext cx="548640" cy="307777"/>
+          </a:xfrm>
+          <a:prstGeom prst="rect">
+            <a:avLst/>
+          </a:prstGeom>
+          <a:noFill/>
+        </p:spPr>
+        <p:txBody>
+          <a:bodyPr wrap="square" rtlCol="0">
+            <a:spAutoFit/>
+          </a:bodyPr>
+          <a:lstStyle/>
+          <a:p>
+            <a:pPr algn="ctr"/>
+            <a:r>
+              <a:rPr lang="en-US" sz="1400" dirty="0" smtClean="0">
+                <a:latin typeface="Times New Roman" pitchFamily="18" charset="0"/>
+                <a:cs typeface="Times New Roman" pitchFamily="18" charset="0"/>
+              </a:rPr>
+              <a:t>0</a:t>
+            </a:r>
+            <a:endParaRPr lang="en-US" sz="1400" dirty="0">
+              <a:latin typeface="Times New Roman" pitchFamily="18" charset="0"/>
+              <a:cs typeface="Times New Roman" pitchFamily="18" charset="0"/>
+            </a:endParaRPr>
+          </a:p>
+        </p:txBody>
+      </p:sp>
+      <p:sp>
+        <p:nvSpPr>
+          <p:cNvPr id="108" name="TextBox 107"/>
+          <p:cNvSpPr txBox="1"/>
+          <p:nvPr/>
+        </p:nvSpPr>
+        <p:spPr>
+          <a:xfrm>
+            <a:off x="2540000" y="3225800"/>
+            <a:ext cx="548640" cy="307777"/>
+          </a:xfrm>
+          <a:prstGeom prst="rect">
+            <a:avLst/>
+          </a:prstGeom>
+          <a:noFill/>
+        </p:spPr>
+        <p:txBody>
+          <a:bodyPr wrap="square" rtlCol="0">
+            <a:spAutoFit/>
+          </a:bodyPr>
+          <a:lstStyle/>
+          <a:p>
+            <a:pPr algn="ctr"/>
+            <a:r>
+              <a:rPr lang="en-US" sz="1400" dirty="0" smtClean="0">
+                <a:latin typeface="Times New Roman" pitchFamily="18" charset="0"/>
+                <a:cs typeface="Times New Roman" pitchFamily="18" charset="0"/>
+              </a:rPr>
+              <a:t>0</a:t>
+            </a:r>
+            <a:endParaRPr lang="en-US" sz="1400" dirty="0">
+              <a:latin typeface="Times New Roman" pitchFamily="18" charset="0"/>
+              <a:cs typeface="Times New Roman" pitchFamily="18" charset="0"/>
+            </a:endParaRPr>
+          </a:p>
+        </p:txBody>
+      </p:sp>
+      <p:sp>
+        <p:nvSpPr>
+          <p:cNvPr id="109" name="TextBox 108"/>
+          <p:cNvSpPr txBox="1"/>
+          <p:nvPr/>
+        </p:nvSpPr>
+        <p:spPr>
+          <a:xfrm>
+            <a:off x="2540000" y="3810000"/>
+            <a:ext cx="548640" cy="307777"/>
+          </a:xfrm>
+          <a:prstGeom prst="rect">
+            <a:avLst/>
+          </a:prstGeom>
+          <a:noFill/>
+        </p:spPr>
+        <p:txBody>
+          <a:bodyPr wrap="square" rtlCol="0">
+            <a:spAutoFit/>
+          </a:bodyPr>
+          <a:lstStyle/>
+          <a:p>
+            <a:pPr algn="ctr"/>
+            <a:r>
+              <a:rPr lang="en-US" sz="1400" dirty="0" smtClean="0">
+                <a:latin typeface="Times New Roman" pitchFamily="18" charset="0"/>
+                <a:cs typeface="Times New Roman" pitchFamily="18" charset="0"/>
+              </a:rPr>
+              <a:t>2.17</a:t>
+            </a:r>
+            <a:endParaRPr lang="en-US" sz="1400" dirty="0">
+              <a:latin typeface="Times New Roman" pitchFamily="18" charset="0"/>
+              <a:cs typeface="Times New Roman" pitchFamily="18" charset="0"/>
+            </a:endParaRPr>
+          </a:p>
+        </p:txBody>
+      </p:sp>
+      <p:sp>
+        <p:nvSpPr>
+          <p:cNvPr id="110" name="TextBox 109"/>
+          <p:cNvSpPr txBox="1"/>
+          <p:nvPr/>
+        </p:nvSpPr>
+        <p:spPr>
+          <a:xfrm>
+            <a:off x="2540000" y="4343400"/>
+            <a:ext cx="548640" cy="307777"/>
+          </a:xfrm>
+          <a:prstGeom prst="rect">
+            <a:avLst/>
+          </a:prstGeom>
+          <a:noFill/>
+        </p:spPr>
+        <p:txBody>
+          <a:bodyPr wrap="square" rtlCol="0">
+            <a:spAutoFit/>
+          </a:bodyPr>
+          <a:lstStyle/>
+          <a:p>
+            <a:pPr algn="ctr"/>
+            <a:r>
+              <a:rPr lang="en-US" sz="1400" dirty="0" smtClean="0">
+                <a:latin typeface="Times New Roman" pitchFamily="18" charset="0"/>
+                <a:cs typeface="Times New Roman" pitchFamily="18" charset="0"/>
+              </a:rPr>
+              <a:t>3.11</a:t>
+            </a:r>
+            <a:endParaRPr lang="en-US" sz="1400" dirty="0">
+              <a:latin typeface="Times New Roman" pitchFamily="18" charset="0"/>
+              <a:cs typeface="Times New Roman" pitchFamily="18" charset="0"/>
+            </a:endParaRPr>
+          </a:p>
+        </p:txBody>
+      </p:sp>
+      <p:sp>
+        <p:nvSpPr>
+          <p:cNvPr id="111" name="TextBox 110"/>
+          <p:cNvSpPr txBox="1"/>
+          <p:nvPr/>
+        </p:nvSpPr>
+        <p:spPr>
+          <a:xfrm>
+            <a:off x="2540000" y="4953000"/>
+            <a:ext cx="548640" cy="307777"/>
+          </a:xfrm>
+          <a:prstGeom prst="rect">
+            <a:avLst/>
+          </a:prstGeom>
+          <a:noFill/>
+        </p:spPr>
+        <p:txBody>
+          <a:bodyPr wrap="square" rtlCol="0">
+            <a:spAutoFit/>
+          </a:bodyPr>
+          <a:lstStyle/>
+          <a:p>
+            <a:pPr algn="ctr"/>
+            <a:r>
+              <a:rPr lang="en-US" sz="1400" dirty="0" smtClean="0">
+                <a:latin typeface="Times New Roman" pitchFamily="18" charset="0"/>
+                <a:cs typeface="Times New Roman" pitchFamily="18" charset="0"/>
+              </a:rPr>
+              <a:t>2.68</a:t>
+            </a:r>
+            <a:endParaRPr lang="en-US" sz="1400" dirty="0">
+              <a:latin typeface="Times New Roman" pitchFamily="18" charset="0"/>
+              <a:cs typeface="Times New Roman" pitchFamily="18" charset="0"/>
+            </a:endParaRPr>
+          </a:p>
+        </p:txBody>
+      </p:sp>
+      <p:sp>
+        <p:nvSpPr>
+          <p:cNvPr id="112" name="TextBox 111"/>
+          <p:cNvSpPr txBox="1"/>
+          <p:nvPr/>
+        </p:nvSpPr>
+        <p:spPr>
+          <a:xfrm>
+            <a:off x="3048000" y="1587500"/>
+            <a:ext cx="548640" cy="307777"/>
+          </a:xfrm>
+          <a:prstGeom prst="rect">
+            <a:avLst/>
+          </a:prstGeom>
+          <a:noFill/>
+        </p:spPr>
+        <p:txBody>
+          <a:bodyPr wrap="square" rtlCol="0">
+            <a:spAutoFit/>
+          </a:bodyPr>
+          <a:lstStyle/>
+          <a:p>
+            <a:pPr algn="ctr"/>
+            <a:r>
+              <a:rPr lang="en-US" sz="1400" dirty="0" smtClean="0">
+                <a:latin typeface="Times New Roman" pitchFamily="18" charset="0"/>
+                <a:cs typeface="Times New Roman" pitchFamily="18" charset="0"/>
+              </a:rPr>
+              <a:t>0</a:t>
+            </a:r>
+            <a:endParaRPr lang="en-US" sz="1400" dirty="0">
+              <a:latin typeface="Times New Roman" pitchFamily="18" charset="0"/>
+              <a:cs typeface="Times New Roman" pitchFamily="18" charset="0"/>
+            </a:endParaRPr>
+          </a:p>
+        </p:txBody>
+      </p:sp>
+      <p:sp>
+        <p:nvSpPr>
+          <p:cNvPr id="113" name="TextBox 112"/>
+          <p:cNvSpPr txBox="1"/>
+          <p:nvPr/>
+        </p:nvSpPr>
+        <p:spPr>
+          <a:xfrm>
+            <a:off x="3073400" y="2133600"/>
+            <a:ext cx="548640" cy="307777"/>
+          </a:xfrm>
+          <a:prstGeom prst="rect">
+            <a:avLst/>
+          </a:prstGeom>
+          <a:noFill/>
+        </p:spPr>
+        <p:txBody>
+          <a:bodyPr wrap="square" rtlCol="0">
+            <a:spAutoFit/>
+          </a:bodyPr>
+          <a:lstStyle/>
+          <a:p>
+            <a:pPr algn="ctr"/>
+            <a:r>
+              <a:rPr lang="en-US" sz="1400" dirty="0" smtClean="0">
+                <a:latin typeface="Times New Roman" pitchFamily="18" charset="0"/>
+                <a:cs typeface="Times New Roman" pitchFamily="18" charset="0"/>
+              </a:rPr>
+              <a:t>1.9</a:t>
+            </a:r>
+            <a:endParaRPr lang="en-US" sz="1400" dirty="0">
+              <a:latin typeface="Times New Roman" pitchFamily="18" charset="0"/>
+              <a:cs typeface="Times New Roman" pitchFamily="18" charset="0"/>
+            </a:endParaRPr>
+          </a:p>
+        </p:txBody>
+      </p:sp>
+      <p:sp>
+        <p:nvSpPr>
+          <p:cNvPr id="114" name="TextBox 113"/>
+          <p:cNvSpPr txBox="1"/>
+          <p:nvPr/>
+        </p:nvSpPr>
+        <p:spPr>
+          <a:xfrm>
+            <a:off x="3073400" y="2667000"/>
+            <a:ext cx="548640" cy="307777"/>
+          </a:xfrm>
+          <a:prstGeom prst="rect">
+            <a:avLst/>
+          </a:prstGeom>
+          <a:noFill/>
+        </p:spPr>
+        <p:txBody>
+          <a:bodyPr wrap="square" rtlCol="0">
+            <a:spAutoFit/>
+          </a:bodyPr>
+          <a:lstStyle/>
+          <a:p>
+            <a:pPr algn="ctr"/>
+            <a:r>
+              <a:rPr lang="en-US" sz="1400" dirty="0" smtClean="0">
+                <a:latin typeface="Times New Roman" pitchFamily="18" charset="0"/>
+                <a:cs typeface="Times New Roman" pitchFamily="18" charset="0"/>
+              </a:rPr>
+              <a:t>2.64</a:t>
+            </a:r>
+            <a:endParaRPr lang="en-US" sz="1400" dirty="0">
+              <a:latin typeface="Times New Roman" pitchFamily="18" charset="0"/>
+              <a:cs typeface="Times New Roman" pitchFamily="18" charset="0"/>
+            </a:endParaRPr>
+          </a:p>
+        </p:txBody>
+      </p:sp>
+      <p:sp>
+        <p:nvSpPr>
+          <p:cNvPr id="115" name="TextBox 114"/>
+          <p:cNvSpPr txBox="1"/>
+          <p:nvPr/>
+        </p:nvSpPr>
+        <p:spPr>
+          <a:xfrm>
+            <a:off x="3073400" y="3225800"/>
+            <a:ext cx="548640" cy="307777"/>
+          </a:xfrm>
+          <a:prstGeom prst="rect">
+            <a:avLst/>
+          </a:prstGeom>
+          <a:noFill/>
+        </p:spPr>
+        <p:txBody>
+          <a:bodyPr wrap="square" rtlCol="0">
+            <a:spAutoFit/>
+          </a:bodyPr>
+          <a:lstStyle/>
+          <a:p>
+            <a:pPr algn="ctr"/>
+            <a:r>
+              <a:rPr lang="en-US" sz="1400" dirty="0" smtClean="0">
+                <a:latin typeface="Times New Roman" pitchFamily="18" charset="0"/>
+                <a:cs typeface="Times New Roman" pitchFamily="18" charset="0"/>
+              </a:rPr>
+              <a:t>0</a:t>
+            </a:r>
+            <a:endParaRPr lang="en-US" sz="1400" dirty="0">
+              <a:latin typeface="Times New Roman" pitchFamily="18" charset="0"/>
+              <a:cs typeface="Times New Roman" pitchFamily="18" charset="0"/>
+            </a:endParaRPr>
+          </a:p>
+        </p:txBody>
+      </p:sp>
+      <p:sp>
+        <p:nvSpPr>
+          <p:cNvPr id="116" name="TextBox 115"/>
+          <p:cNvSpPr txBox="1"/>
+          <p:nvPr/>
+        </p:nvSpPr>
+        <p:spPr>
+          <a:xfrm>
+            <a:off x="3073400" y="3810000"/>
+            <a:ext cx="548640" cy="307777"/>
+          </a:xfrm>
+          <a:prstGeom prst="rect">
+            <a:avLst/>
+          </a:prstGeom>
+          <a:noFill/>
+        </p:spPr>
+        <p:txBody>
+          <a:bodyPr wrap="square" rtlCol="0">
+            <a:spAutoFit/>
+          </a:bodyPr>
+          <a:lstStyle/>
+          <a:p>
+            <a:pPr algn="ctr"/>
+            <a:r>
+              <a:rPr lang="en-US" sz="1400" dirty="0" smtClean="0">
+                <a:latin typeface="Times New Roman" pitchFamily="18" charset="0"/>
+                <a:cs typeface="Times New Roman" pitchFamily="18" charset="0"/>
+              </a:rPr>
+              <a:t>3.4</a:t>
+            </a:r>
+            <a:endParaRPr lang="en-US" sz="1400" dirty="0">
+              <a:latin typeface="Times New Roman" pitchFamily="18" charset="0"/>
+              <a:cs typeface="Times New Roman" pitchFamily="18" charset="0"/>
+            </a:endParaRPr>
+          </a:p>
+        </p:txBody>
+      </p:sp>
+      <p:sp>
+        <p:nvSpPr>
+          <p:cNvPr id="117" name="TextBox 116"/>
+          <p:cNvSpPr txBox="1"/>
+          <p:nvPr/>
+        </p:nvSpPr>
+        <p:spPr>
+          <a:xfrm>
+            <a:off x="3073400" y="4343400"/>
+            <a:ext cx="548640" cy="307777"/>
+          </a:xfrm>
+          <a:prstGeom prst="rect">
+            <a:avLst/>
+          </a:prstGeom>
+          <a:noFill/>
+        </p:spPr>
+        <p:txBody>
+          <a:bodyPr wrap="square" rtlCol="0">
+            <a:spAutoFit/>
+          </a:bodyPr>
+          <a:lstStyle/>
+          <a:p>
+            <a:pPr algn="ctr"/>
+            <a:r>
+              <a:rPr lang="en-US" sz="1400" dirty="0" smtClean="0">
+                <a:latin typeface="Times New Roman" pitchFamily="18" charset="0"/>
+                <a:cs typeface="Times New Roman" pitchFamily="18" charset="0"/>
+              </a:rPr>
+              <a:t>0</a:t>
+            </a:r>
+            <a:endParaRPr lang="en-US" sz="1400" dirty="0">
+              <a:latin typeface="Times New Roman" pitchFamily="18" charset="0"/>
+              <a:cs typeface="Times New Roman" pitchFamily="18" charset="0"/>
+            </a:endParaRPr>
+          </a:p>
+        </p:txBody>
+      </p:sp>
+      <p:sp>
+        <p:nvSpPr>
+          <p:cNvPr id="118" name="TextBox 117"/>
+          <p:cNvSpPr txBox="1"/>
+          <p:nvPr/>
+        </p:nvSpPr>
+        <p:spPr>
+          <a:xfrm>
+            <a:off x="3073400" y="4953000"/>
+            <a:ext cx="548640" cy="307777"/>
+          </a:xfrm>
+          <a:prstGeom prst="rect">
+            <a:avLst/>
+          </a:prstGeom>
+          <a:noFill/>
+        </p:spPr>
+        <p:txBody>
+          <a:bodyPr wrap="square" rtlCol="0">
+            <a:spAutoFit/>
+          </a:bodyPr>
+          <a:lstStyle/>
+          <a:p>
+            <a:pPr algn="ctr"/>
+            <a:r>
+              <a:rPr lang="en-US" sz="1400" dirty="0" smtClean="0">
+                <a:latin typeface="Times New Roman" pitchFamily="18" charset="0"/>
+                <a:cs typeface="Times New Roman" pitchFamily="18" charset="0"/>
+              </a:rPr>
+              <a:t>1.69</a:t>
+            </a:r>
+            <a:endParaRPr lang="en-US" sz="1400" dirty="0">
+              <a:latin typeface="Times New Roman" pitchFamily="18" charset="0"/>
+              <a:cs typeface="Times New Roman" pitchFamily="18" charset="0"/>
+            </a:endParaRPr>
+          </a:p>
+        </p:txBody>
+      </p:sp>
+      <p:sp>
+        <p:nvSpPr>
+          <p:cNvPr id="119" name="TextBox 118"/>
+          <p:cNvSpPr txBox="1"/>
+          <p:nvPr/>
+        </p:nvSpPr>
+        <p:spPr>
+          <a:xfrm>
+            <a:off x="3657600" y="1600200"/>
+            <a:ext cx="548640" cy="307777"/>
+          </a:xfrm>
+          <a:prstGeom prst="rect">
+            <a:avLst/>
+          </a:prstGeom>
+          <a:noFill/>
+        </p:spPr>
+        <p:txBody>
+          <a:bodyPr wrap="square" rtlCol="0">
+            <a:spAutoFit/>
+          </a:bodyPr>
+          <a:lstStyle/>
+          <a:p>
+            <a:pPr algn="ctr"/>
+            <a:r>
+              <a:rPr lang="en-US" sz="1400" dirty="0" smtClean="0">
+                <a:latin typeface="Times New Roman" pitchFamily="18" charset="0"/>
+                <a:cs typeface="Times New Roman" pitchFamily="18" charset="0"/>
+              </a:rPr>
+              <a:t>0</a:t>
+            </a:r>
+            <a:endParaRPr lang="en-US" sz="1400" dirty="0">
+              <a:latin typeface="Times New Roman" pitchFamily="18" charset="0"/>
+              <a:cs typeface="Times New Roman" pitchFamily="18" charset="0"/>
+            </a:endParaRPr>
+          </a:p>
+        </p:txBody>
+      </p:sp>
+      <p:sp>
+        <p:nvSpPr>
+          <p:cNvPr id="120" name="TextBox 119"/>
+          <p:cNvSpPr txBox="1"/>
+          <p:nvPr/>
+        </p:nvSpPr>
+        <p:spPr>
+          <a:xfrm>
+            <a:off x="3683000" y="2146300"/>
+            <a:ext cx="548640" cy="307777"/>
+          </a:xfrm>
+          <a:prstGeom prst="rect">
+            <a:avLst/>
+          </a:prstGeom>
+          <a:noFill/>
+        </p:spPr>
+        <p:txBody>
+          <a:bodyPr wrap="square" rtlCol="0">
+            <a:spAutoFit/>
+          </a:bodyPr>
+          <a:lstStyle/>
+          <a:p>
+            <a:pPr algn="ctr"/>
+            <a:r>
+              <a:rPr lang="en-US" sz="1400" dirty="0" smtClean="0">
+                <a:latin typeface="Times New Roman" pitchFamily="18" charset="0"/>
+                <a:cs typeface="Times New Roman" pitchFamily="18" charset="0"/>
+              </a:rPr>
+              <a:t>1.52</a:t>
+            </a:r>
+            <a:endParaRPr lang="en-US" sz="1400" dirty="0">
+              <a:latin typeface="Times New Roman" pitchFamily="18" charset="0"/>
+              <a:cs typeface="Times New Roman" pitchFamily="18" charset="0"/>
+            </a:endParaRPr>
+          </a:p>
+        </p:txBody>
+      </p:sp>
+      <p:sp>
+        <p:nvSpPr>
+          <p:cNvPr id="121" name="TextBox 120"/>
+          <p:cNvSpPr txBox="1"/>
+          <p:nvPr/>
+        </p:nvSpPr>
+        <p:spPr>
+          <a:xfrm>
+            <a:off x="3683000" y="2679700"/>
+            <a:ext cx="548640" cy="307777"/>
+          </a:xfrm>
+          <a:prstGeom prst="rect">
+            <a:avLst/>
+          </a:prstGeom>
+          <a:noFill/>
+        </p:spPr>
+        <p:txBody>
+          <a:bodyPr wrap="square" rtlCol="0">
+            <a:spAutoFit/>
+          </a:bodyPr>
+          <a:lstStyle/>
+          <a:p>
+            <a:pPr algn="ctr"/>
+            <a:r>
+              <a:rPr lang="en-US" sz="1400" dirty="0" smtClean="0">
+                <a:latin typeface="Times New Roman" pitchFamily="18" charset="0"/>
+                <a:cs typeface="Times New Roman" pitchFamily="18" charset="0"/>
+              </a:rPr>
+              <a:t>1.68</a:t>
+            </a:r>
+            <a:endParaRPr lang="en-US" sz="1400" dirty="0">
+              <a:latin typeface="Times New Roman" pitchFamily="18" charset="0"/>
+              <a:cs typeface="Times New Roman" pitchFamily="18" charset="0"/>
+            </a:endParaRPr>
+          </a:p>
+        </p:txBody>
+      </p:sp>
+      <p:sp>
+        <p:nvSpPr>
+          <p:cNvPr id="122" name="TextBox 121"/>
+          <p:cNvSpPr txBox="1"/>
+          <p:nvPr/>
+        </p:nvSpPr>
+        <p:spPr>
+          <a:xfrm>
+            <a:off x="3683000" y="3238500"/>
+            <a:ext cx="548640" cy="307777"/>
+          </a:xfrm>
+          <a:prstGeom prst="rect">
+            <a:avLst/>
+          </a:prstGeom>
+          <a:noFill/>
+        </p:spPr>
+        <p:txBody>
+          <a:bodyPr wrap="square" rtlCol="0">
+            <a:spAutoFit/>
+          </a:bodyPr>
+          <a:lstStyle/>
+          <a:p>
+            <a:pPr algn="ctr"/>
+            <a:r>
+              <a:rPr lang="en-US" sz="1400" dirty="0" smtClean="0">
+                <a:latin typeface="Times New Roman" pitchFamily="18" charset="0"/>
+                <a:cs typeface="Times New Roman" pitchFamily="18" charset="0"/>
+              </a:rPr>
+              <a:t>0</a:t>
+            </a:r>
+            <a:endParaRPr lang="en-US" sz="1400" dirty="0">
+              <a:latin typeface="Times New Roman" pitchFamily="18" charset="0"/>
+              <a:cs typeface="Times New Roman" pitchFamily="18" charset="0"/>
+            </a:endParaRPr>
+          </a:p>
+        </p:txBody>
+      </p:sp>
+      <p:sp>
+        <p:nvSpPr>
+          <p:cNvPr id="123" name="TextBox 122"/>
+          <p:cNvSpPr txBox="1"/>
+          <p:nvPr/>
+        </p:nvSpPr>
+        <p:spPr>
+          <a:xfrm>
+            <a:off x="3683000" y="3822700"/>
+            <a:ext cx="548640" cy="307777"/>
+          </a:xfrm>
+          <a:prstGeom prst="rect">
+            <a:avLst/>
+          </a:prstGeom>
+          <a:noFill/>
+        </p:spPr>
+        <p:txBody>
+          <a:bodyPr wrap="square" rtlCol="0">
+            <a:spAutoFit/>
+          </a:bodyPr>
+          <a:lstStyle/>
+          <a:p>
+            <a:pPr algn="ctr"/>
+            <a:r>
+              <a:rPr lang="en-US" sz="1400" dirty="0" smtClean="0">
+                <a:latin typeface="Times New Roman" pitchFamily="18" charset="0"/>
+                <a:cs typeface="Times New Roman" pitchFamily="18" charset="0"/>
+              </a:rPr>
+              <a:t>0</a:t>
+            </a:r>
+            <a:endParaRPr lang="en-US" sz="1400" dirty="0">
+              <a:latin typeface="Times New Roman" pitchFamily="18" charset="0"/>
+              <a:cs typeface="Times New Roman" pitchFamily="18" charset="0"/>
+            </a:endParaRPr>
+          </a:p>
+        </p:txBody>
+      </p:sp>
+      <p:sp>
+        <p:nvSpPr>
+          <p:cNvPr id="124" name="TextBox 123"/>
+          <p:cNvSpPr txBox="1"/>
+          <p:nvPr/>
+        </p:nvSpPr>
+        <p:spPr>
+          <a:xfrm>
+            <a:off x="3683000" y="4356100"/>
+            <a:ext cx="548640" cy="307777"/>
+          </a:xfrm>
+          <a:prstGeom prst="rect">
+            <a:avLst/>
+          </a:prstGeom>
+          <a:noFill/>
+        </p:spPr>
+        <p:txBody>
+          <a:bodyPr wrap="square" rtlCol="0">
+            <a:spAutoFit/>
+          </a:bodyPr>
+          <a:lstStyle/>
+          <a:p>
+            <a:pPr algn="ctr"/>
+            <a:r>
+              <a:rPr lang="en-US" sz="1400" dirty="0" smtClean="0">
+                <a:latin typeface="Times New Roman" pitchFamily="18" charset="0"/>
+                <a:cs typeface="Times New Roman" pitchFamily="18" charset="0"/>
+              </a:rPr>
+              <a:t>2.71</a:t>
+            </a:r>
+            <a:endParaRPr lang="en-US" sz="1400" dirty="0">
+              <a:latin typeface="Times New Roman" pitchFamily="18" charset="0"/>
+              <a:cs typeface="Times New Roman" pitchFamily="18" charset="0"/>
+            </a:endParaRPr>
+          </a:p>
+        </p:txBody>
+      </p:sp>
+      <p:sp>
+        <p:nvSpPr>
+          <p:cNvPr id="125" name="TextBox 124"/>
+          <p:cNvSpPr txBox="1"/>
+          <p:nvPr/>
+        </p:nvSpPr>
+        <p:spPr>
+          <a:xfrm>
+            <a:off x="3683000" y="4965700"/>
+            <a:ext cx="548640" cy="307777"/>
+          </a:xfrm>
+          <a:prstGeom prst="rect">
+            <a:avLst/>
+          </a:prstGeom>
+          <a:noFill/>
+        </p:spPr>
+        <p:txBody>
+          <a:bodyPr wrap="square" rtlCol="0">
+            <a:spAutoFit/>
+          </a:bodyPr>
+          <a:lstStyle/>
+          <a:p>
+            <a:pPr algn="ctr"/>
+            <a:r>
+              <a:rPr lang="en-US" sz="1400" dirty="0" smtClean="0">
+                <a:latin typeface="Times New Roman" pitchFamily="18" charset="0"/>
+                <a:cs typeface="Times New Roman" pitchFamily="18" charset="0"/>
+              </a:rPr>
+              <a:t>2.93</a:t>
+            </a:r>
+            <a:endParaRPr lang="en-US" sz="1400" dirty="0">
+              <a:latin typeface="Times New Roman" pitchFamily="18" charset="0"/>
+              <a:cs typeface="Times New Roman" pitchFamily="18" charset="0"/>
+            </a:endParaRPr>
+          </a:p>
+        </p:txBody>
+      </p:sp>
+      <p:sp>
+        <p:nvSpPr>
+          <p:cNvPr id="126" name="TextBox 125"/>
+          <p:cNvSpPr txBox="1"/>
+          <p:nvPr/>
+        </p:nvSpPr>
+        <p:spPr>
+          <a:xfrm>
+            <a:off x="4267200" y="1587500"/>
+            <a:ext cx="548640" cy="307777"/>
+          </a:xfrm>
+          <a:prstGeom prst="rect">
+            <a:avLst/>
+          </a:prstGeom>
+          <a:noFill/>
+        </p:spPr>
+        <p:txBody>
+          <a:bodyPr wrap="square" rtlCol="0">
+            <a:spAutoFit/>
+          </a:bodyPr>
+          <a:lstStyle/>
+          <a:p>
+            <a:pPr algn="ctr"/>
+            <a:r>
+              <a:rPr lang="en-US" sz="1400" dirty="0" smtClean="0">
                 <a:solidFill>
-                  <a:srgbClr val="7030A0"/>
+                  <a:schemeClr val="bg1">
+                    <a:lumMod val="85000"/>
+                  </a:schemeClr>
                 </a:solidFill>
                 <a:latin typeface="Times New Roman" pitchFamily="18" charset="0"/>
                 <a:cs typeface="Times New Roman" pitchFamily="18" charset="0"/>
               </a:rPr>
-              <a:t>2.3</a:t>
+              <a:t>4.45</a:t>
             </a:r>
             <a:endParaRPr lang="en-US" sz="1400" dirty="0">
               <a:solidFill>
-                <a:srgbClr val="7030A0"/>
+                <a:schemeClr val="bg1">
+                  <a:lumMod val="85000"/>
+                </a:schemeClr>
               </a:solidFill>
               <a:latin typeface="Times New Roman" pitchFamily="18" charset="0"/>
               <a:cs typeface="Times New Roman" pitchFamily="18" charset="0"/>
@@ -5285,13 +6066,161 @@
       </p:sp>
       <p:sp>
         <p:nvSpPr>
-          <p:cNvPr id="106" name="TextBox 105"/>
-          <p:cNvSpPr txBox="1"/>
-          <p:nvPr/>
-        </p:nvSpPr>
-        <p:spPr>
-          <a:xfrm>
-            <a:off x="2540000" y="2133600"/>
+          <p:cNvPr id="127" name="TextBox 126"/>
+          <p:cNvSpPr txBox="1"/>
+          <p:nvPr/>
+        </p:nvSpPr>
+        <p:spPr>
+          <a:xfrm>
+            <a:off x="4292600" y="2133600"/>
+            <a:ext cx="548640" cy="307777"/>
+          </a:xfrm>
+          <a:prstGeom prst="rect">
+            <a:avLst/>
+          </a:prstGeom>
+          <a:noFill/>
+        </p:spPr>
+        <p:txBody>
+          <a:bodyPr wrap="square" rtlCol="0">
+            <a:spAutoFit/>
+          </a:bodyPr>
+          <a:lstStyle/>
+          <a:p>
+            <a:pPr algn="ctr"/>
+            <a:r>
+              <a:rPr lang="en-US" sz="1400" dirty="0" smtClean="0">
+                <a:latin typeface="Times New Roman" pitchFamily="18" charset="0"/>
+                <a:cs typeface="Times New Roman" pitchFamily="18" charset="0"/>
+              </a:rPr>
+              <a:t>0</a:t>
+            </a:r>
+            <a:endParaRPr lang="en-US" sz="1400" dirty="0">
+              <a:latin typeface="Times New Roman" pitchFamily="18" charset="0"/>
+              <a:cs typeface="Times New Roman" pitchFamily="18" charset="0"/>
+            </a:endParaRPr>
+          </a:p>
+        </p:txBody>
+      </p:sp>
+      <p:sp>
+        <p:nvSpPr>
+          <p:cNvPr id="128" name="TextBox 127"/>
+          <p:cNvSpPr txBox="1"/>
+          <p:nvPr/>
+        </p:nvSpPr>
+        <p:spPr>
+          <a:xfrm>
+            <a:off x="4292600" y="2667000"/>
+            <a:ext cx="548640" cy="307777"/>
+          </a:xfrm>
+          <a:prstGeom prst="rect">
+            <a:avLst/>
+          </a:prstGeom>
+          <a:noFill/>
+        </p:spPr>
+        <p:txBody>
+          <a:bodyPr wrap="square" rtlCol="0">
+            <a:spAutoFit/>
+          </a:bodyPr>
+          <a:lstStyle/>
+          <a:p>
+            <a:pPr algn="ctr"/>
+            <a:r>
+              <a:rPr lang="en-US" sz="1400" dirty="0" smtClean="0">
+                <a:latin typeface="Times New Roman" pitchFamily="18" charset="0"/>
+                <a:cs typeface="Times New Roman" pitchFamily="18" charset="0"/>
+              </a:rPr>
+              <a:t>0</a:t>
+            </a:r>
+            <a:endParaRPr lang="en-US" sz="1400" dirty="0">
+              <a:latin typeface="Times New Roman" pitchFamily="18" charset="0"/>
+              <a:cs typeface="Times New Roman" pitchFamily="18" charset="0"/>
+            </a:endParaRPr>
+          </a:p>
+        </p:txBody>
+      </p:sp>
+      <p:sp>
+        <p:nvSpPr>
+          <p:cNvPr id="129" name="TextBox 128"/>
+          <p:cNvSpPr txBox="1"/>
+          <p:nvPr/>
+        </p:nvSpPr>
+        <p:spPr>
+          <a:xfrm>
+            <a:off x="4292600" y="3225800"/>
+            <a:ext cx="548640" cy="307777"/>
+          </a:xfrm>
+          <a:prstGeom prst="rect">
+            <a:avLst/>
+          </a:prstGeom>
+          <a:noFill/>
+        </p:spPr>
+        <p:txBody>
+          <a:bodyPr wrap="square" rtlCol="0">
+            <a:spAutoFit/>
+          </a:bodyPr>
+          <a:lstStyle/>
+          <a:p>
+            <a:pPr algn="ctr"/>
+            <a:r>
+              <a:rPr lang="en-US" sz="1400" dirty="0" smtClean="0">
+                <a:latin typeface="Times New Roman" pitchFamily="18" charset="0"/>
+                <a:cs typeface="Times New Roman" pitchFamily="18" charset="0"/>
+              </a:rPr>
+              <a:t>2.12</a:t>
+            </a:r>
+            <a:endParaRPr lang="en-US" sz="1400" dirty="0">
+              <a:latin typeface="Times New Roman" pitchFamily="18" charset="0"/>
+              <a:cs typeface="Times New Roman" pitchFamily="18" charset="0"/>
+            </a:endParaRPr>
+          </a:p>
+        </p:txBody>
+      </p:sp>
+      <p:sp>
+        <p:nvSpPr>
+          <p:cNvPr id="130" name="TextBox 129"/>
+          <p:cNvSpPr txBox="1"/>
+          <p:nvPr/>
+        </p:nvSpPr>
+        <p:spPr>
+          <a:xfrm>
+            <a:off x="4292600" y="3810000"/>
+            <a:ext cx="548640" cy="307777"/>
+          </a:xfrm>
+          <a:prstGeom prst="rect">
+            <a:avLst/>
+          </a:prstGeom>
+          <a:noFill/>
+        </p:spPr>
+        <p:txBody>
+          <a:bodyPr wrap="square" rtlCol="0">
+            <a:spAutoFit/>
+          </a:bodyPr>
+          <a:lstStyle/>
+          <a:p>
+            <a:pPr algn="ctr"/>
+            <a:r>
+              <a:rPr lang="en-US" sz="1400" dirty="0" smtClean="0">
+                <a:latin typeface="Times New Roman" pitchFamily="18" charset="0"/>
+                <a:cs typeface="Times New Roman" pitchFamily="18" charset="0"/>
+              </a:rPr>
+              <a:t>2.32</a:t>
+            </a:r>
+            <a:endParaRPr lang="en-US" sz="1400" dirty="0">
+              <a:latin typeface="Times New Roman" pitchFamily="18" charset="0"/>
+              <a:cs typeface="Times New Roman" pitchFamily="18" charset="0"/>
+            </a:endParaRPr>
+          </a:p>
+        </p:txBody>
+      </p:sp>
+      <p:sp>
+        <p:nvSpPr>
+          <p:cNvPr id="131" name="TextBox 130"/>
+          <p:cNvSpPr txBox="1"/>
+          <p:nvPr/>
+        </p:nvSpPr>
+        <p:spPr>
+          <a:xfrm>
+            <a:off x="4292600" y="4343400"/>
             <a:ext cx="548640" cy="307777"/>
           </a:xfrm>
           <a:prstGeom prst="rect">
@@ -5309,16 +6238,20 @@
             <a:r>
               <a:rPr lang="en-US" sz="1400" dirty="0" smtClean="0">
                 <a:solidFill>
-                  <a:srgbClr val="7030A0"/>
+                  <a:schemeClr val="bg1">
+                    <a:lumMod val="85000"/>
+                  </a:schemeClr>
                 </a:solidFill>
                 <a:latin typeface="Times New Roman" pitchFamily="18" charset="0"/>
                 <a:cs typeface="Times New Roman" pitchFamily="18" charset="0"/>
               </a:rPr>
-              <a:t>0</a:t>
+              <a:t>4.82</a:t>
             </a:r>
             <a:endParaRPr lang="en-US" sz="1400" dirty="0">
               <a:solidFill>
-                <a:srgbClr val="7030A0"/>
+                <a:schemeClr val="bg1">
+                  <a:lumMod val="85000"/>
+                </a:schemeClr>
               </a:solidFill>
               <a:latin typeface="Times New Roman" pitchFamily="18" charset="0"/>
               <a:cs typeface="Times New Roman" pitchFamily="18" charset="0"/>
@@ -5328,13 +6261,13 @@
       </p:sp>
       <p:sp>
         <p:nvSpPr>
-          <p:cNvPr id="107" name="TextBox 106"/>
-          <p:cNvSpPr txBox="1"/>
-          <p:nvPr/>
-        </p:nvSpPr>
-        <p:spPr>
-          <a:xfrm>
-            <a:off x="2540000" y="2667000"/>
+          <p:cNvPr id="132" name="TextBox 131"/>
+          <p:cNvSpPr txBox="1"/>
+          <p:nvPr/>
+        </p:nvSpPr>
+        <p:spPr>
+          <a:xfrm>
+            <a:off x="4292600" y="4953000"/>
             <a:ext cx="548640" cy="307777"/>
           </a:xfrm>
           <a:prstGeom prst="rect">
@@ -5352,1091 +6285,20 @@
             <a:r>
               <a:rPr lang="en-US" sz="1400" dirty="0" smtClean="0">
                 <a:solidFill>
-                  <a:srgbClr val="7030A0"/>
+                  <a:schemeClr val="bg1">
+                    <a:lumMod val="85000"/>
+                  </a:schemeClr>
                 </a:solidFill>
                 <a:latin typeface="Times New Roman" pitchFamily="18" charset="0"/>
                 <a:cs typeface="Times New Roman" pitchFamily="18" charset="0"/>
               </a:rPr>
-              <a:t>0</a:t>
+              <a:t>4.53</a:t>
             </a:r>
             <a:endParaRPr lang="en-US" sz="1400" dirty="0">
               <a:solidFill>
-                <a:srgbClr val="7030A0"/>
-              </a:solidFill>
-              <a:latin typeface="Times New Roman" pitchFamily="18" charset="0"/>
-              <a:cs typeface="Times New Roman" pitchFamily="18" charset="0"/>
-            </a:endParaRPr>
-          </a:p>
-        </p:txBody>
-      </p:sp>
-      <p:sp>
-        <p:nvSpPr>
-          <p:cNvPr id="108" name="TextBox 107"/>
-          <p:cNvSpPr txBox="1"/>
-          <p:nvPr/>
-        </p:nvSpPr>
-        <p:spPr>
-          <a:xfrm>
-            <a:off x="2540000" y="3225800"/>
-            <a:ext cx="548640" cy="307777"/>
-          </a:xfrm>
-          <a:prstGeom prst="rect">
-            <a:avLst/>
-          </a:prstGeom>
-          <a:noFill/>
-        </p:spPr>
-        <p:txBody>
-          <a:bodyPr wrap="square" rtlCol="0">
-            <a:spAutoFit/>
-          </a:bodyPr>
-          <a:lstStyle/>
-          <a:p>
-            <a:pPr algn="ctr"/>
-            <a:r>
-              <a:rPr lang="en-US" sz="1400" dirty="0" smtClean="0">
-                <a:solidFill>
-                  <a:srgbClr val="7030A0"/>
-                </a:solidFill>
-                <a:latin typeface="Times New Roman" pitchFamily="18" charset="0"/>
-                <a:cs typeface="Times New Roman" pitchFamily="18" charset="0"/>
-              </a:rPr>
-              <a:t>4.45</a:t>
-            </a:r>
-            <a:endParaRPr lang="en-US" sz="1400" dirty="0">
-              <a:solidFill>
-                <a:srgbClr val="7030A0"/>
-              </a:solidFill>
-              <a:latin typeface="Times New Roman" pitchFamily="18" charset="0"/>
-              <a:cs typeface="Times New Roman" pitchFamily="18" charset="0"/>
-            </a:endParaRPr>
-          </a:p>
-        </p:txBody>
-      </p:sp>
-      <p:sp>
-        <p:nvSpPr>
-          <p:cNvPr id="109" name="TextBox 108"/>
-          <p:cNvSpPr txBox="1"/>
-          <p:nvPr/>
-        </p:nvSpPr>
-        <p:spPr>
-          <a:xfrm>
-            <a:off x="2540000" y="3810000"/>
-            <a:ext cx="548640" cy="307777"/>
-          </a:xfrm>
-          <a:prstGeom prst="rect">
-            <a:avLst/>
-          </a:prstGeom>
-          <a:noFill/>
-        </p:spPr>
-        <p:txBody>
-          <a:bodyPr wrap="square" rtlCol="0">
-            <a:spAutoFit/>
-          </a:bodyPr>
-          <a:lstStyle/>
-          <a:p>
-            <a:pPr algn="ctr"/>
-            <a:r>
-              <a:rPr lang="en-US" sz="1400" dirty="0" smtClean="0">
-                <a:solidFill>
-                  <a:srgbClr val="7030A0"/>
-                </a:solidFill>
-                <a:latin typeface="Times New Roman" pitchFamily="18" charset="0"/>
-                <a:cs typeface="Times New Roman" pitchFamily="18" charset="0"/>
-              </a:rPr>
-              <a:t>0</a:t>
-            </a:r>
-            <a:endParaRPr lang="en-US" sz="1400" dirty="0">
-              <a:solidFill>
-                <a:srgbClr val="7030A0"/>
-              </a:solidFill>
-              <a:latin typeface="Times New Roman" pitchFamily="18" charset="0"/>
-              <a:cs typeface="Times New Roman" pitchFamily="18" charset="0"/>
-            </a:endParaRPr>
-          </a:p>
-        </p:txBody>
-      </p:sp>
-      <p:sp>
-        <p:nvSpPr>
-          <p:cNvPr id="110" name="TextBox 109"/>
-          <p:cNvSpPr txBox="1"/>
-          <p:nvPr/>
-        </p:nvSpPr>
-        <p:spPr>
-          <a:xfrm>
-            <a:off x="2540000" y="4343400"/>
-            <a:ext cx="548640" cy="307777"/>
-          </a:xfrm>
-          <a:prstGeom prst="rect">
-            <a:avLst/>
-          </a:prstGeom>
-          <a:noFill/>
-        </p:spPr>
-        <p:txBody>
-          <a:bodyPr wrap="square" rtlCol="0">
-            <a:spAutoFit/>
-          </a:bodyPr>
-          <a:lstStyle/>
-          <a:p>
-            <a:pPr algn="ctr"/>
-            <a:r>
-              <a:rPr lang="en-US" sz="1400" dirty="0" smtClean="0">
-                <a:solidFill>
-                  <a:srgbClr val="7030A0"/>
-                </a:solidFill>
-                <a:latin typeface="Times New Roman" pitchFamily="18" charset="0"/>
-                <a:cs typeface="Times New Roman" pitchFamily="18" charset="0"/>
-              </a:rPr>
-              <a:t>3</a:t>
-            </a:r>
-            <a:endParaRPr lang="en-US" sz="1400" dirty="0">
-              <a:solidFill>
-                <a:srgbClr val="7030A0"/>
-              </a:solidFill>
-              <a:latin typeface="Times New Roman" pitchFamily="18" charset="0"/>
-              <a:cs typeface="Times New Roman" pitchFamily="18" charset="0"/>
-            </a:endParaRPr>
-          </a:p>
-        </p:txBody>
-      </p:sp>
-      <p:sp>
-        <p:nvSpPr>
-          <p:cNvPr id="111" name="TextBox 110"/>
-          <p:cNvSpPr txBox="1"/>
-          <p:nvPr/>
-        </p:nvSpPr>
-        <p:spPr>
-          <a:xfrm>
-            <a:off x="2540000" y="4953000"/>
-            <a:ext cx="548640" cy="307777"/>
-          </a:xfrm>
-          <a:prstGeom prst="rect">
-            <a:avLst/>
-          </a:prstGeom>
-          <a:noFill/>
-        </p:spPr>
-        <p:txBody>
-          <a:bodyPr wrap="square" rtlCol="0">
-            <a:spAutoFit/>
-          </a:bodyPr>
-          <a:lstStyle/>
-          <a:p>
-            <a:pPr algn="ctr"/>
-            <a:r>
-              <a:rPr lang="en-US" sz="1400" dirty="0" smtClean="0">
-                <a:solidFill>
-                  <a:srgbClr val="7030A0"/>
-                </a:solidFill>
-                <a:latin typeface="Times New Roman" pitchFamily="18" charset="0"/>
-                <a:cs typeface="Times New Roman" pitchFamily="18" charset="0"/>
-              </a:rPr>
-              <a:t>0</a:t>
-            </a:r>
-            <a:endParaRPr lang="en-US" sz="1400" dirty="0">
-              <a:solidFill>
-                <a:srgbClr val="7030A0"/>
-              </a:solidFill>
-              <a:latin typeface="Times New Roman" pitchFamily="18" charset="0"/>
-              <a:cs typeface="Times New Roman" pitchFamily="18" charset="0"/>
-            </a:endParaRPr>
-          </a:p>
-        </p:txBody>
-      </p:sp>
-      <p:sp>
-        <p:nvSpPr>
-          <p:cNvPr id="112" name="TextBox 111"/>
-          <p:cNvSpPr txBox="1"/>
-          <p:nvPr/>
-        </p:nvSpPr>
-        <p:spPr>
-          <a:xfrm>
-            <a:off x="3048000" y="1587500"/>
-            <a:ext cx="548640" cy="307777"/>
-          </a:xfrm>
-          <a:prstGeom prst="rect">
-            <a:avLst/>
-          </a:prstGeom>
-          <a:noFill/>
-        </p:spPr>
-        <p:txBody>
-          <a:bodyPr wrap="square" rtlCol="0">
-            <a:spAutoFit/>
-          </a:bodyPr>
-          <a:lstStyle/>
-          <a:p>
-            <a:pPr algn="ctr"/>
-            <a:r>
-              <a:rPr lang="en-US" sz="1400" dirty="0" smtClean="0">
-                <a:solidFill>
-                  <a:srgbClr val="7030A0"/>
-                </a:solidFill>
-                <a:latin typeface="Times New Roman" pitchFamily="18" charset="0"/>
-                <a:cs typeface="Times New Roman" pitchFamily="18" charset="0"/>
-              </a:rPr>
-              <a:t>0</a:t>
-            </a:r>
-            <a:endParaRPr lang="en-US" sz="1400" dirty="0">
-              <a:solidFill>
-                <a:srgbClr val="7030A0"/>
-              </a:solidFill>
-              <a:latin typeface="Times New Roman" pitchFamily="18" charset="0"/>
-              <a:cs typeface="Times New Roman" pitchFamily="18" charset="0"/>
-            </a:endParaRPr>
-          </a:p>
-        </p:txBody>
-      </p:sp>
-      <p:sp>
-        <p:nvSpPr>
-          <p:cNvPr id="113" name="TextBox 112"/>
-          <p:cNvSpPr txBox="1"/>
-          <p:nvPr/>
-        </p:nvSpPr>
-        <p:spPr>
-          <a:xfrm>
-            <a:off x="3073400" y="2133600"/>
-            <a:ext cx="548640" cy="307777"/>
-          </a:xfrm>
-          <a:prstGeom prst="rect">
-            <a:avLst/>
-          </a:prstGeom>
-          <a:noFill/>
-        </p:spPr>
-        <p:txBody>
-          <a:bodyPr wrap="square" rtlCol="0">
-            <a:spAutoFit/>
-          </a:bodyPr>
-          <a:lstStyle/>
-          <a:p>
-            <a:pPr algn="ctr"/>
-            <a:r>
-              <a:rPr lang="en-US" sz="1400" dirty="0" smtClean="0">
-                <a:solidFill>
-                  <a:srgbClr val="7030A0"/>
-                </a:solidFill>
-                <a:latin typeface="Times New Roman" pitchFamily="18" charset="0"/>
-                <a:cs typeface="Times New Roman" pitchFamily="18" charset="0"/>
-              </a:rPr>
-              <a:t>1.9</a:t>
-            </a:r>
-            <a:endParaRPr lang="en-US" sz="1400" dirty="0">
-              <a:solidFill>
-                <a:srgbClr val="7030A0"/>
-              </a:solidFill>
-              <a:latin typeface="Times New Roman" pitchFamily="18" charset="0"/>
-              <a:cs typeface="Times New Roman" pitchFamily="18" charset="0"/>
-            </a:endParaRPr>
-          </a:p>
-        </p:txBody>
-      </p:sp>
-      <p:sp>
-        <p:nvSpPr>
-          <p:cNvPr id="114" name="TextBox 113"/>
-          <p:cNvSpPr txBox="1"/>
-          <p:nvPr/>
-        </p:nvSpPr>
-        <p:spPr>
-          <a:xfrm>
-            <a:off x="3073400" y="2667000"/>
-            <a:ext cx="548640" cy="307777"/>
-          </a:xfrm>
-          <a:prstGeom prst="rect">
-            <a:avLst/>
-          </a:prstGeom>
-          <a:noFill/>
-        </p:spPr>
-        <p:txBody>
-          <a:bodyPr wrap="square" rtlCol="0">
-            <a:spAutoFit/>
-          </a:bodyPr>
-          <a:lstStyle/>
-          <a:p>
-            <a:pPr algn="ctr"/>
-            <a:r>
-              <a:rPr lang="en-US" sz="1400" dirty="0" smtClean="0">
-                <a:solidFill>
-                  <a:srgbClr val="7030A0"/>
-                </a:solidFill>
-                <a:latin typeface="Times New Roman" pitchFamily="18" charset="0"/>
-                <a:cs typeface="Times New Roman" pitchFamily="18" charset="0"/>
-              </a:rPr>
-              <a:t>1.5</a:t>
-            </a:r>
-            <a:endParaRPr lang="en-US" sz="1400" dirty="0">
-              <a:solidFill>
-                <a:srgbClr val="7030A0"/>
-              </a:solidFill>
-              <a:latin typeface="Times New Roman" pitchFamily="18" charset="0"/>
-              <a:cs typeface="Times New Roman" pitchFamily="18" charset="0"/>
-            </a:endParaRPr>
-          </a:p>
-        </p:txBody>
-      </p:sp>
-      <p:sp>
-        <p:nvSpPr>
-          <p:cNvPr id="115" name="TextBox 114"/>
-          <p:cNvSpPr txBox="1"/>
-          <p:nvPr/>
-        </p:nvSpPr>
-        <p:spPr>
-          <a:xfrm>
-            <a:off x="3073400" y="3225800"/>
-            <a:ext cx="548640" cy="307777"/>
-          </a:xfrm>
-          <a:prstGeom prst="rect">
-            <a:avLst/>
-          </a:prstGeom>
-          <a:noFill/>
-        </p:spPr>
-        <p:txBody>
-          <a:bodyPr wrap="square" rtlCol="0">
-            <a:spAutoFit/>
-          </a:bodyPr>
-          <a:lstStyle/>
-          <a:p>
-            <a:pPr algn="ctr"/>
-            <a:r>
-              <a:rPr lang="en-US" sz="1400" dirty="0" smtClean="0">
-                <a:solidFill>
-                  <a:srgbClr val="7030A0"/>
-                </a:solidFill>
-                <a:latin typeface="Times New Roman" pitchFamily="18" charset="0"/>
-                <a:cs typeface="Times New Roman" pitchFamily="18" charset="0"/>
-              </a:rPr>
-              <a:t>0</a:t>
-            </a:r>
-            <a:endParaRPr lang="en-US" sz="1400" dirty="0">
-              <a:solidFill>
-                <a:srgbClr val="7030A0"/>
-              </a:solidFill>
-              <a:latin typeface="Times New Roman" pitchFamily="18" charset="0"/>
-              <a:cs typeface="Times New Roman" pitchFamily="18" charset="0"/>
-            </a:endParaRPr>
-          </a:p>
-        </p:txBody>
-      </p:sp>
-      <p:sp>
-        <p:nvSpPr>
-          <p:cNvPr id="116" name="TextBox 115"/>
-          <p:cNvSpPr txBox="1"/>
-          <p:nvPr/>
-        </p:nvSpPr>
-        <p:spPr>
-          <a:xfrm>
-            <a:off x="3073400" y="3810000"/>
-            <a:ext cx="548640" cy="307777"/>
-          </a:xfrm>
-          <a:prstGeom prst="rect">
-            <a:avLst/>
-          </a:prstGeom>
-          <a:noFill/>
-        </p:spPr>
-        <p:txBody>
-          <a:bodyPr wrap="square" rtlCol="0">
-            <a:spAutoFit/>
-          </a:bodyPr>
-          <a:lstStyle/>
-          <a:p>
-            <a:pPr algn="ctr"/>
-            <a:r>
-              <a:rPr lang="en-US" sz="1400" dirty="0" smtClean="0">
-                <a:solidFill>
-                  <a:srgbClr val="7030A0"/>
-                </a:solidFill>
-                <a:latin typeface="Times New Roman" pitchFamily="18" charset="0"/>
-                <a:cs typeface="Times New Roman" pitchFamily="18" charset="0"/>
-              </a:rPr>
-              <a:t>3.4</a:t>
-            </a:r>
-            <a:endParaRPr lang="en-US" sz="1400" dirty="0">
-              <a:solidFill>
-                <a:srgbClr val="7030A0"/>
-              </a:solidFill>
-              <a:latin typeface="Times New Roman" pitchFamily="18" charset="0"/>
-              <a:cs typeface="Times New Roman" pitchFamily="18" charset="0"/>
-            </a:endParaRPr>
-          </a:p>
-        </p:txBody>
-      </p:sp>
-      <p:sp>
-        <p:nvSpPr>
-          <p:cNvPr id="117" name="TextBox 116"/>
-          <p:cNvSpPr txBox="1"/>
-          <p:nvPr/>
-        </p:nvSpPr>
-        <p:spPr>
-          <a:xfrm>
-            <a:off x="3073400" y="4343400"/>
-            <a:ext cx="548640" cy="307777"/>
-          </a:xfrm>
-          <a:prstGeom prst="rect">
-            <a:avLst/>
-          </a:prstGeom>
-          <a:noFill/>
-        </p:spPr>
-        <p:txBody>
-          <a:bodyPr wrap="square" rtlCol="0">
-            <a:spAutoFit/>
-          </a:bodyPr>
-          <a:lstStyle/>
-          <a:p>
-            <a:pPr algn="ctr"/>
-            <a:r>
-              <a:rPr lang="en-US" sz="1400" dirty="0" smtClean="0">
-                <a:solidFill>
-                  <a:srgbClr val="7030A0"/>
-                </a:solidFill>
-                <a:latin typeface="Times New Roman" pitchFamily="18" charset="0"/>
-                <a:cs typeface="Times New Roman" pitchFamily="18" charset="0"/>
-              </a:rPr>
-              <a:t>0</a:t>
-            </a:r>
-            <a:endParaRPr lang="en-US" sz="1400" dirty="0">
-              <a:solidFill>
-                <a:srgbClr val="7030A0"/>
-              </a:solidFill>
-              <a:latin typeface="Times New Roman" pitchFamily="18" charset="0"/>
-              <a:cs typeface="Times New Roman" pitchFamily="18" charset="0"/>
-            </a:endParaRPr>
-          </a:p>
-        </p:txBody>
-      </p:sp>
-      <p:sp>
-        <p:nvSpPr>
-          <p:cNvPr id="118" name="TextBox 117"/>
-          <p:cNvSpPr txBox="1"/>
-          <p:nvPr/>
-        </p:nvSpPr>
-        <p:spPr>
-          <a:xfrm>
-            <a:off x="3073400" y="4953000"/>
-            <a:ext cx="548640" cy="307777"/>
-          </a:xfrm>
-          <a:prstGeom prst="rect">
-            <a:avLst/>
-          </a:prstGeom>
-          <a:noFill/>
-        </p:spPr>
-        <p:txBody>
-          <a:bodyPr wrap="square" rtlCol="0">
-            <a:spAutoFit/>
-          </a:bodyPr>
-          <a:lstStyle/>
-          <a:p>
-            <a:pPr algn="ctr"/>
-            <a:r>
-              <a:rPr lang="en-US" sz="1400" dirty="0" smtClean="0">
-                <a:solidFill>
-                  <a:srgbClr val="7030A0"/>
-                </a:solidFill>
-                <a:latin typeface="Times New Roman" pitchFamily="18" charset="0"/>
-                <a:cs typeface="Times New Roman" pitchFamily="18" charset="0"/>
-              </a:rPr>
-              <a:t>1.69</a:t>
-            </a:r>
-            <a:endParaRPr lang="en-US" sz="1400" dirty="0">
-              <a:solidFill>
-                <a:srgbClr val="7030A0"/>
-              </a:solidFill>
-              <a:latin typeface="Times New Roman" pitchFamily="18" charset="0"/>
-              <a:cs typeface="Times New Roman" pitchFamily="18" charset="0"/>
-            </a:endParaRPr>
-          </a:p>
-        </p:txBody>
-      </p:sp>
-      <p:sp>
-        <p:nvSpPr>
-          <p:cNvPr id="119" name="TextBox 118"/>
-          <p:cNvSpPr txBox="1"/>
-          <p:nvPr/>
-        </p:nvSpPr>
-        <p:spPr>
-          <a:xfrm>
-            <a:off x="3657600" y="1600200"/>
-            <a:ext cx="548640" cy="307777"/>
-          </a:xfrm>
-          <a:prstGeom prst="rect">
-            <a:avLst/>
-          </a:prstGeom>
-          <a:noFill/>
-        </p:spPr>
-        <p:txBody>
-          <a:bodyPr wrap="square" rtlCol="0">
-            <a:spAutoFit/>
-          </a:bodyPr>
-          <a:lstStyle/>
-          <a:p>
-            <a:pPr algn="ctr"/>
-            <a:r>
-              <a:rPr lang="en-US" sz="1400" dirty="0" smtClean="0">
-                <a:solidFill>
-                  <a:srgbClr val="7030A0"/>
-                </a:solidFill>
-                <a:latin typeface="Times New Roman" pitchFamily="18" charset="0"/>
-                <a:cs typeface="Times New Roman" pitchFamily="18" charset="0"/>
-              </a:rPr>
-              <a:t>0</a:t>
-            </a:r>
-            <a:endParaRPr lang="en-US" sz="1400" dirty="0">
-              <a:solidFill>
-                <a:srgbClr val="7030A0"/>
-              </a:solidFill>
-              <a:latin typeface="Times New Roman" pitchFamily="18" charset="0"/>
-              <a:cs typeface="Times New Roman" pitchFamily="18" charset="0"/>
-            </a:endParaRPr>
-          </a:p>
-        </p:txBody>
-      </p:sp>
-      <p:sp>
-        <p:nvSpPr>
-          <p:cNvPr id="120" name="TextBox 119"/>
-          <p:cNvSpPr txBox="1"/>
-          <p:nvPr/>
-        </p:nvSpPr>
-        <p:spPr>
-          <a:xfrm>
-            <a:off x="3683000" y="2146300"/>
-            <a:ext cx="548640" cy="307777"/>
-          </a:xfrm>
-          <a:prstGeom prst="rect">
-            <a:avLst/>
-          </a:prstGeom>
-          <a:noFill/>
-        </p:spPr>
-        <p:txBody>
-          <a:bodyPr wrap="square" rtlCol="0">
-            <a:spAutoFit/>
-          </a:bodyPr>
-          <a:lstStyle/>
-          <a:p>
-            <a:pPr algn="ctr"/>
-            <a:r>
-              <a:rPr lang="en-US" sz="1400" dirty="0" smtClean="0">
-                <a:solidFill>
-                  <a:srgbClr val="7030A0"/>
-                </a:solidFill>
-                <a:latin typeface="Times New Roman" pitchFamily="18" charset="0"/>
-                <a:cs typeface="Times New Roman" pitchFamily="18" charset="0"/>
-              </a:rPr>
-              <a:t>2.64</a:t>
-            </a:r>
-            <a:endParaRPr lang="en-US" sz="1400" dirty="0">
-              <a:solidFill>
-                <a:srgbClr val="7030A0"/>
-              </a:solidFill>
-              <a:latin typeface="Times New Roman" pitchFamily="18" charset="0"/>
-              <a:cs typeface="Times New Roman" pitchFamily="18" charset="0"/>
-            </a:endParaRPr>
-          </a:p>
-        </p:txBody>
-      </p:sp>
-      <p:sp>
-        <p:nvSpPr>
-          <p:cNvPr id="121" name="TextBox 120"/>
-          <p:cNvSpPr txBox="1"/>
-          <p:nvPr/>
-        </p:nvSpPr>
-        <p:spPr>
-          <a:xfrm>
-            <a:off x="3683000" y="2679700"/>
-            <a:ext cx="548640" cy="307777"/>
-          </a:xfrm>
-          <a:prstGeom prst="rect">
-            <a:avLst/>
-          </a:prstGeom>
-          <a:noFill/>
-        </p:spPr>
-        <p:txBody>
-          <a:bodyPr wrap="square" rtlCol="0">
-            <a:spAutoFit/>
-          </a:bodyPr>
-          <a:lstStyle/>
-          <a:p>
-            <a:pPr algn="ctr"/>
-            <a:r>
-              <a:rPr lang="en-US" sz="1400" dirty="0" smtClean="0">
-                <a:solidFill>
-                  <a:srgbClr val="7030A0"/>
-                </a:solidFill>
-                <a:latin typeface="Times New Roman" pitchFamily="18" charset="0"/>
-                <a:cs typeface="Times New Roman" pitchFamily="18" charset="0"/>
-              </a:rPr>
-              <a:t>1.68</a:t>
-            </a:r>
-            <a:endParaRPr lang="en-US" sz="1400" dirty="0">
-              <a:solidFill>
-                <a:srgbClr val="7030A0"/>
-              </a:solidFill>
-              <a:latin typeface="Times New Roman" pitchFamily="18" charset="0"/>
-              <a:cs typeface="Times New Roman" pitchFamily="18" charset="0"/>
-            </a:endParaRPr>
-          </a:p>
-        </p:txBody>
-      </p:sp>
-      <p:sp>
-        <p:nvSpPr>
-          <p:cNvPr id="122" name="TextBox 121"/>
-          <p:cNvSpPr txBox="1"/>
-          <p:nvPr/>
-        </p:nvSpPr>
-        <p:spPr>
-          <a:xfrm>
-            <a:off x="3683000" y="3238500"/>
-            <a:ext cx="548640" cy="307777"/>
-          </a:xfrm>
-          <a:prstGeom prst="rect">
-            <a:avLst/>
-          </a:prstGeom>
-          <a:noFill/>
-        </p:spPr>
-        <p:txBody>
-          <a:bodyPr wrap="square" rtlCol="0">
-            <a:spAutoFit/>
-          </a:bodyPr>
-          <a:lstStyle/>
-          <a:p>
-            <a:pPr algn="ctr"/>
-            <a:r>
-              <a:rPr lang="en-US" sz="1400" dirty="0" smtClean="0">
-                <a:solidFill>
-                  <a:srgbClr val="7030A0"/>
-                </a:solidFill>
-                <a:latin typeface="Times New Roman" pitchFamily="18" charset="0"/>
-                <a:cs typeface="Times New Roman" pitchFamily="18" charset="0"/>
-              </a:rPr>
-              <a:t>0</a:t>
-            </a:r>
-            <a:endParaRPr lang="en-US" sz="1400" dirty="0">
-              <a:solidFill>
-                <a:srgbClr val="7030A0"/>
-              </a:solidFill>
-              <a:latin typeface="Times New Roman" pitchFamily="18" charset="0"/>
-              <a:cs typeface="Times New Roman" pitchFamily="18" charset="0"/>
-            </a:endParaRPr>
-          </a:p>
-        </p:txBody>
-      </p:sp>
-      <p:sp>
-        <p:nvSpPr>
-          <p:cNvPr id="123" name="TextBox 122"/>
-          <p:cNvSpPr txBox="1"/>
-          <p:nvPr/>
-        </p:nvSpPr>
-        <p:spPr>
-          <a:xfrm>
-            <a:off x="3683000" y="3822700"/>
-            <a:ext cx="548640" cy="307777"/>
-          </a:xfrm>
-          <a:prstGeom prst="rect">
-            <a:avLst/>
-          </a:prstGeom>
-          <a:noFill/>
-        </p:spPr>
-        <p:txBody>
-          <a:bodyPr wrap="square" rtlCol="0">
-            <a:spAutoFit/>
-          </a:bodyPr>
-          <a:lstStyle/>
-          <a:p>
-            <a:pPr algn="ctr"/>
-            <a:r>
-              <a:rPr lang="en-US" sz="1400" dirty="0" smtClean="0">
-                <a:solidFill>
-                  <a:srgbClr val="7030A0"/>
-                </a:solidFill>
-                <a:latin typeface="Times New Roman" pitchFamily="18" charset="0"/>
-                <a:cs typeface="Times New Roman" pitchFamily="18" charset="0"/>
-              </a:rPr>
-              <a:t>0</a:t>
-            </a:r>
-            <a:endParaRPr lang="en-US" sz="1400" dirty="0">
-              <a:solidFill>
-                <a:srgbClr val="7030A0"/>
-              </a:solidFill>
-              <a:latin typeface="Times New Roman" pitchFamily="18" charset="0"/>
-              <a:cs typeface="Times New Roman" pitchFamily="18" charset="0"/>
-            </a:endParaRPr>
-          </a:p>
-        </p:txBody>
-      </p:sp>
-      <p:sp>
-        <p:nvSpPr>
-          <p:cNvPr id="124" name="TextBox 123"/>
-          <p:cNvSpPr txBox="1"/>
-          <p:nvPr/>
-        </p:nvSpPr>
-        <p:spPr>
-          <a:xfrm>
-            <a:off x="3683000" y="4356100"/>
-            <a:ext cx="548640" cy="307777"/>
-          </a:xfrm>
-          <a:prstGeom prst="rect">
-            <a:avLst/>
-          </a:prstGeom>
-          <a:noFill/>
-        </p:spPr>
-        <p:txBody>
-          <a:bodyPr wrap="square" rtlCol="0">
-            <a:spAutoFit/>
-          </a:bodyPr>
-          <a:lstStyle/>
-          <a:p>
-            <a:pPr algn="ctr"/>
-            <a:r>
-              <a:rPr lang="en-US" sz="1400" dirty="0" smtClean="0">
-                <a:solidFill>
-                  <a:srgbClr val="7030A0"/>
-                </a:solidFill>
-                <a:latin typeface="Times New Roman" pitchFamily="18" charset="0"/>
-                <a:cs typeface="Times New Roman" pitchFamily="18" charset="0"/>
-              </a:rPr>
-              <a:t>3.62</a:t>
-            </a:r>
-            <a:endParaRPr lang="en-US" sz="1400" dirty="0">
-              <a:solidFill>
-                <a:srgbClr val="7030A0"/>
-              </a:solidFill>
-              <a:latin typeface="Times New Roman" pitchFamily="18" charset="0"/>
-              <a:cs typeface="Times New Roman" pitchFamily="18" charset="0"/>
-            </a:endParaRPr>
-          </a:p>
-        </p:txBody>
-      </p:sp>
-      <p:sp>
-        <p:nvSpPr>
-          <p:cNvPr id="125" name="TextBox 124"/>
-          <p:cNvSpPr txBox="1"/>
-          <p:nvPr/>
-        </p:nvSpPr>
-        <p:spPr>
-          <a:xfrm>
-            <a:off x="3683000" y="4965700"/>
-            <a:ext cx="548640" cy="307777"/>
-          </a:xfrm>
-          <a:prstGeom prst="rect">
-            <a:avLst/>
-          </a:prstGeom>
-          <a:noFill/>
-        </p:spPr>
-        <p:txBody>
-          <a:bodyPr wrap="square" rtlCol="0">
-            <a:spAutoFit/>
-          </a:bodyPr>
-          <a:lstStyle/>
-          <a:p>
-            <a:pPr algn="ctr"/>
-            <a:r>
-              <a:rPr lang="en-US" sz="1400" dirty="0" smtClean="0">
-                <a:solidFill>
-                  <a:srgbClr val="7030A0"/>
-                </a:solidFill>
-                <a:latin typeface="Times New Roman" pitchFamily="18" charset="0"/>
-                <a:cs typeface="Times New Roman" pitchFamily="18" charset="0"/>
-              </a:rPr>
-              <a:t>0</a:t>
-            </a:r>
-            <a:endParaRPr lang="en-US" sz="1400" dirty="0">
-              <a:solidFill>
-                <a:srgbClr val="7030A0"/>
-              </a:solidFill>
-              <a:latin typeface="Times New Roman" pitchFamily="18" charset="0"/>
-              <a:cs typeface="Times New Roman" pitchFamily="18" charset="0"/>
-            </a:endParaRPr>
-          </a:p>
-        </p:txBody>
-      </p:sp>
-      <p:sp>
-        <p:nvSpPr>
-          <p:cNvPr id="126" name="TextBox 125"/>
-          <p:cNvSpPr txBox="1"/>
-          <p:nvPr/>
-        </p:nvSpPr>
-        <p:spPr>
-          <a:xfrm>
-            <a:off x="4267200" y="1587500"/>
-            <a:ext cx="548640" cy="307777"/>
-          </a:xfrm>
-          <a:prstGeom prst="rect">
-            <a:avLst/>
-          </a:prstGeom>
-          <a:noFill/>
-        </p:spPr>
-        <p:txBody>
-          <a:bodyPr wrap="square" rtlCol="0">
-            <a:spAutoFit/>
-          </a:bodyPr>
-          <a:lstStyle/>
-          <a:p>
-            <a:pPr algn="ctr"/>
-            <a:r>
-              <a:rPr lang="en-US" sz="1400" dirty="0" smtClean="0">
-                <a:solidFill>
-                  <a:srgbClr val="7030A0"/>
-                </a:solidFill>
-                <a:latin typeface="Times New Roman" pitchFamily="18" charset="0"/>
-                <a:cs typeface="Times New Roman" pitchFamily="18" charset="0"/>
-              </a:rPr>
-              <a:t>0</a:t>
-            </a:r>
-            <a:endParaRPr lang="en-US" sz="1400" dirty="0">
-              <a:solidFill>
-                <a:srgbClr val="7030A0"/>
-              </a:solidFill>
-              <a:latin typeface="Times New Roman" pitchFamily="18" charset="0"/>
-              <a:cs typeface="Times New Roman" pitchFamily="18" charset="0"/>
-            </a:endParaRPr>
-          </a:p>
-        </p:txBody>
-      </p:sp>
-      <p:sp>
-        <p:nvSpPr>
-          <p:cNvPr id="127" name="TextBox 126"/>
-          <p:cNvSpPr txBox="1"/>
-          <p:nvPr/>
-        </p:nvSpPr>
-        <p:spPr>
-          <a:xfrm>
-            <a:off x="4292600" y="2133600"/>
-            <a:ext cx="548640" cy="307777"/>
-          </a:xfrm>
-          <a:prstGeom prst="rect">
-            <a:avLst/>
-          </a:prstGeom>
-          <a:noFill/>
-        </p:spPr>
-        <p:txBody>
-          <a:bodyPr wrap="square" rtlCol="0">
-            <a:spAutoFit/>
-          </a:bodyPr>
-          <a:lstStyle/>
-          <a:p>
-            <a:pPr algn="ctr"/>
-            <a:r>
-              <a:rPr lang="en-US" sz="1400" dirty="0" smtClean="0">
-                <a:solidFill>
-                  <a:srgbClr val="7030A0"/>
-                </a:solidFill>
-                <a:latin typeface="Times New Roman" pitchFamily="18" charset="0"/>
-                <a:cs typeface="Times New Roman" pitchFamily="18" charset="0"/>
-              </a:rPr>
-              <a:t>0</a:t>
-            </a:r>
-            <a:endParaRPr lang="en-US" sz="1400" dirty="0">
-              <a:solidFill>
-                <a:srgbClr val="7030A0"/>
-              </a:solidFill>
-              <a:latin typeface="Times New Roman" pitchFamily="18" charset="0"/>
-              <a:cs typeface="Times New Roman" pitchFamily="18" charset="0"/>
-            </a:endParaRPr>
-          </a:p>
-        </p:txBody>
-      </p:sp>
-      <p:sp>
-        <p:nvSpPr>
-          <p:cNvPr id="128" name="TextBox 127"/>
-          <p:cNvSpPr txBox="1"/>
-          <p:nvPr/>
-        </p:nvSpPr>
-        <p:spPr>
-          <a:xfrm>
-            <a:off x="4292600" y="2667000"/>
-            <a:ext cx="548640" cy="307777"/>
-          </a:xfrm>
-          <a:prstGeom prst="rect">
-            <a:avLst/>
-          </a:prstGeom>
-          <a:noFill/>
-        </p:spPr>
-        <p:txBody>
-          <a:bodyPr wrap="square" rtlCol="0">
-            <a:spAutoFit/>
-          </a:bodyPr>
-          <a:lstStyle/>
-          <a:p>
-            <a:pPr algn="ctr"/>
-            <a:r>
-              <a:rPr lang="en-US" sz="1400" dirty="0" smtClean="0">
-                <a:solidFill>
-                  <a:srgbClr val="7030A0"/>
-                </a:solidFill>
-                <a:latin typeface="Times New Roman" pitchFamily="18" charset="0"/>
-                <a:cs typeface="Times New Roman" pitchFamily="18" charset="0"/>
-              </a:rPr>
-              <a:t>0</a:t>
-            </a:r>
-            <a:endParaRPr lang="en-US" sz="1400" dirty="0">
-              <a:solidFill>
-                <a:srgbClr val="7030A0"/>
-              </a:solidFill>
-              <a:latin typeface="Times New Roman" pitchFamily="18" charset="0"/>
-              <a:cs typeface="Times New Roman" pitchFamily="18" charset="0"/>
-            </a:endParaRPr>
-          </a:p>
-        </p:txBody>
-      </p:sp>
-      <p:sp>
-        <p:nvSpPr>
-          <p:cNvPr id="129" name="TextBox 128"/>
-          <p:cNvSpPr txBox="1"/>
-          <p:nvPr/>
-        </p:nvSpPr>
-        <p:spPr>
-          <a:xfrm>
-            <a:off x="4292600" y="3225800"/>
-            <a:ext cx="548640" cy="307777"/>
-          </a:xfrm>
-          <a:prstGeom prst="rect">
-            <a:avLst/>
-          </a:prstGeom>
-          <a:noFill/>
-        </p:spPr>
-        <p:txBody>
-          <a:bodyPr wrap="square" rtlCol="0">
-            <a:spAutoFit/>
-          </a:bodyPr>
-          <a:lstStyle/>
-          <a:p>
-            <a:pPr algn="ctr"/>
-            <a:r>
-              <a:rPr lang="en-US" sz="1400" dirty="0" smtClean="0">
-                <a:solidFill>
-                  <a:srgbClr val="7030A0"/>
-                </a:solidFill>
-                <a:latin typeface="Times New Roman" pitchFamily="18" charset="0"/>
-                <a:cs typeface="Times New Roman" pitchFamily="18" charset="0"/>
-              </a:rPr>
-              <a:t>2.12</a:t>
-            </a:r>
-            <a:endParaRPr lang="en-US" sz="1400" dirty="0">
-              <a:solidFill>
-                <a:srgbClr val="7030A0"/>
-              </a:solidFill>
-              <a:latin typeface="Times New Roman" pitchFamily="18" charset="0"/>
-              <a:cs typeface="Times New Roman" pitchFamily="18" charset="0"/>
-            </a:endParaRPr>
-          </a:p>
-        </p:txBody>
-      </p:sp>
-      <p:sp>
-        <p:nvSpPr>
-          <p:cNvPr id="130" name="TextBox 129"/>
-          <p:cNvSpPr txBox="1"/>
-          <p:nvPr/>
-        </p:nvSpPr>
-        <p:spPr>
-          <a:xfrm>
-            <a:off x="4292600" y="3810000"/>
-            <a:ext cx="548640" cy="307777"/>
-          </a:xfrm>
-          <a:prstGeom prst="rect">
-            <a:avLst/>
-          </a:prstGeom>
-          <a:noFill/>
-        </p:spPr>
-        <p:txBody>
-          <a:bodyPr wrap="square" rtlCol="0">
-            <a:spAutoFit/>
-          </a:bodyPr>
-          <a:lstStyle/>
-          <a:p>
-            <a:pPr algn="ctr"/>
-            <a:r>
-              <a:rPr lang="en-US" sz="1400" dirty="0" smtClean="0">
-                <a:solidFill>
-                  <a:srgbClr val="7030A0"/>
-                </a:solidFill>
-                <a:latin typeface="Times New Roman" pitchFamily="18" charset="0"/>
-                <a:cs typeface="Times New Roman" pitchFamily="18" charset="0"/>
-              </a:rPr>
-              <a:t>4.17</a:t>
-            </a:r>
-            <a:endParaRPr lang="en-US" sz="1400" dirty="0">
-              <a:solidFill>
-                <a:srgbClr val="7030A0"/>
-              </a:solidFill>
-              <a:latin typeface="Times New Roman" pitchFamily="18" charset="0"/>
-              <a:cs typeface="Times New Roman" pitchFamily="18" charset="0"/>
-            </a:endParaRPr>
-          </a:p>
-        </p:txBody>
-      </p:sp>
-      <p:sp>
-        <p:nvSpPr>
-          <p:cNvPr id="131" name="TextBox 130"/>
-          <p:cNvSpPr txBox="1"/>
-          <p:nvPr/>
-        </p:nvSpPr>
-        <p:spPr>
-          <a:xfrm>
-            <a:off x="4292600" y="4343400"/>
-            <a:ext cx="548640" cy="307777"/>
-          </a:xfrm>
-          <a:prstGeom prst="rect">
-            <a:avLst/>
-          </a:prstGeom>
-          <a:noFill/>
-        </p:spPr>
-        <p:txBody>
-          <a:bodyPr wrap="square" rtlCol="0">
-            <a:spAutoFit/>
-          </a:bodyPr>
-          <a:lstStyle/>
-          <a:p>
-            <a:pPr algn="ctr"/>
-            <a:r>
-              <a:rPr lang="en-US" sz="1400" dirty="0" smtClean="0">
-                <a:solidFill>
-                  <a:srgbClr val="7030A0"/>
-                </a:solidFill>
-                <a:latin typeface="Times New Roman" pitchFamily="18" charset="0"/>
-                <a:cs typeface="Times New Roman" pitchFamily="18" charset="0"/>
-              </a:rPr>
-              <a:t>2.8</a:t>
-            </a:r>
-            <a:endParaRPr lang="en-US" sz="1400" dirty="0">
-              <a:solidFill>
-                <a:srgbClr val="7030A0"/>
-              </a:solidFill>
-              <a:latin typeface="Times New Roman" pitchFamily="18" charset="0"/>
-              <a:cs typeface="Times New Roman" pitchFamily="18" charset="0"/>
-            </a:endParaRPr>
-          </a:p>
-        </p:txBody>
-      </p:sp>
-      <p:sp>
-        <p:nvSpPr>
-          <p:cNvPr id="132" name="TextBox 131"/>
-          <p:cNvSpPr txBox="1"/>
-          <p:nvPr/>
-        </p:nvSpPr>
-        <p:spPr>
-          <a:xfrm>
-            <a:off x="4292600" y="4953000"/>
-            <a:ext cx="548640" cy="307777"/>
-          </a:xfrm>
-          <a:prstGeom prst="rect">
-            <a:avLst/>
-          </a:prstGeom>
-          <a:noFill/>
-        </p:spPr>
-        <p:txBody>
-          <a:bodyPr wrap="square" rtlCol="0">
-            <a:spAutoFit/>
-          </a:bodyPr>
-          <a:lstStyle/>
-          <a:p>
-            <a:pPr algn="ctr"/>
-            <a:r>
-              <a:rPr lang="en-US" sz="1400" dirty="0" smtClean="0">
-                <a:solidFill>
-                  <a:srgbClr val="7030A0"/>
-                </a:solidFill>
-                <a:latin typeface="Times New Roman" pitchFamily="18" charset="0"/>
-                <a:cs typeface="Times New Roman" pitchFamily="18" charset="0"/>
-              </a:rPr>
-              <a:t>0</a:t>
-            </a:r>
-            <a:endParaRPr lang="en-US" sz="1400" dirty="0">
-              <a:solidFill>
-                <a:srgbClr val="7030A0"/>
+                <a:schemeClr val="bg1">
+                  <a:lumMod val="85000"/>
+                </a:schemeClr>
               </a:solidFill>
               <a:latin typeface="Times New Roman" pitchFamily="18" charset="0"/>
               <a:cs typeface="Times New Roman" pitchFamily="18" charset="0"/>
@@ -6469,18 +6331,12 @@
             <a:pPr algn="ctr"/>
             <a:r>
               <a:rPr lang="en-US" sz="1400" dirty="0" smtClean="0">
-                <a:solidFill>
-                  <a:srgbClr val="7030A0"/>
-                </a:solidFill>
-                <a:latin typeface="Times New Roman" pitchFamily="18" charset="0"/>
-                <a:cs typeface="Times New Roman" pitchFamily="18" charset="0"/>
-              </a:rPr>
-              <a:t>2.17</a:t>
+                <a:latin typeface="Times New Roman" pitchFamily="18" charset="0"/>
+                <a:cs typeface="Times New Roman" pitchFamily="18" charset="0"/>
+              </a:rPr>
+              <a:t>0</a:t>
             </a:r>
             <a:endParaRPr lang="en-US" sz="1400" dirty="0">
-              <a:solidFill>
-                <a:srgbClr val="7030A0"/>
-              </a:solidFill>
               <a:latin typeface="Times New Roman" pitchFamily="18" charset="0"/>
               <a:cs typeface="Times New Roman" pitchFamily="18" charset="0"/>
             </a:endParaRPr>
@@ -6512,18 +6368,12 @@
             <a:pPr algn="ctr"/>
             <a:r>
               <a:rPr lang="en-US" sz="1400" dirty="0" smtClean="0">
-                <a:solidFill>
-                  <a:srgbClr val="7030A0"/>
-                </a:solidFill>
-                <a:latin typeface="Times New Roman" pitchFamily="18" charset="0"/>
-                <a:cs typeface="Times New Roman" pitchFamily="18" charset="0"/>
-              </a:rPr>
-              <a:t>0</a:t>
+                <a:latin typeface="Times New Roman" pitchFamily="18" charset="0"/>
+                <a:cs typeface="Times New Roman" pitchFamily="18" charset="0"/>
+              </a:rPr>
+              <a:t>3.43</a:t>
             </a:r>
             <a:endParaRPr lang="en-US" sz="1400" dirty="0">
-              <a:solidFill>
-                <a:srgbClr val="7030A0"/>
-              </a:solidFill>
               <a:latin typeface="Times New Roman" pitchFamily="18" charset="0"/>
               <a:cs typeface="Times New Roman" pitchFamily="18" charset="0"/>
             </a:endParaRPr>
@@ -6555,18 +6405,12 @@
             <a:pPr algn="ctr"/>
             <a:r>
               <a:rPr lang="en-US" sz="1400" dirty="0" smtClean="0">
-                <a:solidFill>
-                  <a:srgbClr val="7030A0"/>
-                </a:solidFill>
                 <a:latin typeface="Times New Roman" pitchFamily="18" charset="0"/>
                 <a:cs typeface="Times New Roman" pitchFamily="18" charset="0"/>
               </a:rPr>
               <a:t>0</a:t>
             </a:r>
             <a:endParaRPr lang="en-US" sz="1400" dirty="0">
-              <a:solidFill>
-                <a:srgbClr val="7030A0"/>
-              </a:solidFill>
               <a:latin typeface="Times New Roman" pitchFamily="18" charset="0"/>
               <a:cs typeface="Times New Roman" pitchFamily="18" charset="0"/>
             </a:endParaRPr>
@@ -6598,18 +6442,12 @@
             <a:pPr algn="ctr"/>
             <a:r>
               <a:rPr lang="en-US" sz="1400" dirty="0" smtClean="0">
-                <a:solidFill>
-                  <a:srgbClr val="7030A0"/>
-                </a:solidFill>
-                <a:latin typeface="Times New Roman" pitchFamily="18" charset="0"/>
-                <a:cs typeface="Times New Roman" pitchFamily="18" charset="0"/>
-              </a:rPr>
-              <a:t>2.32</a:t>
+                <a:latin typeface="Times New Roman" pitchFamily="18" charset="0"/>
+                <a:cs typeface="Times New Roman" pitchFamily="18" charset="0"/>
+              </a:rPr>
+              <a:t>4.17</a:t>
             </a:r>
             <a:endParaRPr lang="en-US" sz="1400" dirty="0">
-              <a:solidFill>
-                <a:srgbClr val="7030A0"/>
-              </a:solidFill>
               <a:latin typeface="Times New Roman" pitchFamily="18" charset="0"/>
               <a:cs typeface="Times New Roman" pitchFamily="18" charset="0"/>
             </a:endParaRPr>
@@ -6641,18 +6479,12 @@
             <a:pPr algn="ctr"/>
             <a:r>
               <a:rPr lang="en-US" sz="1400" dirty="0" smtClean="0">
-                <a:solidFill>
-                  <a:srgbClr val="7030A0"/>
-                </a:solidFill>
-                <a:latin typeface="Times New Roman" pitchFamily="18" charset="0"/>
-                <a:cs typeface="Times New Roman" pitchFamily="18" charset="0"/>
-              </a:rPr>
-              <a:t>2.7</a:t>
+                <a:latin typeface="Times New Roman" pitchFamily="18" charset="0"/>
+                <a:cs typeface="Times New Roman" pitchFamily="18" charset="0"/>
+              </a:rPr>
+              <a:t>2.72</a:t>
             </a:r>
             <a:endParaRPr lang="en-US" sz="1400" dirty="0">
-              <a:solidFill>
-                <a:srgbClr val="7030A0"/>
-              </a:solidFill>
               <a:latin typeface="Times New Roman" pitchFamily="18" charset="0"/>
               <a:cs typeface="Times New Roman" pitchFamily="18" charset="0"/>
             </a:endParaRPr>
@@ -6684,18 +6516,12 @@
             <a:pPr algn="ctr"/>
             <a:r>
               <a:rPr lang="en-US" sz="1400" dirty="0" smtClean="0">
-                <a:solidFill>
-                  <a:srgbClr val="7030A0"/>
-                </a:solidFill>
-                <a:latin typeface="Times New Roman" pitchFamily="18" charset="0"/>
-                <a:cs typeface="Times New Roman" pitchFamily="18" charset="0"/>
-              </a:rPr>
-              <a:t>2.8</a:t>
+                <a:latin typeface="Times New Roman" pitchFamily="18" charset="0"/>
+                <a:cs typeface="Times New Roman" pitchFamily="18" charset="0"/>
+              </a:rPr>
+              <a:t>3.48</a:t>
             </a:r>
             <a:endParaRPr lang="en-US" sz="1400" dirty="0">
-              <a:solidFill>
-                <a:srgbClr val="7030A0"/>
-              </a:solidFill>
               <a:latin typeface="Times New Roman" pitchFamily="18" charset="0"/>
               <a:cs typeface="Times New Roman" pitchFamily="18" charset="0"/>
             </a:endParaRPr>
@@ -6727,18 +6553,12 @@
             <a:pPr algn="ctr"/>
             <a:r>
               <a:rPr lang="en-US" sz="1400" dirty="0" smtClean="0">
-                <a:solidFill>
-                  <a:srgbClr val="7030A0"/>
-                </a:solidFill>
-                <a:latin typeface="Times New Roman" pitchFamily="18" charset="0"/>
-                <a:cs typeface="Times New Roman" pitchFamily="18" charset="0"/>
-              </a:rPr>
-              <a:t>3.06</a:t>
+                <a:latin typeface="Times New Roman" pitchFamily="18" charset="0"/>
+                <a:cs typeface="Times New Roman" pitchFamily="18" charset="0"/>
+              </a:rPr>
+              <a:t>3.56</a:t>
             </a:r>
             <a:endParaRPr lang="en-US" sz="1400" dirty="0">
-              <a:solidFill>
-                <a:srgbClr val="7030A0"/>
-              </a:solidFill>
               <a:latin typeface="Times New Roman" pitchFamily="18" charset="0"/>
               <a:cs typeface="Times New Roman" pitchFamily="18" charset="0"/>
             </a:endParaRPr>
@@ -6770,18 +6590,12 @@
             <a:pPr algn="ctr"/>
             <a:r>
               <a:rPr lang="en-US" sz="1400" dirty="0" smtClean="0">
-                <a:solidFill>
-                  <a:srgbClr val="7030A0"/>
-                </a:solidFill>
-                <a:latin typeface="Times New Roman" pitchFamily="18" charset="0"/>
-                <a:cs typeface="Times New Roman" pitchFamily="18" charset="0"/>
-              </a:rPr>
-              <a:t>3.11</a:t>
+                <a:latin typeface="Times New Roman" pitchFamily="18" charset="0"/>
+                <a:cs typeface="Times New Roman" pitchFamily="18" charset="0"/>
+              </a:rPr>
+              <a:t>3</a:t>
             </a:r>
             <a:endParaRPr lang="en-US" sz="1400" dirty="0">
-              <a:solidFill>
-                <a:srgbClr val="7030A0"/>
-              </a:solidFill>
               <a:latin typeface="Times New Roman" pitchFamily="18" charset="0"/>
               <a:cs typeface="Times New Roman" pitchFamily="18" charset="0"/>
             </a:endParaRPr>
@@ -6813,18 +6627,12 @@
             <a:pPr algn="ctr"/>
             <a:r>
               <a:rPr lang="en-US" sz="1400" dirty="0" smtClean="0">
-                <a:solidFill>
-                  <a:srgbClr val="7030A0"/>
-                </a:solidFill>
                 <a:latin typeface="Times New Roman" pitchFamily="18" charset="0"/>
                 <a:cs typeface="Times New Roman" pitchFamily="18" charset="0"/>
               </a:rPr>
               <a:t>0</a:t>
             </a:r>
             <a:endParaRPr lang="en-US" sz="1400" dirty="0">
-              <a:solidFill>
-                <a:srgbClr val="7030A0"/>
-              </a:solidFill>
               <a:latin typeface="Times New Roman" pitchFamily="18" charset="0"/>
               <a:cs typeface="Times New Roman" pitchFamily="18" charset="0"/>
             </a:endParaRPr>
@@ -6856,18 +6664,12 @@
             <a:pPr algn="ctr"/>
             <a:r>
               <a:rPr lang="en-US" sz="1400" dirty="0" smtClean="0">
-                <a:solidFill>
-                  <a:srgbClr val="7030A0"/>
-                </a:solidFill>
-                <a:latin typeface="Times New Roman" pitchFamily="18" charset="0"/>
-                <a:cs typeface="Times New Roman" pitchFamily="18" charset="0"/>
-              </a:rPr>
-              <a:t>2.71</a:t>
+                <a:latin typeface="Times New Roman" pitchFamily="18" charset="0"/>
+                <a:cs typeface="Times New Roman" pitchFamily="18" charset="0"/>
+              </a:rPr>
+              <a:t>3.62</a:t>
             </a:r>
             <a:endParaRPr lang="en-US" sz="1400" dirty="0">
-              <a:solidFill>
-                <a:srgbClr val="7030A0"/>
-              </a:solidFill>
               <a:latin typeface="Times New Roman" pitchFamily="18" charset="0"/>
               <a:cs typeface="Times New Roman" pitchFamily="18" charset="0"/>
             </a:endParaRPr>
@@ -6899,18 +6701,12 @@
             <a:pPr algn="ctr"/>
             <a:r>
               <a:rPr lang="en-US" sz="1400" dirty="0" smtClean="0">
-                <a:solidFill>
-                  <a:srgbClr val="7030A0"/>
-                </a:solidFill>
-                <a:latin typeface="Times New Roman" pitchFamily="18" charset="0"/>
-                <a:cs typeface="Times New Roman" pitchFamily="18" charset="0"/>
-              </a:rPr>
-              <a:t>4.82</a:t>
+                <a:latin typeface="Times New Roman" pitchFamily="18" charset="0"/>
+                <a:cs typeface="Times New Roman" pitchFamily="18" charset="0"/>
+              </a:rPr>
+              <a:t>2.8</a:t>
             </a:r>
             <a:endParaRPr lang="en-US" sz="1400" dirty="0">
-              <a:solidFill>
-                <a:srgbClr val="7030A0"/>
-              </a:solidFill>
               <a:latin typeface="Times New Roman" pitchFamily="18" charset="0"/>
               <a:cs typeface="Times New Roman" pitchFamily="18" charset="0"/>
             </a:endParaRPr>
@@ -6942,18 +6738,12 @@
             <a:pPr algn="ctr"/>
             <a:r>
               <a:rPr lang="en-US" sz="1400" dirty="0" smtClean="0">
-                <a:solidFill>
-                  <a:srgbClr val="7030A0"/>
-                </a:solidFill>
-                <a:latin typeface="Times New Roman" pitchFamily="18" charset="0"/>
-                <a:cs typeface="Times New Roman" pitchFamily="18" charset="0"/>
-              </a:rPr>
-              <a:t>3.48</a:t>
+                <a:latin typeface="Times New Roman" pitchFamily="18" charset="0"/>
+                <a:cs typeface="Times New Roman" pitchFamily="18" charset="0"/>
+              </a:rPr>
+              <a:t>2.8</a:t>
             </a:r>
             <a:endParaRPr lang="en-US" sz="1400" dirty="0">
-              <a:solidFill>
-                <a:srgbClr val="7030A0"/>
-              </a:solidFill>
               <a:latin typeface="Times New Roman" pitchFamily="18" charset="0"/>
               <a:cs typeface="Times New Roman" pitchFamily="18" charset="0"/>
             </a:endParaRPr>
@@ -6985,18 +6775,12 @@
             <a:pPr algn="ctr"/>
             <a:r>
               <a:rPr lang="en-US" sz="1400" dirty="0" smtClean="0">
-                <a:solidFill>
-                  <a:srgbClr val="7030A0"/>
-                </a:solidFill>
                 <a:latin typeface="Times New Roman" pitchFamily="18" charset="0"/>
                 <a:cs typeface="Times New Roman" pitchFamily="18" charset="0"/>
               </a:rPr>
               <a:t>2.6</a:t>
             </a:r>
             <a:endParaRPr lang="en-US" sz="1400" dirty="0">
-              <a:solidFill>
-                <a:srgbClr val="7030A0"/>
-              </a:solidFill>
               <a:latin typeface="Times New Roman" pitchFamily="18" charset="0"/>
               <a:cs typeface="Times New Roman" pitchFamily="18" charset="0"/>
             </a:endParaRPr>
@@ -7028,18 +6812,12 @@
             <a:pPr algn="ctr"/>
             <a:r>
               <a:rPr lang="en-US" sz="1400" dirty="0" smtClean="0">
-                <a:solidFill>
-                  <a:srgbClr val="7030A0"/>
-                </a:solidFill>
-                <a:latin typeface="Times New Roman" pitchFamily="18" charset="0"/>
-                <a:cs typeface="Times New Roman" pitchFamily="18" charset="0"/>
-              </a:rPr>
-              <a:t>2.45</a:t>
+                <a:latin typeface="Times New Roman" pitchFamily="18" charset="0"/>
+                <a:cs typeface="Times New Roman" pitchFamily="18" charset="0"/>
+              </a:rPr>
+              <a:t>3.57</a:t>
             </a:r>
             <a:endParaRPr lang="en-US" sz="1400" dirty="0">
-              <a:solidFill>
-                <a:srgbClr val="7030A0"/>
-              </a:solidFill>
               <a:latin typeface="Times New Roman" pitchFamily="18" charset="0"/>
               <a:cs typeface="Times New Roman" pitchFamily="18" charset="0"/>
             </a:endParaRPr>
@@ -7071,18 +6849,12 @@
             <a:pPr algn="ctr"/>
             <a:r>
               <a:rPr lang="en-US" sz="1400" dirty="0" smtClean="0">
-                <a:solidFill>
-                  <a:srgbClr val="7030A0"/>
-                </a:solidFill>
-                <a:latin typeface="Times New Roman" pitchFamily="18" charset="0"/>
-                <a:cs typeface="Times New Roman" pitchFamily="18" charset="0"/>
-              </a:rPr>
-              <a:t>2.68</a:t>
+                <a:latin typeface="Times New Roman" pitchFamily="18" charset="0"/>
+                <a:cs typeface="Times New Roman" pitchFamily="18" charset="0"/>
+              </a:rPr>
+              <a:t>0</a:t>
             </a:r>
             <a:endParaRPr lang="en-US" sz="1400" dirty="0">
-              <a:solidFill>
-                <a:srgbClr val="7030A0"/>
-              </a:solidFill>
               <a:latin typeface="Times New Roman" pitchFamily="18" charset="0"/>
               <a:cs typeface="Times New Roman" pitchFamily="18" charset="0"/>
             </a:endParaRPr>
@@ -7114,18 +6886,12 @@
             <a:pPr algn="ctr"/>
             <a:r>
               <a:rPr lang="en-US" sz="1400" dirty="0" smtClean="0">
-                <a:solidFill>
-                  <a:srgbClr val="7030A0"/>
-                </a:solidFill>
-                <a:latin typeface="Times New Roman" pitchFamily="18" charset="0"/>
-                <a:cs typeface="Times New Roman" pitchFamily="18" charset="0"/>
-              </a:rPr>
-              <a:t>0</a:t>
+                <a:latin typeface="Times New Roman" pitchFamily="18" charset="0"/>
+                <a:cs typeface="Times New Roman" pitchFamily="18" charset="0"/>
+              </a:rPr>
+              <a:t>1.67</a:t>
             </a:r>
             <a:endParaRPr lang="en-US" sz="1400" dirty="0">
-              <a:solidFill>
-                <a:srgbClr val="7030A0"/>
-              </a:solidFill>
               <a:latin typeface="Times New Roman" pitchFamily="18" charset="0"/>
               <a:cs typeface="Times New Roman" pitchFamily="18" charset="0"/>
             </a:endParaRPr>
@@ -7157,18 +6923,12 @@
             <a:pPr algn="ctr"/>
             <a:r>
               <a:rPr lang="en-US" sz="1400" dirty="0" smtClean="0">
-                <a:solidFill>
-                  <a:srgbClr val="7030A0"/>
-                </a:solidFill>
-                <a:latin typeface="Times New Roman" pitchFamily="18" charset="0"/>
-                <a:cs typeface="Times New Roman" pitchFamily="18" charset="0"/>
-              </a:rPr>
-              <a:t>2.93</a:t>
+                <a:latin typeface="Times New Roman" pitchFamily="18" charset="0"/>
+                <a:cs typeface="Times New Roman" pitchFamily="18" charset="0"/>
+              </a:rPr>
+              <a:t>0</a:t>
             </a:r>
             <a:endParaRPr lang="en-US" sz="1400" dirty="0">
-              <a:solidFill>
-                <a:srgbClr val="7030A0"/>
-              </a:solidFill>
               <a:latin typeface="Times New Roman" pitchFamily="18" charset="0"/>
               <a:cs typeface="Times New Roman" pitchFamily="18" charset="0"/>
             </a:endParaRPr>
@@ -7200,18 +6960,12 @@
             <a:pPr algn="ctr"/>
             <a:r>
               <a:rPr lang="en-US" sz="1400" dirty="0" smtClean="0">
-                <a:solidFill>
-                  <a:srgbClr val="7030A0"/>
-                </a:solidFill>
-                <a:latin typeface="Times New Roman" pitchFamily="18" charset="0"/>
-                <a:cs typeface="Times New Roman" pitchFamily="18" charset="0"/>
-              </a:rPr>
-              <a:t>4.53</a:t>
+                <a:latin typeface="Times New Roman" pitchFamily="18" charset="0"/>
+                <a:cs typeface="Times New Roman" pitchFamily="18" charset="0"/>
+              </a:rPr>
+              <a:t>0</a:t>
             </a:r>
             <a:endParaRPr lang="en-US" sz="1400" dirty="0">
-              <a:solidFill>
-                <a:srgbClr val="7030A0"/>
-              </a:solidFill>
               <a:latin typeface="Times New Roman" pitchFamily="18" charset="0"/>
               <a:cs typeface="Times New Roman" pitchFamily="18" charset="0"/>
             </a:endParaRPr>
@@ -7243,18 +6997,12 @@
             <a:pPr algn="ctr"/>
             <a:r>
               <a:rPr lang="en-US" sz="1400" dirty="0" smtClean="0">
-                <a:solidFill>
-                  <a:srgbClr val="7030A0"/>
-                </a:solidFill>
-                <a:latin typeface="Times New Roman" pitchFamily="18" charset="0"/>
-                <a:cs typeface="Times New Roman" pitchFamily="18" charset="0"/>
-              </a:rPr>
-              <a:t>3.56</a:t>
+                <a:latin typeface="Times New Roman" pitchFamily="18" charset="0"/>
+                <a:cs typeface="Times New Roman" pitchFamily="18" charset="0"/>
+              </a:rPr>
+              <a:t>3.06</a:t>
             </a:r>
             <a:endParaRPr lang="en-US" sz="1400" dirty="0">
-              <a:solidFill>
-                <a:srgbClr val="7030A0"/>
-              </a:solidFill>
               <a:latin typeface="Times New Roman" pitchFamily="18" charset="0"/>
               <a:cs typeface="Times New Roman" pitchFamily="18" charset="0"/>
             </a:endParaRPr>
@@ -7286,18 +7034,12 @@
             <a:pPr algn="ctr"/>
             <a:r>
               <a:rPr lang="en-US" sz="1400" dirty="0" smtClean="0">
-                <a:solidFill>
-                  <a:srgbClr val="7030A0"/>
-                </a:solidFill>
-                <a:latin typeface="Times New Roman" pitchFamily="18" charset="0"/>
-                <a:cs typeface="Times New Roman" pitchFamily="18" charset="0"/>
-              </a:rPr>
-              <a:t>3.57</a:t>
+                <a:latin typeface="Times New Roman" pitchFamily="18" charset="0"/>
+                <a:cs typeface="Times New Roman" pitchFamily="18" charset="0"/>
+              </a:rPr>
+              <a:t>2.45</a:t>
             </a:r>
             <a:endParaRPr lang="en-US" sz="1400" dirty="0">
-              <a:solidFill>
-                <a:srgbClr val="7030A0"/>
-              </a:solidFill>
               <a:latin typeface="Times New Roman" pitchFamily="18" charset="0"/>
               <a:cs typeface="Times New Roman" pitchFamily="18" charset="0"/>
             </a:endParaRPr>
@@ -7329,18 +7071,12 @@
             <a:pPr algn="ctr"/>
             <a:r>
               <a:rPr lang="en-US" sz="1400" dirty="0" smtClean="0">
-                <a:solidFill>
-                  <a:srgbClr val="7030A0"/>
-                </a:solidFill>
                 <a:latin typeface="Times New Roman" pitchFamily="18" charset="0"/>
                 <a:cs typeface="Times New Roman" pitchFamily="18" charset="0"/>
               </a:rPr>
               <a:t>2.25</a:t>
             </a:r>
             <a:endParaRPr lang="en-US" sz="1400" dirty="0">
-              <a:solidFill>
-                <a:srgbClr val="7030A0"/>
-              </a:solidFill>
               <a:latin typeface="Times New Roman" pitchFamily="18" charset="0"/>
               <a:cs typeface="Times New Roman" pitchFamily="18" charset="0"/>
             </a:endParaRPr>

--- a/trunk/ haptic-glove --username sreekar/Results/Results.pptx
+++ b/trunk/ haptic-glove --username sreekar/Results/Results.pptx
@@ -5675,7 +5675,7 @@
                 <a:latin typeface="Times New Roman" pitchFamily="18" charset="0"/>
                 <a:cs typeface="Times New Roman" pitchFamily="18" charset="0"/>
               </a:rPr>
-              <a:t>3.4</a:t>
+              <a:t>0</a:t>
             </a:r>
             <a:endParaRPr lang="en-US" sz="1400" dirty="0">
               <a:latin typeface="Times New Roman" pitchFamily="18" charset="0"/>
@@ -5749,7 +5749,7 @@
                 <a:latin typeface="Times New Roman" pitchFamily="18" charset="0"/>
                 <a:cs typeface="Times New Roman" pitchFamily="18" charset="0"/>
               </a:rPr>
-              <a:t>1.69</a:t>
+              <a:t>0</a:t>
             </a:r>
             <a:endParaRPr lang="en-US" sz="1400" dirty="0">
               <a:latin typeface="Times New Roman" pitchFamily="18" charset="0"/>

--- a/trunk/ haptic-glove --username sreekar/Results/Results.pptx
+++ b/trunk/ haptic-glove --username sreekar/Results/Results.pptx
@@ -290,7 +290,7 @@
             <a:fld id="{1D8BD707-D9CF-40AE-B4C6-C98DA3205C09}" type="datetimeFigureOut">
               <a:rPr lang="en-US" smtClean="0"/>
               <a:pPr/>
-              <a:t>11/28/2009</a:t>
+              <a:t>12/28/2009</a:t>
             </a:fld>
             <a:endParaRPr lang="en-US"/>
           </a:p>
@@ -457,7 +457,7 @@
             <a:fld id="{1D8BD707-D9CF-40AE-B4C6-C98DA3205C09}" type="datetimeFigureOut">
               <a:rPr lang="en-US" smtClean="0"/>
               <a:pPr/>
-              <a:t>11/28/2009</a:t>
+              <a:t>12/28/2009</a:t>
             </a:fld>
             <a:endParaRPr lang="en-US"/>
           </a:p>
@@ -634,7 +634,7 @@
             <a:fld id="{1D8BD707-D9CF-40AE-B4C6-C98DA3205C09}" type="datetimeFigureOut">
               <a:rPr lang="en-US" smtClean="0"/>
               <a:pPr/>
-              <a:t>11/28/2009</a:t>
+              <a:t>12/28/2009</a:t>
             </a:fld>
             <a:endParaRPr lang="en-US"/>
           </a:p>
@@ -801,7 +801,7 @@
             <a:fld id="{1D8BD707-D9CF-40AE-B4C6-C98DA3205C09}" type="datetimeFigureOut">
               <a:rPr lang="en-US" smtClean="0"/>
               <a:pPr/>
-              <a:t>11/28/2009</a:t>
+              <a:t>12/28/2009</a:t>
             </a:fld>
             <a:endParaRPr lang="en-US"/>
           </a:p>
@@ -1044,7 +1044,7 @@
             <a:fld id="{1D8BD707-D9CF-40AE-B4C6-C98DA3205C09}" type="datetimeFigureOut">
               <a:rPr lang="en-US" smtClean="0"/>
               <a:pPr/>
-              <a:t>11/28/2009</a:t>
+              <a:t>12/28/2009</a:t>
             </a:fld>
             <a:endParaRPr lang="en-US"/>
           </a:p>
@@ -1329,7 +1329,7 @@
             <a:fld id="{1D8BD707-D9CF-40AE-B4C6-C98DA3205C09}" type="datetimeFigureOut">
               <a:rPr lang="en-US" smtClean="0"/>
               <a:pPr/>
-              <a:t>11/28/2009</a:t>
+              <a:t>12/28/2009</a:t>
             </a:fld>
             <a:endParaRPr lang="en-US"/>
           </a:p>
@@ -1748,7 +1748,7 @@
             <a:fld id="{1D8BD707-D9CF-40AE-B4C6-C98DA3205C09}" type="datetimeFigureOut">
               <a:rPr lang="en-US" smtClean="0"/>
               <a:pPr/>
-              <a:t>11/28/2009</a:t>
+              <a:t>12/28/2009</a:t>
             </a:fld>
             <a:endParaRPr lang="en-US"/>
           </a:p>
@@ -1863,7 +1863,7 @@
             <a:fld id="{1D8BD707-D9CF-40AE-B4C6-C98DA3205C09}" type="datetimeFigureOut">
               <a:rPr lang="en-US" smtClean="0"/>
               <a:pPr/>
-              <a:t>11/28/2009</a:t>
+              <a:t>12/28/2009</a:t>
             </a:fld>
             <a:endParaRPr lang="en-US"/>
           </a:p>
@@ -1955,7 +1955,7 @@
             <a:fld id="{1D8BD707-D9CF-40AE-B4C6-C98DA3205C09}" type="datetimeFigureOut">
               <a:rPr lang="en-US" smtClean="0"/>
               <a:pPr/>
-              <a:t>11/28/2009</a:t>
+              <a:t>12/28/2009</a:t>
             </a:fld>
             <a:endParaRPr lang="en-US"/>
           </a:p>
@@ -2229,7 +2229,7 @@
             <a:fld id="{1D8BD707-D9CF-40AE-B4C6-C98DA3205C09}" type="datetimeFigureOut">
               <a:rPr lang="en-US" smtClean="0"/>
               <a:pPr/>
-              <a:t>11/28/2009</a:t>
+              <a:t>12/28/2009</a:t>
             </a:fld>
             <a:endParaRPr lang="en-US"/>
           </a:p>
@@ -2479,7 +2479,7 @@
             <a:fld id="{1D8BD707-D9CF-40AE-B4C6-C98DA3205C09}" type="datetimeFigureOut">
               <a:rPr lang="en-US" smtClean="0"/>
               <a:pPr/>
-              <a:t>11/28/2009</a:t>
+              <a:t>12/28/2009</a:t>
             </a:fld>
             <a:endParaRPr lang="en-US"/>
           </a:p>
@@ -2689,7 +2689,7 @@
             <a:fld id="{1D8BD707-D9CF-40AE-B4C6-C98DA3205C09}" type="datetimeFigureOut">
               <a:rPr lang="en-US" smtClean="0"/>
               <a:pPr/>
-              <a:t>11/28/2009</a:t>
+              <a:t>12/28/2009</a:t>
             </a:fld>
             <a:endParaRPr lang="en-US"/>
           </a:p>
@@ -3062,7 +3062,7 @@
       </p:grpSpPr>
       <p:pic>
         <p:nvPicPr>
-          <p:cNvPr id="45" name="Picture 44" descr="ConfusionMatrix.tif"/>
+          <p:cNvPr id="98" name="Picture 97" descr="ConfusionMatrix.tif"/>
           <p:cNvPicPr>
             <a:picLocks noChangeAspect="1"/>
           </p:cNvPicPr>
@@ -3076,7 +3076,7 @@
         </p:blipFill>
         <p:spPr>
           <a:xfrm>
-            <a:off x="1600200" y="1143000"/>
+            <a:off x="1612075" y="1166750"/>
             <a:ext cx="6400800" cy="4800600"/>
           </a:xfrm>
           <a:prstGeom prst="rect">
@@ -3115,7 +3115,7 @@
                 <a:latin typeface="Times New Roman" pitchFamily="18" charset="0"/>
                 <a:cs typeface="Times New Roman" pitchFamily="18" charset="0"/>
               </a:rPr>
-              <a:t>86</a:t>
+              <a:t>90</a:t>
             </a:r>
             <a:endParaRPr lang="en-US" b="1" dirty="0">
               <a:solidFill>
@@ -3158,7 +3158,7 @@
                 <a:latin typeface="Times New Roman" pitchFamily="18" charset="0"/>
                 <a:cs typeface="Times New Roman" pitchFamily="18" charset="0"/>
               </a:rPr>
-              <a:t>0</a:t>
+              <a:t>2</a:t>
             </a:r>
             <a:endParaRPr lang="en-US" b="1" dirty="0">
               <a:solidFill>
@@ -3201,7 +3201,7 @@
                 <a:latin typeface="Times New Roman" pitchFamily="18" charset="0"/>
                 <a:cs typeface="Times New Roman" pitchFamily="18" charset="0"/>
               </a:rPr>
-              <a:t>0</a:t>
+              <a:t>1</a:t>
             </a:r>
             <a:endParaRPr lang="en-US" b="1" dirty="0">
               <a:solidFill>
@@ -3244,7 +3244,7 @@
                 <a:latin typeface="Times New Roman" pitchFamily="18" charset="0"/>
                 <a:cs typeface="Times New Roman" pitchFamily="18" charset="0"/>
               </a:rPr>
-              <a:t>0</a:t>
+              <a:t>3</a:t>
             </a:r>
             <a:endParaRPr lang="en-US" b="1" dirty="0">
               <a:solidFill>
@@ -3287,7 +3287,7 @@
                 <a:latin typeface="Times New Roman" pitchFamily="18" charset="0"/>
                 <a:cs typeface="Times New Roman" pitchFamily="18" charset="0"/>
               </a:rPr>
-              <a:t>6</a:t>
+              <a:t>1</a:t>
             </a:r>
             <a:endParaRPr lang="en-US" b="1" dirty="0">
               <a:solidFill>
@@ -3330,7 +3330,7 @@
                 <a:latin typeface="Times New Roman" pitchFamily="18" charset="0"/>
                 <a:cs typeface="Times New Roman" pitchFamily="18" charset="0"/>
               </a:rPr>
-              <a:t>9</a:t>
+              <a:t>0</a:t>
             </a:r>
             <a:endParaRPr lang="en-US" b="1" dirty="0">
               <a:solidFill>
@@ -3373,7 +3373,7 @@
                 <a:latin typeface="Times New Roman" pitchFamily="18" charset="0"/>
                 <a:cs typeface="Times New Roman" pitchFamily="18" charset="0"/>
               </a:rPr>
-              <a:t>2</a:t>
+              <a:t>0</a:t>
             </a:r>
             <a:endParaRPr lang="en-US" b="1" dirty="0">
               <a:solidFill>
@@ -3416,7 +3416,7 @@
                 <a:latin typeface="Times New Roman" pitchFamily="18" charset="0"/>
                 <a:cs typeface="Times New Roman" pitchFamily="18" charset="0"/>
               </a:rPr>
-              <a:t>0</a:t>
+              <a:t>4</a:t>
             </a:r>
             <a:endParaRPr lang="en-US" b="1" dirty="0">
               <a:solidFill>
@@ -3459,7 +3459,7 @@
                 <a:latin typeface="Times New Roman" pitchFamily="18" charset="0"/>
                 <a:cs typeface="Times New Roman" pitchFamily="18" charset="0"/>
               </a:rPr>
-              <a:t>96</a:t>
+              <a:t>80</a:t>
             </a:r>
             <a:endParaRPr lang="en-US" b="1" dirty="0">
               <a:solidFill>
@@ -3545,7 +3545,7 @@
                 <a:latin typeface="Times New Roman" pitchFamily="18" charset="0"/>
                 <a:cs typeface="Times New Roman" pitchFamily="18" charset="0"/>
               </a:rPr>
-              <a:t>0</a:t>
+              <a:t>6</a:t>
             </a:r>
             <a:endParaRPr lang="en-US" b="1" dirty="0">
               <a:solidFill>
@@ -3674,7 +3674,7 @@
                 <a:latin typeface="Times New Roman" pitchFamily="18" charset="0"/>
                 <a:cs typeface="Times New Roman" pitchFamily="18" charset="0"/>
               </a:rPr>
-              <a:t>0</a:t>
+              <a:t>2</a:t>
             </a:r>
             <a:endParaRPr lang="en-US" b="1" dirty="0">
               <a:solidFill>
@@ -3717,7 +3717,7 @@
                 <a:latin typeface="Times New Roman" pitchFamily="18" charset="0"/>
                 <a:cs typeface="Times New Roman" pitchFamily="18" charset="0"/>
               </a:rPr>
-              <a:t>0</a:t>
+              <a:t>6</a:t>
             </a:r>
             <a:endParaRPr lang="en-US" b="1" dirty="0">
               <a:solidFill>
@@ -3760,7 +3760,7 @@
                 <a:latin typeface="Times New Roman" pitchFamily="18" charset="0"/>
                 <a:cs typeface="Times New Roman" pitchFamily="18" charset="0"/>
               </a:rPr>
-              <a:t>2</a:t>
+              <a:t>10</a:t>
             </a:r>
             <a:endParaRPr lang="en-US" b="1" dirty="0">
               <a:solidFill>
@@ -3803,7 +3803,7 @@
                 <a:latin typeface="Times New Roman" pitchFamily="18" charset="0"/>
                 <a:cs typeface="Times New Roman" pitchFamily="18" charset="0"/>
               </a:rPr>
-              <a:t>98</a:t>
+              <a:t>87</a:t>
             </a:r>
             <a:endParaRPr lang="en-US" b="1" dirty="0">
               <a:solidFill>
@@ -3846,7 +3846,7 @@
                 <a:latin typeface="Times New Roman" pitchFamily="18" charset="0"/>
                 <a:cs typeface="Times New Roman" pitchFamily="18" charset="0"/>
               </a:rPr>
-              <a:t>0</a:t>
+              <a:t>1</a:t>
             </a:r>
             <a:endParaRPr lang="en-US" b="1" dirty="0">
               <a:solidFill>
@@ -3889,7 +3889,7 @@
                 <a:latin typeface="Times New Roman" pitchFamily="18" charset="0"/>
                 <a:cs typeface="Times New Roman" pitchFamily="18" charset="0"/>
               </a:rPr>
-              <a:t>0</a:t>
+              <a:t>13</a:t>
             </a:r>
             <a:endParaRPr lang="en-US" b="1" dirty="0">
               <a:solidFill>
@@ -3932,7 +3932,7 @@
                 <a:latin typeface="Times New Roman" pitchFamily="18" charset="0"/>
                 <a:cs typeface="Times New Roman" pitchFamily="18" charset="0"/>
               </a:rPr>
-              <a:t>2</a:t>
+              <a:t>1</a:t>
             </a:r>
             <a:endParaRPr lang="en-US" b="1" dirty="0">
               <a:solidFill>
@@ -3975,7 +3975,7 @@
                 <a:latin typeface="Times New Roman" pitchFamily="18" charset="0"/>
                 <a:cs typeface="Times New Roman" pitchFamily="18" charset="0"/>
               </a:rPr>
-              <a:t>1</a:t>
+              <a:t>0</a:t>
             </a:r>
             <a:endParaRPr lang="en-US" b="1" dirty="0">
               <a:solidFill>
@@ -4018,7 +4018,7 @@
                 <a:latin typeface="Times New Roman" pitchFamily="18" charset="0"/>
                 <a:cs typeface="Times New Roman" pitchFamily="18" charset="0"/>
               </a:rPr>
-              <a:t>1</a:t>
+              <a:t>0</a:t>
             </a:r>
             <a:endParaRPr lang="en-US" b="1" dirty="0">
               <a:solidFill>
@@ -4061,7 +4061,7 @@
                 <a:latin typeface="Times New Roman" pitchFamily="18" charset="0"/>
                 <a:cs typeface="Times New Roman" pitchFamily="18" charset="0"/>
               </a:rPr>
-              <a:t>0</a:t>
+              <a:t>3</a:t>
             </a:r>
             <a:endParaRPr lang="en-US" b="1" dirty="0">
               <a:solidFill>
@@ -4104,7 +4104,7 @@
                 <a:latin typeface="Times New Roman" pitchFamily="18" charset="0"/>
                 <a:cs typeface="Times New Roman" pitchFamily="18" charset="0"/>
               </a:rPr>
-              <a:t>0</a:t>
+              <a:t>1</a:t>
             </a:r>
             <a:endParaRPr lang="en-US" b="1" dirty="0">
               <a:solidFill>
@@ -4147,7 +4147,7 @@
                 <a:latin typeface="Times New Roman" pitchFamily="18" charset="0"/>
                 <a:cs typeface="Times New Roman" pitchFamily="18" charset="0"/>
               </a:rPr>
-              <a:t>90</a:t>
+              <a:t>87</a:t>
             </a:r>
             <a:endParaRPr lang="en-US" b="1" dirty="0">
               <a:solidFill>
@@ -4190,7 +4190,7 @@
                 <a:latin typeface="Times New Roman" pitchFamily="18" charset="0"/>
                 <a:cs typeface="Times New Roman" pitchFamily="18" charset="0"/>
               </a:rPr>
-              <a:t>2</a:t>
+              <a:t>0</a:t>
             </a:r>
             <a:endParaRPr lang="en-US" b="1" dirty="0">
               <a:solidFill>
@@ -4233,7 +4233,7 @@
                 <a:latin typeface="Times New Roman" pitchFamily="18" charset="0"/>
                 <a:cs typeface="Times New Roman" pitchFamily="18" charset="0"/>
               </a:rPr>
-              <a:t>1</a:t>
+              <a:t>0</a:t>
             </a:r>
             <a:endParaRPr lang="en-US" b="1" dirty="0">
               <a:solidFill>
@@ -4276,7 +4276,7 @@
                 <a:latin typeface="Times New Roman" pitchFamily="18" charset="0"/>
                 <a:cs typeface="Times New Roman" pitchFamily="18" charset="0"/>
               </a:rPr>
-              <a:t>3</a:t>
+              <a:t>1</a:t>
             </a:r>
             <a:endParaRPr lang="en-US" b="1" dirty="0">
               <a:solidFill>
@@ -4362,7 +4362,7 @@
                 <a:latin typeface="Times New Roman" pitchFamily="18" charset="0"/>
                 <a:cs typeface="Times New Roman" pitchFamily="18" charset="0"/>
               </a:rPr>
-              <a:t>2</a:t>
+              <a:t>6</a:t>
             </a:r>
             <a:endParaRPr lang="en-US" b="1" dirty="0">
               <a:solidFill>
@@ -4405,7 +4405,7 @@
                 <a:latin typeface="Times New Roman" pitchFamily="18" charset="0"/>
                 <a:cs typeface="Times New Roman" pitchFamily="18" charset="0"/>
               </a:rPr>
-              <a:t>0</a:t>
+              <a:t>9</a:t>
             </a:r>
             <a:endParaRPr lang="en-US" b="1" dirty="0">
               <a:solidFill>
@@ -4448,7 +4448,7 @@
                 <a:latin typeface="Times New Roman" pitchFamily="18" charset="0"/>
                 <a:cs typeface="Times New Roman" pitchFamily="18" charset="0"/>
               </a:rPr>
-              <a:t>4</a:t>
+              <a:t>2</a:t>
             </a:r>
             <a:endParaRPr lang="en-US" b="1" dirty="0">
               <a:solidFill>
@@ -4491,7 +4491,7 @@
                 <a:latin typeface="Times New Roman" pitchFamily="18" charset="0"/>
                 <a:cs typeface="Times New Roman" pitchFamily="18" charset="0"/>
               </a:rPr>
-              <a:t>80</a:t>
+              <a:t>86</a:t>
             </a:r>
             <a:endParaRPr lang="en-US" b="1" dirty="0">
               <a:solidFill>
@@ -4534,7 +4534,7 @@
                 <a:latin typeface="Times New Roman" pitchFamily="18" charset="0"/>
                 <a:cs typeface="Times New Roman" pitchFamily="18" charset="0"/>
               </a:rPr>
-              <a:t>1</a:t>
+              <a:t>0</a:t>
             </a:r>
             <a:endParaRPr lang="en-US" b="1" dirty="0">
               <a:solidFill>
@@ -4577,7 +4577,7 @@
                 <a:latin typeface="Times New Roman" pitchFamily="18" charset="0"/>
                 <a:cs typeface="Times New Roman" pitchFamily="18" charset="0"/>
               </a:rPr>
-              <a:t>6</a:t>
+              <a:t>0</a:t>
             </a:r>
             <a:endParaRPr lang="en-US" b="1" dirty="0">
               <a:solidFill>
@@ -4620,7 +4620,7 @@
                 <a:latin typeface="Times New Roman" pitchFamily="18" charset="0"/>
                 <a:cs typeface="Times New Roman" pitchFamily="18" charset="0"/>
               </a:rPr>
-              <a:t>13</a:t>
+              <a:t>0</a:t>
             </a:r>
             <a:endParaRPr lang="en-US" b="1" dirty="0">
               <a:solidFill>
@@ -4706,7 +4706,7 @@
                 <a:latin typeface="Times New Roman" pitchFamily="18" charset="0"/>
                 <a:cs typeface="Times New Roman" pitchFamily="18" charset="0"/>
               </a:rPr>
-              <a:t>1</a:t>
+              <a:t>2</a:t>
             </a:r>
             <a:endParaRPr lang="en-US" b="1" dirty="0">
               <a:solidFill>
@@ -4749,7 +4749,7 @@
                 <a:latin typeface="Times New Roman" pitchFamily="18" charset="0"/>
                 <a:cs typeface="Times New Roman" pitchFamily="18" charset="0"/>
               </a:rPr>
-              <a:t>6</a:t>
+              <a:t>1</a:t>
             </a:r>
             <a:endParaRPr lang="en-US" b="1" dirty="0">
               <a:solidFill>
@@ -4792,7 +4792,7 @@
                 <a:latin typeface="Times New Roman" pitchFamily="18" charset="0"/>
                 <a:cs typeface="Times New Roman" pitchFamily="18" charset="0"/>
               </a:rPr>
-              <a:t>10</a:t>
+              <a:t>0</a:t>
             </a:r>
             <a:endParaRPr lang="en-US" b="1" dirty="0">
               <a:solidFill>
@@ -4835,7 +4835,7 @@
                 <a:latin typeface="Times New Roman" pitchFamily="18" charset="0"/>
                 <a:cs typeface="Times New Roman" pitchFamily="18" charset="0"/>
               </a:rPr>
-              <a:t>87</a:t>
+              <a:t>98</a:t>
             </a:r>
             <a:endParaRPr lang="en-US" b="1" dirty="0">
               <a:solidFill>
@@ -4878,7 +4878,7 @@
                 <a:latin typeface="Times New Roman" pitchFamily="18" charset="0"/>
                 <a:cs typeface="Times New Roman" pitchFamily="18" charset="0"/>
               </a:rPr>
-              <a:t>1</a:t>
+              <a:t>2</a:t>
             </a:r>
             <a:endParaRPr lang="en-US" b="1" dirty="0">
               <a:solidFill>
@@ -4964,7 +4964,7 @@
                 <a:latin typeface="Times New Roman" pitchFamily="18" charset="0"/>
                 <a:cs typeface="Times New Roman" pitchFamily="18" charset="0"/>
               </a:rPr>
-              <a:t>1</a:t>
+              <a:t>0</a:t>
             </a:r>
             <a:endParaRPr lang="en-US" b="1" dirty="0">
               <a:solidFill>
@@ -5093,7 +5093,7 @@
                 <a:latin typeface="Times New Roman" pitchFamily="18" charset="0"/>
                 <a:cs typeface="Times New Roman" pitchFamily="18" charset="0"/>
               </a:rPr>
-              <a:t>3</a:t>
+              <a:t>0</a:t>
             </a:r>
             <a:endParaRPr lang="en-US" b="1" dirty="0">
               <a:solidFill>
@@ -5179,7 +5179,7 @@
                 <a:latin typeface="Times New Roman" pitchFamily="18" charset="0"/>
                 <a:cs typeface="Times New Roman" pitchFamily="18" charset="0"/>
               </a:rPr>
-              <a:t>87</a:t>
+              <a:t>96</a:t>
             </a:r>
             <a:endParaRPr lang="en-US" b="1" dirty="0">
               <a:solidFill>
@@ -5218,7 +5218,7 @@
       </p:grpSpPr>
       <p:pic>
         <p:nvPicPr>
-          <p:cNvPr id="52" name="Picture 51" descr="TimeMatrix.tif"/>
+          <p:cNvPr id="54" name="Picture 53" descr="TimeMatrix.tif"/>
           <p:cNvPicPr>
             <a:picLocks noChangeAspect="1"/>
           </p:cNvPicPr>
@@ -5232,7 +5232,7 @@
         </p:blipFill>
         <p:spPr>
           <a:xfrm>
-            <a:off x="1600200" y="1150960"/>
+            <a:off x="1600200" y="1102425"/>
             <a:ext cx="6400800" cy="4800600"/>
           </a:xfrm>
           <a:prstGeom prst="rect">
@@ -5268,7 +5268,7 @@
                 <a:latin typeface="Times New Roman" pitchFamily="18" charset="0"/>
                 <a:cs typeface="Times New Roman" pitchFamily="18" charset="0"/>
               </a:rPr>
-              <a:t>2.3</a:t>
+              <a:t>2.12</a:t>
             </a:r>
             <a:endParaRPr lang="en-US" sz="1400" dirty="0">
               <a:latin typeface="Times New Roman" pitchFamily="18" charset="0"/>
@@ -5305,7 +5305,7 @@
                 <a:latin typeface="Times New Roman" pitchFamily="18" charset="0"/>
                 <a:cs typeface="Times New Roman" pitchFamily="18" charset="0"/>
               </a:rPr>
-              <a:t>0</a:t>
+              <a:t>2.32</a:t>
             </a:r>
             <a:endParaRPr lang="en-US" sz="1400" dirty="0">
               <a:latin typeface="Times New Roman" pitchFamily="18" charset="0"/>
@@ -5339,12 +5339,18 @@
             <a:pPr algn="ctr"/>
             <a:r>
               <a:rPr lang="en-US" sz="1400" dirty="0" smtClean="0">
-                <a:latin typeface="Times New Roman" pitchFamily="18" charset="0"/>
-                <a:cs typeface="Times New Roman" pitchFamily="18" charset="0"/>
-              </a:rPr>
-              <a:t>0</a:t>
+                <a:solidFill>
+                  <a:schemeClr val="bg1"/>
+                </a:solidFill>
+                <a:latin typeface="Times New Roman" pitchFamily="18" charset="0"/>
+                <a:cs typeface="Times New Roman" pitchFamily="18" charset="0"/>
+              </a:rPr>
+              <a:t>4.82</a:t>
             </a:r>
             <a:endParaRPr lang="en-US" sz="1400" dirty="0">
+              <a:solidFill>
+                <a:schemeClr val="bg1"/>
+              </a:solidFill>
               <a:latin typeface="Times New Roman" pitchFamily="18" charset="0"/>
               <a:cs typeface="Times New Roman" pitchFamily="18" charset="0"/>
             </a:endParaRPr>
@@ -5376,12 +5382,18 @@
             <a:pPr algn="ctr"/>
             <a:r>
               <a:rPr lang="en-US" sz="1400" dirty="0" smtClean="0">
-                <a:latin typeface="Times New Roman" pitchFamily="18" charset="0"/>
-                <a:cs typeface="Times New Roman" pitchFamily="18" charset="0"/>
-              </a:rPr>
-              <a:t>0</a:t>
+                <a:solidFill>
+                  <a:schemeClr val="bg1"/>
+                </a:solidFill>
+                <a:latin typeface="Times New Roman" pitchFamily="18" charset="0"/>
+                <a:cs typeface="Times New Roman" pitchFamily="18" charset="0"/>
+              </a:rPr>
+              <a:t>4.53</a:t>
             </a:r>
             <a:endParaRPr lang="en-US" sz="1400" dirty="0">
+              <a:solidFill>
+                <a:schemeClr val="bg1"/>
+              </a:solidFill>
               <a:latin typeface="Times New Roman" pitchFamily="18" charset="0"/>
               <a:cs typeface="Times New Roman" pitchFamily="18" charset="0"/>
             </a:endParaRPr>
@@ -5413,12 +5425,18 @@
             <a:pPr algn="ctr"/>
             <a:r>
               <a:rPr lang="en-US" sz="1400" dirty="0" smtClean="0">
-                <a:latin typeface="Times New Roman" pitchFamily="18" charset="0"/>
-                <a:cs typeface="Times New Roman" pitchFamily="18" charset="0"/>
-              </a:rPr>
-              <a:t>2.17</a:t>
+                <a:solidFill>
+                  <a:schemeClr val="bg1"/>
+                </a:solidFill>
+                <a:latin typeface="Times New Roman" pitchFamily="18" charset="0"/>
+                <a:cs typeface="Times New Roman" pitchFamily="18" charset="0"/>
+              </a:rPr>
+              <a:t>4.45</a:t>
             </a:r>
             <a:endParaRPr lang="en-US" sz="1400" dirty="0">
+              <a:solidFill>
+                <a:schemeClr val="bg1"/>
+              </a:solidFill>
               <a:latin typeface="Times New Roman" pitchFamily="18" charset="0"/>
               <a:cs typeface="Times New Roman" pitchFamily="18" charset="0"/>
             </a:endParaRPr>
@@ -5450,12 +5468,18 @@
             <a:pPr algn="ctr"/>
             <a:r>
               <a:rPr lang="en-US" sz="1400" dirty="0" smtClean="0">
-                <a:latin typeface="Times New Roman" pitchFamily="18" charset="0"/>
-                <a:cs typeface="Times New Roman" pitchFamily="18" charset="0"/>
-              </a:rPr>
-              <a:t>3.11</a:t>
+                <a:solidFill>
+                  <a:schemeClr val="bg1"/>
+                </a:solidFill>
+                <a:latin typeface="Times New Roman" pitchFamily="18" charset="0"/>
+                <a:cs typeface="Times New Roman" pitchFamily="18" charset="0"/>
+              </a:rPr>
+              <a:t>0</a:t>
             </a:r>
             <a:endParaRPr lang="en-US" sz="1400" dirty="0">
+              <a:solidFill>
+                <a:schemeClr val="bg1"/>
+              </a:solidFill>
               <a:latin typeface="Times New Roman" pitchFamily="18" charset="0"/>
               <a:cs typeface="Times New Roman" pitchFamily="18" charset="0"/>
             </a:endParaRPr>
@@ -5487,12 +5511,18 @@
             <a:pPr algn="ctr"/>
             <a:r>
               <a:rPr lang="en-US" sz="1400" dirty="0" smtClean="0">
-                <a:latin typeface="Times New Roman" pitchFamily="18" charset="0"/>
-                <a:cs typeface="Times New Roman" pitchFamily="18" charset="0"/>
-              </a:rPr>
-              <a:t>2.68</a:t>
+                <a:solidFill>
+                  <a:schemeClr val="bg1"/>
+                </a:solidFill>
+                <a:latin typeface="Times New Roman" pitchFamily="18" charset="0"/>
+                <a:cs typeface="Times New Roman" pitchFamily="18" charset="0"/>
+              </a:rPr>
+              <a:t>0</a:t>
             </a:r>
             <a:endParaRPr lang="en-US" sz="1400" dirty="0">
+              <a:solidFill>
+                <a:schemeClr val="bg1"/>
+              </a:solidFill>
               <a:latin typeface="Times New Roman" pitchFamily="18" charset="0"/>
               <a:cs typeface="Times New Roman" pitchFamily="18" charset="0"/>
             </a:endParaRPr>
@@ -5507,7 +5537,7 @@
         </p:nvSpPr>
         <p:spPr>
           <a:xfrm>
-            <a:off x="3048000" y="1587500"/>
+            <a:off x="3108960" y="1587500"/>
             <a:ext cx="548640" cy="307777"/>
           </a:xfrm>
           <a:prstGeom prst="rect">
@@ -5527,7 +5557,7 @@
                 <a:latin typeface="Times New Roman" pitchFamily="18" charset="0"/>
                 <a:cs typeface="Times New Roman" pitchFamily="18" charset="0"/>
               </a:rPr>
-              <a:t>0</a:t>
+              <a:t>4.17</a:t>
             </a:r>
             <a:endParaRPr lang="en-US" sz="1400" dirty="0">
               <a:latin typeface="Times New Roman" pitchFamily="18" charset="0"/>
@@ -5564,7 +5594,7 @@
                 <a:latin typeface="Times New Roman" pitchFamily="18" charset="0"/>
                 <a:cs typeface="Times New Roman" pitchFamily="18" charset="0"/>
               </a:rPr>
-              <a:t>1.9</a:t>
+              <a:t>2.72</a:t>
             </a:r>
             <a:endParaRPr lang="en-US" sz="1400" dirty="0">
               <a:latin typeface="Times New Roman" pitchFamily="18" charset="0"/>
@@ -5601,7 +5631,7 @@
                 <a:latin typeface="Times New Roman" pitchFamily="18" charset="0"/>
                 <a:cs typeface="Times New Roman" pitchFamily="18" charset="0"/>
               </a:rPr>
-              <a:t>2.64</a:t>
+              <a:t>3.48</a:t>
             </a:r>
             <a:endParaRPr lang="en-US" sz="1400" dirty="0">
               <a:latin typeface="Times New Roman" pitchFamily="18" charset="0"/>
@@ -5638,7 +5668,7 @@
                 <a:latin typeface="Times New Roman" pitchFamily="18" charset="0"/>
                 <a:cs typeface="Times New Roman" pitchFamily="18" charset="0"/>
               </a:rPr>
-              <a:t>0</a:t>
+              <a:t>3.56</a:t>
             </a:r>
             <a:endParaRPr lang="en-US" sz="1400" dirty="0">
               <a:latin typeface="Times New Roman" pitchFamily="18" charset="0"/>
@@ -5672,12 +5702,18 @@
             <a:pPr algn="ctr"/>
             <a:r>
               <a:rPr lang="en-US" sz="1400" dirty="0" smtClean="0">
+                <a:solidFill>
+                  <a:schemeClr val="bg1"/>
+                </a:solidFill>
                 <a:latin typeface="Times New Roman" pitchFamily="18" charset="0"/>
                 <a:cs typeface="Times New Roman" pitchFamily="18" charset="0"/>
               </a:rPr>
               <a:t>0</a:t>
             </a:r>
             <a:endParaRPr lang="en-US" sz="1400" dirty="0">
+              <a:solidFill>
+                <a:schemeClr val="bg1"/>
+              </a:solidFill>
               <a:latin typeface="Times New Roman" pitchFamily="18" charset="0"/>
               <a:cs typeface="Times New Roman" pitchFamily="18" charset="0"/>
             </a:endParaRPr>
@@ -5709,12 +5745,18 @@
             <a:pPr algn="ctr"/>
             <a:r>
               <a:rPr lang="en-US" sz="1400" dirty="0" smtClean="0">
+                <a:solidFill>
+                  <a:schemeClr val="bg1"/>
+                </a:solidFill>
                 <a:latin typeface="Times New Roman" pitchFamily="18" charset="0"/>
                 <a:cs typeface="Times New Roman" pitchFamily="18" charset="0"/>
               </a:rPr>
               <a:t>0</a:t>
             </a:r>
             <a:endParaRPr lang="en-US" sz="1400" dirty="0">
+              <a:solidFill>
+                <a:schemeClr val="bg1"/>
+              </a:solidFill>
               <a:latin typeface="Times New Roman" pitchFamily="18" charset="0"/>
               <a:cs typeface="Times New Roman" pitchFamily="18" charset="0"/>
             </a:endParaRPr>
@@ -5749,7 +5791,7 @@
                 <a:latin typeface="Times New Roman" pitchFamily="18" charset="0"/>
                 <a:cs typeface="Times New Roman" pitchFamily="18" charset="0"/>
               </a:rPr>
-              <a:t>0</a:t>
+              <a:t>3.43</a:t>
             </a:r>
             <a:endParaRPr lang="en-US" sz="1400" dirty="0">
               <a:latin typeface="Times New Roman" pitchFamily="18" charset="0"/>
@@ -5786,7 +5828,7 @@
                 <a:latin typeface="Times New Roman" pitchFamily="18" charset="0"/>
                 <a:cs typeface="Times New Roman" pitchFamily="18" charset="0"/>
               </a:rPr>
-              <a:t>0</a:t>
+              <a:t>2.8</a:t>
             </a:r>
             <a:endParaRPr lang="en-US" sz="1400" dirty="0">
               <a:latin typeface="Times New Roman" pitchFamily="18" charset="0"/>
@@ -5823,7 +5865,7 @@
                 <a:latin typeface="Times New Roman" pitchFamily="18" charset="0"/>
                 <a:cs typeface="Times New Roman" pitchFamily="18" charset="0"/>
               </a:rPr>
-              <a:t>1.52</a:t>
+              <a:t>2.8</a:t>
             </a:r>
             <a:endParaRPr lang="en-US" sz="1400" dirty="0">
               <a:latin typeface="Times New Roman" pitchFamily="18" charset="0"/>
@@ -5860,7 +5902,7 @@
                 <a:latin typeface="Times New Roman" pitchFamily="18" charset="0"/>
                 <a:cs typeface="Times New Roman" pitchFamily="18" charset="0"/>
               </a:rPr>
-              <a:t>1.68</a:t>
+              <a:t>2.6</a:t>
             </a:r>
             <a:endParaRPr lang="en-US" sz="1400" dirty="0">
               <a:latin typeface="Times New Roman" pitchFamily="18" charset="0"/>
@@ -5897,7 +5939,7 @@
                 <a:latin typeface="Times New Roman" pitchFamily="18" charset="0"/>
                 <a:cs typeface="Times New Roman" pitchFamily="18" charset="0"/>
               </a:rPr>
-              <a:t>0</a:t>
+              <a:t>3.57</a:t>
             </a:r>
             <a:endParaRPr lang="en-US" sz="1400" dirty="0">
               <a:latin typeface="Times New Roman" pitchFamily="18" charset="0"/>
@@ -5934,7 +5976,7 @@
                 <a:latin typeface="Times New Roman" pitchFamily="18" charset="0"/>
                 <a:cs typeface="Times New Roman" pitchFamily="18" charset="0"/>
               </a:rPr>
-              <a:t>0</a:t>
+              <a:t>3</a:t>
             </a:r>
             <a:endParaRPr lang="en-US" sz="1400" dirty="0">
               <a:latin typeface="Times New Roman" pitchFamily="18" charset="0"/>
@@ -5971,7 +6013,7 @@
                 <a:latin typeface="Times New Roman" pitchFamily="18" charset="0"/>
                 <a:cs typeface="Times New Roman" pitchFamily="18" charset="0"/>
               </a:rPr>
-              <a:t>2.71</a:t>
+              <a:t>3.62</a:t>
             </a:r>
             <a:endParaRPr lang="en-US" sz="1400" dirty="0">
               <a:latin typeface="Times New Roman" pitchFamily="18" charset="0"/>
@@ -6005,12 +6047,18 @@
             <a:pPr algn="ctr"/>
             <a:r>
               <a:rPr lang="en-US" sz="1400" dirty="0" smtClean="0">
-                <a:latin typeface="Times New Roman" pitchFamily="18" charset="0"/>
-                <a:cs typeface="Times New Roman" pitchFamily="18" charset="0"/>
-              </a:rPr>
-              <a:t>2.93</a:t>
+                <a:solidFill>
+                  <a:schemeClr val="bg1"/>
+                </a:solidFill>
+                <a:latin typeface="Times New Roman" pitchFamily="18" charset="0"/>
+                <a:cs typeface="Times New Roman" pitchFamily="18" charset="0"/>
+              </a:rPr>
+              <a:t>0</a:t>
             </a:r>
             <a:endParaRPr lang="en-US" sz="1400" dirty="0">
+              <a:solidFill>
+                <a:schemeClr val="bg1"/>
+              </a:solidFill>
               <a:latin typeface="Times New Roman" pitchFamily="18" charset="0"/>
               <a:cs typeface="Times New Roman" pitchFamily="18" charset="0"/>
             </a:endParaRPr>
@@ -6026,6 +6074,203 @@
         <p:spPr>
           <a:xfrm>
             <a:off x="4267200" y="1587500"/>
+            <a:ext cx="548640" cy="307777"/>
+          </a:xfrm>
+          <a:prstGeom prst="rect">
+            <a:avLst/>
+          </a:prstGeom>
+          <a:noFill/>
+        </p:spPr>
+        <p:txBody>
+          <a:bodyPr wrap="square" rtlCol="0">
+            <a:spAutoFit/>
+          </a:bodyPr>
+          <a:lstStyle/>
+          <a:p>
+            <a:pPr algn="ctr"/>
+            <a:r>
+              <a:rPr lang="en-US" sz="1400" dirty="0" smtClean="0">
+                <a:solidFill>
+                  <a:schemeClr val="bg1"/>
+                </a:solidFill>
+                <a:latin typeface="Times New Roman" pitchFamily="18" charset="0"/>
+                <a:cs typeface="Times New Roman" pitchFamily="18" charset="0"/>
+              </a:rPr>
+              <a:t>0</a:t>
+            </a:r>
+            <a:endParaRPr lang="en-US" sz="1400" dirty="0">
+              <a:solidFill>
+                <a:schemeClr val="bg1"/>
+              </a:solidFill>
+              <a:latin typeface="Times New Roman" pitchFamily="18" charset="0"/>
+              <a:cs typeface="Times New Roman" pitchFamily="18" charset="0"/>
+            </a:endParaRPr>
+          </a:p>
+        </p:txBody>
+      </p:sp>
+      <p:sp>
+        <p:nvSpPr>
+          <p:cNvPr id="127" name="TextBox 126"/>
+          <p:cNvSpPr txBox="1"/>
+          <p:nvPr/>
+        </p:nvSpPr>
+        <p:spPr>
+          <a:xfrm>
+            <a:off x="4292600" y="2133600"/>
+            <a:ext cx="548640" cy="307777"/>
+          </a:xfrm>
+          <a:prstGeom prst="rect">
+            <a:avLst/>
+          </a:prstGeom>
+          <a:noFill/>
+        </p:spPr>
+        <p:txBody>
+          <a:bodyPr wrap="square" rtlCol="0">
+            <a:spAutoFit/>
+          </a:bodyPr>
+          <a:lstStyle/>
+          <a:p>
+            <a:pPr algn="ctr"/>
+            <a:r>
+              <a:rPr lang="en-US" sz="1400" dirty="0" smtClean="0">
+                <a:latin typeface="Times New Roman" pitchFamily="18" charset="0"/>
+                <a:cs typeface="Times New Roman" pitchFamily="18" charset="0"/>
+              </a:rPr>
+              <a:t>3.06</a:t>
+            </a:r>
+            <a:endParaRPr lang="en-US" sz="1400" dirty="0">
+              <a:latin typeface="Times New Roman" pitchFamily="18" charset="0"/>
+              <a:cs typeface="Times New Roman" pitchFamily="18" charset="0"/>
+            </a:endParaRPr>
+          </a:p>
+        </p:txBody>
+      </p:sp>
+      <p:sp>
+        <p:nvSpPr>
+          <p:cNvPr id="128" name="TextBox 127"/>
+          <p:cNvSpPr txBox="1"/>
+          <p:nvPr/>
+        </p:nvSpPr>
+        <p:spPr>
+          <a:xfrm>
+            <a:off x="4292600" y="2667000"/>
+            <a:ext cx="548640" cy="307777"/>
+          </a:xfrm>
+          <a:prstGeom prst="rect">
+            <a:avLst/>
+          </a:prstGeom>
+          <a:noFill/>
+        </p:spPr>
+        <p:txBody>
+          <a:bodyPr wrap="square" rtlCol="0">
+            <a:spAutoFit/>
+          </a:bodyPr>
+          <a:lstStyle/>
+          <a:p>
+            <a:pPr algn="ctr"/>
+            <a:r>
+              <a:rPr lang="en-US" sz="1400" dirty="0" smtClean="0">
+                <a:latin typeface="Times New Roman" pitchFamily="18" charset="0"/>
+                <a:cs typeface="Times New Roman" pitchFamily="18" charset="0"/>
+              </a:rPr>
+              <a:t>2.45</a:t>
+            </a:r>
+            <a:endParaRPr lang="en-US" sz="1400" dirty="0">
+              <a:latin typeface="Times New Roman" pitchFamily="18" charset="0"/>
+              <a:cs typeface="Times New Roman" pitchFamily="18" charset="0"/>
+            </a:endParaRPr>
+          </a:p>
+        </p:txBody>
+      </p:sp>
+      <p:sp>
+        <p:nvSpPr>
+          <p:cNvPr id="129" name="TextBox 128"/>
+          <p:cNvSpPr txBox="1"/>
+          <p:nvPr/>
+        </p:nvSpPr>
+        <p:spPr>
+          <a:xfrm>
+            <a:off x="4292600" y="3225800"/>
+            <a:ext cx="548640" cy="307777"/>
+          </a:xfrm>
+          <a:prstGeom prst="rect">
+            <a:avLst/>
+          </a:prstGeom>
+          <a:noFill/>
+        </p:spPr>
+        <p:txBody>
+          <a:bodyPr wrap="square" rtlCol="0">
+            <a:spAutoFit/>
+          </a:bodyPr>
+          <a:lstStyle/>
+          <a:p>
+            <a:pPr algn="ctr"/>
+            <a:r>
+              <a:rPr lang="en-US" sz="1400" dirty="0" smtClean="0">
+                <a:latin typeface="Times New Roman" pitchFamily="18" charset="0"/>
+                <a:cs typeface="Times New Roman" pitchFamily="18" charset="0"/>
+              </a:rPr>
+              <a:t>2.25</a:t>
+            </a:r>
+            <a:endParaRPr lang="en-US" sz="1400" dirty="0">
+              <a:latin typeface="Times New Roman" pitchFamily="18" charset="0"/>
+              <a:cs typeface="Times New Roman" pitchFamily="18" charset="0"/>
+            </a:endParaRPr>
+          </a:p>
+        </p:txBody>
+      </p:sp>
+      <p:sp>
+        <p:nvSpPr>
+          <p:cNvPr id="130" name="TextBox 129"/>
+          <p:cNvSpPr txBox="1"/>
+          <p:nvPr/>
+        </p:nvSpPr>
+        <p:spPr>
+          <a:xfrm>
+            <a:off x="4292600" y="3810000"/>
+            <a:ext cx="548640" cy="307777"/>
+          </a:xfrm>
+          <a:prstGeom prst="rect">
+            <a:avLst/>
+          </a:prstGeom>
+          <a:noFill/>
+        </p:spPr>
+        <p:txBody>
+          <a:bodyPr wrap="square" rtlCol="0">
+            <a:spAutoFit/>
+          </a:bodyPr>
+          <a:lstStyle/>
+          <a:p>
+            <a:pPr algn="ctr"/>
+            <a:r>
+              <a:rPr lang="en-US" sz="1400" dirty="0" smtClean="0">
+                <a:solidFill>
+                  <a:schemeClr val="bg1"/>
+                </a:solidFill>
+                <a:latin typeface="Times New Roman" pitchFamily="18" charset="0"/>
+                <a:cs typeface="Times New Roman" pitchFamily="18" charset="0"/>
+              </a:rPr>
+              <a:t>0</a:t>
+            </a:r>
+            <a:endParaRPr lang="en-US" sz="1400" dirty="0">
+              <a:solidFill>
+                <a:schemeClr val="bg1"/>
+              </a:solidFill>
+              <a:latin typeface="Times New Roman" pitchFamily="18" charset="0"/>
+              <a:cs typeface="Times New Roman" pitchFamily="18" charset="0"/>
+            </a:endParaRPr>
+          </a:p>
+        </p:txBody>
+      </p:sp>
+      <p:sp>
+        <p:nvSpPr>
+          <p:cNvPr id="131" name="TextBox 130"/>
+          <p:cNvSpPr txBox="1"/>
+          <p:nvPr/>
+        </p:nvSpPr>
+        <p:spPr>
+          <a:xfrm>
+            <a:off x="4292600" y="4343400"/>
             <a:ext cx="548640" cy="307777"/>
           </a:xfrm>
           <a:prstGeom prst="rect">
@@ -6050,7 +6295,7 @@
                 <a:latin typeface="Times New Roman" pitchFamily="18" charset="0"/>
                 <a:cs typeface="Times New Roman" pitchFamily="18" charset="0"/>
               </a:rPr>
-              <a:t>4.45</a:t>
+              <a:t>0</a:t>
             </a:r>
             <a:endParaRPr lang="en-US" sz="1400" dirty="0">
               <a:solidFill>
@@ -6066,13 +6311,13 @@
       </p:sp>
       <p:sp>
         <p:nvSpPr>
-          <p:cNvPr id="127" name="TextBox 126"/>
-          <p:cNvSpPr txBox="1"/>
-          <p:nvPr/>
-        </p:nvSpPr>
-        <p:spPr>
-          <a:xfrm>
-            <a:off x="4292600" y="2133600"/>
+          <p:cNvPr id="132" name="TextBox 131"/>
+          <p:cNvSpPr txBox="1"/>
+          <p:nvPr/>
+        </p:nvSpPr>
+        <p:spPr>
+          <a:xfrm>
+            <a:off x="4292600" y="4953000"/>
             <a:ext cx="548640" cy="307777"/>
           </a:xfrm>
           <a:prstGeom prst="rect">
@@ -6092,166 +6337,51 @@
                 <a:latin typeface="Times New Roman" pitchFamily="18" charset="0"/>
                 <a:cs typeface="Times New Roman" pitchFamily="18" charset="0"/>
               </a:rPr>
+              <a:t>1.67</a:t>
+            </a:r>
+            <a:endParaRPr lang="en-US" sz="1400" dirty="0">
+              <a:latin typeface="Times New Roman" pitchFamily="18" charset="0"/>
+              <a:cs typeface="Times New Roman" pitchFamily="18" charset="0"/>
+            </a:endParaRPr>
+          </a:p>
+        </p:txBody>
+      </p:sp>
+      <p:sp>
+        <p:nvSpPr>
+          <p:cNvPr id="133" name="TextBox 132"/>
+          <p:cNvSpPr txBox="1"/>
+          <p:nvPr/>
+        </p:nvSpPr>
+        <p:spPr>
+          <a:xfrm>
+            <a:off x="4876800" y="1600200"/>
+            <a:ext cx="548640" cy="307777"/>
+          </a:xfrm>
+          <a:prstGeom prst="rect">
+            <a:avLst/>
+          </a:prstGeom>
+          <a:noFill/>
+        </p:spPr>
+        <p:txBody>
+          <a:bodyPr wrap="square" rtlCol="0">
+            <a:spAutoFit/>
+          </a:bodyPr>
+          <a:lstStyle/>
+          <a:p>
+            <a:pPr algn="ctr"/>
+            <a:r>
+              <a:rPr lang="en-US" sz="1400" dirty="0" smtClean="0">
+                <a:solidFill>
+                  <a:schemeClr val="bg1"/>
+                </a:solidFill>
+                <a:latin typeface="Times New Roman" pitchFamily="18" charset="0"/>
+                <a:cs typeface="Times New Roman" pitchFamily="18" charset="0"/>
+              </a:rPr>
               <a:t>0</a:t>
-            </a:r>
-            <a:endParaRPr lang="en-US" sz="1400" dirty="0">
-              <a:latin typeface="Times New Roman" pitchFamily="18" charset="0"/>
-              <a:cs typeface="Times New Roman" pitchFamily="18" charset="0"/>
-            </a:endParaRPr>
-          </a:p>
-        </p:txBody>
-      </p:sp>
-      <p:sp>
-        <p:nvSpPr>
-          <p:cNvPr id="128" name="TextBox 127"/>
-          <p:cNvSpPr txBox="1"/>
-          <p:nvPr/>
-        </p:nvSpPr>
-        <p:spPr>
-          <a:xfrm>
-            <a:off x="4292600" y="2667000"/>
-            <a:ext cx="548640" cy="307777"/>
-          </a:xfrm>
-          <a:prstGeom prst="rect">
-            <a:avLst/>
-          </a:prstGeom>
-          <a:noFill/>
-        </p:spPr>
-        <p:txBody>
-          <a:bodyPr wrap="square" rtlCol="0">
-            <a:spAutoFit/>
-          </a:bodyPr>
-          <a:lstStyle/>
-          <a:p>
-            <a:pPr algn="ctr"/>
-            <a:r>
-              <a:rPr lang="en-US" sz="1400" dirty="0" smtClean="0">
-                <a:latin typeface="Times New Roman" pitchFamily="18" charset="0"/>
-                <a:cs typeface="Times New Roman" pitchFamily="18" charset="0"/>
-              </a:rPr>
-              <a:t>0</a:t>
-            </a:r>
-            <a:endParaRPr lang="en-US" sz="1400" dirty="0">
-              <a:latin typeface="Times New Roman" pitchFamily="18" charset="0"/>
-              <a:cs typeface="Times New Roman" pitchFamily="18" charset="0"/>
-            </a:endParaRPr>
-          </a:p>
-        </p:txBody>
-      </p:sp>
-      <p:sp>
-        <p:nvSpPr>
-          <p:cNvPr id="129" name="TextBox 128"/>
-          <p:cNvSpPr txBox="1"/>
-          <p:nvPr/>
-        </p:nvSpPr>
-        <p:spPr>
-          <a:xfrm>
-            <a:off x="4292600" y="3225800"/>
-            <a:ext cx="548640" cy="307777"/>
-          </a:xfrm>
-          <a:prstGeom prst="rect">
-            <a:avLst/>
-          </a:prstGeom>
-          <a:noFill/>
-        </p:spPr>
-        <p:txBody>
-          <a:bodyPr wrap="square" rtlCol="0">
-            <a:spAutoFit/>
-          </a:bodyPr>
-          <a:lstStyle/>
-          <a:p>
-            <a:pPr algn="ctr"/>
-            <a:r>
-              <a:rPr lang="en-US" sz="1400" dirty="0" smtClean="0">
-                <a:latin typeface="Times New Roman" pitchFamily="18" charset="0"/>
-                <a:cs typeface="Times New Roman" pitchFamily="18" charset="0"/>
-              </a:rPr>
-              <a:t>2.12</a:t>
-            </a:r>
-            <a:endParaRPr lang="en-US" sz="1400" dirty="0">
-              <a:latin typeface="Times New Roman" pitchFamily="18" charset="0"/>
-              <a:cs typeface="Times New Roman" pitchFamily="18" charset="0"/>
-            </a:endParaRPr>
-          </a:p>
-        </p:txBody>
-      </p:sp>
-      <p:sp>
-        <p:nvSpPr>
-          <p:cNvPr id="130" name="TextBox 129"/>
-          <p:cNvSpPr txBox="1"/>
-          <p:nvPr/>
-        </p:nvSpPr>
-        <p:spPr>
-          <a:xfrm>
-            <a:off x="4292600" y="3810000"/>
-            <a:ext cx="548640" cy="307777"/>
-          </a:xfrm>
-          <a:prstGeom prst="rect">
-            <a:avLst/>
-          </a:prstGeom>
-          <a:noFill/>
-        </p:spPr>
-        <p:txBody>
-          <a:bodyPr wrap="square" rtlCol="0">
-            <a:spAutoFit/>
-          </a:bodyPr>
-          <a:lstStyle/>
-          <a:p>
-            <a:pPr algn="ctr"/>
-            <a:r>
-              <a:rPr lang="en-US" sz="1400" dirty="0" smtClean="0">
-                <a:latin typeface="Times New Roman" pitchFamily="18" charset="0"/>
-                <a:cs typeface="Times New Roman" pitchFamily="18" charset="0"/>
-              </a:rPr>
-              <a:t>2.32</a:t>
-            </a:r>
-            <a:endParaRPr lang="en-US" sz="1400" dirty="0">
-              <a:latin typeface="Times New Roman" pitchFamily="18" charset="0"/>
-              <a:cs typeface="Times New Roman" pitchFamily="18" charset="0"/>
-            </a:endParaRPr>
-          </a:p>
-        </p:txBody>
-      </p:sp>
-      <p:sp>
-        <p:nvSpPr>
-          <p:cNvPr id="131" name="TextBox 130"/>
-          <p:cNvSpPr txBox="1"/>
-          <p:nvPr/>
-        </p:nvSpPr>
-        <p:spPr>
-          <a:xfrm>
-            <a:off x="4292600" y="4343400"/>
-            <a:ext cx="548640" cy="307777"/>
-          </a:xfrm>
-          <a:prstGeom prst="rect">
-            <a:avLst/>
-          </a:prstGeom>
-          <a:noFill/>
-        </p:spPr>
-        <p:txBody>
-          <a:bodyPr wrap="square" rtlCol="0">
-            <a:spAutoFit/>
-          </a:bodyPr>
-          <a:lstStyle/>
-          <a:p>
-            <a:pPr algn="ctr"/>
-            <a:r>
-              <a:rPr lang="en-US" sz="1400" dirty="0" smtClean="0">
-                <a:solidFill>
-                  <a:schemeClr val="bg1">
-                    <a:lumMod val="85000"/>
-                  </a:schemeClr>
-                </a:solidFill>
-                <a:latin typeface="Times New Roman" pitchFamily="18" charset="0"/>
-                <a:cs typeface="Times New Roman" pitchFamily="18" charset="0"/>
-              </a:rPr>
-              <a:t>4.82</a:t>
             </a:r>
             <a:endParaRPr lang="en-US" sz="1400" dirty="0">
               <a:solidFill>
-                <a:schemeClr val="bg1">
-                  <a:lumMod val="85000"/>
-                </a:schemeClr>
+                <a:schemeClr val="bg1"/>
               </a:solidFill>
               <a:latin typeface="Times New Roman" pitchFamily="18" charset="0"/>
               <a:cs typeface="Times New Roman" pitchFamily="18" charset="0"/>
@@ -6261,13 +6391,13 @@
       </p:sp>
       <p:sp>
         <p:nvSpPr>
-          <p:cNvPr id="132" name="TextBox 131"/>
-          <p:cNvSpPr txBox="1"/>
-          <p:nvPr/>
-        </p:nvSpPr>
-        <p:spPr>
-          <a:xfrm>
-            <a:off x="4292600" y="4953000"/>
+          <p:cNvPr id="134" name="TextBox 133"/>
+          <p:cNvSpPr txBox="1"/>
+          <p:nvPr/>
+        </p:nvSpPr>
+        <p:spPr>
+          <a:xfrm>
+            <a:off x="4902200" y="2146300"/>
             <a:ext cx="548640" cy="307777"/>
           </a:xfrm>
           <a:prstGeom prst="rect">
@@ -6284,244 +6414,166 @@
             <a:pPr algn="ctr"/>
             <a:r>
               <a:rPr lang="en-US" sz="1400" dirty="0" smtClean="0">
-                <a:solidFill>
-                  <a:schemeClr val="bg1">
-                    <a:lumMod val="85000"/>
-                  </a:schemeClr>
-                </a:solidFill>
-                <a:latin typeface="Times New Roman" pitchFamily="18" charset="0"/>
-                <a:cs typeface="Times New Roman" pitchFamily="18" charset="0"/>
-              </a:rPr>
-              <a:t>4.53</a:t>
+                <a:latin typeface="Times New Roman" pitchFamily="18" charset="0"/>
+                <a:cs typeface="Times New Roman" pitchFamily="18" charset="0"/>
+              </a:rPr>
+              <a:t>2.17</a:t>
+            </a:r>
+            <a:endParaRPr lang="en-US" sz="1400" dirty="0">
+              <a:latin typeface="Times New Roman" pitchFamily="18" charset="0"/>
+              <a:cs typeface="Times New Roman" pitchFamily="18" charset="0"/>
+            </a:endParaRPr>
+          </a:p>
+        </p:txBody>
+      </p:sp>
+      <p:sp>
+        <p:nvSpPr>
+          <p:cNvPr id="135" name="TextBox 134"/>
+          <p:cNvSpPr txBox="1"/>
+          <p:nvPr/>
+        </p:nvSpPr>
+        <p:spPr>
+          <a:xfrm>
+            <a:off x="4902200" y="2679700"/>
+            <a:ext cx="548640" cy="307777"/>
+          </a:xfrm>
+          <a:prstGeom prst="rect">
+            <a:avLst/>
+          </a:prstGeom>
+          <a:noFill/>
+        </p:spPr>
+        <p:txBody>
+          <a:bodyPr wrap="square" rtlCol="0">
+            <a:spAutoFit/>
+          </a:bodyPr>
+          <a:lstStyle/>
+          <a:p>
+            <a:pPr algn="ctr"/>
+            <a:r>
+              <a:rPr lang="en-US" sz="1400" dirty="0" smtClean="0">
+                <a:latin typeface="Times New Roman" pitchFamily="18" charset="0"/>
+                <a:cs typeface="Times New Roman" pitchFamily="18" charset="0"/>
+              </a:rPr>
+              <a:t>3.11</a:t>
+            </a:r>
+            <a:endParaRPr lang="en-US" sz="1400" dirty="0">
+              <a:latin typeface="Times New Roman" pitchFamily="18" charset="0"/>
+              <a:cs typeface="Times New Roman" pitchFamily="18" charset="0"/>
+            </a:endParaRPr>
+          </a:p>
+        </p:txBody>
+      </p:sp>
+      <p:sp>
+        <p:nvSpPr>
+          <p:cNvPr id="136" name="TextBox 135"/>
+          <p:cNvSpPr txBox="1"/>
+          <p:nvPr/>
+        </p:nvSpPr>
+        <p:spPr>
+          <a:xfrm>
+            <a:off x="4902200" y="3238500"/>
+            <a:ext cx="548640" cy="307777"/>
+          </a:xfrm>
+          <a:prstGeom prst="rect">
+            <a:avLst/>
+          </a:prstGeom>
+          <a:noFill/>
+        </p:spPr>
+        <p:txBody>
+          <a:bodyPr wrap="square" rtlCol="0">
+            <a:spAutoFit/>
+          </a:bodyPr>
+          <a:lstStyle/>
+          <a:p>
+            <a:pPr algn="ctr"/>
+            <a:r>
+              <a:rPr lang="en-US" sz="1400" dirty="0" smtClean="0">
+                <a:latin typeface="Times New Roman" pitchFamily="18" charset="0"/>
+                <a:cs typeface="Times New Roman" pitchFamily="18" charset="0"/>
+              </a:rPr>
+              <a:t>2.68</a:t>
+            </a:r>
+            <a:endParaRPr lang="en-US" sz="1400" dirty="0">
+              <a:latin typeface="Times New Roman" pitchFamily="18" charset="0"/>
+              <a:cs typeface="Times New Roman" pitchFamily="18" charset="0"/>
+            </a:endParaRPr>
+          </a:p>
+        </p:txBody>
+      </p:sp>
+      <p:sp>
+        <p:nvSpPr>
+          <p:cNvPr id="137" name="TextBox 136"/>
+          <p:cNvSpPr txBox="1"/>
+          <p:nvPr/>
+        </p:nvSpPr>
+        <p:spPr>
+          <a:xfrm>
+            <a:off x="4902200" y="3822700"/>
+            <a:ext cx="548640" cy="307777"/>
+          </a:xfrm>
+          <a:prstGeom prst="rect">
+            <a:avLst/>
+          </a:prstGeom>
+          <a:noFill/>
+        </p:spPr>
+        <p:txBody>
+          <a:bodyPr wrap="square" rtlCol="0">
+            <a:spAutoFit/>
+          </a:bodyPr>
+          <a:lstStyle/>
+          <a:p>
+            <a:pPr algn="ctr"/>
+            <a:r>
+              <a:rPr lang="en-US" sz="1400" dirty="0" smtClean="0">
+                <a:latin typeface="Times New Roman" pitchFamily="18" charset="0"/>
+                <a:cs typeface="Times New Roman" pitchFamily="18" charset="0"/>
+              </a:rPr>
+              <a:t>2.3</a:t>
+            </a:r>
+            <a:endParaRPr lang="en-US" sz="1400" dirty="0">
+              <a:latin typeface="Times New Roman" pitchFamily="18" charset="0"/>
+              <a:cs typeface="Times New Roman" pitchFamily="18" charset="0"/>
+            </a:endParaRPr>
+          </a:p>
+        </p:txBody>
+      </p:sp>
+      <p:sp>
+        <p:nvSpPr>
+          <p:cNvPr id="138" name="TextBox 137"/>
+          <p:cNvSpPr txBox="1"/>
+          <p:nvPr/>
+        </p:nvSpPr>
+        <p:spPr>
+          <a:xfrm>
+            <a:off x="4902200" y="4356100"/>
+            <a:ext cx="548640" cy="307777"/>
+          </a:xfrm>
+          <a:prstGeom prst="rect">
+            <a:avLst/>
+          </a:prstGeom>
+          <a:noFill/>
+        </p:spPr>
+        <p:txBody>
+          <a:bodyPr wrap="square" rtlCol="0">
+            <a:spAutoFit/>
+          </a:bodyPr>
+          <a:lstStyle/>
+          <a:p>
+            <a:pPr algn="ctr"/>
+            <a:r>
+              <a:rPr lang="en-US" sz="1400" dirty="0" smtClean="0">
+                <a:solidFill>
+                  <a:schemeClr val="bg1"/>
+                </a:solidFill>
+                <a:latin typeface="Times New Roman" pitchFamily="18" charset="0"/>
+                <a:cs typeface="Times New Roman" pitchFamily="18" charset="0"/>
+              </a:rPr>
+              <a:t>0</a:t>
             </a:r>
             <a:endParaRPr lang="en-US" sz="1400" dirty="0">
               <a:solidFill>
-                <a:schemeClr val="bg1">
-                  <a:lumMod val="85000"/>
-                </a:schemeClr>
+                <a:schemeClr val="bg1"/>
               </a:solidFill>
-              <a:latin typeface="Times New Roman" pitchFamily="18" charset="0"/>
-              <a:cs typeface="Times New Roman" pitchFamily="18" charset="0"/>
-            </a:endParaRPr>
-          </a:p>
-        </p:txBody>
-      </p:sp>
-      <p:sp>
-        <p:nvSpPr>
-          <p:cNvPr id="133" name="TextBox 132"/>
-          <p:cNvSpPr txBox="1"/>
-          <p:nvPr/>
-        </p:nvSpPr>
-        <p:spPr>
-          <a:xfrm>
-            <a:off x="4876800" y="1600200"/>
-            <a:ext cx="548640" cy="307777"/>
-          </a:xfrm>
-          <a:prstGeom prst="rect">
-            <a:avLst/>
-          </a:prstGeom>
-          <a:noFill/>
-        </p:spPr>
-        <p:txBody>
-          <a:bodyPr wrap="square" rtlCol="0">
-            <a:spAutoFit/>
-          </a:bodyPr>
-          <a:lstStyle/>
-          <a:p>
-            <a:pPr algn="ctr"/>
-            <a:r>
-              <a:rPr lang="en-US" sz="1400" dirty="0" smtClean="0">
-                <a:latin typeface="Times New Roman" pitchFamily="18" charset="0"/>
-                <a:cs typeface="Times New Roman" pitchFamily="18" charset="0"/>
-              </a:rPr>
-              <a:t>0</a:t>
-            </a:r>
-            <a:endParaRPr lang="en-US" sz="1400" dirty="0">
-              <a:latin typeface="Times New Roman" pitchFamily="18" charset="0"/>
-              <a:cs typeface="Times New Roman" pitchFamily="18" charset="0"/>
-            </a:endParaRPr>
-          </a:p>
-        </p:txBody>
-      </p:sp>
-      <p:sp>
-        <p:nvSpPr>
-          <p:cNvPr id="134" name="TextBox 133"/>
-          <p:cNvSpPr txBox="1"/>
-          <p:nvPr/>
-        </p:nvSpPr>
-        <p:spPr>
-          <a:xfrm>
-            <a:off x="4902200" y="2146300"/>
-            <a:ext cx="548640" cy="307777"/>
-          </a:xfrm>
-          <a:prstGeom prst="rect">
-            <a:avLst/>
-          </a:prstGeom>
-          <a:noFill/>
-        </p:spPr>
-        <p:txBody>
-          <a:bodyPr wrap="square" rtlCol="0">
-            <a:spAutoFit/>
-          </a:bodyPr>
-          <a:lstStyle/>
-          <a:p>
-            <a:pPr algn="ctr"/>
-            <a:r>
-              <a:rPr lang="en-US" sz="1400" dirty="0" smtClean="0">
-                <a:latin typeface="Times New Roman" pitchFamily="18" charset="0"/>
-                <a:cs typeface="Times New Roman" pitchFamily="18" charset="0"/>
-              </a:rPr>
-              <a:t>3.43</a:t>
-            </a:r>
-            <a:endParaRPr lang="en-US" sz="1400" dirty="0">
-              <a:latin typeface="Times New Roman" pitchFamily="18" charset="0"/>
-              <a:cs typeface="Times New Roman" pitchFamily="18" charset="0"/>
-            </a:endParaRPr>
-          </a:p>
-        </p:txBody>
-      </p:sp>
-      <p:sp>
-        <p:nvSpPr>
-          <p:cNvPr id="135" name="TextBox 134"/>
-          <p:cNvSpPr txBox="1"/>
-          <p:nvPr/>
-        </p:nvSpPr>
-        <p:spPr>
-          <a:xfrm>
-            <a:off x="4902200" y="2679700"/>
-            <a:ext cx="548640" cy="307777"/>
-          </a:xfrm>
-          <a:prstGeom prst="rect">
-            <a:avLst/>
-          </a:prstGeom>
-          <a:noFill/>
-        </p:spPr>
-        <p:txBody>
-          <a:bodyPr wrap="square" rtlCol="0">
-            <a:spAutoFit/>
-          </a:bodyPr>
-          <a:lstStyle/>
-          <a:p>
-            <a:pPr algn="ctr"/>
-            <a:r>
-              <a:rPr lang="en-US" sz="1400" dirty="0" smtClean="0">
-                <a:latin typeface="Times New Roman" pitchFamily="18" charset="0"/>
-                <a:cs typeface="Times New Roman" pitchFamily="18" charset="0"/>
-              </a:rPr>
-              <a:t>0</a:t>
-            </a:r>
-            <a:endParaRPr lang="en-US" sz="1400" dirty="0">
-              <a:latin typeface="Times New Roman" pitchFamily="18" charset="0"/>
-              <a:cs typeface="Times New Roman" pitchFamily="18" charset="0"/>
-            </a:endParaRPr>
-          </a:p>
-        </p:txBody>
-      </p:sp>
-      <p:sp>
-        <p:nvSpPr>
-          <p:cNvPr id="136" name="TextBox 135"/>
-          <p:cNvSpPr txBox="1"/>
-          <p:nvPr/>
-        </p:nvSpPr>
-        <p:spPr>
-          <a:xfrm>
-            <a:off x="4902200" y="3238500"/>
-            <a:ext cx="548640" cy="307777"/>
-          </a:xfrm>
-          <a:prstGeom prst="rect">
-            <a:avLst/>
-          </a:prstGeom>
-          <a:noFill/>
-        </p:spPr>
-        <p:txBody>
-          <a:bodyPr wrap="square" rtlCol="0">
-            <a:spAutoFit/>
-          </a:bodyPr>
-          <a:lstStyle/>
-          <a:p>
-            <a:pPr algn="ctr"/>
-            <a:r>
-              <a:rPr lang="en-US" sz="1400" dirty="0" smtClean="0">
-                <a:latin typeface="Times New Roman" pitchFamily="18" charset="0"/>
-                <a:cs typeface="Times New Roman" pitchFamily="18" charset="0"/>
-              </a:rPr>
-              <a:t>4.17</a:t>
-            </a:r>
-            <a:endParaRPr lang="en-US" sz="1400" dirty="0">
-              <a:latin typeface="Times New Roman" pitchFamily="18" charset="0"/>
-              <a:cs typeface="Times New Roman" pitchFamily="18" charset="0"/>
-            </a:endParaRPr>
-          </a:p>
-        </p:txBody>
-      </p:sp>
-      <p:sp>
-        <p:nvSpPr>
-          <p:cNvPr id="137" name="TextBox 136"/>
-          <p:cNvSpPr txBox="1"/>
-          <p:nvPr/>
-        </p:nvSpPr>
-        <p:spPr>
-          <a:xfrm>
-            <a:off x="4902200" y="3822700"/>
-            <a:ext cx="548640" cy="307777"/>
-          </a:xfrm>
-          <a:prstGeom prst="rect">
-            <a:avLst/>
-          </a:prstGeom>
-          <a:noFill/>
-        </p:spPr>
-        <p:txBody>
-          <a:bodyPr wrap="square" rtlCol="0">
-            <a:spAutoFit/>
-          </a:bodyPr>
-          <a:lstStyle/>
-          <a:p>
-            <a:pPr algn="ctr"/>
-            <a:r>
-              <a:rPr lang="en-US" sz="1400" dirty="0" smtClean="0">
-                <a:latin typeface="Times New Roman" pitchFamily="18" charset="0"/>
-                <a:cs typeface="Times New Roman" pitchFamily="18" charset="0"/>
-              </a:rPr>
-              <a:t>2.72</a:t>
-            </a:r>
-            <a:endParaRPr lang="en-US" sz="1400" dirty="0">
-              <a:latin typeface="Times New Roman" pitchFamily="18" charset="0"/>
-              <a:cs typeface="Times New Roman" pitchFamily="18" charset="0"/>
-            </a:endParaRPr>
-          </a:p>
-        </p:txBody>
-      </p:sp>
-      <p:sp>
-        <p:nvSpPr>
-          <p:cNvPr id="138" name="TextBox 137"/>
-          <p:cNvSpPr txBox="1"/>
-          <p:nvPr/>
-        </p:nvSpPr>
-        <p:spPr>
-          <a:xfrm>
-            <a:off x="4902200" y="4356100"/>
-            <a:ext cx="548640" cy="307777"/>
-          </a:xfrm>
-          <a:prstGeom prst="rect">
-            <a:avLst/>
-          </a:prstGeom>
-          <a:noFill/>
-        </p:spPr>
-        <p:txBody>
-          <a:bodyPr wrap="square" rtlCol="0">
-            <a:spAutoFit/>
-          </a:bodyPr>
-          <a:lstStyle/>
-          <a:p>
-            <a:pPr algn="ctr"/>
-            <a:r>
-              <a:rPr lang="en-US" sz="1400" dirty="0" smtClean="0">
-                <a:latin typeface="Times New Roman" pitchFamily="18" charset="0"/>
-                <a:cs typeface="Times New Roman" pitchFamily="18" charset="0"/>
-              </a:rPr>
-              <a:t>3.48</a:t>
-            </a:r>
-            <a:endParaRPr lang="en-US" sz="1400" dirty="0">
               <a:latin typeface="Times New Roman" pitchFamily="18" charset="0"/>
               <a:cs typeface="Times New Roman" pitchFamily="18" charset="0"/>
             </a:endParaRPr>
@@ -6553,12 +6605,18 @@
             <a:pPr algn="ctr"/>
             <a:r>
               <a:rPr lang="en-US" sz="1400" dirty="0" smtClean="0">
-                <a:latin typeface="Times New Roman" pitchFamily="18" charset="0"/>
-                <a:cs typeface="Times New Roman" pitchFamily="18" charset="0"/>
-              </a:rPr>
-              <a:t>3.56</a:t>
+                <a:solidFill>
+                  <a:schemeClr val="bg1"/>
+                </a:solidFill>
+                <a:latin typeface="Times New Roman" pitchFamily="18" charset="0"/>
+                <a:cs typeface="Times New Roman" pitchFamily="18" charset="0"/>
+              </a:rPr>
+              <a:t>0</a:t>
             </a:r>
             <a:endParaRPr lang="en-US" sz="1400" dirty="0">
+              <a:solidFill>
+                <a:schemeClr val="bg1"/>
+              </a:solidFill>
               <a:latin typeface="Times New Roman" pitchFamily="18" charset="0"/>
               <a:cs typeface="Times New Roman" pitchFamily="18" charset="0"/>
             </a:endParaRPr>
@@ -6590,12 +6648,18 @@
             <a:pPr algn="ctr"/>
             <a:r>
               <a:rPr lang="en-US" sz="1400" dirty="0" smtClean="0">
-                <a:latin typeface="Times New Roman" pitchFamily="18" charset="0"/>
-                <a:cs typeface="Times New Roman" pitchFamily="18" charset="0"/>
-              </a:rPr>
-              <a:t>3</a:t>
+                <a:solidFill>
+                  <a:schemeClr val="bg1"/>
+                </a:solidFill>
+                <a:latin typeface="Times New Roman" pitchFamily="18" charset="0"/>
+                <a:cs typeface="Times New Roman" pitchFamily="18" charset="0"/>
+              </a:rPr>
+              <a:t>0</a:t>
             </a:r>
             <a:endParaRPr lang="en-US" sz="1400" dirty="0">
+              <a:solidFill>
+                <a:schemeClr val="bg1"/>
+              </a:solidFill>
               <a:latin typeface="Times New Roman" pitchFamily="18" charset="0"/>
               <a:cs typeface="Times New Roman" pitchFamily="18" charset="0"/>
             </a:endParaRPr>
@@ -6627,12 +6691,18 @@
             <a:pPr algn="ctr"/>
             <a:r>
               <a:rPr lang="en-US" sz="1400" dirty="0" smtClean="0">
+                <a:solidFill>
+                  <a:schemeClr val="bg1"/>
+                </a:solidFill>
                 <a:latin typeface="Times New Roman" pitchFamily="18" charset="0"/>
                 <a:cs typeface="Times New Roman" pitchFamily="18" charset="0"/>
               </a:rPr>
               <a:t>0</a:t>
             </a:r>
             <a:endParaRPr lang="en-US" sz="1400" dirty="0">
+              <a:solidFill>
+                <a:schemeClr val="bg1"/>
+              </a:solidFill>
               <a:latin typeface="Times New Roman" pitchFamily="18" charset="0"/>
               <a:cs typeface="Times New Roman" pitchFamily="18" charset="0"/>
             </a:endParaRPr>
@@ -6667,7 +6737,7 @@
                 <a:latin typeface="Times New Roman" pitchFamily="18" charset="0"/>
                 <a:cs typeface="Times New Roman" pitchFamily="18" charset="0"/>
               </a:rPr>
-              <a:t>3.62</a:t>
+              <a:t>2.71</a:t>
             </a:r>
             <a:endParaRPr lang="en-US" sz="1400" dirty="0">
               <a:latin typeface="Times New Roman" pitchFamily="18" charset="0"/>
@@ -6704,7 +6774,7 @@
                 <a:latin typeface="Times New Roman" pitchFamily="18" charset="0"/>
                 <a:cs typeface="Times New Roman" pitchFamily="18" charset="0"/>
               </a:rPr>
-              <a:t>2.8</a:t>
+              <a:t>2.93</a:t>
             </a:r>
             <a:endParaRPr lang="en-US" sz="1400" dirty="0">
               <a:latin typeface="Times New Roman" pitchFamily="18" charset="0"/>
@@ -6738,12 +6808,18 @@
             <a:pPr algn="ctr"/>
             <a:r>
               <a:rPr lang="en-US" sz="1400" dirty="0" smtClean="0">
-                <a:latin typeface="Times New Roman" pitchFamily="18" charset="0"/>
-                <a:cs typeface="Times New Roman" pitchFamily="18" charset="0"/>
-              </a:rPr>
-              <a:t>2.8</a:t>
+                <a:solidFill>
+                  <a:schemeClr val="bg1"/>
+                </a:solidFill>
+                <a:latin typeface="Times New Roman" pitchFamily="18" charset="0"/>
+                <a:cs typeface="Times New Roman" pitchFamily="18" charset="0"/>
+              </a:rPr>
+              <a:t>0</a:t>
             </a:r>
             <a:endParaRPr lang="en-US" sz="1400" dirty="0">
+              <a:solidFill>
+                <a:schemeClr val="bg1"/>
+              </a:solidFill>
               <a:latin typeface="Times New Roman" pitchFamily="18" charset="0"/>
               <a:cs typeface="Times New Roman" pitchFamily="18" charset="0"/>
             </a:endParaRPr>
@@ -6778,7 +6854,7 @@
                 <a:latin typeface="Times New Roman" pitchFamily="18" charset="0"/>
                 <a:cs typeface="Times New Roman" pitchFamily="18" charset="0"/>
               </a:rPr>
-              <a:t>2.6</a:t>
+              <a:t>1.68</a:t>
             </a:r>
             <a:endParaRPr lang="en-US" sz="1400" dirty="0">
               <a:latin typeface="Times New Roman" pitchFamily="18" charset="0"/>
@@ -6815,7 +6891,7 @@
                 <a:latin typeface="Times New Roman" pitchFamily="18" charset="0"/>
                 <a:cs typeface="Times New Roman" pitchFamily="18" charset="0"/>
               </a:rPr>
-              <a:t>3.57</a:t>
+              <a:t>1.53</a:t>
             </a:r>
             <a:endParaRPr lang="en-US" sz="1400" dirty="0">
               <a:latin typeface="Times New Roman" pitchFamily="18" charset="0"/>
@@ -6849,12 +6925,18 @@
             <a:pPr algn="ctr"/>
             <a:r>
               <a:rPr lang="en-US" sz="1400" dirty="0" smtClean="0">
+                <a:solidFill>
+                  <a:schemeClr val="bg1"/>
+                </a:solidFill>
                 <a:latin typeface="Times New Roman" pitchFamily="18" charset="0"/>
                 <a:cs typeface="Times New Roman" pitchFamily="18" charset="0"/>
               </a:rPr>
               <a:t>0</a:t>
             </a:r>
             <a:endParaRPr lang="en-US" sz="1400" dirty="0">
+              <a:solidFill>
+                <a:schemeClr val="bg1"/>
+              </a:solidFill>
               <a:latin typeface="Times New Roman" pitchFamily="18" charset="0"/>
               <a:cs typeface="Times New Roman" pitchFamily="18" charset="0"/>
             </a:endParaRPr>
@@ -6886,12 +6968,18 @@
             <a:pPr algn="ctr"/>
             <a:r>
               <a:rPr lang="en-US" sz="1400" dirty="0" smtClean="0">
-                <a:latin typeface="Times New Roman" pitchFamily="18" charset="0"/>
-                <a:cs typeface="Times New Roman" pitchFamily="18" charset="0"/>
-              </a:rPr>
-              <a:t>1.67</a:t>
+                <a:solidFill>
+                  <a:schemeClr val="bg1"/>
+                </a:solidFill>
+                <a:latin typeface="Times New Roman" pitchFamily="18" charset="0"/>
+                <a:cs typeface="Times New Roman" pitchFamily="18" charset="0"/>
+              </a:rPr>
+              <a:t>0</a:t>
             </a:r>
             <a:endParaRPr lang="en-US" sz="1400" dirty="0">
+              <a:solidFill>
+                <a:schemeClr val="bg1"/>
+              </a:solidFill>
               <a:latin typeface="Times New Roman" pitchFamily="18" charset="0"/>
               <a:cs typeface="Times New Roman" pitchFamily="18" charset="0"/>
             </a:endParaRPr>
@@ -6923,12 +7011,18 @@
             <a:pPr algn="ctr"/>
             <a:r>
               <a:rPr lang="en-US" sz="1400" dirty="0" smtClean="0">
+                <a:solidFill>
+                  <a:schemeClr val="bg1"/>
+                </a:solidFill>
                 <a:latin typeface="Times New Roman" pitchFamily="18" charset="0"/>
                 <a:cs typeface="Times New Roman" pitchFamily="18" charset="0"/>
               </a:rPr>
               <a:t>0</a:t>
             </a:r>
             <a:endParaRPr lang="en-US" sz="1400" dirty="0">
+              <a:solidFill>
+                <a:schemeClr val="bg1"/>
+              </a:solidFill>
               <a:latin typeface="Times New Roman" pitchFamily="18" charset="0"/>
               <a:cs typeface="Times New Roman" pitchFamily="18" charset="0"/>
             </a:endParaRPr>
@@ -6960,12 +7054,18 @@
             <a:pPr algn="ctr"/>
             <a:r>
               <a:rPr lang="en-US" sz="1400" dirty="0" smtClean="0">
+                <a:solidFill>
+                  <a:schemeClr val="bg1"/>
+                </a:solidFill>
                 <a:latin typeface="Times New Roman" pitchFamily="18" charset="0"/>
                 <a:cs typeface="Times New Roman" pitchFamily="18" charset="0"/>
               </a:rPr>
               <a:t>0</a:t>
             </a:r>
             <a:endParaRPr lang="en-US" sz="1400" dirty="0">
+              <a:solidFill>
+                <a:schemeClr val="bg1"/>
+              </a:solidFill>
               <a:latin typeface="Times New Roman" pitchFamily="18" charset="0"/>
               <a:cs typeface="Times New Roman" pitchFamily="18" charset="0"/>
             </a:endParaRPr>
@@ -6997,12 +7097,18 @@
             <a:pPr algn="ctr"/>
             <a:r>
               <a:rPr lang="en-US" sz="1400" dirty="0" smtClean="0">
-                <a:latin typeface="Times New Roman" pitchFamily="18" charset="0"/>
-                <a:cs typeface="Times New Roman" pitchFamily="18" charset="0"/>
-              </a:rPr>
-              <a:t>3.06</a:t>
+                <a:solidFill>
+                  <a:schemeClr val="bg1"/>
+                </a:solidFill>
+                <a:latin typeface="Times New Roman" pitchFamily="18" charset="0"/>
+                <a:cs typeface="Times New Roman" pitchFamily="18" charset="0"/>
+              </a:rPr>
+              <a:t>0</a:t>
             </a:r>
             <a:endParaRPr lang="en-US" sz="1400" dirty="0">
+              <a:solidFill>
+                <a:schemeClr val="bg1"/>
+              </a:solidFill>
               <a:latin typeface="Times New Roman" pitchFamily="18" charset="0"/>
               <a:cs typeface="Times New Roman" pitchFamily="18" charset="0"/>
             </a:endParaRPr>
@@ -7037,7 +7143,7 @@
                 <a:latin typeface="Times New Roman" pitchFamily="18" charset="0"/>
                 <a:cs typeface="Times New Roman" pitchFamily="18" charset="0"/>
               </a:rPr>
-              <a:t>2.45</a:t>
+              <a:t>2.64</a:t>
             </a:r>
             <a:endParaRPr lang="en-US" sz="1400" dirty="0">
               <a:latin typeface="Times New Roman" pitchFamily="18" charset="0"/>
@@ -7074,7 +7180,7 @@
                 <a:latin typeface="Times New Roman" pitchFamily="18" charset="0"/>
                 <a:cs typeface="Times New Roman" pitchFamily="18" charset="0"/>
               </a:rPr>
-              <a:t>2.25</a:t>
+              <a:t>1.96</a:t>
             </a:r>
             <a:endParaRPr lang="en-US" sz="1400" dirty="0">
               <a:latin typeface="Times New Roman" pitchFamily="18" charset="0"/>

--- a/trunk/ haptic-glove --username sreekar/Results/Results.pptx
+++ b/trunk/ haptic-glove --username sreekar/Results/Results.pptx
@@ -7,6 +7,7 @@
   <p:sldIdLst>
     <p:sldId id="256" r:id="rId2"/>
     <p:sldId id="257" r:id="rId3"/>
+    <p:sldId id="258" r:id="rId4"/>
   </p:sldIdLst>
   <p:sldSz cx="9144000" cy="6858000" type="screen4x3"/>
   <p:notesSz cx="6858000" cy="9144000"/>
@@ -7197,6 +7198,252 @@
 </p:sld>
 </file>
 
+<file path=ppt/slides/slide3.xml><?xml version="1.0" encoding="utf-8"?>
+<p:sld xmlns:a="http://schemas.openxmlformats.org/drawingml/2006/main" xmlns:r="http://schemas.openxmlformats.org/officeDocument/2006/relationships" xmlns:p="http://schemas.openxmlformats.org/presentationml/2006/main">
+  <p:cSld>
+    <p:spTree>
+      <p:nvGrpSpPr>
+        <p:cNvPr id="1" name=""/>
+        <p:cNvGrpSpPr/>
+        <p:nvPr/>
+      </p:nvGrpSpPr>
+      <p:grpSpPr>
+        <a:xfrm>
+          <a:off x="0" y="0"/>
+          <a:ext cx="0" cy="0"/>
+          <a:chOff x="0" y="0"/>
+          <a:chExt cx="0" cy="0"/>
+        </a:xfrm>
+      </p:grpSpPr>
+      <p:pic>
+        <p:nvPicPr>
+          <p:cNvPr id="4" name="Picture 3" descr="TimeComp.tif"/>
+          <p:cNvPicPr>
+            <a:picLocks noChangeAspect="1"/>
+          </p:cNvPicPr>
+          <p:nvPr/>
+        </p:nvPicPr>
+        <p:blipFill>
+          <a:blip r:embed="rId2" cstate="print"/>
+          <a:srcRect l="5986" t="5634" r="7394" b="5634"/>
+          <a:stretch>
+            <a:fillRect/>
+          </a:stretch>
+        </p:blipFill>
+        <p:spPr>
+          <a:xfrm>
+            <a:off x="762000" y="533400"/>
+            <a:ext cx="7239000" cy="5620214"/>
+          </a:xfrm>
+          <a:prstGeom prst="rect">
+            <a:avLst/>
+          </a:prstGeom>
+        </p:spPr>
+      </p:pic>
+      <p:sp>
+        <p:nvSpPr>
+          <p:cNvPr id="5" name="TextBox 4"/>
+          <p:cNvSpPr txBox="1"/>
+          <p:nvPr/>
+        </p:nvSpPr>
+        <p:spPr>
+          <a:xfrm>
+            <a:off x="3962400" y="6096000"/>
+            <a:ext cx="1295400" cy="369332"/>
+          </a:xfrm>
+          <a:prstGeom prst="rect">
+            <a:avLst/>
+          </a:prstGeom>
+          <a:noFill/>
+        </p:spPr>
+        <p:txBody>
+          <a:bodyPr wrap="square" rtlCol="0">
+            <a:spAutoFit/>
+          </a:bodyPr>
+          <a:lstStyle/>
+          <a:p>
+            <a:r>
+              <a:rPr lang="en-US" dirty="0" smtClean="0"/>
+              <a:t>Stimulation</a:t>
+            </a:r>
+            <a:endParaRPr lang="en-US" dirty="0"/>
+          </a:p>
+        </p:txBody>
+      </p:sp>
+      <p:sp>
+        <p:nvSpPr>
+          <p:cNvPr id="6" name="TextBox 5"/>
+          <p:cNvSpPr txBox="1"/>
+          <p:nvPr/>
+        </p:nvSpPr>
+        <p:spPr>
+          <a:xfrm rot="16200000">
+            <a:off x="-486550" y="2866250"/>
+            <a:ext cx="2280167" cy="369332"/>
+          </a:xfrm>
+          <a:prstGeom prst="rect">
+            <a:avLst/>
+          </a:prstGeom>
+          <a:noFill/>
+        </p:spPr>
+        <p:txBody>
+          <a:bodyPr wrap="square" rtlCol="0">
+            <a:spAutoFit/>
+          </a:bodyPr>
+          <a:lstStyle/>
+          <a:p>
+            <a:r>
+              <a:rPr lang="en-US" dirty="0" smtClean="0"/>
+              <a:t>Response Time (ms)</a:t>
+            </a:r>
+            <a:endParaRPr lang="en-US" dirty="0"/>
+          </a:p>
+        </p:txBody>
+      </p:sp>
+      <p:sp>
+        <p:nvSpPr>
+          <p:cNvPr id="7" name="TextBox 6"/>
+          <p:cNvSpPr txBox="1"/>
+          <p:nvPr/>
+        </p:nvSpPr>
+        <p:spPr>
+          <a:xfrm>
+            <a:off x="7842670" y="2724090"/>
+            <a:ext cx="1072730" cy="400110"/>
+          </a:xfrm>
+          <a:prstGeom prst="rect">
+            <a:avLst/>
+          </a:prstGeom>
+          <a:noFill/>
+        </p:spPr>
+        <p:txBody>
+          <a:bodyPr wrap="none" rtlCol="0">
+            <a:spAutoFit/>
+          </a:bodyPr>
+          <a:lstStyle/>
+          <a:p>
+            <a:r>
+              <a:rPr lang="en-US" sz="2000" b="1" dirty="0" smtClean="0">
+                <a:solidFill>
+                  <a:srgbClr val="0070C0"/>
+                </a:solidFill>
+              </a:rPr>
+              <a:t>1642 ms</a:t>
+            </a:r>
+            <a:endParaRPr lang="en-US" sz="2000" b="1" dirty="0">
+              <a:solidFill>
+                <a:srgbClr val="0070C0"/>
+              </a:solidFill>
+            </a:endParaRPr>
+          </a:p>
+        </p:txBody>
+      </p:sp>
+      <p:sp>
+        <p:nvSpPr>
+          <p:cNvPr id="9" name="TextBox 8"/>
+          <p:cNvSpPr txBox="1"/>
+          <p:nvPr/>
+        </p:nvSpPr>
+        <p:spPr>
+          <a:xfrm>
+            <a:off x="7842670" y="3714690"/>
+            <a:ext cx="1072730" cy="400110"/>
+          </a:xfrm>
+          <a:prstGeom prst="rect">
+            <a:avLst/>
+          </a:prstGeom>
+          <a:noFill/>
+        </p:spPr>
+        <p:txBody>
+          <a:bodyPr wrap="none" rtlCol="0">
+            <a:spAutoFit/>
+          </a:bodyPr>
+          <a:lstStyle/>
+          <a:p>
+            <a:r>
+              <a:rPr lang="en-US" sz="2000" b="1" dirty="0" smtClean="0">
+                <a:solidFill>
+                  <a:srgbClr val="BD0395"/>
+                </a:solidFill>
+              </a:rPr>
+              <a:t>1082 ms</a:t>
+            </a:r>
+            <a:endParaRPr lang="en-US" sz="2000" b="1" dirty="0">
+              <a:solidFill>
+                <a:srgbClr val="BD0395"/>
+              </a:solidFill>
+            </a:endParaRPr>
+          </a:p>
+        </p:txBody>
+      </p:sp>
+      <p:sp>
+        <p:nvSpPr>
+          <p:cNvPr id="10" name="TextBox 9"/>
+          <p:cNvSpPr txBox="1"/>
+          <p:nvPr/>
+        </p:nvSpPr>
+        <p:spPr>
+          <a:xfrm>
+            <a:off x="7848600" y="3181290"/>
+            <a:ext cx="1072730" cy="400110"/>
+          </a:xfrm>
+          <a:prstGeom prst="rect">
+            <a:avLst/>
+          </a:prstGeom>
+          <a:noFill/>
+        </p:spPr>
+        <p:txBody>
+          <a:bodyPr wrap="none" rtlCol="0">
+            <a:spAutoFit/>
+          </a:bodyPr>
+          <a:lstStyle/>
+          <a:p>
+            <a:r>
+              <a:rPr lang="en-US" sz="2000" b="1" dirty="0" smtClean="0"/>
+              <a:t>1402 ms</a:t>
+            </a:r>
+            <a:endParaRPr lang="en-US" sz="2000" b="1" dirty="0"/>
+          </a:p>
+        </p:txBody>
+      </p:sp>
+      <p:sp>
+        <p:nvSpPr>
+          <p:cNvPr id="11" name="TextBox 10"/>
+          <p:cNvSpPr txBox="1"/>
+          <p:nvPr/>
+        </p:nvSpPr>
+        <p:spPr>
+          <a:xfrm>
+            <a:off x="7872350" y="1600200"/>
+            <a:ext cx="1072730" cy="400110"/>
+          </a:xfrm>
+          <a:prstGeom prst="rect">
+            <a:avLst/>
+          </a:prstGeom>
+          <a:noFill/>
+        </p:spPr>
+        <p:txBody>
+          <a:bodyPr wrap="none" rtlCol="0">
+            <a:spAutoFit/>
+          </a:bodyPr>
+          <a:lstStyle/>
+          <a:p>
+            <a:r>
+              <a:rPr lang="en-US" sz="2000" b="1" dirty="0" smtClean="0"/>
+              <a:t>2315 ms</a:t>
+            </a:r>
+            <a:endParaRPr lang="en-US" sz="2000" b="1" dirty="0"/>
+          </a:p>
+        </p:txBody>
+      </p:sp>
+    </p:spTree>
+  </p:cSld>
+  <p:clrMapOvr>
+    <a:masterClrMapping/>
+  </p:clrMapOvr>
+</p:sld>
+</file>
+
 <file path=ppt/theme/theme1.xml><?xml version="1.0" encoding="utf-8"?>
 <a:theme xmlns:a="http://schemas.openxmlformats.org/drawingml/2006/main" name="Office Theme">
   <a:themeElements>

--- a/trunk/ haptic-glove --username sreekar/Results/Results.pptx
+++ b/trunk/ haptic-glove --username sreekar/Results/Results.pptx
@@ -8,6 +8,7 @@
     <p:sldId id="256" r:id="rId2"/>
     <p:sldId id="257" r:id="rId3"/>
     <p:sldId id="258" r:id="rId4"/>
+    <p:sldId id="259" r:id="rId5"/>
   </p:sldIdLst>
   <p:sldSz cx="9144000" cy="6858000" type="screen4x3"/>
   <p:notesSz cx="6858000" cy="9144000"/>
@@ -291,7 +292,7 @@
             <a:fld id="{1D8BD707-D9CF-40AE-B4C6-C98DA3205C09}" type="datetimeFigureOut">
               <a:rPr lang="en-US" smtClean="0"/>
               <a:pPr/>
-              <a:t>12/28/2009</a:t>
+              <a:t>12/29/2009</a:t>
             </a:fld>
             <a:endParaRPr lang="en-US"/>
           </a:p>
@@ -458,7 +459,7 @@
             <a:fld id="{1D8BD707-D9CF-40AE-B4C6-C98DA3205C09}" type="datetimeFigureOut">
               <a:rPr lang="en-US" smtClean="0"/>
               <a:pPr/>
-              <a:t>12/28/2009</a:t>
+              <a:t>12/29/2009</a:t>
             </a:fld>
             <a:endParaRPr lang="en-US"/>
           </a:p>
@@ -635,7 +636,7 @@
             <a:fld id="{1D8BD707-D9CF-40AE-B4C6-C98DA3205C09}" type="datetimeFigureOut">
               <a:rPr lang="en-US" smtClean="0"/>
               <a:pPr/>
-              <a:t>12/28/2009</a:t>
+              <a:t>12/29/2009</a:t>
             </a:fld>
             <a:endParaRPr lang="en-US"/>
           </a:p>
@@ -802,7 +803,7 @@
             <a:fld id="{1D8BD707-D9CF-40AE-B4C6-C98DA3205C09}" type="datetimeFigureOut">
               <a:rPr lang="en-US" smtClean="0"/>
               <a:pPr/>
-              <a:t>12/28/2009</a:t>
+              <a:t>12/29/2009</a:t>
             </a:fld>
             <a:endParaRPr lang="en-US"/>
           </a:p>
@@ -1045,7 +1046,7 @@
             <a:fld id="{1D8BD707-D9CF-40AE-B4C6-C98DA3205C09}" type="datetimeFigureOut">
               <a:rPr lang="en-US" smtClean="0"/>
               <a:pPr/>
-              <a:t>12/28/2009</a:t>
+              <a:t>12/29/2009</a:t>
             </a:fld>
             <a:endParaRPr lang="en-US"/>
           </a:p>
@@ -1330,7 +1331,7 @@
             <a:fld id="{1D8BD707-D9CF-40AE-B4C6-C98DA3205C09}" type="datetimeFigureOut">
               <a:rPr lang="en-US" smtClean="0"/>
               <a:pPr/>
-              <a:t>12/28/2009</a:t>
+              <a:t>12/29/2009</a:t>
             </a:fld>
             <a:endParaRPr lang="en-US"/>
           </a:p>
@@ -1749,7 +1750,7 @@
             <a:fld id="{1D8BD707-D9CF-40AE-B4C6-C98DA3205C09}" type="datetimeFigureOut">
               <a:rPr lang="en-US" smtClean="0"/>
               <a:pPr/>
-              <a:t>12/28/2009</a:t>
+              <a:t>12/29/2009</a:t>
             </a:fld>
             <a:endParaRPr lang="en-US"/>
           </a:p>
@@ -1864,7 +1865,7 @@
             <a:fld id="{1D8BD707-D9CF-40AE-B4C6-C98DA3205C09}" type="datetimeFigureOut">
               <a:rPr lang="en-US" smtClean="0"/>
               <a:pPr/>
-              <a:t>12/28/2009</a:t>
+              <a:t>12/29/2009</a:t>
             </a:fld>
             <a:endParaRPr lang="en-US"/>
           </a:p>
@@ -1956,7 +1957,7 @@
             <a:fld id="{1D8BD707-D9CF-40AE-B4C6-C98DA3205C09}" type="datetimeFigureOut">
               <a:rPr lang="en-US" smtClean="0"/>
               <a:pPr/>
-              <a:t>12/28/2009</a:t>
+              <a:t>12/29/2009</a:t>
             </a:fld>
             <a:endParaRPr lang="en-US"/>
           </a:p>
@@ -2230,7 +2231,7 @@
             <a:fld id="{1D8BD707-D9CF-40AE-B4C6-C98DA3205C09}" type="datetimeFigureOut">
               <a:rPr lang="en-US" smtClean="0"/>
               <a:pPr/>
-              <a:t>12/28/2009</a:t>
+              <a:t>12/29/2009</a:t>
             </a:fld>
             <a:endParaRPr lang="en-US"/>
           </a:p>
@@ -2480,7 +2481,7 @@
             <a:fld id="{1D8BD707-D9CF-40AE-B4C6-C98DA3205C09}" type="datetimeFigureOut">
               <a:rPr lang="en-US" smtClean="0"/>
               <a:pPr/>
-              <a:t>12/28/2009</a:t>
+              <a:t>12/29/2009</a:t>
             </a:fld>
             <a:endParaRPr lang="en-US"/>
           </a:p>
@@ -2690,7 +2691,7 @@
             <a:fld id="{1D8BD707-D9CF-40AE-B4C6-C98DA3205C09}" type="datetimeFigureOut">
               <a:rPr lang="en-US" smtClean="0"/>
               <a:pPr/>
-              <a:t>12/28/2009</a:t>
+              <a:t>12/29/2009</a:t>
             </a:fld>
             <a:endParaRPr lang="en-US"/>
           </a:p>
@@ -7217,23 +7218,33 @@
       </p:grpSpPr>
       <p:pic>
         <p:nvPicPr>
-          <p:cNvPr id="4" name="Picture 3" descr="TimeComp.tif"/>
+          <p:cNvPr id="15" name="Picture 14" descr="TimeComp.tif"/>
           <p:cNvPicPr>
             <a:picLocks noChangeAspect="1"/>
           </p:cNvPicPr>
           <p:nvPr/>
         </p:nvPicPr>
         <p:blipFill>
-          <a:blip r:embed="rId2" cstate="print"/>
-          <a:srcRect l="5986" t="5634" r="7394" b="5634"/>
+          <a:blip r:embed="rId2" cstate="print">
+            <a:clrChange>
+              <a:clrFrom>
+                <a:srgbClr val="FFFFFF"/>
+              </a:clrFrom>
+              <a:clrTo>
+                <a:srgbClr val="FFFFFF">
+                  <a:alpha val="0"/>
+                </a:srgbClr>
+              </a:clrTo>
+            </a:clrChange>
+          </a:blip>
           <a:stretch>
             <a:fillRect/>
           </a:stretch>
         </p:blipFill>
         <p:spPr>
           <a:xfrm>
-            <a:off x="762000" y="533400"/>
-            <a:ext cx="7239000" cy="5620214"/>
+            <a:off x="457200" y="336699"/>
+            <a:ext cx="8119732" cy="6096000"/>
           </a:xfrm>
           <a:prstGeom prst="rect">
             <a:avLst/>
@@ -7242,13 +7253,111 @@
       </p:pic>
       <p:sp>
         <p:nvSpPr>
+          <p:cNvPr id="13" name="Rectangle 12"/>
+          <p:cNvSpPr/>
+          <p:nvPr/>
+        </p:nvSpPr>
+        <p:spPr>
+          <a:xfrm>
+            <a:off x="5094767" y="3962400"/>
+            <a:ext cx="2362200" cy="1828800"/>
+          </a:xfrm>
+          <a:prstGeom prst="rect">
+            <a:avLst/>
+          </a:prstGeom>
+          <a:solidFill>
+            <a:schemeClr val="bg1">
+              <a:lumMod val="85000"/>
+              <a:alpha val="66000"/>
+            </a:schemeClr>
+          </a:solidFill>
+          <a:ln>
+            <a:noFill/>
+          </a:ln>
+        </p:spPr>
+        <p:style>
+          <a:lnRef idx="2">
+            <a:schemeClr val="accent1">
+              <a:shade val="50000"/>
+            </a:schemeClr>
+          </a:lnRef>
+          <a:fillRef idx="1">
+            <a:schemeClr val="accent1"/>
+          </a:fillRef>
+          <a:effectRef idx="0">
+            <a:schemeClr val="accent1"/>
+          </a:effectRef>
+          <a:fontRef idx="minor">
+            <a:schemeClr val="lt1"/>
+          </a:fontRef>
+        </p:style>
+        <p:txBody>
+          <a:bodyPr rtlCol="0" anchor="ctr"/>
+          <a:lstStyle/>
+          <a:p>
+            <a:pPr algn="ctr"/>
+            <a:endParaRPr lang="en-US"/>
+          </a:p>
+        </p:txBody>
+      </p:sp>
+      <p:sp>
+        <p:nvSpPr>
+          <p:cNvPr id="14" name="Rectangle 13"/>
+          <p:cNvSpPr/>
+          <p:nvPr/>
+        </p:nvSpPr>
+        <p:spPr>
+          <a:xfrm>
+            <a:off x="1818167" y="3037367"/>
+            <a:ext cx="3276600" cy="2743200"/>
+          </a:xfrm>
+          <a:prstGeom prst="rect">
+            <a:avLst/>
+          </a:prstGeom>
+          <a:solidFill>
+            <a:schemeClr val="bg1">
+              <a:lumMod val="75000"/>
+              <a:alpha val="87000"/>
+            </a:schemeClr>
+          </a:solidFill>
+          <a:ln>
+            <a:noFill/>
+          </a:ln>
+        </p:spPr>
+        <p:style>
+          <a:lnRef idx="2">
+            <a:schemeClr val="accent1">
+              <a:shade val="50000"/>
+            </a:schemeClr>
+          </a:lnRef>
+          <a:fillRef idx="1">
+            <a:schemeClr val="accent1"/>
+          </a:fillRef>
+          <a:effectRef idx="0">
+            <a:schemeClr val="accent1"/>
+          </a:effectRef>
+          <a:fontRef idx="minor">
+            <a:schemeClr val="lt1"/>
+          </a:fontRef>
+        </p:style>
+        <p:txBody>
+          <a:bodyPr rtlCol="0" anchor="ctr"/>
+          <a:lstStyle/>
+          <a:p>
+            <a:pPr algn="ctr"/>
+            <a:endParaRPr lang="en-US"/>
+          </a:p>
+        </p:txBody>
+      </p:sp>
+      <p:sp>
+        <p:nvSpPr>
           <p:cNvPr id="5" name="TextBox 4"/>
           <p:cNvSpPr txBox="1"/>
           <p:nvPr/>
         </p:nvSpPr>
         <p:spPr>
           <a:xfrm>
-            <a:off x="3962400" y="6096000"/>
+            <a:off x="4026198" y="5964866"/>
             <a:ext cx="1295400" cy="369332"/>
           </a:xfrm>
           <a:prstGeom prst="rect">
@@ -7278,7 +7387,7 @@
         </p:nvSpPr>
         <p:spPr>
           <a:xfrm rot="16200000">
-            <a:off x="-486550" y="2866250"/>
+            <a:off x="-105550" y="2866250"/>
             <a:ext cx="2280167" cy="369332"/>
           </a:xfrm>
           <a:prstGeom prst="rect">
@@ -7308,8 +7417,8 @@
         </p:nvSpPr>
         <p:spPr>
           <a:xfrm>
-            <a:off x="7842670" y="2724090"/>
-            <a:ext cx="1072730" cy="400110"/>
+            <a:off x="4343400" y="2698899"/>
+            <a:ext cx="745717" cy="400110"/>
           </a:xfrm>
           <a:prstGeom prst="rect">
             <a:avLst/>
@@ -7323,18 +7432,10 @@
           <a:lstStyle/>
           <a:p>
             <a:r>
-              <a:rPr lang="en-US" sz="2000" b="1" dirty="0" smtClean="0">
-                <a:solidFill>
-                  <a:srgbClr val="0070C0"/>
-                </a:solidFill>
-              </a:rPr>
-              <a:t>1642 ms</a:t>
-            </a:r>
-            <a:endParaRPr lang="en-US" sz="2000" b="1" dirty="0">
-              <a:solidFill>
-                <a:srgbClr val="0070C0"/>
-              </a:solidFill>
-            </a:endParaRPr>
+              <a:rPr lang="en-US" sz="2000" b="1" dirty="0" smtClean="0"/>
+              <a:t>1.64s</a:t>
+            </a:r>
+            <a:endParaRPr lang="en-US" sz="2000" b="1" dirty="0"/>
           </a:p>
         </p:txBody>
       </p:sp>
@@ -7346,8 +7447,8 @@
         </p:nvSpPr>
         <p:spPr>
           <a:xfrm>
-            <a:off x="7842670" y="3714690"/>
-            <a:ext cx="1072730" cy="400110"/>
+            <a:off x="5121683" y="3623932"/>
+            <a:ext cx="745717" cy="400110"/>
           </a:xfrm>
           <a:prstGeom prst="rect">
             <a:avLst/>
@@ -7361,18 +7462,10 @@
           <a:lstStyle/>
           <a:p>
             <a:r>
-              <a:rPr lang="en-US" sz="2000" b="1" dirty="0" smtClean="0">
-                <a:solidFill>
-                  <a:srgbClr val="BD0395"/>
-                </a:solidFill>
-              </a:rPr>
-              <a:t>1082 ms</a:t>
-            </a:r>
-            <a:endParaRPr lang="en-US" sz="2000" b="1" dirty="0">
-              <a:solidFill>
-                <a:srgbClr val="BD0395"/>
-              </a:solidFill>
-            </a:endParaRPr>
+              <a:rPr lang="en-US" sz="2000" b="1" dirty="0" smtClean="0"/>
+              <a:t>1.08s</a:t>
+            </a:r>
+            <a:endParaRPr lang="en-US" sz="2000" b="1" dirty="0"/>
           </a:p>
         </p:txBody>
       </p:sp>
@@ -7384,8 +7477,8 @@
         </p:nvSpPr>
         <p:spPr>
           <a:xfrm>
-            <a:off x="7848600" y="3181290"/>
-            <a:ext cx="1072730" cy="400110"/>
+            <a:off x="5172736" y="3105090"/>
+            <a:ext cx="615874" cy="400110"/>
           </a:xfrm>
           <a:prstGeom prst="rect">
             <a:avLst/>
@@ -7400,7 +7493,7 @@
           <a:p>
             <a:r>
               <a:rPr lang="en-US" sz="2000" b="1" dirty="0" smtClean="0"/>
-              <a:t>1402 ms</a:t>
+              <a:t>1.4s</a:t>
             </a:r>
             <a:endParaRPr lang="en-US" sz="2000" b="1" dirty="0"/>
           </a:p>
@@ -7414,8 +7507,8 @@
         </p:nvSpPr>
         <p:spPr>
           <a:xfrm>
-            <a:off x="7872350" y="1600200"/>
-            <a:ext cx="1072730" cy="400110"/>
+            <a:off x="6400800" y="1587798"/>
+            <a:ext cx="745717" cy="400110"/>
           </a:xfrm>
           <a:prstGeom prst="rect">
             <a:avLst/>
@@ -7430,9 +7523,822 @@
           <a:p>
             <a:r>
               <a:rPr lang="en-US" sz="2000" b="1" dirty="0" smtClean="0"/>
-              <a:t>2315 ms</a:t>
+              <a:t>2.31s</a:t>
             </a:r>
             <a:endParaRPr lang="en-US" sz="2000" b="1" dirty="0"/>
+          </a:p>
+        </p:txBody>
+      </p:sp>
+      <p:sp>
+        <p:nvSpPr>
+          <p:cNvPr id="16" name="TextBox 15"/>
+          <p:cNvSpPr txBox="1"/>
+          <p:nvPr/>
+        </p:nvSpPr>
+        <p:spPr>
+          <a:xfrm>
+            <a:off x="2133600" y="4800600"/>
+            <a:ext cx="2667000" cy="646331"/>
+          </a:xfrm>
+          <a:prstGeom prst="rect">
+            <a:avLst/>
+          </a:prstGeom>
+          <a:noFill/>
+        </p:spPr>
+        <p:txBody>
+          <a:bodyPr wrap="square" rtlCol="0">
+            <a:spAutoFit/>
+          </a:bodyPr>
+          <a:lstStyle/>
+          <a:p>
+            <a:pPr algn="ctr"/>
+            <a:r>
+              <a:rPr lang="en-US" dirty="0" smtClean="0"/>
+              <a:t>Avg. Correct Response Time for Group 1</a:t>
+            </a:r>
+            <a:endParaRPr lang="en-US" dirty="0"/>
+          </a:p>
+        </p:txBody>
+      </p:sp>
+      <p:sp>
+        <p:nvSpPr>
+          <p:cNvPr id="17" name="TextBox 16"/>
+          <p:cNvSpPr txBox="1"/>
+          <p:nvPr/>
+        </p:nvSpPr>
+        <p:spPr>
+          <a:xfrm>
+            <a:off x="5029200" y="4800600"/>
+            <a:ext cx="2438400" cy="646331"/>
+          </a:xfrm>
+          <a:prstGeom prst="rect">
+            <a:avLst/>
+          </a:prstGeom>
+          <a:noFill/>
+        </p:spPr>
+        <p:txBody>
+          <a:bodyPr wrap="square" rtlCol="0">
+            <a:spAutoFit/>
+          </a:bodyPr>
+          <a:lstStyle/>
+          <a:p>
+            <a:pPr algn="ctr"/>
+            <a:r>
+              <a:rPr lang="en-US" dirty="0" smtClean="0"/>
+              <a:t>Avg. Correct Response Time for Group 2</a:t>
+            </a:r>
+            <a:endParaRPr lang="en-US" dirty="0"/>
+          </a:p>
+        </p:txBody>
+      </p:sp>
+      <p:cxnSp>
+        <p:nvCxnSpPr>
+          <p:cNvPr id="19" name="Straight Arrow Connector 18"/>
+          <p:cNvCxnSpPr/>
+          <p:nvPr/>
+        </p:nvCxnSpPr>
+        <p:spPr>
+          <a:xfrm rot="5400000">
+            <a:off x="6564627" y="4604874"/>
+            <a:ext cx="2286000" cy="1588"/>
+          </a:xfrm>
+          <a:prstGeom prst="straightConnector1">
+            <a:avLst/>
+          </a:prstGeom>
+          <a:ln w="25400">
+            <a:solidFill>
+              <a:schemeClr val="tx1"/>
+            </a:solidFill>
+            <a:headEnd type="arrow"/>
+            <a:tailEnd type="arrow"/>
+          </a:ln>
+        </p:spPr>
+        <p:style>
+          <a:lnRef idx="1">
+            <a:schemeClr val="accent1"/>
+          </a:lnRef>
+          <a:fillRef idx="0">
+            <a:schemeClr val="accent1"/>
+          </a:fillRef>
+          <a:effectRef idx="0">
+            <a:schemeClr val="accent1"/>
+          </a:effectRef>
+          <a:fontRef idx="minor">
+            <a:schemeClr val="tx1"/>
+          </a:fontRef>
+        </p:style>
+      </p:cxnSp>
+      <p:sp>
+        <p:nvSpPr>
+          <p:cNvPr id="20" name="TextBox 19"/>
+          <p:cNvSpPr txBox="1"/>
+          <p:nvPr/>
+        </p:nvSpPr>
+        <p:spPr>
+          <a:xfrm rot="5400000">
+            <a:off x="6996466" y="4363135"/>
+            <a:ext cx="2014868" cy="646331"/>
+          </a:xfrm>
+          <a:prstGeom prst="rect">
+            <a:avLst/>
+          </a:prstGeom>
+          <a:noFill/>
+        </p:spPr>
+        <p:txBody>
+          <a:bodyPr wrap="square" rtlCol="0">
+            <a:spAutoFit/>
+          </a:bodyPr>
+          <a:lstStyle/>
+          <a:p>
+            <a:pPr algn="ctr"/>
+            <a:r>
+              <a:rPr lang="en-US" dirty="0" smtClean="0"/>
+              <a:t>Avg. Correct Response Time</a:t>
+            </a:r>
+            <a:endParaRPr lang="en-US" dirty="0"/>
+          </a:p>
+        </p:txBody>
+      </p:sp>
+      <p:cxnSp>
+        <p:nvCxnSpPr>
+          <p:cNvPr id="22" name="Straight Arrow Connector 21"/>
+          <p:cNvCxnSpPr/>
+          <p:nvPr/>
+        </p:nvCxnSpPr>
+        <p:spPr>
+          <a:xfrm rot="5400000" flipH="1" flipV="1">
+            <a:off x="5627192" y="3852532"/>
+            <a:ext cx="3810000" cy="1588"/>
+          </a:xfrm>
+          <a:prstGeom prst="straightConnector1">
+            <a:avLst/>
+          </a:prstGeom>
+          <a:ln w="25400">
+            <a:solidFill>
+              <a:srgbClr val="FF0000"/>
+            </a:solidFill>
+            <a:prstDash val="sysDot"/>
+            <a:headEnd type="arrow"/>
+            <a:tailEnd type="arrow"/>
+          </a:ln>
+        </p:spPr>
+        <p:style>
+          <a:lnRef idx="1">
+            <a:schemeClr val="accent1"/>
+          </a:lnRef>
+          <a:fillRef idx="0">
+            <a:schemeClr val="accent1"/>
+          </a:fillRef>
+          <a:effectRef idx="0">
+            <a:schemeClr val="accent1"/>
+          </a:effectRef>
+          <a:fontRef idx="minor">
+            <a:schemeClr val="tx1"/>
+          </a:fontRef>
+        </p:style>
+      </p:cxnSp>
+      <p:sp>
+        <p:nvSpPr>
+          <p:cNvPr id="23" name="TextBox 22"/>
+          <p:cNvSpPr txBox="1"/>
+          <p:nvPr/>
+        </p:nvSpPr>
+        <p:spPr>
+          <a:xfrm rot="5400000">
+            <a:off x="6700932" y="2343835"/>
+            <a:ext cx="2285998" cy="646331"/>
+          </a:xfrm>
+          <a:prstGeom prst="rect">
+            <a:avLst/>
+          </a:prstGeom>
+          <a:noFill/>
+        </p:spPr>
+        <p:txBody>
+          <a:bodyPr wrap="square" rtlCol="0">
+            <a:spAutoFit/>
+          </a:bodyPr>
+          <a:lstStyle/>
+          <a:p>
+            <a:pPr algn="ctr"/>
+            <a:r>
+              <a:rPr lang="en-US" dirty="0" smtClean="0"/>
+              <a:t>Avg. Incorrect Response Time</a:t>
+            </a:r>
+            <a:endParaRPr lang="en-US" dirty="0"/>
+          </a:p>
+        </p:txBody>
+      </p:sp>
+    </p:spTree>
+  </p:cSld>
+  <p:clrMapOvr>
+    <a:masterClrMapping/>
+  </p:clrMapOvr>
+</p:sld>
+</file>
+
+<file path=ppt/slides/slide4.xml><?xml version="1.0" encoding="utf-8"?>
+<p:sld xmlns:a="http://schemas.openxmlformats.org/drawingml/2006/main" xmlns:r="http://schemas.openxmlformats.org/officeDocument/2006/relationships" xmlns:p="http://schemas.openxmlformats.org/presentationml/2006/main">
+  <p:cSld>
+    <p:spTree>
+      <p:nvGrpSpPr>
+        <p:cNvPr id="1" name=""/>
+        <p:cNvGrpSpPr/>
+        <p:nvPr/>
+      </p:nvGrpSpPr>
+      <p:grpSpPr>
+        <a:xfrm>
+          <a:off x="0" y="0"/>
+          <a:ext cx="0" cy="0"/>
+          <a:chOff x="0" y="0"/>
+          <a:chExt cx="0" cy="0"/>
+        </a:xfrm>
+      </p:grpSpPr>
+      <p:sp>
+        <p:nvSpPr>
+          <p:cNvPr id="7" name="TextBox 6"/>
+          <p:cNvSpPr txBox="1"/>
+          <p:nvPr/>
+        </p:nvSpPr>
+        <p:spPr>
+          <a:xfrm>
+            <a:off x="4191000" y="5793343"/>
+            <a:ext cx="1295400" cy="369332"/>
+          </a:xfrm>
+          <a:prstGeom prst="rect">
+            <a:avLst/>
+          </a:prstGeom>
+          <a:noFill/>
+        </p:spPr>
+        <p:txBody>
+          <a:bodyPr wrap="square" rtlCol="0">
+            <a:spAutoFit/>
+          </a:bodyPr>
+          <a:lstStyle/>
+          <a:p>
+            <a:r>
+              <a:rPr lang="en-US" dirty="0" smtClean="0"/>
+              <a:t>Stimulation</a:t>
+            </a:r>
+            <a:endParaRPr lang="en-US" dirty="0"/>
+          </a:p>
+        </p:txBody>
+      </p:sp>
+      <p:sp>
+        <p:nvSpPr>
+          <p:cNvPr id="8" name="TextBox 7"/>
+          <p:cNvSpPr txBox="1"/>
+          <p:nvPr/>
+        </p:nvSpPr>
+        <p:spPr>
+          <a:xfrm rot="16200000">
+            <a:off x="454282" y="3317618"/>
+            <a:ext cx="2280167" cy="369332"/>
+          </a:xfrm>
+          <a:prstGeom prst="rect">
+            <a:avLst/>
+          </a:prstGeom>
+          <a:noFill/>
+        </p:spPr>
+        <p:txBody>
+          <a:bodyPr wrap="square" rtlCol="0">
+            <a:spAutoFit/>
+          </a:bodyPr>
+          <a:lstStyle/>
+          <a:p>
+            <a:r>
+              <a:rPr lang="en-US" dirty="0" smtClean="0"/>
+              <a:t>Recognition Rate (%)</a:t>
+            </a:r>
+            <a:endParaRPr lang="en-US" dirty="0"/>
+          </a:p>
+        </p:txBody>
+      </p:sp>
+      <p:sp>
+        <p:nvSpPr>
+          <p:cNvPr id="9" name="Rectangle 8"/>
+          <p:cNvSpPr/>
+          <p:nvPr/>
+        </p:nvSpPr>
+        <p:spPr>
+          <a:xfrm>
+            <a:off x="5098755" y="1238250"/>
+            <a:ext cx="2521245" cy="4359275"/>
+          </a:xfrm>
+          <a:prstGeom prst="rect">
+            <a:avLst/>
+          </a:prstGeom>
+          <a:solidFill>
+            <a:schemeClr val="bg1">
+              <a:lumMod val="85000"/>
+              <a:alpha val="66000"/>
+            </a:schemeClr>
+          </a:solidFill>
+          <a:ln>
+            <a:noFill/>
+          </a:ln>
+        </p:spPr>
+        <p:style>
+          <a:lnRef idx="2">
+            <a:schemeClr val="accent1">
+              <a:shade val="50000"/>
+            </a:schemeClr>
+          </a:lnRef>
+          <a:fillRef idx="1">
+            <a:schemeClr val="accent1"/>
+          </a:fillRef>
+          <a:effectRef idx="0">
+            <a:schemeClr val="accent1"/>
+          </a:effectRef>
+          <a:fontRef idx="minor">
+            <a:schemeClr val="lt1"/>
+          </a:fontRef>
+        </p:style>
+        <p:txBody>
+          <a:bodyPr rtlCol="0" anchor="ctr"/>
+          <a:lstStyle/>
+          <a:p>
+            <a:pPr algn="ctr"/>
+            <a:endParaRPr lang="en-US"/>
+          </a:p>
+        </p:txBody>
+      </p:sp>
+      <p:sp>
+        <p:nvSpPr>
+          <p:cNvPr id="10" name="Rectangle 9"/>
+          <p:cNvSpPr/>
+          <p:nvPr/>
+        </p:nvSpPr>
+        <p:spPr>
+          <a:xfrm>
+            <a:off x="2050756" y="1238250"/>
+            <a:ext cx="3048000" cy="4362451"/>
+          </a:xfrm>
+          <a:prstGeom prst="rect">
+            <a:avLst/>
+          </a:prstGeom>
+          <a:solidFill>
+            <a:schemeClr val="bg1">
+              <a:lumMod val="75000"/>
+              <a:alpha val="87000"/>
+            </a:schemeClr>
+          </a:solidFill>
+          <a:ln>
+            <a:noFill/>
+          </a:ln>
+        </p:spPr>
+        <p:style>
+          <a:lnRef idx="2">
+            <a:schemeClr val="accent1">
+              <a:shade val="50000"/>
+            </a:schemeClr>
+          </a:lnRef>
+          <a:fillRef idx="1">
+            <a:schemeClr val="accent1"/>
+          </a:fillRef>
+          <a:effectRef idx="0">
+            <a:schemeClr val="accent1"/>
+          </a:effectRef>
+          <a:fontRef idx="minor">
+            <a:schemeClr val="lt1"/>
+          </a:fontRef>
+        </p:style>
+        <p:txBody>
+          <a:bodyPr rtlCol="0" anchor="ctr"/>
+          <a:lstStyle/>
+          <a:p>
+            <a:pPr algn="ctr"/>
+            <a:endParaRPr lang="en-US"/>
+          </a:p>
+        </p:txBody>
+      </p:sp>
+      <p:sp>
+        <p:nvSpPr>
+          <p:cNvPr id="11" name="TextBox 10"/>
+          <p:cNvSpPr txBox="1"/>
+          <p:nvPr/>
+        </p:nvSpPr>
+        <p:spPr>
+          <a:xfrm>
+            <a:off x="5105400" y="1866840"/>
+            <a:ext cx="631904" cy="400110"/>
+          </a:xfrm>
+          <a:prstGeom prst="rect">
+            <a:avLst/>
+          </a:prstGeom>
+          <a:noFill/>
+        </p:spPr>
+        <p:txBody>
+          <a:bodyPr wrap="none" rtlCol="0">
+            <a:spAutoFit/>
+          </a:bodyPr>
+          <a:lstStyle/>
+          <a:p>
+            <a:r>
+              <a:rPr lang="en-US" sz="2000" b="1" dirty="0" smtClean="0"/>
+              <a:t>93%</a:t>
+            </a:r>
+            <a:endParaRPr lang="en-US" sz="2000" b="1" dirty="0"/>
+          </a:p>
+        </p:txBody>
+      </p:sp>
+      <p:sp>
+        <p:nvSpPr>
+          <p:cNvPr id="12" name="TextBox 11"/>
+          <p:cNvSpPr txBox="1"/>
+          <p:nvPr/>
+        </p:nvSpPr>
+        <p:spPr>
+          <a:xfrm>
+            <a:off x="3114675" y="2886075"/>
+            <a:ext cx="631904" cy="400110"/>
+          </a:xfrm>
+          <a:prstGeom prst="rect">
+            <a:avLst/>
+          </a:prstGeom>
+          <a:noFill/>
+        </p:spPr>
+        <p:txBody>
+          <a:bodyPr wrap="none" rtlCol="0">
+            <a:spAutoFit/>
+          </a:bodyPr>
+          <a:lstStyle/>
+          <a:p>
+            <a:r>
+              <a:rPr lang="en-US" sz="2000" b="1" dirty="0" smtClean="0"/>
+              <a:t>86</a:t>
+            </a:r>
+            <a:r>
+              <a:rPr lang="en-US" sz="2000" b="1" dirty="0" smtClean="0"/>
+              <a:t>%</a:t>
+            </a:r>
+            <a:endParaRPr lang="en-US" sz="2000" b="1" dirty="0"/>
+          </a:p>
+        </p:txBody>
+      </p:sp>
+      <p:sp>
+        <p:nvSpPr>
+          <p:cNvPr id="13" name="TextBox 12"/>
+          <p:cNvSpPr txBox="1"/>
+          <p:nvPr/>
+        </p:nvSpPr>
+        <p:spPr>
+          <a:xfrm>
+            <a:off x="4559221" y="2466975"/>
+            <a:ext cx="631904" cy="400110"/>
+          </a:xfrm>
+          <a:prstGeom prst="rect">
+            <a:avLst/>
+          </a:prstGeom>
+          <a:noFill/>
+        </p:spPr>
+        <p:txBody>
+          <a:bodyPr wrap="none" rtlCol="0">
+            <a:spAutoFit/>
+          </a:bodyPr>
+          <a:lstStyle/>
+          <a:p>
+            <a:r>
+              <a:rPr lang="en-US" sz="2000" b="1" dirty="0" smtClean="0"/>
+              <a:t>89</a:t>
+            </a:r>
+            <a:r>
+              <a:rPr lang="en-US" sz="2000" b="1" dirty="0" smtClean="0"/>
+              <a:t>%</a:t>
+            </a:r>
+            <a:endParaRPr lang="en-US" sz="2000" b="1" dirty="0"/>
+          </a:p>
+        </p:txBody>
+      </p:sp>
+      <p:sp>
+        <p:nvSpPr>
+          <p:cNvPr id="14" name="TextBox 13"/>
+          <p:cNvSpPr txBox="1"/>
+          <p:nvPr/>
+        </p:nvSpPr>
+        <p:spPr>
+          <a:xfrm>
+            <a:off x="3124200" y="1171515"/>
+            <a:ext cx="942374" cy="369332"/>
+          </a:xfrm>
+          <a:prstGeom prst="rect">
+            <a:avLst/>
+          </a:prstGeom>
+          <a:noFill/>
+        </p:spPr>
+        <p:txBody>
+          <a:bodyPr wrap="none" rtlCol="0">
+            <a:spAutoFit/>
+          </a:bodyPr>
+          <a:lstStyle/>
+          <a:p>
+            <a:r>
+              <a:rPr lang="en-US" dirty="0" smtClean="0"/>
+              <a:t>Group 1</a:t>
+            </a:r>
+            <a:endParaRPr lang="en-US" dirty="0"/>
+          </a:p>
+        </p:txBody>
+      </p:sp>
+      <p:sp>
+        <p:nvSpPr>
+          <p:cNvPr id="15" name="TextBox 14"/>
+          <p:cNvSpPr txBox="1"/>
+          <p:nvPr/>
+        </p:nvSpPr>
+        <p:spPr>
+          <a:xfrm>
+            <a:off x="5791200" y="1162050"/>
+            <a:ext cx="942374" cy="369332"/>
+          </a:xfrm>
+          <a:prstGeom prst="rect">
+            <a:avLst/>
+          </a:prstGeom>
+          <a:noFill/>
+        </p:spPr>
+        <p:txBody>
+          <a:bodyPr wrap="none" rtlCol="0">
+            <a:spAutoFit/>
+          </a:bodyPr>
+          <a:lstStyle/>
+          <a:p>
+            <a:r>
+              <a:rPr lang="en-US" dirty="0" smtClean="0"/>
+              <a:t>Group 2</a:t>
+            </a:r>
+            <a:endParaRPr lang="en-US" dirty="0"/>
+          </a:p>
+        </p:txBody>
+      </p:sp>
+      <p:pic>
+        <p:nvPicPr>
+          <p:cNvPr id="6" name="Picture 5" descr="RecogRate.tif"/>
+          <p:cNvPicPr>
+            <a:picLocks noChangeAspect="1"/>
+          </p:cNvPicPr>
+          <p:nvPr/>
+        </p:nvPicPr>
+        <p:blipFill>
+          <a:blip r:embed="rId2" cstate="print">
+            <a:clrChange>
+              <a:clrFrom>
+                <a:srgbClr val="FFFFFF"/>
+              </a:clrFrom>
+              <a:clrTo>
+                <a:srgbClr val="FFFFFF">
+                  <a:alpha val="0"/>
+                </a:srgbClr>
+              </a:clrTo>
+            </a:clrChange>
+          </a:blip>
+          <a:stretch>
+            <a:fillRect/>
+          </a:stretch>
+        </p:blipFill>
+        <p:spPr>
+          <a:xfrm>
+            <a:off x="1117600" y="838200"/>
+            <a:ext cx="7112000" cy="5334000"/>
+          </a:xfrm>
+          <a:prstGeom prst="rect">
+            <a:avLst/>
+          </a:prstGeom>
+        </p:spPr>
+      </p:pic>
+      <p:sp>
+        <p:nvSpPr>
+          <p:cNvPr id="16" name="TextBox 15"/>
+          <p:cNvSpPr txBox="1"/>
+          <p:nvPr/>
+        </p:nvSpPr>
+        <p:spPr>
+          <a:xfrm rot="16200000">
+            <a:off x="2311877" y="5003324"/>
+            <a:ext cx="774779" cy="369332"/>
+          </a:xfrm>
+          <a:prstGeom prst="rect">
+            <a:avLst/>
+          </a:prstGeom>
+          <a:noFill/>
+        </p:spPr>
+        <p:txBody>
+          <a:bodyPr wrap="square" rtlCol="0">
+            <a:spAutoFit/>
+          </a:bodyPr>
+          <a:lstStyle/>
+          <a:p>
+            <a:r>
+              <a:rPr lang="en-US" dirty="0" smtClean="0"/>
+              <a:t>90</a:t>
+            </a:r>
+            <a:r>
+              <a:rPr lang="en-US" dirty="0" smtClean="0"/>
+              <a:t>%</a:t>
+            </a:r>
+            <a:endParaRPr lang="en-US" dirty="0"/>
+          </a:p>
+        </p:txBody>
+      </p:sp>
+      <p:sp>
+        <p:nvSpPr>
+          <p:cNvPr id="17" name="TextBox 16"/>
+          <p:cNvSpPr txBox="1"/>
+          <p:nvPr/>
+        </p:nvSpPr>
+        <p:spPr>
+          <a:xfrm rot="16200000">
+            <a:off x="3007202" y="5003324"/>
+            <a:ext cx="774779" cy="369332"/>
+          </a:xfrm>
+          <a:prstGeom prst="rect">
+            <a:avLst/>
+          </a:prstGeom>
+          <a:noFill/>
+        </p:spPr>
+        <p:txBody>
+          <a:bodyPr wrap="square" rtlCol="0">
+            <a:spAutoFit/>
+          </a:bodyPr>
+          <a:lstStyle/>
+          <a:p>
+            <a:r>
+              <a:rPr lang="en-US" dirty="0" smtClean="0"/>
+              <a:t>81</a:t>
+            </a:r>
+            <a:r>
+              <a:rPr lang="en-US" dirty="0" smtClean="0"/>
+              <a:t>%</a:t>
+            </a:r>
+            <a:endParaRPr lang="en-US" dirty="0"/>
+          </a:p>
+        </p:txBody>
+      </p:sp>
+      <p:sp>
+        <p:nvSpPr>
+          <p:cNvPr id="18" name="TextBox 17"/>
+          <p:cNvSpPr txBox="1"/>
+          <p:nvPr/>
+        </p:nvSpPr>
+        <p:spPr>
+          <a:xfrm rot="16200000">
+            <a:off x="3695144" y="5003324"/>
+            <a:ext cx="774779" cy="369332"/>
+          </a:xfrm>
+          <a:prstGeom prst="rect">
+            <a:avLst/>
+          </a:prstGeom>
+          <a:noFill/>
+        </p:spPr>
+        <p:txBody>
+          <a:bodyPr wrap="square" rtlCol="0">
+            <a:spAutoFit/>
+          </a:bodyPr>
+          <a:lstStyle/>
+          <a:p>
+            <a:r>
+              <a:rPr lang="en-US" dirty="0" smtClean="0"/>
+              <a:t>87</a:t>
+            </a:r>
+            <a:r>
+              <a:rPr lang="en-US" dirty="0" smtClean="0"/>
+              <a:t>%</a:t>
+            </a:r>
+            <a:endParaRPr lang="en-US" dirty="0"/>
+          </a:p>
+        </p:txBody>
+      </p:sp>
+      <p:sp>
+        <p:nvSpPr>
+          <p:cNvPr id="19" name="TextBox 18"/>
+          <p:cNvSpPr txBox="1"/>
+          <p:nvPr/>
+        </p:nvSpPr>
+        <p:spPr>
+          <a:xfrm rot="16200000">
+            <a:off x="4380944" y="5003324"/>
+            <a:ext cx="774779" cy="369332"/>
+          </a:xfrm>
+          <a:prstGeom prst="rect">
+            <a:avLst/>
+          </a:prstGeom>
+          <a:noFill/>
+        </p:spPr>
+        <p:txBody>
+          <a:bodyPr wrap="square" rtlCol="0">
+            <a:spAutoFit/>
+          </a:bodyPr>
+          <a:lstStyle/>
+          <a:p>
+            <a:r>
+              <a:rPr lang="en-US" dirty="0" smtClean="0"/>
+              <a:t>87</a:t>
+            </a:r>
+            <a:r>
+              <a:rPr lang="en-US" dirty="0" smtClean="0"/>
+              <a:t>%</a:t>
+            </a:r>
+            <a:endParaRPr lang="en-US" dirty="0"/>
+          </a:p>
+        </p:txBody>
+      </p:sp>
+      <p:sp>
+        <p:nvSpPr>
+          <p:cNvPr id="20" name="TextBox 19"/>
+          <p:cNvSpPr txBox="1"/>
+          <p:nvPr/>
+        </p:nvSpPr>
+        <p:spPr>
+          <a:xfrm rot="16200000">
+            <a:off x="5066744" y="5003324"/>
+            <a:ext cx="774779" cy="369332"/>
+          </a:xfrm>
+          <a:prstGeom prst="rect">
+            <a:avLst/>
+          </a:prstGeom>
+          <a:noFill/>
+        </p:spPr>
+        <p:txBody>
+          <a:bodyPr wrap="square" rtlCol="0">
+            <a:spAutoFit/>
+          </a:bodyPr>
+          <a:lstStyle/>
+          <a:p>
+            <a:r>
+              <a:rPr lang="en-US" dirty="0" smtClean="0"/>
+              <a:t>86</a:t>
+            </a:r>
+            <a:r>
+              <a:rPr lang="en-US" dirty="0" smtClean="0"/>
+              <a:t>%</a:t>
+            </a:r>
+            <a:endParaRPr lang="en-US" dirty="0"/>
+          </a:p>
+        </p:txBody>
+      </p:sp>
+      <p:sp>
+        <p:nvSpPr>
+          <p:cNvPr id="21" name="TextBox 20"/>
+          <p:cNvSpPr txBox="1"/>
+          <p:nvPr/>
+        </p:nvSpPr>
+        <p:spPr>
+          <a:xfrm rot="16200000">
+            <a:off x="5790644" y="5003324"/>
+            <a:ext cx="774779" cy="369332"/>
+          </a:xfrm>
+          <a:prstGeom prst="rect">
+            <a:avLst/>
+          </a:prstGeom>
+          <a:noFill/>
+        </p:spPr>
+        <p:txBody>
+          <a:bodyPr wrap="square" rtlCol="0">
+            <a:spAutoFit/>
+          </a:bodyPr>
+          <a:lstStyle/>
+          <a:p>
+            <a:r>
+              <a:rPr lang="en-US" dirty="0" smtClean="0"/>
+              <a:t>98</a:t>
+            </a:r>
+            <a:r>
+              <a:rPr lang="en-US" dirty="0" smtClean="0"/>
+              <a:t>%</a:t>
+            </a:r>
+            <a:endParaRPr lang="en-US" dirty="0"/>
+          </a:p>
+        </p:txBody>
+      </p:sp>
+      <p:sp>
+        <p:nvSpPr>
+          <p:cNvPr id="22" name="TextBox 21"/>
+          <p:cNvSpPr txBox="1"/>
+          <p:nvPr/>
+        </p:nvSpPr>
+        <p:spPr>
+          <a:xfrm rot="16200000">
+            <a:off x="6466919" y="5003324"/>
+            <a:ext cx="774779" cy="369332"/>
+          </a:xfrm>
+          <a:prstGeom prst="rect">
+            <a:avLst/>
+          </a:prstGeom>
+          <a:noFill/>
+        </p:spPr>
+        <p:txBody>
+          <a:bodyPr wrap="square" rtlCol="0">
+            <a:spAutoFit/>
+          </a:bodyPr>
+          <a:lstStyle/>
+          <a:p>
+            <a:r>
+              <a:rPr lang="en-US" dirty="0" smtClean="0"/>
+              <a:t>96</a:t>
+            </a:r>
+            <a:r>
+              <a:rPr lang="en-US" dirty="0" smtClean="0"/>
+              <a:t>%</a:t>
+            </a:r>
+            <a:endParaRPr lang="en-US" dirty="0"/>
           </a:p>
         </p:txBody>
       </p:sp>

--- a/trunk/ haptic-glove --username sreekar/Results/Results.pptx
+++ b/trunk/ haptic-glove --username sreekar/Results/Results.pptx
@@ -9,6 +9,7 @@
     <p:sldId id="257" r:id="rId3"/>
     <p:sldId id="258" r:id="rId4"/>
     <p:sldId id="259" r:id="rId5"/>
+    <p:sldId id="260" r:id="rId6"/>
   </p:sldIdLst>
   <p:sldSz cx="9144000" cy="6858000" type="screen4x3"/>
   <p:notesSz cx="6858000" cy="9144000"/>
@@ -292,7 +293,7 @@
             <a:fld id="{1D8BD707-D9CF-40AE-B4C6-C98DA3205C09}" type="datetimeFigureOut">
               <a:rPr lang="en-US" smtClean="0"/>
               <a:pPr/>
-              <a:t>12/29/2009</a:t>
+              <a:t>12/30/2009</a:t>
             </a:fld>
             <a:endParaRPr lang="en-US"/>
           </a:p>
@@ -459,7 +460,7 @@
             <a:fld id="{1D8BD707-D9CF-40AE-B4C6-C98DA3205C09}" type="datetimeFigureOut">
               <a:rPr lang="en-US" smtClean="0"/>
               <a:pPr/>
-              <a:t>12/29/2009</a:t>
+              <a:t>12/30/2009</a:t>
             </a:fld>
             <a:endParaRPr lang="en-US"/>
           </a:p>
@@ -636,7 +637,7 @@
             <a:fld id="{1D8BD707-D9CF-40AE-B4C6-C98DA3205C09}" type="datetimeFigureOut">
               <a:rPr lang="en-US" smtClean="0"/>
               <a:pPr/>
-              <a:t>12/29/2009</a:t>
+              <a:t>12/30/2009</a:t>
             </a:fld>
             <a:endParaRPr lang="en-US"/>
           </a:p>
@@ -803,7 +804,7 @@
             <a:fld id="{1D8BD707-D9CF-40AE-B4C6-C98DA3205C09}" type="datetimeFigureOut">
               <a:rPr lang="en-US" smtClean="0"/>
               <a:pPr/>
-              <a:t>12/29/2009</a:t>
+              <a:t>12/30/2009</a:t>
             </a:fld>
             <a:endParaRPr lang="en-US"/>
           </a:p>
@@ -1046,7 +1047,7 @@
             <a:fld id="{1D8BD707-D9CF-40AE-B4C6-C98DA3205C09}" type="datetimeFigureOut">
               <a:rPr lang="en-US" smtClean="0"/>
               <a:pPr/>
-              <a:t>12/29/2009</a:t>
+              <a:t>12/30/2009</a:t>
             </a:fld>
             <a:endParaRPr lang="en-US"/>
           </a:p>
@@ -1331,7 +1332,7 @@
             <a:fld id="{1D8BD707-D9CF-40AE-B4C6-C98DA3205C09}" type="datetimeFigureOut">
               <a:rPr lang="en-US" smtClean="0"/>
               <a:pPr/>
-              <a:t>12/29/2009</a:t>
+              <a:t>12/30/2009</a:t>
             </a:fld>
             <a:endParaRPr lang="en-US"/>
           </a:p>
@@ -1750,7 +1751,7 @@
             <a:fld id="{1D8BD707-D9CF-40AE-B4C6-C98DA3205C09}" type="datetimeFigureOut">
               <a:rPr lang="en-US" smtClean="0"/>
               <a:pPr/>
-              <a:t>12/29/2009</a:t>
+              <a:t>12/30/2009</a:t>
             </a:fld>
             <a:endParaRPr lang="en-US"/>
           </a:p>
@@ -1865,7 +1866,7 @@
             <a:fld id="{1D8BD707-D9CF-40AE-B4C6-C98DA3205C09}" type="datetimeFigureOut">
               <a:rPr lang="en-US" smtClean="0"/>
               <a:pPr/>
-              <a:t>12/29/2009</a:t>
+              <a:t>12/30/2009</a:t>
             </a:fld>
             <a:endParaRPr lang="en-US"/>
           </a:p>
@@ -1957,7 +1958,7 @@
             <a:fld id="{1D8BD707-D9CF-40AE-B4C6-C98DA3205C09}" type="datetimeFigureOut">
               <a:rPr lang="en-US" smtClean="0"/>
               <a:pPr/>
-              <a:t>12/29/2009</a:t>
+              <a:t>12/30/2009</a:t>
             </a:fld>
             <a:endParaRPr lang="en-US"/>
           </a:p>
@@ -2231,7 +2232,7 @@
             <a:fld id="{1D8BD707-D9CF-40AE-B4C6-C98DA3205C09}" type="datetimeFigureOut">
               <a:rPr lang="en-US" smtClean="0"/>
               <a:pPr/>
-              <a:t>12/29/2009</a:t>
+              <a:t>12/30/2009</a:t>
             </a:fld>
             <a:endParaRPr lang="en-US"/>
           </a:p>
@@ -2481,7 +2482,7 @@
             <a:fld id="{1D8BD707-D9CF-40AE-B4C6-C98DA3205C09}" type="datetimeFigureOut">
               <a:rPr lang="en-US" smtClean="0"/>
               <a:pPr/>
-              <a:t>12/29/2009</a:t>
+              <a:t>12/30/2009</a:t>
             </a:fld>
             <a:endParaRPr lang="en-US"/>
           </a:p>
@@ -2691,7 +2692,7 @@
             <a:fld id="{1D8BD707-D9CF-40AE-B4C6-C98DA3205C09}" type="datetimeFigureOut">
               <a:rPr lang="en-US" smtClean="0"/>
               <a:pPr/>
-              <a:t>12/29/2009</a:t>
+              <a:t>12/30/2009</a:t>
             </a:fld>
             <a:endParaRPr lang="en-US"/>
           </a:p>
@@ -7753,322 +7754,6 @@
           <a:chExt cx="0" cy="0"/>
         </a:xfrm>
       </p:grpSpPr>
-      <p:sp>
-        <p:nvSpPr>
-          <p:cNvPr id="7" name="TextBox 6"/>
-          <p:cNvSpPr txBox="1"/>
-          <p:nvPr/>
-        </p:nvSpPr>
-        <p:spPr>
-          <a:xfrm>
-            <a:off x="4191000" y="5793343"/>
-            <a:ext cx="1295400" cy="369332"/>
-          </a:xfrm>
-          <a:prstGeom prst="rect">
-            <a:avLst/>
-          </a:prstGeom>
-          <a:noFill/>
-        </p:spPr>
-        <p:txBody>
-          <a:bodyPr wrap="square" rtlCol="0">
-            <a:spAutoFit/>
-          </a:bodyPr>
-          <a:lstStyle/>
-          <a:p>
-            <a:r>
-              <a:rPr lang="en-US" dirty="0" smtClean="0"/>
-              <a:t>Stimulation</a:t>
-            </a:r>
-            <a:endParaRPr lang="en-US" dirty="0"/>
-          </a:p>
-        </p:txBody>
-      </p:sp>
-      <p:sp>
-        <p:nvSpPr>
-          <p:cNvPr id="8" name="TextBox 7"/>
-          <p:cNvSpPr txBox="1"/>
-          <p:nvPr/>
-        </p:nvSpPr>
-        <p:spPr>
-          <a:xfrm rot="16200000">
-            <a:off x="454282" y="3317618"/>
-            <a:ext cx="2280167" cy="369332"/>
-          </a:xfrm>
-          <a:prstGeom prst="rect">
-            <a:avLst/>
-          </a:prstGeom>
-          <a:noFill/>
-        </p:spPr>
-        <p:txBody>
-          <a:bodyPr wrap="square" rtlCol="0">
-            <a:spAutoFit/>
-          </a:bodyPr>
-          <a:lstStyle/>
-          <a:p>
-            <a:r>
-              <a:rPr lang="en-US" dirty="0" smtClean="0"/>
-              <a:t>Recognition Rate (%)</a:t>
-            </a:r>
-            <a:endParaRPr lang="en-US" dirty="0"/>
-          </a:p>
-        </p:txBody>
-      </p:sp>
-      <p:sp>
-        <p:nvSpPr>
-          <p:cNvPr id="9" name="Rectangle 8"/>
-          <p:cNvSpPr/>
-          <p:nvPr/>
-        </p:nvSpPr>
-        <p:spPr>
-          <a:xfrm>
-            <a:off x="5098755" y="1238250"/>
-            <a:ext cx="2521245" cy="4359275"/>
-          </a:xfrm>
-          <a:prstGeom prst="rect">
-            <a:avLst/>
-          </a:prstGeom>
-          <a:solidFill>
-            <a:schemeClr val="bg1">
-              <a:lumMod val="85000"/>
-              <a:alpha val="66000"/>
-            </a:schemeClr>
-          </a:solidFill>
-          <a:ln>
-            <a:noFill/>
-          </a:ln>
-        </p:spPr>
-        <p:style>
-          <a:lnRef idx="2">
-            <a:schemeClr val="accent1">
-              <a:shade val="50000"/>
-            </a:schemeClr>
-          </a:lnRef>
-          <a:fillRef idx="1">
-            <a:schemeClr val="accent1"/>
-          </a:fillRef>
-          <a:effectRef idx="0">
-            <a:schemeClr val="accent1"/>
-          </a:effectRef>
-          <a:fontRef idx="minor">
-            <a:schemeClr val="lt1"/>
-          </a:fontRef>
-        </p:style>
-        <p:txBody>
-          <a:bodyPr rtlCol="0" anchor="ctr"/>
-          <a:lstStyle/>
-          <a:p>
-            <a:pPr algn="ctr"/>
-            <a:endParaRPr lang="en-US"/>
-          </a:p>
-        </p:txBody>
-      </p:sp>
-      <p:sp>
-        <p:nvSpPr>
-          <p:cNvPr id="10" name="Rectangle 9"/>
-          <p:cNvSpPr/>
-          <p:nvPr/>
-        </p:nvSpPr>
-        <p:spPr>
-          <a:xfrm>
-            <a:off x="2050756" y="1238250"/>
-            <a:ext cx="3048000" cy="4362451"/>
-          </a:xfrm>
-          <a:prstGeom prst="rect">
-            <a:avLst/>
-          </a:prstGeom>
-          <a:solidFill>
-            <a:schemeClr val="bg1">
-              <a:lumMod val="75000"/>
-              <a:alpha val="87000"/>
-            </a:schemeClr>
-          </a:solidFill>
-          <a:ln>
-            <a:noFill/>
-          </a:ln>
-        </p:spPr>
-        <p:style>
-          <a:lnRef idx="2">
-            <a:schemeClr val="accent1">
-              <a:shade val="50000"/>
-            </a:schemeClr>
-          </a:lnRef>
-          <a:fillRef idx="1">
-            <a:schemeClr val="accent1"/>
-          </a:fillRef>
-          <a:effectRef idx="0">
-            <a:schemeClr val="accent1"/>
-          </a:effectRef>
-          <a:fontRef idx="minor">
-            <a:schemeClr val="lt1"/>
-          </a:fontRef>
-        </p:style>
-        <p:txBody>
-          <a:bodyPr rtlCol="0" anchor="ctr"/>
-          <a:lstStyle/>
-          <a:p>
-            <a:pPr algn="ctr"/>
-            <a:endParaRPr lang="en-US"/>
-          </a:p>
-        </p:txBody>
-      </p:sp>
-      <p:sp>
-        <p:nvSpPr>
-          <p:cNvPr id="11" name="TextBox 10"/>
-          <p:cNvSpPr txBox="1"/>
-          <p:nvPr/>
-        </p:nvSpPr>
-        <p:spPr>
-          <a:xfrm>
-            <a:off x="5105400" y="1866840"/>
-            <a:ext cx="631904" cy="400110"/>
-          </a:xfrm>
-          <a:prstGeom prst="rect">
-            <a:avLst/>
-          </a:prstGeom>
-          <a:noFill/>
-        </p:spPr>
-        <p:txBody>
-          <a:bodyPr wrap="none" rtlCol="0">
-            <a:spAutoFit/>
-          </a:bodyPr>
-          <a:lstStyle/>
-          <a:p>
-            <a:r>
-              <a:rPr lang="en-US" sz="2000" b="1" dirty="0" smtClean="0"/>
-              <a:t>93%</a:t>
-            </a:r>
-            <a:endParaRPr lang="en-US" sz="2000" b="1" dirty="0"/>
-          </a:p>
-        </p:txBody>
-      </p:sp>
-      <p:sp>
-        <p:nvSpPr>
-          <p:cNvPr id="12" name="TextBox 11"/>
-          <p:cNvSpPr txBox="1"/>
-          <p:nvPr/>
-        </p:nvSpPr>
-        <p:spPr>
-          <a:xfrm>
-            <a:off x="3114675" y="2886075"/>
-            <a:ext cx="631904" cy="400110"/>
-          </a:xfrm>
-          <a:prstGeom prst="rect">
-            <a:avLst/>
-          </a:prstGeom>
-          <a:noFill/>
-        </p:spPr>
-        <p:txBody>
-          <a:bodyPr wrap="none" rtlCol="0">
-            <a:spAutoFit/>
-          </a:bodyPr>
-          <a:lstStyle/>
-          <a:p>
-            <a:r>
-              <a:rPr lang="en-US" sz="2000" b="1" dirty="0" smtClean="0"/>
-              <a:t>86</a:t>
-            </a:r>
-            <a:r>
-              <a:rPr lang="en-US" sz="2000" b="1" dirty="0" smtClean="0"/>
-              <a:t>%</a:t>
-            </a:r>
-            <a:endParaRPr lang="en-US" sz="2000" b="1" dirty="0"/>
-          </a:p>
-        </p:txBody>
-      </p:sp>
-      <p:sp>
-        <p:nvSpPr>
-          <p:cNvPr id="13" name="TextBox 12"/>
-          <p:cNvSpPr txBox="1"/>
-          <p:nvPr/>
-        </p:nvSpPr>
-        <p:spPr>
-          <a:xfrm>
-            <a:off x="4559221" y="2466975"/>
-            <a:ext cx="631904" cy="400110"/>
-          </a:xfrm>
-          <a:prstGeom prst="rect">
-            <a:avLst/>
-          </a:prstGeom>
-          <a:noFill/>
-        </p:spPr>
-        <p:txBody>
-          <a:bodyPr wrap="none" rtlCol="0">
-            <a:spAutoFit/>
-          </a:bodyPr>
-          <a:lstStyle/>
-          <a:p>
-            <a:r>
-              <a:rPr lang="en-US" sz="2000" b="1" dirty="0" smtClean="0"/>
-              <a:t>89</a:t>
-            </a:r>
-            <a:r>
-              <a:rPr lang="en-US" sz="2000" b="1" dirty="0" smtClean="0"/>
-              <a:t>%</a:t>
-            </a:r>
-            <a:endParaRPr lang="en-US" sz="2000" b="1" dirty="0"/>
-          </a:p>
-        </p:txBody>
-      </p:sp>
-      <p:sp>
-        <p:nvSpPr>
-          <p:cNvPr id="14" name="TextBox 13"/>
-          <p:cNvSpPr txBox="1"/>
-          <p:nvPr/>
-        </p:nvSpPr>
-        <p:spPr>
-          <a:xfrm>
-            <a:off x="3124200" y="1171515"/>
-            <a:ext cx="942374" cy="369332"/>
-          </a:xfrm>
-          <a:prstGeom prst="rect">
-            <a:avLst/>
-          </a:prstGeom>
-          <a:noFill/>
-        </p:spPr>
-        <p:txBody>
-          <a:bodyPr wrap="none" rtlCol="0">
-            <a:spAutoFit/>
-          </a:bodyPr>
-          <a:lstStyle/>
-          <a:p>
-            <a:r>
-              <a:rPr lang="en-US" dirty="0" smtClean="0"/>
-              <a:t>Group 1</a:t>
-            </a:r>
-            <a:endParaRPr lang="en-US" dirty="0"/>
-          </a:p>
-        </p:txBody>
-      </p:sp>
-      <p:sp>
-        <p:nvSpPr>
-          <p:cNvPr id="15" name="TextBox 14"/>
-          <p:cNvSpPr txBox="1"/>
-          <p:nvPr/>
-        </p:nvSpPr>
-        <p:spPr>
-          <a:xfrm>
-            <a:off x="5791200" y="1162050"/>
-            <a:ext cx="942374" cy="369332"/>
-          </a:xfrm>
-          <a:prstGeom prst="rect">
-            <a:avLst/>
-          </a:prstGeom>
-          <a:noFill/>
-        </p:spPr>
-        <p:txBody>
-          <a:bodyPr wrap="none" rtlCol="0">
-            <a:spAutoFit/>
-          </a:bodyPr>
-          <a:lstStyle/>
-          <a:p>
-            <a:r>
-              <a:rPr lang="en-US" dirty="0" smtClean="0"/>
-              <a:t>Group 2</a:t>
-            </a:r>
-            <a:endParaRPr lang="en-US" dirty="0"/>
-          </a:p>
-        </p:txBody>
-      </p:sp>
       <p:pic>
         <p:nvPicPr>
           <p:cNvPr id="6" name="Picture 5" descr="RecogRate.tif"/>
@@ -8106,6 +7791,314 @@
       </p:pic>
       <p:sp>
         <p:nvSpPr>
+          <p:cNvPr id="7" name="TextBox 6"/>
+          <p:cNvSpPr txBox="1"/>
+          <p:nvPr/>
+        </p:nvSpPr>
+        <p:spPr>
+          <a:xfrm>
+            <a:off x="4191000" y="5793343"/>
+            <a:ext cx="1295400" cy="369332"/>
+          </a:xfrm>
+          <a:prstGeom prst="rect">
+            <a:avLst/>
+          </a:prstGeom>
+          <a:noFill/>
+        </p:spPr>
+        <p:txBody>
+          <a:bodyPr wrap="square" rtlCol="0">
+            <a:spAutoFit/>
+          </a:bodyPr>
+          <a:lstStyle/>
+          <a:p>
+            <a:r>
+              <a:rPr lang="en-US" dirty="0" smtClean="0"/>
+              <a:t>Stimulation</a:t>
+            </a:r>
+            <a:endParaRPr lang="en-US" dirty="0"/>
+          </a:p>
+        </p:txBody>
+      </p:sp>
+      <p:sp>
+        <p:nvSpPr>
+          <p:cNvPr id="8" name="TextBox 7"/>
+          <p:cNvSpPr txBox="1"/>
+          <p:nvPr/>
+        </p:nvSpPr>
+        <p:spPr>
+          <a:xfrm rot="16200000">
+            <a:off x="454282" y="3317618"/>
+            <a:ext cx="2280167" cy="369332"/>
+          </a:xfrm>
+          <a:prstGeom prst="rect">
+            <a:avLst/>
+          </a:prstGeom>
+          <a:noFill/>
+        </p:spPr>
+        <p:txBody>
+          <a:bodyPr wrap="square" rtlCol="0">
+            <a:spAutoFit/>
+          </a:bodyPr>
+          <a:lstStyle/>
+          <a:p>
+            <a:r>
+              <a:rPr lang="en-US" dirty="0" smtClean="0"/>
+              <a:t>Recognition Rate (%)</a:t>
+            </a:r>
+            <a:endParaRPr lang="en-US" dirty="0"/>
+          </a:p>
+        </p:txBody>
+      </p:sp>
+      <p:sp>
+        <p:nvSpPr>
+          <p:cNvPr id="9" name="Rectangle 8"/>
+          <p:cNvSpPr/>
+          <p:nvPr/>
+        </p:nvSpPr>
+        <p:spPr>
+          <a:xfrm>
+            <a:off x="5098755" y="1238250"/>
+            <a:ext cx="2521245" cy="4359275"/>
+          </a:xfrm>
+          <a:prstGeom prst="rect">
+            <a:avLst/>
+          </a:prstGeom>
+          <a:solidFill>
+            <a:schemeClr val="bg1">
+              <a:lumMod val="85000"/>
+              <a:alpha val="66000"/>
+            </a:schemeClr>
+          </a:solidFill>
+          <a:ln>
+            <a:noFill/>
+          </a:ln>
+        </p:spPr>
+        <p:style>
+          <a:lnRef idx="2">
+            <a:schemeClr val="accent1">
+              <a:shade val="50000"/>
+            </a:schemeClr>
+          </a:lnRef>
+          <a:fillRef idx="1">
+            <a:schemeClr val="accent1"/>
+          </a:fillRef>
+          <a:effectRef idx="0">
+            <a:schemeClr val="accent1"/>
+          </a:effectRef>
+          <a:fontRef idx="minor">
+            <a:schemeClr val="lt1"/>
+          </a:fontRef>
+        </p:style>
+        <p:txBody>
+          <a:bodyPr rtlCol="0" anchor="ctr"/>
+          <a:lstStyle/>
+          <a:p>
+            <a:pPr algn="ctr"/>
+            <a:endParaRPr lang="en-US"/>
+          </a:p>
+        </p:txBody>
+      </p:sp>
+      <p:sp>
+        <p:nvSpPr>
+          <p:cNvPr id="10" name="Rectangle 9"/>
+          <p:cNvSpPr/>
+          <p:nvPr/>
+        </p:nvSpPr>
+        <p:spPr>
+          <a:xfrm>
+            <a:off x="2050756" y="1238250"/>
+            <a:ext cx="3048000" cy="4362451"/>
+          </a:xfrm>
+          <a:prstGeom prst="rect">
+            <a:avLst/>
+          </a:prstGeom>
+          <a:solidFill>
+            <a:schemeClr val="bg1">
+              <a:lumMod val="75000"/>
+              <a:alpha val="87000"/>
+            </a:schemeClr>
+          </a:solidFill>
+          <a:ln>
+            <a:noFill/>
+          </a:ln>
+        </p:spPr>
+        <p:style>
+          <a:lnRef idx="2">
+            <a:schemeClr val="accent1">
+              <a:shade val="50000"/>
+            </a:schemeClr>
+          </a:lnRef>
+          <a:fillRef idx="1">
+            <a:schemeClr val="accent1"/>
+          </a:fillRef>
+          <a:effectRef idx="0">
+            <a:schemeClr val="accent1"/>
+          </a:effectRef>
+          <a:fontRef idx="minor">
+            <a:schemeClr val="lt1"/>
+          </a:fontRef>
+        </p:style>
+        <p:txBody>
+          <a:bodyPr rtlCol="0" anchor="ctr"/>
+          <a:lstStyle/>
+          <a:p>
+            <a:pPr algn="ctr"/>
+            <a:endParaRPr lang="en-US"/>
+          </a:p>
+        </p:txBody>
+      </p:sp>
+      <p:sp>
+        <p:nvSpPr>
+          <p:cNvPr id="11" name="TextBox 10"/>
+          <p:cNvSpPr txBox="1"/>
+          <p:nvPr/>
+        </p:nvSpPr>
+        <p:spPr>
+          <a:xfrm>
+            <a:off x="5105400" y="1866840"/>
+            <a:ext cx="631904" cy="400110"/>
+          </a:xfrm>
+          <a:prstGeom prst="rect">
+            <a:avLst/>
+          </a:prstGeom>
+          <a:noFill/>
+        </p:spPr>
+        <p:txBody>
+          <a:bodyPr wrap="none" rtlCol="0">
+            <a:spAutoFit/>
+          </a:bodyPr>
+          <a:lstStyle/>
+          <a:p>
+            <a:r>
+              <a:rPr lang="en-US" sz="2000" b="1" dirty="0" smtClean="0"/>
+              <a:t>93%</a:t>
+            </a:r>
+            <a:endParaRPr lang="en-US" sz="2000" b="1" dirty="0"/>
+          </a:p>
+        </p:txBody>
+      </p:sp>
+      <p:sp>
+        <p:nvSpPr>
+          <p:cNvPr id="12" name="TextBox 11"/>
+          <p:cNvSpPr txBox="1"/>
+          <p:nvPr/>
+        </p:nvSpPr>
+        <p:spPr>
+          <a:xfrm>
+            <a:off x="3114675" y="2886075"/>
+            <a:ext cx="631904" cy="400110"/>
+          </a:xfrm>
+          <a:prstGeom prst="rect">
+            <a:avLst/>
+          </a:prstGeom>
+          <a:noFill/>
+        </p:spPr>
+        <p:txBody>
+          <a:bodyPr wrap="none" rtlCol="0">
+            <a:spAutoFit/>
+          </a:bodyPr>
+          <a:lstStyle/>
+          <a:p>
+            <a:r>
+              <a:rPr lang="en-US" sz="2000" b="1" dirty="0" smtClean="0"/>
+              <a:t>86%</a:t>
+            </a:r>
+            <a:endParaRPr lang="en-US" sz="2000" b="1" dirty="0"/>
+          </a:p>
+        </p:txBody>
+      </p:sp>
+      <p:sp>
+        <p:nvSpPr>
+          <p:cNvPr id="13" name="TextBox 12"/>
+          <p:cNvSpPr txBox="1"/>
+          <p:nvPr/>
+        </p:nvSpPr>
+        <p:spPr>
+          <a:xfrm>
+            <a:off x="4559221" y="2466975"/>
+            <a:ext cx="631904" cy="400110"/>
+          </a:xfrm>
+          <a:prstGeom prst="rect">
+            <a:avLst/>
+          </a:prstGeom>
+          <a:noFill/>
+        </p:spPr>
+        <p:txBody>
+          <a:bodyPr wrap="none" rtlCol="0">
+            <a:spAutoFit/>
+          </a:bodyPr>
+          <a:lstStyle/>
+          <a:p>
+            <a:r>
+              <a:rPr lang="en-US" sz="2000" b="1" dirty="0" smtClean="0"/>
+              <a:t>89%</a:t>
+            </a:r>
+            <a:endParaRPr lang="en-US" sz="2000" b="1" dirty="0"/>
+          </a:p>
+        </p:txBody>
+      </p:sp>
+      <p:sp>
+        <p:nvSpPr>
+          <p:cNvPr id="14" name="TextBox 13"/>
+          <p:cNvSpPr txBox="1"/>
+          <p:nvPr/>
+        </p:nvSpPr>
+        <p:spPr>
+          <a:xfrm>
+            <a:off x="3124200" y="1171515"/>
+            <a:ext cx="942374" cy="369332"/>
+          </a:xfrm>
+          <a:prstGeom prst="rect">
+            <a:avLst/>
+          </a:prstGeom>
+          <a:noFill/>
+        </p:spPr>
+        <p:txBody>
+          <a:bodyPr wrap="none" rtlCol="0">
+            <a:spAutoFit/>
+          </a:bodyPr>
+          <a:lstStyle/>
+          <a:p>
+            <a:r>
+              <a:rPr lang="en-US" dirty="0" smtClean="0"/>
+              <a:t>Group 1</a:t>
+            </a:r>
+            <a:endParaRPr lang="en-US" dirty="0"/>
+          </a:p>
+        </p:txBody>
+      </p:sp>
+      <p:sp>
+        <p:nvSpPr>
+          <p:cNvPr id="15" name="TextBox 14"/>
+          <p:cNvSpPr txBox="1"/>
+          <p:nvPr/>
+        </p:nvSpPr>
+        <p:spPr>
+          <a:xfrm>
+            <a:off x="5791200" y="1162050"/>
+            <a:ext cx="942374" cy="369332"/>
+          </a:xfrm>
+          <a:prstGeom prst="rect">
+            <a:avLst/>
+          </a:prstGeom>
+          <a:noFill/>
+        </p:spPr>
+        <p:txBody>
+          <a:bodyPr wrap="none" rtlCol="0">
+            <a:spAutoFit/>
+          </a:bodyPr>
+          <a:lstStyle/>
+          <a:p>
+            <a:r>
+              <a:rPr lang="en-US" dirty="0" smtClean="0"/>
+              <a:t>Group 2</a:t>
+            </a:r>
+            <a:endParaRPr lang="en-US" dirty="0"/>
+          </a:p>
+        </p:txBody>
+      </p:sp>
+      <p:sp>
+        <p:nvSpPr>
           <p:cNvPr id="16" name="TextBox 15"/>
           <p:cNvSpPr txBox="1"/>
           <p:nvPr/>
@@ -8128,11 +8121,7 @@
           <a:p>
             <a:r>
               <a:rPr lang="en-US" dirty="0" smtClean="0"/>
-              <a:t>90</a:t>
-            </a:r>
-            <a:r>
-              <a:rPr lang="en-US" dirty="0" smtClean="0"/>
-              <a:t>%</a:t>
+              <a:t>90%</a:t>
             </a:r>
             <a:endParaRPr lang="en-US" dirty="0"/>
           </a:p>
@@ -8162,11 +8151,7 @@
           <a:p>
             <a:r>
               <a:rPr lang="en-US" dirty="0" smtClean="0"/>
-              <a:t>81</a:t>
-            </a:r>
-            <a:r>
-              <a:rPr lang="en-US" dirty="0" smtClean="0"/>
-              <a:t>%</a:t>
+              <a:t>81%</a:t>
             </a:r>
             <a:endParaRPr lang="en-US" dirty="0"/>
           </a:p>
@@ -8196,11 +8181,7 @@
           <a:p>
             <a:r>
               <a:rPr lang="en-US" dirty="0" smtClean="0"/>
-              <a:t>87</a:t>
-            </a:r>
-            <a:r>
-              <a:rPr lang="en-US" dirty="0" smtClean="0"/>
-              <a:t>%</a:t>
+              <a:t>87%</a:t>
             </a:r>
             <a:endParaRPr lang="en-US" dirty="0"/>
           </a:p>
@@ -8230,11 +8211,7 @@
           <a:p>
             <a:r>
               <a:rPr lang="en-US" dirty="0" smtClean="0"/>
-              <a:t>87</a:t>
-            </a:r>
-            <a:r>
-              <a:rPr lang="en-US" dirty="0" smtClean="0"/>
-              <a:t>%</a:t>
+              <a:t>87%</a:t>
             </a:r>
             <a:endParaRPr lang="en-US" dirty="0"/>
           </a:p>
@@ -8264,11 +8241,7 @@
           <a:p>
             <a:r>
               <a:rPr lang="en-US" dirty="0" smtClean="0"/>
-              <a:t>86</a:t>
-            </a:r>
-            <a:r>
-              <a:rPr lang="en-US" dirty="0" smtClean="0"/>
-              <a:t>%</a:t>
+              <a:t>86%</a:t>
             </a:r>
             <a:endParaRPr lang="en-US" dirty="0"/>
           </a:p>
@@ -8298,11 +8271,7 @@
           <a:p>
             <a:r>
               <a:rPr lang="en-US" dirty="0" smtClean="0"/>
-              <a:t>98</a:t>
-            </a:r>
-            <a:r>
-              <a:rPr lang="en-US" dirty="0" smtClean="0"/>
-              <a:t>%</a:t>
+              <a:t>98%</a:t>
             </a:r>
             <a:endParaRPr lang="en-US" dirty="0"/>
           </a:p>
@@ -8332,13 +8301,663 @@
           <a:p>
             <a:r>
               <a:rPr lang="en-US" dirty="0" smtClean="0"/>
-              <a:t>96</a:t>
-            </a:r>
+              <a:t>96%</a:t>
+            </a:r>
+            <a:endParaRPr lang="en-US" dirty="0"/>
+          </a:p>
+        </p:txBody>
+      </p:sp>
+    </p:spTree>
+  </p:cSld>
+  <p:clrMapOvr>
+    <a:masterClrMapping/>
+  </p:clrMapOvr>
+</p:sld>
+</file>
+
+<file path=ppt/slides/slide5.xml><?xml version="1.0" encoding="utf-8"?>
+<p:sld xmlns:a="http://schemas.openxmlformats.org/drawingml/2006/main" xmlns:r="http://schemas.openxmlformats.org/officeDocument/2006/relationships" xmlns:p="http://schemas.openxmlformats.org/presentationml/2006/main">
+  <p:cSld>
+    <p:spTree>
+      <p:nvGrpSpPr>
+        <p:cNvPr id="1" name=""/>
+        <p:cNvGrpSpPr/>
+        <p:nvPr/>
+      </p:nvGrpSpPr>
+      <p:grpSpPr>
+        <a:xfrm>
+          <a:off x="0" y="0"/>
+          <a:ext cx="0" cy="0"/>
+          <a:chOff x="0" y="0"/>
+          <a:chExt cx="0" cy="0"/>
+        </a:xfrm>
+      </p:grpSpPr>
+      <p:sp>
+        <p:nvSpPr>
+          <p:cNvPr id="7" name="Rectangle 6"/>
+          <p:cNvSpPr/>
+          <p:nvPr/>
+        </p:nvSpPr>
+        <p:spPr>
+          <a:xfrm>
+            <a:off x="5098755" y="1238250"/>
+            <a:ext cx="2521245" cy="4359275"/>
+          </a:xfrm>
+          <a:prstGeom prst="rect">
+            <a:avLst/>
+          </a:prstGeom>
+          <a:solidFill>
+            <a:schemeClr val="bg1">
+              <a:lumMod val="85000"/>
+              <a:alpha val="66000"/>
+            </a:schemeClr>
+          </a:solidFill>
+          <a:ln>
+            <a:noFill/>
+          </a:ln>
+        </p:spPr>
+        <p:style>
+          <a:lnRef idx="2">
+            <a:schemeClr val="accent1">
+              <a:shade val="50000"/>
+            </a:schemeClr>
+          </a:lnRef>
+          <a:fillRef idx="1">
+            <a:schemeClr val="accent1"/>
+          </a:fillRef>
+          <a:effectRef idx="0">
+            <a:schemeClr val="accent1"/>
+          </a:effectRef>
+          <a:fontRef idx="minor">
+            <a:schemeClr val="lt1"/>
+          </a:fontRef>
+        </p:style>
+        <p:txBody>
+          <a:bodyPr rtlCol="0" anchor="ctr"/>
+          <a:lstStyle/>
+          <a:p>
+            <a:pPr algn="ctr"/>
+            <a:endParaRPr lang="en-US"/>
+          </a:p>
+        </p:txBody>
+      </p:sp>
+      <p:sp>
+        <p:nvSpPr>
+          <p:cNvPr id="8" name="Rectangle 7"/>
+          <p:cNvSpPr/>
+          <p:nvPr/>
+        </p:nvSpPr>
+        <p:spPr>
+          <a:xfrm>
+            <a:off x="2050756" y="1238250"/>
+            <a:ext cx="3048000" cy="4362451"/>
+          </a:xfrm>
+          <a:prstGeom prst="rect">
+            <a:avLst/>
+          </a:prstGeom>
+          <a:solidFill>
+            <a:schemeClr val="bg1">
+              <a:lumMod val="75000"/>
+              <a:alpha val="87000"/>
+            </a:schemeClr>
+          </a:solidFill>
+          <a:ln>
+            <a:noFill/>
+          </a:ln>
+        </p:spPr>
+        <p:style>
+          <a:lnRef idx="2">
+            <a:schemeClr val="accent1">
+              <a:shade val="50000"/>
+            </a:schemeClr>
+          </a:lnRef>
+          <a:fillRef idx="1">
+            <a:schemeClr val="accent1"/>
+          </a:fillRef>
+          <a:effectRef idx="0">
+            <a:schemeClr val="accent1"/>
+          </a:effectRef>
+          <a:fontRef idx="minor">
+            <a:schemeClr val="lt1"/>
+          </a:fontRef>
+        </p:style>
+        <p:txBody>
+          <a:bodyPr rtlCol="0" anchor="ctr"/>
+          <a:lstStyle/>
+          <a:p>
+            <a:pPr algn="ctr"/>
+            <a:endParaRPr lang="en-US"/>
+          </a:p>
+        </p:txBody>
+      </p:sp>
+      <p:pic>
+        <p:nvPicPr>
+          <p:cNvPr id="4" name="Picture 3" descr="StevenRes.tif"/>
+          <p:cNvPicPr>
+            <a:picLocks noChangeAspect="1"/>
+          </p:cNvPicPr>
+          <p:nvPr/>
+        </p:nvPicPr>
+        <p:blipFill>
+          <a:blip r:embed="rId2" cstate="print">
+            <a:clrChange>
+              <a:clrFrom>
+                <a:srgbClr val="FFFFFF"/>
+              </a:clrFrom>
+              <a:clrTo>
+                <a:srgbClr val="FFFFFF">
+                  <a:alpha val="0"/>
+                </a:srgbClr>
+              </a:clrTo>
+            </a:clrChange>
+          </a:blip>
+          <a:stretch>
+            <a:fillRect/>
+          </a:stretch>
+        </p:blipFill>
+        <p:spPr>
+          <a:xfrm>
+            <a:off x="1112139" y="838200"/>
+            <a:ext cx="7107936" cy="5330952"/>
+          </a:xfrm>
+          <a:prstGeom prst="rect">
+            <a:avLst/>
+          </a:prstGeom>
+        </p:spPr>
+      </p:pic>
+      <p:sp>
+        <p:nvSpPr>
+          <p:cNvPr id="5" name="TextBox 4"/>
+          <p:cNvSpPr txBox="1"/>
+          <p:nvPr/>
+        </p:nvSpPr>
+        <p:spPr>
+          <a:xfrm>
+            <a:off x="4191000" y="5793343"/>
+            <a:ext cx="1295400" cy="369332"/>
+          </a:xfrm>
+          <a:prstGeom prst="rect">
+            <a:avLst/>
+          </a:prstGeom>
+          <a:noFill/>
+        </p:spPr>
+        <p:txBody>
+          <a:bodyPr wrap="square" rtlCol="0">
+            <a:spAutoFit/>
+          </a:bodyPr>
+          <a:lstStyle/>
+          <a:p>
             <a:r>
               <a:rPr lang="en-US" dirty="0" smtClean="0"/>
+              <a:t>Stimulation</a:t>
+            </a:r>
+            <a:endParaRPr lang="en-US" dirty="0"/>
+          </a:p>
+        </p:txBody>
+      </p:sp>
+      <p:sp>
+        <p:nvSpPr>
+          <p:cNvPr id="9" name="TextBox 8"/>
+          <p:cNvSpPr txBox="1"/>
+          <p:nvPr/>
+        </p:nvSpPr>
+        <p:spPr>
+          <a:xfrm>
+            <a:off x="5829553" y="1752600"/>
+            <a:ext cx="761747" cy="400110"/>
+          </a:xfrm>
+          <a:prstGeom prst="rect">
+            <a:avLst/>
+          </a:prstGeom>
+          <a:noFill/>
+        </p:spPr>
+        <p:txBody>
+          <a:bodyPr wrap="none" rtlCol="0">
+            <a:spAutoFit/>
+          </a:bodyPr>
+          <a:lstStyle/>
+          <a:p>
+            <a:r>
+              <a:rPr lang="en-US" sz="2000" b="1" dirty="0" smtClean="0"/>
+              <a:t>100%</a:t>
+            </a:r>
+            <a:endParaRPr lang="en-US" sz="2000" b="1" dirty="0"/>
+          </a:p>
+        </p:txBody>
+      </p:sp>
+      <p:sp>
+        <p:nvSpPr>
+          <p:cNvPr id="10" name="TextBox 9"/>
+          <p:cNvSpPr txBox="1"/>
+          <p:nvPr/>
+        </p:nvSpPr>
+        <p:spPr>
+          <a:xfrm>
+            <a:off x="3703223" y="2482790"/>
+            <a:ext cx="830677" cy="400110"/>
+          </a:xfrm>
+          <a:prstGeom prst="rect">
+            <a:avLst/>
+          </a:prstGeom>
+          <a:noFill/>
+        </p:spPr>
+        <p:txBody>
+          <a:bodyPr wrap="none" rtlCol="0">
+            <a:spAutoFit/>
+          </a:bodyPr>
+          <a:lstStyle/>
+          <a:p>
+            <a:r>
+              <a:rPr lang="en-US" sz="2000" b="1" dirty="0" smtClean="0"/>
+              <a:t>97.5</a:t>
+            </a:r>
+            <a:r>
+              <a:rPr lang="en-US" sz="2000" b="1" dirty="0" smtClean="0"/>
               <a:t>%</a:t>
             </a:r>
+            <a:endParaRPr lang="en-US" sz="2000" b="1" dirty="0"/>
+          </a:p>
+        </p:txBody>
+      </p:sp>
+      <p:sp>
+        <p:nvSpPr>
+          <p:cNvPr id="11" name="TextBox 10"/>
+          <p:cNvSpPr txBox="1"/>
+          <p:nvPr/>
+        </p:nvSpPr>
+        <p:spPr>
+          <a:xfrm>
+            <a:off x="3721100" y="2019300"/>
+            <a:ext cx="830677" cy="400110"/>
+          </a:xfrm>
+          <a:prstGeom prst="rect">
+            <a:avLst/>
+          </a:prstGeom>
+          <a:noFill/>
+        </p:spPr>
+        <p:txBody>
+          <a:bodyPr wrap="none" rtlCol="0">
+            <a:spAutoFit/>
+          </a:bodyPr>
+          <a:lstStyle/>
+          <a:p>
+            <a:r>
+              <a:rPr lang="en-US" sz="2000" b="1" dirty="0" smtClean="0"/>
+              <a:t>98.5%</a:t>
+            </a:r>
+            <a:endParaRPr lang="en-US" sz="2000" b="1" dirty="0"/>
+          </a:p>
+        </p:txBody>
+      </p:sp>
+      <p:sp>
+        <p:nvSpPr>
+          <p:cNvPr id="12" name="TextBox 11"/>
+          <p:cNvSpPr txBox="1"/>
+          <p:nvPr/>
+        </p:nvSpPr>
+        <p:spPr>
+          <a:xfrm>
+            <a:off x="3124200" y="1171515"/>
+            <a:ext cx="942374" cy="369332"/>
+          </a:xfrm>
+          <a:prstGeom prst="rect">
+            <a:avLst/>
+          </a:prstGeom>
+          <a:noFill/>
+        </p:spPr>
+        <p:txBody>
+          <a:bodyPr wrap="none" rtlCol="0">
+            <a:spAutoFit/>
+          </a:bodyPr>
+          <a:lstStyle/>
+          <a:p>
+            <a:r>
+              <a:rPr lang="en-US" dirty="0" smtClean="0"/>
+              <a:t>Group 1</a:t>
+            </a:r>
             <a:endParaRPr lang="en-US" dirty="0"/>
+          </a:p>
+        </p:txBody>
+      </p:sp>
+      <p:sp>
+        <p:nvSpPr>
+          <p:cNvPr id="13" name="TextBox 12"/>
+          <p:cNvSpPr txBox="1"/>
+          <p:nvPr/>
+        </p:nvSpPr>
+        <p:spPr>
+          <a:xfrm>
+            <a:off x="5791200" y="1162050"/>
+            <a:ext cx="942374" cy="369332"/>
+          </a:xfrm>
+          <a:prstGeom prst="rect">
+            <a:avLst/>
+          </a:prstGeom>
+          <a:noFill/>
+        </p:spPr>
+        <p:txBody>
+          <a:bodyPr wrap="none" rtlCol="0">
+            <a:spAutoFit/>
+          </a:bodyPr>
+          <a:lstStyle/>
+          <a:p>
+            <a:r>
+              <a:rPr lang="en-US" dirty="0" smtClean="0"/>
+              <a:t>Group 2</a:t>
+            </a:r>
+            <a:endParaRPr lang="en-US" dirty="0"/>
+          </a:p>
+        </p:txBody>
+      </p:sp>
+      <p:sp>
+        <p:nvSpPr>
+          <p:cNvPr id="14" name="TextBox 13"/>
+          <p:cNvSpPr txBox="1"/>
+          <p:nvPr/>
+        </p:nvSpPr>
+        <p:spPr>
+          <a:xfrm rot="16200000">
+            <a:off x="1816577" y="4508023"/>
+            <a:ext cx="1765380" cy="369332"/>
+          </a:xfrm>
+          <a:prstGeom prst="rect">
+            <a:avLst/>
+          </a:prstGeom>
+          <a:noFill/>
+        </p:spPr>
+        <p:txBody>
+          <a:bodyPr wrap="square" rtlCol="0">
+            <a:spAutoFit/>
+          </a:bodyPr>
+          <a:lstStyle/>
+          <a:p>
+            <a:r>
+              <a:rPr lang="en-US" b="1" dirty="0" smtClean="0"/>
+              <a:t>100%</a:t>
+            </a:r>
+            <a:r>
+              <a:rPr lang="en-US" dirty="0" smtClean="0"/>
+              <a:t> --- </a:t>
+            </a:r>
+            <a:r>
+              <a:rPr lang="en-US" b="1" dirty="0" smtClean="0"/>
+              <a:t>1.23s</a:t>
+            </a:r>
+            <a:endParaRPr lang="en-US" b="1" dirty="0"/>
+          </a:p>
+        </p:txBody>
+      </p:sp>
+      <p:sp>
+        <p:nvSpPr>
+          <p:cNvPr id="15" name="TextBox 14"/>
+          <p:cNvSpPr txBox="1"/>
+          <p:nvPr/>
+        </p:nvSpPr>
+        <p:spPr>
+          <a:xfrm rot="16200000">
+            <a:off x="2511902" y="4508024"/>
+            <a:ext cx="1765380" cy="369332"/>
+          </a:xfrm>
+          <a:prstGeom prst="rect">
+            <a:avLst/>
+          </a:prstGeom>
+          <a:noFill/>
+        </p:spPr>
+        <p:txBody>
+          <a:bodyPr wrap="square" rtlCol="0">
+            <a:spAutoFit/>
+          </a:bodyPr>
+          <a:lstStyle/>
+          <a:p>
+            <a:r>
+              <a:rPr lang="en-US" b="1" dirty="0" smtClean="0"/>
+              <a:t>100%</a:t>
+            </a:r>
+            <a:r>
+              <a:rPr lang="en-US" dirty="0" smtClean="0"/>
+              <a:t> --- </a:t>
+            </a:r>
+            <a:r>
+              <a:rPr lang="en-US" b="1" dirty="0" smtClean="0"/>
+              <a:t>1.99s</a:t>
+            </a:r>
+            <a:endParaRPr lang="en-US" b="1" dirty="0"/>
+          </a:p>
+        </p:txBody>
+      </p:sp>
+      <p:sp>
+        <p:nvSpPr>
+          <p:cNvPr id="16" name="TextBox 15"/>
+          <p:cNvSpPr txBox="1"/>
+          <p:nvPr/>
+        </p:nvSpPr>
+        <p:spPr>
+          <a:xfrm rot="16200000">
+            <a:off x="3199844" y="4508024"/>
+            <a:ext cx="1765380" cy="369332"/>
+          </a:xfrm>
+          <a:prstGeom prst="rect">
+            <a:avLst/>
+          </a:prstGeom>
+          <a:noFill/>
+        </p:spPr>
+        <p:txBody>
+          <a:bodyPr wrap="square" rtlCol="0">
+            <a:spAutoFit/>
+          </a:bodyPr>
+          <a:lstStyle/>
+          <a:p>
+            <a:r>
+              <a:rPr lang="en-US" b="1" dirty="0" smtClean="0"/>
+              <a:t>90%</a:t>
+            </a:r>
+            <a:r>
+              <a:rPr lang="en-US" dirty="0" smtClean="0"/>
+              <a:t> ---- </a:t>
+            </a:r>
+            <a:r>
+              <a:rPr lang="en-US" b="1" dirty="0" smtClean="0"/>
+              <a:t>2.63s</a:t>
+            </a:r>
+            <a:endParaRPr lang="en-US" b="1" dirty="0"/>
+          </a:p>
+        </p:txBody>
+      </p:sp>
+      <p:sp>
+        <p:nvSpPr>
+          <p:cNvPr id="17" name="TextBox 16"/>
+          <p:cNvSpPr txBox="1"/>
+          <p:nvPr/>
+        </p:nvSpPr>
+        <p:spPr>
+          <a:xfrm rot="16200000">
+            <a:off x="3885644" y="4508024"/>
+            <a:ext cx="1765380" cy="369332"/>
+          </a:xfrm>
+          <a:prstGeom prst="rect">
+            <a:avLst/>
+          </a:prstGeom>
+          <a:noFill/>
+        </p:spPr>
+        <p:txBody>
+          <a:bodyPr wrap="square" rtlCol="0">
+            <a:spAutoFit/>
+          </a:bodyPr>
+          <a:lstStyle/>
+          <a:p>
+            <a:r>
+              <a:rPr lang="en-US" b="1" dirty="0" smtClean="0"/>
+              <a:t>100%</a:t>
+            </a:r>
+            <a:r>
+              <a:rPr lang="en-US" dirty="0" smtClean="0"/>
+              <a:t> --- </a:t>
+            </a:r>
+            <a:r>
+              <a:rPr lang="en-US" b="1" dirty="0" smtClean="0"/>
+              <a:t>1.23s</a:t>
+            </a:r>
+            <a:endParaRPr lang="en-US" b="1" dirty="0"/>
+          </a:p>
+        </p:txBody>
+      </p:sp>
+      <p:sp>
+        <p:nvSpPr>
+          <p:cNvPr id="18" name="TextBox 17"/>
+          <p:cNvSpPr txBox="1"/>
+          <p:nvPr/>
+        </p:nvSpPr>
+        <p:spPr>
+          <a:xfrm rot="16200000">
+            <a:off x="4571444" y="4508024"/>
+            <a:ext cx="1765380" cy="369332"/>
+          </a:xfrm>
+          <a:prstGeom prst="rect">
+            <a:avLst/>
+          </a:prstGeom>
+          <a:noFill/>
+        </p:spPr>
+        <p:txBody>
+          <a:bodyPr wrap="square" rtlCol="0">
+            <a:spAutoFit/>
+          </a:bodyPr>
+          <a:lstStyle/>
+          <a:p>
+            <a:r>
+              <a:rPr lang="en-US" b="1" dirty="0" smtClean="0"/>
+              <a:t>100%</a:t>
+            </a:r>
+            <a:r>
+              <a:rPr lang="en-US" dirty="0" smtClean="0"/>
+              <a:t> --- </a:t>
+            </a:r>
+            <a:r>
+              <a:rPr lang="en-US" b="1" dirty="0" smtClean="0"/>
+              <a:t>1.04s</a:t>
+            </a:r>
+            <a:endParaRPr lang="en-US" b="1" dirty="0"/>
+          </a:p>
+        </p:txBody>
+      </p:sp>
+      <p:sp>
+        <p:nvSpPr>
+          <p:cNvPr id="19" name="TextBox 18"/>
+          <p:cNvSpPr txBox="1"/>
+          <p:nvPr/>
+        </p:nvSpPr>
+        <p:spPr>
+          <a:xfrm rot="16200000">
+            <a:off x="5295344" y="4508024"/>
+            <a:ext cx="1765380" cy="369332"/>
+          </a:xfrm>
+          <a:prstGeom prst="rect">
+            <a:avLst/>
+          </a:prstGeom>
+          <a:noFill/>
+        </p:spPr>
+        <p:txBody>
+          <a:bodyPr wrap="square" rtlCol="0">
+            <a:spAutoFit/>
+          </a:bodyPr>
+          <a:lstStyle/>
+          <a:p>
+            <a:r>
+              <a:rPr lang="en-US" b="1" dirty="0" smtClean="0"/>
+              <a:t>100%</a:t>
+            </a:r>
+            <a:r>
+              <a:rPr lang="en-US" dirty="0" smtClean="0"/>
+              <a:t> --- </a:t>
+            </a:r>
+            <a:r>
+              <a:rPr lang="en-US" b="1" dirty="0" smtClean="0"/>
+              <a:t>0.86s</a:t>
+            </a:r>
+            <a:endParaRPr lang="en-US" b="1" dirty="0"/>
+          </a:p>
+        </p:txBody>
+      </p:sp>
+      <p:sp>
+        <p:nvSpPr>
+          <p:cNvPr id="20" name="TextBox 19"/>
+          <p:cNvSpPr txBox="1"/>
+          <p:nvPr/>
+        </p:nvSpPr>
+        <p:spPr>
+          <a:xfrm rot="16200000">
+            <a:off x="5971619" y="4508024"/>
+            <a:ext cx="1765380" cy="369332"/>
+          </a:xfrm>
+          <a:prstGeom prst="rect">
+            <a:avLst/>
+          </a:prstGeom>
+          <a:noFill/>
+        </p:spPr>
+        <p:txBody>
+          <a:bodyPr wrap="square" rtlCol="0">
+            <a:spAutoFit/>
+          </a:bodyPr>
+          <a:lstStyle/>
+          <a:p>
+            <a:r>
+              <a:rPr lang="en-US" b="1" dirty="0" smtClean="0"/>
+              <a:t>100%</a:t>
+            </a:r>
+            <a:r>
+              <a:rPr lang="en-US" dirty="0" smtClean="0"/>
+              <a:t> --- </a:t>
+            </a:r>
+            <a:r>
+              <a:rPr lang="en-US" b="1" dirty="0" smtClean="0"/>
+              <a:t>1.22s</a:t>
+            </a:r>
+            <a:endParaRPr lang="en-US" b="1" dirty="0"/>
+          </a:p>
+        </p:txBody>
+      </p:sp>
+      <p:sp>
+        <p:nvSpPr>
+          <p:cNvPr id="21" name="Rectangle 20"/>
+          <p:cNvSpPr/>
+          <p:nvPr/>
+        </p:nvSpPr>
+        <p:spPr>
+          <a:xfrm>
+            <a:off x="1498600" y="1066800"/>
+            <a:ext cx="609600" cy="4648200"/>
+          </a:xfrm>
+          <a:prstGeom prst="rect">
+            <a:avLst/>
+          </a:prstGeom>
+          <a:solidFill>
+            <a:schemeClr val="bg1"/>
+          </a:solidFill>
+          <a:ln>
+            <a:noFill/>
+          </a:ln>
+        </p:spPr>
+        <p:style>
+          <a:lnRef idx="2">
+            <a:schemeClr val="accent1">
+              <a:shade val="50000"/>
+            </a:schemeClr>
+          </a:lnRef>
+          <a:fillRef idx="1">
+            <a:schemeClr val="accent1"/>
+          </a:fillRef>
+          <a:effectRef idx="0">
+            <a:schemeClr val="accent1"/>
+          </a:effectRef>
+          <a:fontRef idx="minor">
+            <a:schemeClr val="lt1"/>
+          </a:fontRef>
+        </p:style>
+        <p:txBody>
+          <a:bodyPr rtlCol="0" anchor="ctr"/>
+          <a:lstStyle/>
+          <a:p>
+            <a:pPr algn="ctr"/>
+            <a:endParaRPr lang="en-US"/>
           </a:p>
         </p:txBody>
       </p:sp>

--- a/trunk/ haptic-glove --username sreekar/Results/Results.pptx
+++ b/trunk/ haptic-glove --username sreekar/Results/Results.pptx
@@ -8549,11 +8549,7 @@
           <a:p>
             <a:r>
               <a:rPr lang="en-US" sz="2000" b="1" dirty="0" smtClean="0"/>
-              <a:t>97.5</a:t>
-            </a:r>
-            <a:r>
-              <a:rPr lang="en-US" sz="2000" b="1" dirty="0" smtClean="0"/>
-              <a:t>%</a:t>
+              <a:t>97.5%</a:t>
             </a:r>
             <a:endParaRPr lang="en-US" sz="2000" b="1" dirty="0"/>
           </a:p>
@@ -8912,52 +8908,6 @@
               <a:t>1.22s</a:t>
             </a:r>
             <a:endParaRPr lang="en-US" b="1" dirty="0"/>
-          </a:p>
-        </p:txBody>
-      </p:sp>
-      <p:sp>
-        <p:nvSpPr>
-          <p:cNvPr id="21" name="Rectangle 20"/>
-          <p:cNvSpPr/>
-          <p:nvPr/>
-        </p:nvSpPr>
-        <p:spPr>
-          <a:xfrm>
-            <a:off x="1498600" y="1066800"/>
-            <a:ext cx="609600" cy="4648200"/>
-          </a:xfrm>
-          <a:prstGeom prst="rect">
-            <a:avLst/>
-          </a:prstGeom>
-          <a:solidFill>
-            <a:schemeClr val="bg1"/>
-          </a:solidFill>
-          <a:ln>
-            <a:noFill/>
-          </a:ln>
-        </p:spPr>
-        <p:style>
-          <a:lnRef idx="2">
-            <a:schemeClr val="accent1">
-              <a:shade val="50000"/>
-            </a:schemeClr>
-          </a:lnRef>
-          <a:fillRef idx="1">
-            <a:schemeClr val="accent1"/>
-          </a:fillRef>
-          <a:effectRef idx="0">
-            <a:schemeClr val="accent1"/>
-          </a:effectRef>
-          <a:fontRef idx="minor">
-            <a:schemeClr val="lt1"/>
-          </a:fontRef>
-        </p:style>
-        <p:txBody>
-          <a:bodyPr rtlCol="0" anchor="ctr"/>
-          <a:lstStyle/>
-          <a:p>
-            <a:pPr algn="ctr"/>
-            <a:endParaRPr lang="en-US"/>
           </a:p>
         </p:txBody>
       </p:sp>

--- a/trunk/ haptic-glove --username sreekar/Results/Results.pptx
+++ b/trunk/ haptic-glove --username sreekar/Results/Results.pptx
@@ -293,7 +293,7 @@
             <a:fld id="{1D8BD707-D9CF-40AE-B4C6-C98DA3205C09}" type="datetimeFigureOut">
               <a:rPr lang="en-US" smtClean="0"/>
               <a:pPr/>
-              <a:t>12/30/2009</a:t>
+              <a:t>12/31/2009</a:t>
             </a:fld>
             <a:endParaRPr lang="en-US"/>
           </a:p>
@@ -460,7 +460,7 @@
             <a:fld id="{1D8BD707-D9CF-40AE-B4C6-C98DA3205C09}" type="datetimeFigureOut">
               <a:rPr lang="en-US" smtClean="0"/>
               <a:pPr/>
-              <a:t>12/30/2009</a:t>
+              <a:t>12/31/2009</a:t>
             </a:fld>
             <a:endParaRPr lang="en-US"/>
           </a:p>
@@ -637,7 +637,7 @@
             <a:fld id="{1D8BD707-D9CF-40AE-B4C6-C98DA3205C09}" type="datetimeFigureOut">
               <a:rPr lang="en-US" smtClean="0"/>
               <a:pPr/>
-              <a:t>12/30/2009</a:t>
+              <a:t>12/31/2009</a:t>
             </a:fld>
             <a:endParaRPr lang="en-US"/>
           </a:p>
@@ -804,7 +804,7 @@
             <a:fld id="{1D8BD707-D9CF-40AE-B4C6-C98DA3205C09}" type="datetimeFigureOut">
               <a:rPr lang="en-US" smtClean="0"/>
               <a:pPr/>
-              <a:t>12/30/2009</a:t>
+              <a:t>12/31/2009</a:t>
             </a:fld>
             <a:endParaRPr lang="en-US"/>
           </a:p>
@@ -1047,7 +1047,7 @@
             <a:fld id="{1D8BD707-D9CF-40AE-B4C6-C98DA3205C09}" type="datetimeFigureOut">
               <a:rPr lang="en-US" smtClean="0"/>
               <a:pPr/>
-              <a:t>12/30/2009</a:t>
+              <a:t>12/31/2009</a:t>
             </a:fld>
             <a:endParaRPr lang="en-US"/>
           </a:p>
@@ -1332,7 +1332,7 @@
             <a:fld id="{1D8BD707-D9CF-40AE-B4C6-C98DA3205C09}" type="datetimeFigureOut">
               <a:rPr lang="en-US" smtClean="0"/>
               <a:pPr/>
-              <a:t>12/30/2009</a:t>
+              <a:t>12/31/2009</a:t>
             </a:fld>
             <a:endParaRPr lang="en-US"/>
           </a:p>
@@ -1751,7 +1751,7 @@
             <a:fld id="{1D8BD707-D9CF-40AE-B4C6-C98DA3205C09}" type="datetimeFigureOut">
               <a:rPr lang="en-US" smtClean="0"/>
               <a:pPr/>
-              <a:t>12/30/2009</a:t>
+              <a:t>12/31/2009</a:t>
             </a:fld>
             <a:endParaRPr lang="en-US"/>
           </a:p>
@@ -1866,7 +1866,7 @@
             <a:fld id="{1D8BD707-D9CF-40AE-B4C6-C98DA3205C09}" type="datetimeFigureOut">
               <a:rPr lang="en-US" smtClean="0"/>
               <a:pPr/>
-              <a:t>12/30/2009</a:t>
+              <a:t>12/31/2009</a:t>
             </a:fld>
             <a:endParaRPr lang="en-US"/>
           </a:p>
@@ -1958,7 +1958,7 @@
             <a:fld id="{1D8BD707-D9CF-40AE-B4C6-C98DA3205C09}" type="datetimeFigureOut">
               <a:rPr lang="en-US" smtClean="0"/>
               <a:pPr/>
-              <a:t>12/30/2009</a:t>
+              <a:t>12/31/2009</a:t>
             </a:fld>
             <a:endParaRPr lang="en-US"/>
           </a:p>
@@ -2232,7 +2232,7 @@
             <a:fld id="{1D8BD707-D9CF-40AE-B4C6-C98DA3205C09}" type="datetimeFigureOut">
               <a:rPr lang="en-US" smtClean="0"/>
               <a:pPr/>
-              <a:t>12/30/2009</a:t>
+              <a:t>12/31/2009</a:t>
             </a:fld>
             <a:endParaRPr lang="en-US"/>
           </a:p>
@@ -2482,7 +2482,7 @@
             <a:fld id="{1D8BD707-D9CF-40AE-B4C6-C98DA3205C09}" type="datetimeFigureOut">
               <a:rPr lang="en-US" smtClean="0"/>
               <a:pPr/>
-              <a:t>12/30/2009</a:t>
+              <a:t>12/31/2009</a:t>
             </a:fld>
             <a:endParaRPr lang="en-US"/>
           </a:p>
@@ -2692,7 +2692,7 @@
             <a:fld id="{1D8BD707-D9CF-40AE-B4C6-C98DA3205C09}" type="datetimeFigureOut">
               <a:rPr lang="en-US" smtClean="0"/>
               <a:pPr/>
-              <a:t>12/30/2009</a:t>
+              <a:t>12/31/2009</a:t>
             </a:fld>
             <a:endParaRPr lang="en-US"/>
           </a:p>
@@ -7754,41 +7754,6 @@
           <a:chExt cx="0" cy="0"/>
         </a:xfrm>
       </p:grpSpPr>
-      <p:pic>
-        <p:nvPicPr>
-          <p:cNvPr id="6" name="Picture 5" descr="RecogRate.tif"/>
-          <p:cNvPicPr>
-            <a:picLocks noChangeAspect="1"/>
-          </p:cNvPicPr>
-          <p:nvPr/>
-        </p:nvPicPr>
-        <p:blipFill>
-          <a:blip r:embed="rId2" cstate="print">
-            <a:clrChange>
-              <a:clrFrom>
-                <a:srgbClr val="FFFFFF"/>
-              </a:clrFrom>
-              <a:clrTo>
-                <a:srgbClr val="FFFFFF">
-                  <a:alpha val="0"/>
-                </a:srgbClr>
-              </a:clrTo>
-            </a:clrChange>
-          </a:blip>
-          <a:stretch>
-            <a:fillRect/>
-          </a:stretch>
-        </p:blipFill>
-        <p:spPr>
-          <a:xfrm>
-            <a:off x="1117600" y="838200"/>
-            <a:ext cx="7112000" cy="5334000"/>
-          </a:xfrm>
-          <a:prstGeom prst="rect">
-            <a:avLst/>
-          </a:prstGeom>
-        </p:spPr>
-      </p:pic>
       <p:sp>
         <p:nvSpPr>
           <p:cNvPr id="7" name="TextBox 6"/>
@@ -7858,7 +7823,7 @@
         <p:spPr>
           <a:xfrm>
             <a:off x="5098755" y="1238250"/>
-            <a:ext cx="2521245" cy="4359275"/>
+            <a:ext cx="2216445" cy="4359275"/>
           </a:xfrm>
           <a:prstGeom prst="rect">
             <a:avLst/>
@@ -7947,6 +7912,42 @@
           </a:p>
         </p:txBody>
       </p:sp>
+      <p:pic>
+        <p:nvPicPr>
+          <p:cNvPr id="23" name="Picture 22" descr="RecogRate.tif"/>
+          <p:cNvPicPr>
+            <a:picLocks noChangeAspect="1"/>
+          </p:cNvPicPr>
+          <p:nvPr/>
+        </p:nvPicPr>
+        <p:blipFill>
+          <a:blip r:embed="rId2" cstate="print">
+            <a:clrChange>
+              <a:clrFrom>
+                <a:srgbClr val="FFFFFF"/>
+              </a:clrFrom>
+              <a:clrTo>
+                <a:srgbClr val="FFFFFF">
+                  <a:alpha val="0"/>
+                </a:srgbClr>
+              </a:clrTo>
+            </a:clrChange>
+          </a:blip>
+          <a:srcRect r="13025"/>
+          <a:stretch>
+            <a:fillRect/>
+          </a:stretch>
+        </p:blipFill>
+        <p:spPr>
+          <a:xfrm>
+            <a:off x="1127760" y="838200"/>
+            <a:ext cx="6187440" cy="5335524"/>
+          </a:xfrm>
+          <a:prstGeom prst="rect">
+            <a:avLst/>
+          </a:prstGeom>
+        </p:spPr>
+      </p:pic>
       <p:sp>
         <p:nvSpPr>
           <p:cNvPr id="11" name="TextBox 10"/>
@@ -7955,7 +7956,7 @@
         </p:nvSpPr>
         <p:spPr>
           <a:xfrm>
-            <a:off x="5105400" y="1866840"/>
+            <a:off x="5943600" y="1371600"/>
             <a:ext cx="631904" cy="400110"/>
           </a:xfrm>
           <a:prstGeom prst="rect">
@@ -7970,10 +7971,18 @@
           <a:lstStyle/>
           <a:p>
             <a:r>
-              <a:rPr lang="en-US" sz="2000" b="1" dirty="0" smtClean="0"/>
+              <a:rPr lang="en-US" sz="2000" b="1" dirty="0" smtClean="0">
+                <a:solidFill>
+                  <a:srgbClr val="FF33CC"/>
+                </a:solidFill>
+              </a:rPr>
               <a:t>93%</a:t>
             </a:r>
-            <a:endParaRPr lang="en-US" sz="2000" b="1" dirty="0"/>
+            <a:endParaRPr lang="en-US" sz="2000" b="1" dirty="0">
+              <a:solidFill>
+                <a:srgbClr val="FF33CC"/>
+              </a:solidFill>
+            </a:endParaRPr>
           </a:p>
         </p:txBody>
       </p:sp>
@@ -7985,7 +7994,7 @@
         </p:nvSpPr>
         <p:spPr>
           <a:xfrm>
-            <a:off x="3114675" y="2886075"/>
+            <a:off x="3276600" y="1371600"/>
             <a:ext cx="631904" cy="400110"/>
           </a:xfrm>
           <a:prstGeom prst="rect">
@@ -8000,10 +8009,18 @@
           <a:lstStyle/>
           <a:p>
             <a:r>
-              <a:rPr lang="en-US" sz="2000" b="1" dirty="0" smtClean="0"/>
+              <a:rPr lang="en-US" sz="2000" b="1" dirty="0" smtClean="0">
+                <a:solidFill>
+                  <a:srgbClr val="2402EE"/>
+                </a:solidFill>
+              </a:rPr>
               <a:t>86%</a:t>
             </a:r>
-            <a:endParaRPr lang="en-US" sz="2000" b="1" dirty="0"/>
+            <a:endParaRPr lang="en-US" sz="2000" b="1" dirty="0">
+              <a:solidFill>
+                <a:srgbClr val="2402EE"/>
+              </a:solidFill>
+            </a:endParaRPr>
           </a:p>
         </p:txBody>
       </p:sp>
@@ -8015,7 +8032,7 @@
         </p:nvSpPr>
         <p:spPr>
           <a:xfrm>
-            <a:off x="4559221" y="2466975"/>
+            <a:off x="4785360" y="2647890"/>
             <a:ext cx="631904" cy="400110"/>
           </a:xfrm>
           <a:prstGeom prst="rect">
@@ -8908,6 +8925,52 @@
               <a:t>1.22s</a:t>
             </a:r>
             <a:endParaRPr lang="en-US" b="1" dirty="0"/>
+          </a:p>
+        </p:txBody>
+      </p:sp>
+      <p:sp>
+        <p:nvSpPr>
+          <p:cNvPr id="21" name="Rectangle 20"/>
+          <p:cNvSpPr/>
+          <p:nvPr/>
+        </p:nvSpPr>
+        <p:spPr>
+          <a:xfrm>
+            <a:off x="1498600" y="1066800"/>
+            <a:ext cx="609600" cy="4648200"/>
+          </a:xfrm>
+          <a:prstGeom prst="rect">
+            <a:avLst/>
+          </a:prstGeom>
+          <a:solidFill>
+            <a:schemeClr val="bg1"/>
+          </a:solidFill>
+          <a:ln>
+            <a:noFill/>
+          </a:ln>
+        </p:spPr>
+        <p:style>
+          <a:lnRef idx="2">
+            <a:schemeClr val="accent1">
+              <a:shade val="50000"/>
+            </a:schemeClr>
+          </a:lnRef>
+          <a:fillRef idx="1">
+            <a:schemeClr val="accent1"/>
+          </a:fillRef>
+          <a:effectRef idx="0">
+            <a:schemeClr val="accent1"/>
+          </a:effectRef>
+          <a:fontRef idx="minor">
+            <a:schemeClr val="lt1"/>
+          </a:fontRef>
+        </p:style>
+        <p:txBody>
+          <a:bodyPr rtlCol="0" anchor="ctr"/>
+          <a:lstStyle/>
+          <a:p>
+            <a:pPr algn="ctr"/>
+            <a:endParaRPr lang="en-US"/>
           </a:p>
         </p:txBody>
       </p:sp>

--- a/trunk/ haptic-glove --username sreekar/Results/Results.pptx
+++ b/trunk/ haptic-glove --username sreekar/Results/Results.pptx
@@ -10,6 +10,7 @@
     <p:sldId id="258" r:id="rId4"/>
     <p:sldId id="259" r:id="rId5"/>
     <p:sldId id="260" r:id="rId6"/>
+    <p:sldId id="261" r:id="rId7"/>
   </p:sldIdLst>
   <p:sldSz cx="9144000" cy="6858000" type="screen4x3"/>
   <p:notesSz cx="6858000" cy="9144000"/>
@@ -293,7 +294,7 @@
             <a:fld id="{1D8BD707-D9CF-40AE-B4C6-C98DA3205C09}" type="datetimeFigureOut">
               <a:rPr lang="en-US" smtClean="0"/>
               <a:pPr/>
-              <a:t>12/31/2009</a:t>
+              <a:t>1/2/2010</a:t>
             </a:fld>
             <a:endParaRPr lang="en-US"/>
           </a:p>
@@ -460,7 +461,7 @@
             <a:fld id="{1D8BD707-D9CF-40AE-B4C6-C98DA3205C09}" type="datetimeFigureOut">
               <a:rPr lang="en-US" smtClean="0"/>
               <a:pPr/>
-              <a:t>12/31/2009</a:t>
+              <a:t>1/2/2010</a:t>
             </a:fld>
             <a:endParaRPr lang="en-US"/>
           </a:p>
@@ -637,7 +638,7 @@
             <a:fld id="{1D8BD707-D9CF-40AE-B4C6-C98DA3205C09}" type="datetimeFigureOut">
               <a:rPr lang="en-US" smtClean="0"/>
               <a:pPr/>
-              <a:t>12/31/2009</a:t>
+              <a:t>1/2/2010</a:t>
             </a:fld>
             <a:endParaRPr lang="en-US"/>
           </a:p>
@@ -804,7 +805,7 @@
             <a:fld id="{1D8BD707-D9CF-40AE-B4C6-C98DA3205C09}" type="datetimeFigureOut">
               <a:rPr lang="en-US" smtClean="0"/>
               <a:pPr/>
-              <a:t>12/31/2009</a:t>
+              <a:t>1/2/2010</a:t>
             </a:fld>
             <a:endParaRPr lang="en-US"/>
           </a:p>
@@ -1047,7 +1048,7 @@
             <a:fld id="{1D8BD707-D9CF-40AE-B4C6-C98DA3205C09}" type="datetimeFigureOut">
               <a:rPr lang="en-US" smtClean="0"/>
               <a:pPr/>
-              <a:t>12/31/2009</a:t>
+              <a:t>1/2/2010</a:t>
             </a:fld>
             <a:endParaRPr lang="en-US"/>
           </a:p>
@@ -1332,7 +1333,7 @@
             <a:fld id="{1D8BD707-D9CF-40AE-B4C6-C98DA3205C09}" type="datetimeFigureOut">
               <a:rPr lang="en-US" smtClean="0"/>
               <a:pPr/>
-              <a:t>12/31/2009</a:t>
+              <a:t>1/2/2010</a:t>
             </a:fld>
             <a:endParaRPr lang="en-US"/>
           </a:p>
@@ -1751,7 +1752,7 @@
             <a:fld id="{1D8BD707-D9CF-40AE-B4C6-C98DA3205C09}" type="datetimeFigureOut">
               <a:rPr lang="en-US" smtClean="0"/>
               <a:pPr/>
-              <a:t>12/31/2009</a:t>
+              <a:t>1/2/2010</a:t>
             </a:fld>
             <a:endParaRPr lang="en-US"/>
           </a:p>
@@ -1866,7 +1867,7 @@
             <a:fld id="{1D8BD707-D9CF-40AE-B4C6-C98DA3205C09}" type="datetimeFigureOut">
               <a:rPr lang="en-US" smtClean="0"/>
               <a:pPr/>
-              <a:t>12/31/2009</a:t>
+              <a:t>1/2/2010</a:t>
             </a:fld>
             <a:endParaRPr lang="en-US"/>
           </a:p>
@@ -1958,7 +1959,7 @@
             <a:fld id="{1D8BD707-D9CF-40AE-B4C6-C98DA3205C09}" type="datetimeFigureOut">
               <a:rPr lang="en-US" smtClean="0"/>
               <a:pPr/>
-              <a:t>12/31/2009</a:t>
+              <a:t>1/2/2010</a:t>
             </a:fld>
             <a:endParaRPr lang="en-US"/>
           </a:p>
@@ -2232,7 +2233,7 @@
             <a:fld id="{1D8BD707-D9CF-40AE-B4C6-C98DA3205C09}" type="datetimeFigureOut">
               <a:rPr lang="en-US" smtClean="0"/>
               <a:pPr/>
-              <a:t>12/31/2009</a:t>
+              <a:t>1/2/2010</a:t>
             </a:fld>
             <a:endParaRPr lang="en-US"/>
           </a:p>
@@ -2482,7 +2483,7 @@
             <a:fld id="{1D8BD707-D9CF-40AE-B4C6-C98DA3205C09}" type="datetimeFigureOut">
               <a:rPr lang="en-US" smtClean="0"/>
               <a:pPr/>
-              <a:t>12/31/2009</a:t>
+              <a:t>1/2/2010</a:t>
             </a:fld>
             <a:endParaRPr lang="en-US"/>
           </a:p>
@@ -2692,7 +2693,7 @@
             <a:fld id="{1D8BD707-D9CF-40AE-B4C6-C98DA3205C09}" type="datetimeFigureOut">
               <a:rPr lang="en-US" smtClean="0"/>
               <a:pPr/>
-              <a:t>12/31/2009</a:t>
+              <a:t>1/2/2010</a:t>
             </a:fld>
             <a:endParaRPr lang="en-US"/>
           </a:p>
@@ -8982,6 +8983,715 @@
 </p:sld>
 </file>
 
+<file path=ppt/slides/slide6.xml><?xml version="1.0" encoding="utf-8"?>
+<p:sld xmlns:a="http://schemas.openxmlformats.org/drawingml/2006/main" xmlns:r="http://schemas.openxmlformats.org/officeDocument/2006/relationships" xmlns:p="http://schemas.openxmlformats.org/presentationml/2006/main">
+  <p:cSld>
+    <p:spTree>
+      <p:nvGrpSpPr>
+        <p:cNvPr id="1" name=""/>
+        <p:cNvGrpSpPr/>
+        <p:nvPr/>
+      </p:nvGrpSpPr>
+      <p:grpSpPr>
+        <a:xfrm>
+          <a:off x="0" y="0"/>
+          <a:ext cx="0" cy="0"/>
+          <a:chOff x="0" y="0"/>
+          <a:chExt cx="0" cy="0"/>
+        </a:xfrm>
+      </p:grpSpPr>
+      <p:pic>
+        <p:nvPicPr>
+          <p:cNvPr id="4" name="Picture 3" descr="ANOVA.tif"/>
+          <p:cNvPicPr>
+            <a:picLocks noChangeAspect="1"/>
+          </p:cNvPicPr>
+          <p:nvPr/>
+        </p:nvPicPr>
+        <p:blipFill>
+          <a:blip r:embed="rId2" cstate="print"/>
+          <a:srcRect l="9167" t="5753" r="18333" b="7333"/>
+          <a:stretch>
+            <a:fillRect/>
+          </a:stretch>
+        </p:blipFill>
+        <p:spPr>
+          <a:xfrm>
+            <a:off x="838200" y="1295400"/>
+            <a:ext cx="6629400" cy="4191000"/>
+          </a:xfrm>
+          <a:prstGeom prst="rect">
+            <a:avLst/>
+          </a:prstGeom>
+        </p:spPr>
+      </p:pic>
+      <p:cxnSp>
+        <p:nvCxnSpPr>
+          <p:cNvPr id="14" name="Straight Connector 13"/>
+          <p:cNvCxnSpPr/>
+          <p:nvPr/>
+        </p:nvCxnSpPr>
+        <p:spPr>
+          <a:xfrm rot="5400000">
+            <a:off x="2276475" y="3324225"/>
+            <a:ext cx="1371600" cy="0"/>
+          </a:xfrm>
+          <a:prstGeom prst="line">
+            <a:avLst/>
+          </a:prstGeom>
+          <a:ln>
+            <a:prstDash val="sysDash"/>
+          </a:ln>
+        </p:spPr>
+        <p:style>
+          <a:lnRef idx="3">
+            <a:schemeClr val="dk1"/>
+          </a:lnRef>
+          <a:fillRef idx="0">
+            <a:schemeClr val="dk1"/>
+          </a:fillRef>
+          <a:effectRef idx="2">
+            <a:schemeClr val="dk1"/>
+          </a:effectRef>
+          <a:fontRef idx="minor">
+            <a:schemeClr val="tx1"/>
+          </a:fontRef>
+        </p:style>
+      </p:cxnSp>
+      <p:sp>
+        <p:nvSpPr>
+          <p:cNvPr id="5" name="Freeform 4"/>
+          <p:cNvSpPr/>
+          <p:nvPr/>
+        </p:nvSpPr>
+        <p:spPr>
+          <a:xfrm>
+            <a:off x="2416175" y="1895475"/>
+            <a:ext cx="1066800" cy="787400"/>
+          </a:xfrm>
+          <a:custGeom>
+            <a:avLst/>
+            <a:gdLst>
+              <a:gd name="connsiteX0" fmla="*/ 0 w 1066800"/>
+              <a:gd name="connsiteY0" fmla="*/ 787400 h 787400"/>
+              <a:gd name="connsiteX1" fmla="*/ 0 w 1066800"/>
+              <a:gd name="connsiteY1" fmla="*/ 228600 h 787400"/>
+              <a:gd name="connsiteX2" fmla="*/ 266700 w 1066800"/>
+              <a:gd name="connsiteY2" fmla="*/ 0 h 787400"/>
+              <a:gd name="connsiteX3" fmla="*/ 800100 w 1066800"/>
+              <a:gd name="connsiteY3" fmla="*/ 0 h 787400"/>
+              <a:gd name="connsiteX4" fmla="*/ 1060450 w 1066800"/>
+              <a:gd name="connsiteY4" fmla="*/ 234950 h 787400"/>
+              <a:gd name="connsiteX5" fmla="*/ 1066800 w 1066800"/>
+              <a:gd name="connsiteY5" fmla="*/ 787400 h 787400"/>
+              <a:gd name="connsiteX6" fmla="*/ 0 w 1066800"/>
+              <a:gd name="connsiteY6" fmla="*/ 787400 h 787400"/>
+            </a:gdLst>
+            <a:ahLst/>
+            <a:cxnLst>
+              <a:cxn ang="0">
+                <a:pos x="connsiteX0" y="connsiteY0"/>
+              </a:cxn>
+              <a:cxn ang="0">
+                <a:pos x="connsiteX1" y="connsiteY1"/>
+              </a:cxn>
+              <a:cxn ang="0">
+                <a:pos x="connsiteX2" y="connsiteY2"/>
+              </a:cxn>
+              <a:cxn ang="0">
+                <a:pos x="connsiteX3" y="connsiteY3"/>
+              </a:cxn>
+              <a:cxn ang="0">
+                <a:pos x="connsiteX4" y="connsiteY4"/>
+              </a:cxn>
+              <a:cxn ang="0">
+                <a:pos x="connsiteX5" y="connsiteY5"/>
+              </a:cxn>
+              <a:cxn ang="0">
+                <a:pos x="connsiteX6" y="connsiteY6"/>
+              </a:cxn>
+            </a:cxnLst>
+            <a:rect l="l" t="t" r="r" b="b"/>
+            <a:pathLst>
+              <a:path w="1066800" h="787400">
+                <a:moveTo>
+                  <a:pt x="0" y="787400"/>
+                </a:moveTo>
+                <a:lnTo>
+                  <a:pt x="0" y="228600"/>
+                </a:lnTo>
+                <a:lnTo>
+                  <a:pt x="266700" y="0"/>
+                </a:lnTo>
+                <a:lnTo>
+                  <a:pt x="800100" y="0"/>
+                </a:lnTo>
+                <a:lnTo>
+                  <a:pt x="1060450" y="234950"/>
+                </a:lnTo>
+                <a:cubicBezTo>
+                  <a:pt x="1062567" y="419100"/>
+                  <a:pt x="1064683" y="603250"/>
+                  <a:pt x="1066800" y="787400"/>
+                </a:cubicBezTo>
+                <a:lnTo>
+                  <a:pt x="0" y="787400"/>
+                </a:lnTo>
+                <a:close/>
+              </a:path>
+            </a:pathLst>
+          </a:custGeom>
+        </p:spPr>
+        <p:style>
+          <a:lnRef idx="1">
+            <a:schemeClr val="accent1"/>
+          </a:lnRef>
+          <a:fillRef idx="3">
+            <a:schemeClr val="accent1"/>
+          </a:fillRef>
+          <a:effectRef idx="2">
+            <a:schemeClr val="accent1"/>
+          </a:effectRef>
+          <a:fontRef idx="minor">
+            <a:schemeClr val="lt1"/>
+          </a:fontRef>
+        </p:style>
+        <p:txBody>
+          <a:bodyPr rtlCol="0" anchor="ctr"/>
+          <a:lstStyle/>
+          <a:p>
+            <a:pPr algn="ctr"/>
+            <a:endParaRPr lang="en-US"/>
+          </a:p>
+        </p:txBody>
+      </p:sp>
+      <p:sp>
+        <p:nvSpPr>
+          <p:cNvPr id="7" name="Freeform 6"/>
+          <p:cNvSpPr/>
+          <p:nvPr/>
+        </p:nvSpPr>
+        <p:spPr>
+          <a:xfrm>
+            <a:off x="2416175" y="1654175"/>
+            <a:ext cx="1073150" cy="241300"/>
+          </a:xfrm>
+          <a:custGeom>
+            <a:avLst/>
+            <a:gdLst>
+              <a:gd name="connsiteX0" fmla="*/ 0 w 1073150"/>
+              <a:gd name="connsiteY0" fmla="*/ 0 h 241300"/>
+              <a:gd name="connsiteX1" fmla="*/ 1073150 w 1073150"/>
+              <a:gd name="connsiteY1" fmla="*/ 6350 h 241300"/>
+              <a:gd name="connsiteX2" fmla="*/ 787400 w 1073150"/>
+              <a:gd name="connsiteY2" fmla="*/ 241300 h 241300"/>
+              <a:gd name="connsiteX3" fmla="*/ 260350 w 1073150"/>
+              <a:gd name="connsiteY3" fmla="*/ 228600 h 241300"/>
+              <a:gd name="connsiteX4" fmla="*/ 0 w 1073150"/>
+              <a:gd name="connsiteY4" fmla="*/ 0 h 241300"/>
+            </a:gdLst>
+            <a:ahLst/>
+            <a:cxnLst>
+              <a:cxn ang="0">
+                <a:pos x="connsiteX0" y="connsiteY0"/>
+              </a:cxn>
+              <a:cxn ang="0">
+                <a:pos x="connsiteX1" y="connsiteY1"/>
+              </a:cxn>
+              <a:cxn ang="0">
+                <a:pos x="connsiteX2" y="connsiteY2"/>
+              </a:cxn>
+              <a:cxn ang="0">
+                <a:pos x="connsiteX3" y="connsiteY3"/>
+              </a:cxn>
+              <a:cxn ang="0">
+                <a:pos x="connsiteX4" y="connsiteY4"/>
+              </a:cxn>
+            </a:cxnLst>
+            <a:rect l="l" t="t" r="r" b="b"/>
+            <a:pathLst>
+              <a:path w="1073150" h="241300">
+                <a:moveTo>
+                  <a:pt x="0" y="0"/>
+                </a:moveTo>
+                <a:lnTo>
+                  <a:pt x="1073150" y="6350"/>
+                </a:lnTo>
+                <a:lnTo>
+                  <a:pt x="787400" y="241300"/>
+                </a:lnTo>
+                <a:lnTo>
+                  <a:pt x="260350" y="228600"/>
+                </a:lnTo>
+                <a:lnTo>
+                  <a:pt x="0" y="0"/>
+                </a:lnTo>
+                <a:close/>
+              </a:path>
+            </a:pathLst>
+          </a:custGeom>
+        </p:spPr>
+        <p:style>
+          <a:lnRef idx="1">
+            <a:schemeClr val="accent1"/>
+          </a:lnRef>
+          <a:fillRef idx="3">
+            <a:schemeClr val="accent1"/>
+          </a:fillRef>
+          <a:effectRef idx="2">
+            <a:schemeClr val="accent1"/>
+          </a:effectRef>
+          <a:fontRef idx="minor">
+            <a:schemeClr val="lt1"/>
+          </a:fontRef>
+        </p:style>
+        <p:txBody>
+          <a:bodyPr rtlCol="0" anchor="ctr"/>
+          <a:lstStyle/>
+          <a:p>
+            <a:pPr algn="ctr"/>
+            <a:endParaRPr lang="en-US"/>
+          </a:p>
+        </p:txBody>
+      </p:sp>
+      <p:cxnSp>
+        <p:nvCxnSpPr>
+          <p:cNvPr id="9" name="Straight Connector 8"/>
+          <p:cNvCxnSpPr/>
+          <p:nvPr/>
+        </p:nvCxnSpPr>
+        <p:spPr>
+          <a:xfrm>
+            <a:off x="2638425" y="1895475"/>
+            <a:ext cx="609600" cy="0"/>
+          </a:xfrm>
+          <a:prstGeom prst="line">
+            <a:avLst/>
+          </a:prstGeom>
+          <a:ln w="25400">
+            <a:solidFill>
+              <a:srgbClr val="FF0000"/>
+            </a:solidFill>
+          </a:ln>
+        </p:spPr>
+        <p:style>
+          <a:lnRef idx="1">
+            <a:schemeClr val="accent1"/>
+          </a:lnRef>
+          <a:fillRef idx="0">
+            <a:schemeClr val="accent1"/>
+          </a:fillRef>
+          <a:effectRef idx="0">
+            <a:schemeClr val="accent1"/>
+          </a:effectRef>
+          <a:fontRef idx="minor">
+            <a:schemeClr val="tx1"/>
+          </a:fontRef>
+        </p:style>
+      </p:cxnSp>
+      <p:cxnSp>
+        <p:nvCxnSpPr>
+          <p:cNvPr id="17" name="Straight Connector 16"/>
+          <p:cNvCxnSpPr/>
+          <p:nvPr/>
+        </p:nvCxnSpPr>
+        <p:spPr>
+          <a:xfrm>
+            <a:off x="2686050" y="3971925"/>
+            <a:ext cx="533400" cy="0"/>
+          </a:xfrm>
+          <a:prstGeom prst="line">
+            <a:avLst/>
+          </a:prstGeom>
+        </p:spPr>
+        <p:style>
+          <a:lnRef idx="3">
+            <a:schemeClr val="dk1"/>
+          </a:lnRef>
+          <a:fillRef idx="0">
+            <a:schemeClr val="dk1"/>
+          </a:fillRef>
+          <a:effectRef idx="2">
+            <a:schemeClr val="dk1"/>
+          </a:effectRef>
+          <a:fontRef idx="minor">
+            <a:schemeClr val="tx1"/>
+          </a:fontRef>
+        </p:style>
+      </p:cxnSp>
+      <p:cxnSp>
+        <p:nvCxnSpPr>
+          <p:cNvPr id="18" name="Straight Connector 17"/>
+          <p:cNvCxnSpPr/>
+          <p:nvPr/>
+        </p:nvCxnSpPr>
+        <p:spPr>
+          <a:xfrm rot="5400000">
+            <a:off x="6238875" y="2324100"/>
+            <a:ext cx="533400" cy="0"/>
+          </a:xfrm>
+          <a:prstGeom prst="line">
+            <a:avLst/>
+          </a:prstGeom>
+          <a:ln>
+            <a:prstDash val="sysDash"/>
+          </a:ln>
+        </p:spPr>
+        <p:style>
+          <a:lnRef idx="3">
+            <a:schemeClr val="dk1"/>
+          </a:lnRef>
+          <a:fillRef idx="0">
+            <a:schemeClr val="dk1"/>
+          </a:fillRef>
+          <a:effectRef idx="2">
+            <a:schemeClr val="dk1"/>
+          </a:effectRef>
+          <a:fontRef idx="minor">
+            <a:schemeClr val="tx1"/>
+          </a:fontRef>
+        </p:style>
+      </p:cxnSp>
+      <p:cxnSp>
+        <p:nvCxnSpPr>
+          <p:cNvPr id="20" name="Straight Connector 19"/>
+          <p:cNvCxnSpPr/>
+          <p:nvPr/>
+        </p:nvCxnSpPr>
+        <p:spPr>
+          <a:xfrm>
+            <a:off x="6229350" y="2590800"/>
+            <a:ext cx="533400" cy="0"/>
+          </a:xfrm>
+          <a:prstGeom prst="line">
+            <a:avLst/>
+          </a:prstGeom>
+        </p:spPr>
+        <p:style>
+          <a:lnRef idx="3">
+            <a:schemeClr val="dk1"/>
+          </a:lnRef>
+          <a:fillRef idx="0">
+            <a:schemeClr val="dk1"/>
+          </a:fillRef>
+          <a:effectRef idx="2">
+            <a:schemeClr val="dk1"/>
+          </a:effectRef>
+          <a:fontRef idx="minor">
+            <a:schemeClr val="tx1"/>
+          </a:fontRef>
+        </p:style>
+      </p:cxnSp>
+      <p:sp>
+        <p:nvSpPr>
+          <p:cNvPr id="21" name="Freeform 20"/>
+          <p:cNvSpPr/>
+          <p:nvPr/>
+        </p:nvSpPr>
+        <p:spPr>
+          <a:xfrm>
+            <a:off x="5962650" y="1657350"/>
+            <a:ext cx="1066800" cy="466725"/>
+          </a:xfrm>
+          <a:custGeom>
+            <a:avLst/>
+            <a:gdLst>
+              <a:gd name="connsiteX0" fmla="*/ 238125 w 1066800"/>
+              <a:gd name="connsiteY0" fmla="*/ 0 h 466725"/>
+              <a:gd name="connsiteX1" fmla="*/ 0 w 1066800"/>
+              <a:gd name="connsiteY1" fmla="*/ 114300 h 466725"/>
+              <a:gd name="connsiteX2" fmla="*/ 0 w 1066800"/>
+              <a:gd name="connsiteY2" fmla="*/ 466725 h 466725"/>
+              <a:gd name="connsiteX3" fmla="*/ 1066800 w 1066800"/>
+              <a:gd name="connsiteY3" fmla="*/ 466725 h 466725"/>
+              <a:gd name="connsiteX4" fmla="*/ 1066800 w 1066800"/>
+              <a:gd name="connsiteY4" fmla="*/ 104775 h 466725"/>
+              <a:gd name="connsiteX5" fmla="*/ 838200 w 1066800"/>
+              <a:gd name="connsiteY5" fmla="*/ 9525 h 466725"/>
+              <a:gd name="connsiteX6" fmla="*/ 238125 w 1066800"/>
+              <a:gd name="connsiteY6" fmla="*/ 0 h 466725"/>
+            </a:gdLst>
+            <a:ahLst/>
+            <a:cxnLst>
+              <a:cxn ang="0">
+                <a:pos x="connsiteX0" y="connsiteY0"/>
+              </a:cxn>
+              <a:cxn ang="0">
+                <a:pos x="connsiteX1" y="connsiteY1"/>
+              </a:cxn>
+              <a:cxn ang="0">
+                <a:pos x="connsiteX2" y="connsiteY2"/>
+              </a:cxn>
+              <a:cxn ang="0">
+                <a:pos x="connsiteX3" y="connsiteY3"/>
+              </a:cxn>
+              <a:cxn ang="0">
+                <a:pos x="connsiteX4" y="connsiteY4"/>
+              </a:cxn>
+              <a:cxn ang="0">
+                <a:pos x="connsiteX5" y="connsiteY5"/>
+              </a:cxn>
+              <a:cxn ang="0">
+                <a:pos x="connsiteX6" y="connsiteY6"/>
+              </a:cxn>
+            </a:cxnLst>
+            <a:rect l="l" t="t" r="r" b="b"/>
+            <a:pathLst>
+              <a:path w="1066800" h="466725">
+                <a:moveTo>
+                  <a:pt x="238125" y="0"/>
+                </a:moveTo>
+                <a:lnTo>
+                  <a:pt x="0" y="114300"/>
+                </a:lnTo>
+                <a:lnTo>
+                  <a:pt x="0" y="466725"/>
+                </a:lnTo>
+                <a:lnTo>
+                  <a:pt x="1066800" y="466725"/>
+                </a:lnTo>
+                <a:lnTo>
+                  <a:pt x="1066800" y="104775"/>
+                </a:lnTo>
+                <a:lnTo>
+                  <a:pt x="838200" y="9525"/>
+                </a:lnTo>
+                <a:lnTo>
+                  <a:pt x="238125" y="0"/>
+                </a:lnTo>
+                <a:close/>
+              </a:path>
+            </a:pathLst>
+          </a:custGeom>
+        </p:spPr>
+        <p:style>
+          <a:lnRef idx="1">
+            <a:schemeClr val="accent1"/>
+          </a:lnRef>
+          <a:fillRef idx="3">
+            <a:schemeClr val="accent1"/>
+          </a:fillRef>
+          <a:effectRef idx="2">
+            <a:schemeClr val="accent1"/>
+          </a:effectRef>
+          <a:fontRef idx="minor">
+            <a:schemeClr val="lt1"/>
+          </a:fontRef>
+        </p:style>
+        <p:txBody>
+          <a:bodyPr rtlCol="0" anchor="ctr"/>
+          <a:lstStyle/>
+          <a:p>
+            <a:pPr algn="ctr"/>
+            <a:endParaRPr lang="en-US"/>
+          </a:p>
+        </p:txBody>
+      </p:sp>
+      <p:sp>
+        <p:nvSpPr>
+          <p:cNvPr id="22" name="Freeform 21"/>
+          <p:cNvSpPr/>
+          <p:nvPr/>
+        </p:nvSpPr>
+        <p:spPr>
+          <a:xfrm>
+            <a:off x="5962650" y="1552575"/>
+            <a:ext cx="247650" cy="104775"/>
+          </a:xfrm>
+          <a:custGeom>
+            <a:avLst/>
+            <a:gdLst>
+              <a:gd name="connsiteX0" fmla="*/ 0 w 247650"/>
+              <a:gd name="connsiteY0" fmla="*/ 104775 h 104775"/>
+              <a:gd name="connsiteX1" fmla="*/ 0 w 247650"/>
+              <a:gd name="connsiteY1" fmla="*/ 0 h 104775"/>
+              <a:gd name="connsiteX2" fmla="*/ 247650 w 247650"/>
+              <a:gd name="connsiteY2" fmla="*/ 104775 h 104775"/>
+              <a:gd name="connsiteX3" fmla="*/ 0 w 247650"/>
+              <a:gd name="connsiteY3" fmla="*/ 104775 h 104775"/>
+            </a:gdLst>
+            <a:ahLst/>
+            <a:cxnLst>
+              <a:cxn ang="0">
+                <a:pos x="connsiteX0" y="connsiteY0"/>
+              </a:cxn>
+              <a:cxn ang="0">
+                <a:pos x="connsiteX1" y="connsiteY1"/>
+              </a:cxn>
+              <a:cxn ang="0">
+                <a:pos x="connsiteX2" y="connsiteY2"/>
+              </a:cxn>
+              <a:cxn ang="0">
+                <a:pos x="connsiteX3" y="connsiteY3"/>
+              </a:cxn>
+            </a:cxnLst>
+            <a:rect l="l" t="t" r="r" b="b"/>
+            <a:pathLst>
+              <a:path w="247650" h="104775">
+                <a:moveTo>
+                  <a:pt x="0" y="104775"/>
+                </a:moveTo>
+                <a:lnTo>
+                  <a:pt x="0" y="0"/>
+                </a:lnTo>
+                <a:lnTo>
+                  <a:pt x="247650" y="104775"/>
+                </a:lnTo>
+                <a:lnTo>
+                  <a:pt x="0" y="104775"/>
+                </a:lnTo>
+                <a:close/>
+              </a:path>
+            </a:pathLst>
+          </a:custGeom>
+        </p:spPr>
+        <p:style>
+          <a:lnRef idx="1">
+            <a:schemeClr val="accent1"/>
+          </a:lnRef>
+          <a:fillRef idx="3">
+            <a:schemeClr val="accent1"/>
+          </a:fillRef>
+          <a:effectRef idx="2">
+            <a:schemeClr val="accent1"/>
+          </a:effectRef>
+          <a:fontRef idx="minor">
+            <a:schemeClr val="lt1"/>
+          </a:fontRef>
+        </p:style>
+        <p:txBody>
+          <a:bodyPr rtlCol="0" anchor="ctr"/>
+          <a:lstStyle/>
+          <a:p>
+            <a:pPr algn="ctr"/>
+            <a:endParaRPr lang="en-US"/>
+          </a:p>
+        </p:txBody>
+      </p:sp>
+      <p:sp>
+        <p:nvSpPr>
+          <p:cNvPr id="23" name="Freeform 22"/>
+          <p:cNvSpPr/>
+          <p:nvPr/>
+        </p:nvSpPr>
+        <p:spPr>
+          <a:xfrm>
+            <a:off x="6791325" y="1552575"/>
+            <a:ext cx="247650" cy="114300"/>
+          </a:xfrm>
+          <a:custGeom>
+            <a:avLst/>
+            <a:gdLst>
+              <a:gd name="connsiteX0" fmla="*/ 247650 w 247650"/>
+              <a:gd name="connsiteY0" fmla="*/ 114300 h 114300"/>
+              <a:gd name="connsiteX1" fmla="*/ 247650 w 247650"/>
+              <a:gd name="connsiteY1" fmla="*/ 0 h 114300"/>
+              <a:gd name="connsiteX2" fmla="*/ 0 w 247650"/>
+              <a:gd name="connsiteY2" fmla="*/ 104775 h 114300"/>
+              <a:gd name="connsiteX3" fmla="*/ 247650 w 247650"/>
+              <a:gd name="connsiteY3" fmla="*/ 114300 h 114300"/>
+            </a:gdLst>
+            <a:ahLst/>
+            <a:cxnLst>
+              <a:cxn ang="0">
+                <a:pos x="connsiteX0" y="connsiteY0"/>
+              </a:cxn>
+              <a:cxn ang="0">
+                <a:pos x="connsiteX1" y="connsiteY1"/>
+              </a:cxn>
+              <a:cxn ang="0">
+                <a:pos x="connsiteX2" y="connsiteY2"/>
+              </a:cxn>
+              <a:cxn ang="0">
+                <a:pos x="connsiteX3" y="connsiteY3"/>
+              </a:cxn>
+            </a:cxnLst>
+            <a:rect l="l" t="t" r="r" b="b"/>
+            <a:pathLst>
+              <a:path w="247650" h="114300">
+                <a:moveTo>
+                  <a:pt x="247650" y="114300"/>
+                </a:moveTo>
+                <a:lnTo>
+                  <a:pt x="247650" y="0"/>
+                </a:lnTo>
+                <a:lnTo>
+                  <a:pt x="0" y="104775"/>
+                </a:lnTo>
+                <a:lnTo>
+                  <a:pt x="247650" y="114300"/>
+                </a:lnTo>
+                <a:close/>
+              </a:path>
+            </a:pathLst>
+          </a:custGeom>
+        </p:spPr>
+        <p:style>
+          <a:lnRef idx="1">
+            <a:schemeClr val="accent1"/>
+          </a:lnRef>
+          <a:fillRef idx="3">
+            <a:schemeClr val="accent1"/>
+          </a:fillRef>
+          <a:effectRef idx="2">
+            <a:schemeClr val="accent1"/>
+          </a:effectRef>
+          <a:fontRef idx="minor">
+            <a:schemeClr val="lt1"/>
+          </a:fontRef>
+        </p:style>
+        <p:txBody>
+          <a:bodyPr rtlCol="0" anchor="ctr"/>
+          <a:lstStyle/>
+          <a:p>
+            <a:pPr algn="ctr"/>
+            <a:endParaRPr lang="en-US"/>
+          </a:p>
+        </p:txBody>
+      </p:sp>
+      <p:cxnSp>
+        <p:nvCxnSpPr>
+          <p:cNvPr id="24" name="Straight Connector 23"/>
+          <p:cNvCxnSpPr/>
+          <p:nvPr/>
+        </p:nvCxnSpPr>
+        <p:spPr>
+          <a:xfrm>
+            <a:off x="6181725" y="1647825"/>
+            <a:ext cx="609600" cy="0"/>
+          </a:xfrm>
+          <a:prstGeom prst="line">
+            <a:avLst/>
+          </a:prstGeom>
+          <a:ln w="25400">
+            <a:solidFill>
+              <a:srgbClr val="FF0000"/>
+            </a:solidFill>
+          </a:ln>
+        </p:spPr>
+        <p:style>
+          <a:lnRef idx="1">
+            <a:schemeClr val="accent1"/>
+          </a:lnRef>
+          <a:fillRef idx="0">
+            <a:schemeClr val="accent1"/>
+          </a:fillRef>
+          <a:effectRef idx="0">
+            <a:schemeClr val="accent1"/>
+          </a:effectRef>
+          <a:fontRef idx="minor">
+            <a:schemeClr val="tx1"/>
+          </a:fontRef>
+        </p:style>
+      </p:cxnSp>
+    </p:spTree>
+  </p:cSld>
+  <p:clrMapOvr>
+    <a:masterClrMapping/>
+  </p:clrMapOvr>
+</p:sld>
+</file>
+
 <file path=ppt/theme/theme1.xml><?xml version="1.0" encoding="utf-8"?>
 <a:theme xmlns:a="http://schemas.openxmlformats.org/drawingml/2006/main" name="Office Theme">
   <a:themeElements>
